--- a/2024_LLM論文要約_3.pptx
+++ b/2024_LLM論文要約_3.pptx
@@ -40,16 +40,20 @@
     <p:sldId id="285" r:id="rId35"/>
     <p:sldId id="286" r:id="rId36"/>
     <p:sldId id="287" r:id="rId37"/>
+    <p:sldId id="288" r:id="rId38"/>
+    <p:sldId id="289" r:id="rId39"/>
+    <p:sldId id="290" r:id="rId40"/>
+    <p:sldId id="291" r:id="rId41"/>
   </p:sldIdLst>
   <p:sldSz cy="5143500" cx="9144000"/>
   <p:notesSz cx="6858000" cy="9144000"/>
   <p:embeddedFontLst>
     <p:embeddedFont>
       <p:font typeface="Proxima Nova"/>
-      <p:regular r:id="rId38"/>
-      <p:bold r:id="rId39"/>
-      <p:italic r:id="rId40"/>
-      <p:boldItalic r:id="rId41"/>
+      <p:regular r:id="rId42"/>
+      <p:bold r:id="rId43"/>
+      <p:italic r:id="rId44"/>
+      <p:boldItalic r:id="rId45"/>
     </p:embeddedFont>
   </p:embeddedFontLst>
   <p:defaultTextStyle>
@@ -3220,7 +3224,7 @@
       </p:grpSpPr>
       <p:sp>
         <p:nvSpPr>
-          <p:cNvPr id="232" name="Google Shape;232;g2b3937a3876_0_15:notes"/>
+          <p:cNvPr id="232" name="Google Shape;232;g26b6e57fa26_0_0:notes"/>
           <p:cNvSpPr/>
           <p:nvPr>
             <p:ph idx="2" type="sldImg"/>
@@ -3255,7 +3259,403 @@
       </p:sp>
       <p:sp>
         <p:nvSpPr>
-          <p:cNvPr id="233" name="Google Shape;233;g2b3937a3876_0_15:notes"/>
+          <p:cNvPr id="233" name="Google Shape;233;g26b6e57fa26_0_0:notes"/>
+          <p:cNvSpPr txBox="1"/>
+          <p:nvPr>
+            <p:ph idx="1" type="body"/>
+          </p:nvPr>
+        </p:nvSpPr>
+        <p:spPr>
+          <a:xfrm>
+            <a:off x="685800" y="4343400"/>
+            <a:ext cx="5486400" cy="4114800"/>
+          </a:xfrm>
+          <a:prstGeom prst="rect">
+            <a:avLst/>
+          </a:prstGeom>
+        </p:spPr>
+        <p:txBody>
+          <a:bodyPr anchorCtr="0" anchor="t" bIns="91425" lIns="91425" spcFirstLastPara="1" rIns="91425" wrap="square" tIns="91425">
+            <a:noAutofit/>
+          </a:bodyPr>
+          <a:lstStyle/>
+          <a:p>
+            <a:pPr indent="0" lvl="0" marL="0" rtl="0" algn="l">
+              <a:spcBef>
+                <a:spcPts val="0"/>
+              </a:spcBef>
+              <a:spcAft>
+                <a:spcPts val="0"/>
+              </a:spcAft>
+              <a:buNone/>
+            </a:pPr>
+            <a:r>
+              <a:t/>
+            </a:r>
+            <a:endParaRPr/>
+          </a:p>
+        </p:txBody>
+      </p:sp>
+    </p:spTree>
+  </p:cSld>
+  <p:clrMapOvr>
+    <a:masterClrMapping/>
+  </p:clrMapOvr>
+</p:notes>
+</file>
+
+<file path=ppt/notesSlides/notesSlide33.xml><?xml version="1.0" encoding="utf-8"?>
+<p:notes xmlns:a="http://schemas.openxmlformats.org/drawingml/2006/main" xmlns:r="http://schemas.openxmlformats.org/officeDocument/2006/relationships" xmlns:mc="http://schemas.openxmlformats.org/markup-compatibility/2006" xmlns:mv="urn:schemas-microsoft-com:mac:vml" xmlns:p="http://schemas.openxmlformats.org/presentationml/2006/main" xmlns:c="http://schemas.openxmlformats.org/drawingml/2006/chart" xmlns:dgm="http://schemas.openxmlformats.org/drawingml/2006/diagram" xmlns:o="urn:schemas-microsoft-com:office:office" xmlns:v="urn:schemas-microsoft-com:vml" xmlns:pvml="urn:schemas-microsoft-com:office:powerpoint" xmlns:com="http://schemas.openxmlformats.org/drawingml/2006/compatibility" xmlns:p14="http://schemas.microsoft.com/office/powerpoint/2010/main" xmlns:p15="http://schemas.microsoft.com/office/powerpoint/2012/main" xmlns:ahyp="http://schemas.microsoft.com/office/drawing/2018/hyperlinkcolor" showMasterPhAnim="0" showMasterSp="0">
+  <p:cSld>
+    <p:spTree>
+      <p:nvGrpSpPr>
+        <p:cNvPr id="236" name="Shape 236"/>
+        <p:cNvGrpSpPr/>
+        <p:nvPr/>
+      </p:nvGrpSpPr>
+      <p:grpSpPr>
+        <a:xfrm>
+          <a:off x="0" y="0"/>
+          <a:ext cx="0" cy="0"/>
+          <a:chOff x="0" y="0"/>
+          <a:chExt cx="0" cy="0"/>
+        </a:xfrm>
+      </p:grpSpPr>
+      <p:sp>
+        <p:nvSpPr>
+          <p:cNvPr id="237" name="Google Shape;237;g26b6e57fa26_0_17:notes"/>
+          <p:cNvSpPr/>
+          <p:nvPr>
+            <p:ph idx="2" type="sldImg"/>
+          </p:nvPr>
+        </p:nvSpPr>
+        <p:spPr>
+          <a:xfrm>
+            <a:off x="381300" y="685800"/>
+            <a:ext cx="6096000" cy="3429000"/>
+          </a:xfrm>
+          <a:custGeom>
+            <a:rect b="b" l="l" r="r" t="t"/>
+            <a:pathLst>
+              <a:path extrusionOk="0" h="120000" w="120000">
+                <a:moveTo>
+                  <a:pt x="0" y="0"/>
+                </a:moveTo>
+                <a:lnTo>
+                  <a:pt x="120000" y="0"/>
+                </a:lnTo>
+                <a:lnTo>
+                  <a:pt x="120000" y="120000"/>
+                </a:lnTo>
+                <a:lnTo>
+                  <a:pt x="0" y="120000"/>
+                </a:lnTo>
+                <a:close/>
+              </a:path>
+            </a:pathLst>
+          </a:custGeom>
+        </p:spPr>
+      </p:sp>
+      <p:sp>
+        <p:nvSpPr>
+          <p:cNvPr id="238" name="Google Shape;238;g26b6e57fa26_0_17:notes"/>
+          <p:cNvSpPr txBox="1"/>
+          <p:nvPr>
+            <p:ph idx="1" type="body"/>
+          </p:nvPr>
+        </p:nvSpPr>
+        <p:spPr>
+          <a:xfrm>
+            <a:off x="685800" y="4343400"/>
+            <a:ext cx="5486400" cy="4114800"/>
+          </a:xfrm>
+          <a:prstGeom prst="rect">
+            <a:avLst/>
+          </a:prstGeom>
+        </p:spPr>
+        <p:txBody>
+          <a:bodyPr anchorCtr="0" anchor="t" bIns="91425" lIns="91425" spcFirstLastPara="1" rIns="91425" wrap="square" tIns="91425">
+            <a:noAutofit/>
+          </a:bodyPr>
+          <a:lstStyle/>
+          <a:p>
+            <a:pPr indent="0" lvl="0" marL="0" rtl="0" algn="l">
+              <a:spcBef>
+                <a:spcPts val="0"/>
+              </a:spcBef>
+              <a:spcAft>
+                <a:spcPts val="0"/>
+              </a:spcAft>
+              <a:buNone/>
+            </a:pPr>
+            <a:r>
+              <a:t/>
+            </a:r>
+            <a:endParaRPr/>
+          </a:p>
+        </p:txBody>
+      </p:sp>
+    </p:spTree>
+  </p:cSld>
+  <p:clrMapOvr>
+    <a:masterClrMapping/>
+  </p:clrMapOvr>
+</p:notes>
+</file>
+
+<file path=ppt/notesSlides/notesSlide34.xml><?xml version="1.0" encoding="utf-8"?>
+<p:notes xmlns:a="http://schemas.openxmlformats.org/drawingml/2006/main" xmlns:r="http://schemas.openxmlformats.org/officeDocument/2006/relationships" xmlns:mc="http://schemas.openxmlformats.org/markup-compatibility/2006" xmlns:mv="urn:schemas-microsoft-com:mac:vml" xmlns:p="http://schemas.openxmlformats.org/presentationml/2006/main" xmlns:c="http://schemas.openxmlformats.org/drawingml/2006/chart" xmlns:dgm="http://schemas.openxmlformats.org/drawingml/2006/diagram" xmlns:o="urn:schemas-microsoft-com:office:office" xmlns:v="urn:schemas-microsoft-com:vml" xmlns:pvml="urn:schemas-microsoft-com:office:powerpoint" xmlns:com="http://schemas.openxmlformats.org/drawingml/2006/compatibility" xmlns:p14="http://schemas.microsoft.com/office/powerpoint/2010/main" xmlns:p15="http://schemas.microsoft.com/office/powerpoint/2012/main" xmlns:ahyp="http://schemas.microsoft.com/office/drawing/2018/hyperlinkcolor" showMasterPhAnim="0" showMasterSp="0">
+  <p:cSld>
+    <p:spTree>
+      <p:nvGrpSpPr>
+        <p:cNvPr id="241" name="Shape 241"/>
+        <p:cNvGrpSpPr/>
+        <p:nvPr/>
+      </p:nvGrpSpPr>
+      <p:grpSpPr>
+        <a:xfrm>
+          <a:off x="0" y="0"/>
+          <a:ext cx="0" cy="0"/>
+          <a:chOff x="0" y="0"/>
+          <a:chExt cx="0" cy="0"/>
+        </a:xfrm>
+      </p:grpSpPr>
+      <p:sp>
+        <p:nvSpPr>
+          <p:cNvPr id="242" name="Google Shape;242;g2c1f78a21ad_0_0:notes"/>
+          <p:cNvSpPr/>
+          <p:nvPr>
+            <p:ph idx="2" type="sldImg"/>
+          </p:nvPr>
+        </p:nvSpPr>
+        <p:spPr>
+          <a:xfrm>
+            <a:off x="381300" y="685800"/>
+            <a:ext cx="6096000" cy="3429000"/>
+          </a:xfrm>
+          <a:custGeom>
+            <a:rect b="b" l="l" r="r" t="t"/>
+            <a:pathLst>
+              <a:path extrusionOk="0" h="120000" w="120000">
+                <a:moveTo>
+                  <a:pt x="0" y="0"/>
+                </a:moveTo>
+                <a:lnTo>
+                  <a:pt x="120000" y="0"/>
+                </a:lnTo>
+                <a:lnTo>
+                  <a:pt x="120000" y="120000"/>
+                </a:lnTo>
+                <a:lnTo>
+                  <a:pt x="0" y="120000"/>
+                </a:lnTo>
+                <a:close/>
+              </a:path>
+            </a:pathLst>
+          </a:custGeom>
+        </p:spPr>
+      </p:sp>
+      <p:sp>
+        <p:nvSpPr>
+          <p:cNvPr id="243" name="Google Shape;243;g2c1f78a21ad_0_0:notes"/>
+          <p:cNvSpPr txBox="1"/>
+          <p:nvPr>
+            <p:ph idx="1" type="body"/>
+          </p:nvPr>
+        </p:nvSpPr>
+        <p:spPr>
+          <a:xfrm>
+            <a:off x="685800" y="4343400"/>
+            <a:ext cx="5486400" cy="4114800"/>
+          </a:xfrm>
+          <a:prstGeom prst="rect">
+            <a:avLst/>
+          </a:prstGeom>
+        </p:spPr>
+        <p:txBody>
+          <a:bodyPr anchorCtr="0" anchor="t" bIns="91425" lIns="91425" spcFirstLastPara="1" rIns="91425" wrap="square" tIns="91425">
+            <a:noAutofit/>
+          </a:bodyPr>
+          <a:lstStyle/>
+          <a:p>
+            <a:pPr indent="0" lvl="0" marL="0" rtl="0" algn="l">
+              <a:spcBef>
+                <a:spcPts val="0"/>
+              </a:spcBef>
+              <a:spcAft>
+                <a:spcPts val="0"/>
+              </a:spcAft>
+              <a:buNone/>
+            </a:pPr>
+            <a:r>
+              <a:t/>
+            </a:r>
+            <a:endParaRPr/>
+          </a:p>
+        </p:txBody>
+      </p:sp>
+    </p:spTree>
+  </p:cSld>
+  <p:clrMapOvr>
+    <a:masterClrMapping/>
+  </p:clrMapOvr>
+</p:notes>
+</file>
+
+<file path=ppt/notesSlides/notesSlide35.xml><?xml version="1.0" encoding="utf-8"?>
+<p:notes xmlns:a="http://schemas.openxmlformats.org/drawingml/2006/main" xmlns:r="http://schemas.openxmlformats.org/officeDocument/2006/relationships" xmlns:mc="http://schemas.openxmlformats.org/markup-compatibility/2006" xmlns:mv="urn:schemas-microsoft-com:mac:vml" xmlns:p="http://schemas.openxmlformats.org/presentationml/2006/main" xmlns:c="http://schemas.openxmlformats.org/drawingml/2006/chart" xmlns:dgm="http://schemas.openxmlformats.org/drawingml/2006/diagram" xmlns:o="urn:schemas-microsoft-com:office:office" xmlns:v="urn:schemas-microsoft-com:vml" xmlns:pvml="urn:schemas-microsoft-com:office:powerpoint" xmlns:com="http://schemas.openxmlformats.org/drawingml/2006/compatibility" xmlns:p14="http://schemas.microsoft.com/office/powerpoint/2010/main" xmlns:p15="http://schemas.microsoft.com/office/powerpoint/2012/main" xmlns:ahyp="http://schemas.microsoft.com/office/drawing/2018/hyperlinkcolor" showMasterPhAnim="0" showMasterSp="0">
+  <p:cSld>
+    <p:spTree>
+      <p:nvGrpSpPr>
+        <p:cNvPr id="247" name="Shape 247"/>
+        <p:cNvGrpSpPr/>
+        <p:nvPr/>
+      </p:nvGrpSpPr>
+      <p:grpSpPr>
+        <a:xfrm>
+          <a:off x="0" y="0"/>
+          <a:ext cx="0" cy="0"/>
+          <a:chOff x="0" y="0"/>
+          <a:chExt cx="0" cy="0"/>
+        </a:xfrm>
+      </p:grpSpPr>
+      <p:sp>
+        <p:nvSpPr>
+          <p:cNvPr id="248" name="Google Shape;248;g2c1f78a21ad_0_17:notes"/>
+          <p:cNvSpPr/>
+          <p:nvPr>
+            <p:ph idx="2" type="sldImg"/>
+          </p:nvPr>
+        </p:nvSpPr>
+        <p:spPr>
+          <a:xfrm>
+            <a:off x="381300" y="685800"/>
+            <a:ext cx="6096000" cy="3429000"/>
+          </a:xfrm>
+          <a:custGeom>
+            <a:rect b="b" l="l" r="r" t="t"/>
+            <a:pathLst>
+              <a:path extrusionOk="0" h="120000" w="120000">
+                <a:moveTo>
+                  <a:pt x="0" y="0"/>
+                </a:moveTo>
+                <a:lnTo>
+                  <a:pt x="120000" y="0"/>
+                </a:lnTo>
+                <a:lnTo>
+                  <a:pt x="120000" y="120000"/>
+                </a:lnTo>
+                <a:lnTo>
+                  <a:pt x="0" y="120000"/>
+                </a:lnTo>
+                <a:close/>
+              </a:path>
+            </a:pathLst>
+          </a:custGeom>
+        </p:spPr>
+      </p:sp>
+      <p:sp>
+        <p:nvSpPr>
+          <p:cNvPr id="249" name="Google Shape;249;g2c1f78a21ad_0_17:notes"/>
+          <p:cNvSpPr txBox="1"/>
+          <p:nvPr>
+            <p:ph idx="1" type="body"/>
+          </p:nvPr>
+        </p:nvSpPr>
+        <p:spPr>
+          <a:xfrm>
+            <a:off x="685800" y="4343400"/>
+            <a:ext cx="5486400" cy="4114800"/>
+          </a:xfrm>
+          <a:prstGeom prst="rect">
+            <a:avLst/>
+          </a:prstGeom>
+        </p:spPr>
+        <p:txBody>
+          <a:bodyPr anchorCtr="0" anchor="t" bIns="91425" lIns="91425" spcFirstLastPara="1" rIns="91425" wrap="square" tIns="91425">
+            <a:noAutofit/>
+          </a:bodyPr>
+          <a:lstStyle/>
+          <a:p>
+            <a:pPr indent="0" lvl="0" marL="0" rtl="0" algn="l">
+              <a:spcBef>
+                <a:spcPts val="0"/>
+              </a:spcBef>
+              <a:spcAft>
+                <a:spcPts val="0"/>
+              </a:spcAft>
+              <a:buNone/>
+            </a:pPr>
+            <a:r>
+              <a:t/>
+            </a:r>
+            <a:endParaRPr/>
+          </a:p>
+        </p:txBody>
+      </p:sp>
+    </p:spTree>
+  </p:cSld>
+  <p:clrMapOvr>
+    <a:masterClrMapping/>
+  </p:clrMapOvr>
+</p:notes>
+</file>
+
+<file path=ppt/notesSlides/notesSlide36.xml><?xml version="1.0" encoding="utf-8"?>
+<p:notes xmlns:a="http://schemas.openxmlformats.org/drawingml/2006/main" xmlns:r="http://schemas.openxmlformats.org/officeDocument/2006/relationships" xmlns:mc="http://schemas.openxmlformats.org/markup-compatibility/2006" xmlns:mv="urn:schemas-microsoft-com:mac:vml" xmlns:p="http://schemas.openxmlformats.org/presentationml/2006/main" xmlns:c="http://schemas.openxmlformats.org/drawingml/2006/chart" xmlns:dgm="http://schemas.openxmlformats.org/drawingml/2006/diagram" xmlns:o="urn:schemas-microsoft-com:office:office" xmlns:v="urn:schemas-microsoft-com:vml" xmlns:pvml="urn:schemas-microsoft-com:office:powerpoint" xmlns:com="http://schemas.openxmlformats.org/drawingml/2006/compatibility" xmlns:p14="http://schemas.microsoft.com/office/powerpoint/2010/main" xmlns:p15="http://schemas.microsoft.com/office/powerpoint/2012/main" xmlns:ahyp="http://schemas.microsoft.com/office/drawing/2018/hyperlinkcolor" showMasterPhAnim="0" showMasterSp="0">
+  <p:cSld>
+    <p:spTree>
+      <p:nvGrpSpPr>
+        <p:cNvPr id="253" name="Shape 253"/>
+        <p:cNvGrpSpPr/>
+        <p:nvPr/>
+      </p:nvGrpSpPr>
+      <p:grpSpPr>
+        <a:xfrm>
+          <a:off x="0" y="0"/>
+          <a:ext cx="0" cy="0"/>
+          <a:chOff x="0" y="0"/>
+          <a:chExt cx="0" cy="0"/>
+        </a:xfrm>
+      </p:grpSpPr>
+      <p:sp>
+        <p:nvSpPr>
+          <p:cNvPr id="254" name="Google Shape;254;g2b3937a3876_0_15:notes"/>
+          <p:cNvSpPr/>
+          <p:nvPr>
+            <p:ph idx="2" type="sldImg"/>
+          </p:nvPr>
+        </p:nvSpPr>
+        <p:spPr>
+          <a:xfrm>
+            <a:off x="381300" y="685800"/>
+            <a:ext cx="6096000" cy="3429000"/>
+          </a:xfrm>
+          <a:custGeom>
+            <a:rect b="b" l="l" r="r" t="t"/>
+            <a:pathLst>
+              <a:path extrusionOk="0" h="120000" w="120000">
+                <a:moveTo>
+                  <a:pt x="0" y="0"/>
+                </a:moveTo>
+                <a:lnTo>
+                  <a:pt x="120000" y="0"/>
+                </a:lnTo>
+                <a:lnTo>
+                  <a:pt x="120000" y="120000"/>
+                </a:lnTo>
+                <a:lnTo>
+                  <a:pt x="0" y="120000"/>
+                </a:lnTo>
+                <a:close/>
+              </a:path>
+            </a:pathLst>
+          </a:custGeom>
+        </p:spPr>
+      </p:sp>
+      <p:sp>
+        <p:nvSpPr>
+          <p:cNvPr id="255" name="Google Shape;255;g2b3937a3876_0_15:notes"/>
           <p:cNvSpPr txBox="1"/>
           <p:nvPr>
             <p:ph idx="1" type="body"/>
@@ -19989,6 +20389,2456 @@
           <p:cNvPr id="235" name="Google Shape;235;p44"/>
           <p:cNvSpPr txBox="1"/>
           <p:nvPr>
+            <p:ph idx="1" type="body"/>
+          </p:nvPr>
+        </p:nvSpPr>
+        <p:spPr>
+          <a:xfrm>
+            <a:off x="0" y="0"/>
+            <a:ext cx="9144000" cy="5049600"/>
+          </a:xfrm>
+          <a:prstGeom prst="rect">
+            <a:avLst/>
+          </a:prstGeom>
+        </p:spPr>
+        <p:txBody>
+          <a:bodyPr anchorCtr="0" anchor="t" bIns="91425" lIns="91425" spcFirstLastPara="1" rIns="91425" wrap="square" tIns="91425">
+            <a:normAutofit/>
+          </a:bodyPr>
+          <a:lstStyle/>
+          <a:p>
+            <a:pPr indent="0" lvl="0" marL="0" rtl="0" algn="l">
+              <a:lnSpc>
+                <a:spcPct val="100000"/>
+              </a:lnSpc>
+              <a:spcBef>
+                <a:spcPts val="0"/>
+              </a:spcBef>
+              <a:spcAft>
+                <a:spcPts val="0"/>
+              </a:spcAft>
+              <a:buNone/>
+            </a:pPr>
+            <a:r>
+              <a:rPr lang="ja" sz="1200" u="sng"/>
+              <a:t>Can Large Language Models Automatically Score Proficiency of Written Essays?</a:t>
+            </a:r>
+            <a:r>
+              <a:rPr lang="ja" sz="1200" u="sng"/>
+              <a:t> 2024</a:t>
+            </a:r>
+            <a:endParaRPr sz="1100"/>
+          </a:p>
+          <a:p>
+            <a:pPr indent="0" lvl="0" marL="0" rtl="0" algn="l">
+              <a:lnSpc>
+                <a:spcPct val="100000"/>
+              </a:lnSpc>
+              <a:spcBef>
+                <a:spcPts val="1200"/>
+              </a:spcBef>
+              <a:spcAft>
+                <a:spcPts val="0"/>
+              </a:spcAft>
+              <a:buNone/>
+            </a:pPr>
+            <a:r>
+              <a:rPr lang="ja" sz="1100" u="sng"/>
+              <a:t>概要</a:t>
+            </a:r>
+            <a:endParaRPr sz="764"/>
+          </a:p>
+          <a:p>
+            <a:pPr indent="0" lvl="0" marL="0" rtl="0" algn="l">
+              <a:lnSpc>
+                <a:spcPct val="100000"/>
+              </a:lnSpc>
+              <a:spcBef>
+                <a:spcPts val="1200"/>
+              </a:spcBef>
+              <a:spcAft>
+                <a:spcPts val="0"/>
+              </a:spcAft>
+              <a:buNone/>
+            </a:pPr>
+            <a:r>
+              <a:rPr lang="ja" sz="764"/>
+              <a:t>LLMが</a:t>
+            </a:r>
+            <a:r>
+              <a:rPr lang="ja" sz="764"/>
+              <a:t>書かれたエッセイの能力を評価できるかを検証しています。ChatGPTとLlamaという2つの人気のあるLLMを使用し、これらのモデルが自動エッセイスコアリング（AES）タスクをどのように実行できるか、そしてそれらのパフォーマンスが現在の最先端（SOTA）モデルと比較してどのように位置付けられるかを調査。プロンプトエンジニアリングを用いて設計された4つの異なるプロンプトを使用してLLMの最大のポテンシャルを引き出すことを目的とし実験はASAPデータセット上で行われ、いくつかの興味深い観察結果が明らかにされました。</a:t>
+            </a:r>
+            <a:br>
+              <a:rPr lang="ja" sz="764"/>
+            </a:br>
+            <a:r>
+              <a:rPr lang="ja" sz="764"/>
+              <a:t>特に、適切なプロンプトの選択がモデルの性能に大きく依存していること、そして2つのLLMがAESで比較可能な平均パフォーマンスを示したが、SOTAモデルとの間には予測性能にギャップがあるにもかかわらず、エッセイの質を向上させるフィードバックを提供することができる可能性があるようです。</a:t>
+            </a:r>
+            <a:endParaRPr sz="764"/>
+          </a:p>
+          <a:p>
+            <a:pPr indent="0" lvl="0" marL="0" rtl="0" algn="l">
+              <a:lnSpc>
+                <a:spcPct val="100000"/>
+              </a:lnSpc>
+              <a:spcBef>
+                <a:spcPts val="1200"/>
+              </a:spcBef>
+              <a:spcAft>
+                <a:spcPts val="0"/>
+              </a:spcAft>
+              <a:buNone/>
+            </a:pPr>
+            <a:r>
+              <a:rPr lang="ja" sz="1100" u="sng"/>
+              <a:t>手法</a:t>
+            </a:r>
+            <a:endParaRPr sz="800"/>
+          </a:p>
+          <a:p>
+            <a:pPr indent="0" lvl="0" marL="0" rtl="0" algn="l">
+              <a:lnSpc>
+                <a:spcPct val="100000"/>
+              </a:lnSpc>
+              <a:spcBef>
+                <a:spcPts val="1200"/>
+              </a:spcBef>
+              <a:spcAft>
+                <a:spcPts val="0"/>
+              </a:spcAft>
+              <a:buNone/>
+            </a:pPr>
+            <a:r>
+              <a:rPr lang="ja" sz="764"/>
+              <a:t>プロンプトエンジニアリング戦術の詳細な処理アルゴリズムは、自然言語処理タスク、特に大規模言語モデル(LLMs)を使用する場合に、効果的なプロンプトを設計するための一連のステップと原則に基づいています。この手法は、モデルがタスクの指示をより正確に理解し、期待される出力を生成できるようにすることを目指しています。具体的な処理は以下の通りです。</a:t>
+            </a:r>
+            <a:endParaRPr sz="764"/>
+          </a:p>
+          <a:p>
+            <a:pPr indent="0" lvl="0" marL="0" rtl="0" algn="l">
+              <a:lnSpc>
+                <a:spcPct val="100000"/>
+              </a:lnSpc>
+              <a:spcBef>
+                <a:spcPts val="1200"/>
+              </a:spcBef>
+              <a:spcAft>
+                <a:spcPts val="0"/>
+              </a:spcAft>
+              <a:buNone/>
+            </a:pPr>
+            <a:r>
+              <a:rPr lang="ja" sz="764"/>
+              <a:t>1. 入力とタスクの明確化: プロンプトの最初の部分で、モデルに何を求めているのかを明確に説明します。これには、タスクの目的、期待される出力の形式（例：テキスト、数値）、およびその他の重要な指示が含まれます。</a:t>
+            </a:r>
+            <a:br>
+              <a:rPr lang="ja" sz="764"/>
+            </a:br>
+            <a:r>
+              <a:rPr lang="ja" sz="764"/>
+              <a:t>2. 適切な区切り文字の使用: 入力データ、ルーブリック、例示（one-shotまたはfew-shot例示が含まれる場合）など、異なる種類の情報を区別するために、適切な区切り文字（例：&lt;&gt;、````）を使用します。これにより、モデルが各部分を正確に識別し、誤ったプロンプト注入を防ぐことができます。</a:t>
+            </a:r>
+            <a:br>
+              <a:rPr lang="ja" sz="764"/>
+            </a:br>
+            <a:r>
+              <a:rPr lang="ja" sz="764"/>
+              <a:t>3. 逐次的指示の提供: モデルがタスクを段階的に処理できるように、逐次的な指示をプロンプトに含めます。これには、具体的なステップやアクションが含まれ、モデルが順を追ってタスクを完了するのを助けます。</a:t>
+            </a:r>
+            <a:br>
+              <a:rPr lang="ja" sz="764"/>
+            </a:br>
+            <a:r>
+              <a:rPr lang="ja" sz="764"/>
+              <a:t>4. 入力テキストの前処理指示の明確化: 特に匿名化トークンなど、入力テキストに特定の前処理が必要な場合は、その処理方法について明確な指示を提供します。これにより、モデルが入力データを適切に処理し、タスクの実行に必要な情報を正確に抽出できるようになります。</a:t>
+            </a:r>
+            <a:br>
+              <a:rPr lang="ja" sz="764"/>
+            </a:br>
+            <a:r>
+              <a:rPr lang="ja" sz="764"/>
+              <a:t>5. 期待される出力形式の指定: モデルによる出力が特定の形式（例：JSON形式での応答）であることを要求する場合は、その形式を明確に指定し、出力がその要件を満たすようにします。</a:t>
+            </a:r>
+            <a:endParaRPr sz="764"/>
+          </a:p>
+          <a:p>
+            <a:pPr indent="0" lvl="0" marL="0" rtl="0" algn="l">
+              <a:lnSpc>
+                <a:spcPct val="100000"/>
+              </a:lnSpc>
+              <a:spcBef>
+                <a:spcPts val="1200"/>
+              </a:spcBef>
+              <a:spcAft>
+                <a:spcPts val="0"/>
+              </a:spcAft>
+              <a:buNone/>
+            </a:pPr>
+            <a:r>
+              <a:rPr lang="ja" sz="764"/>
+              <a:t>これらの手順と原則に従ってプロンプトを設計することで、大規模言語モデルがタスクの指示をより正確に理解し、期待される出力をより効果的に生成することが可能になります。</a:t>
+            </a:r>
+            <a:endParaRPr sz="764"/>
+          </a:p>
+          <a:p>
+            <a:pPr indent="0" lvl="0" marL="0" rtl="0" algn="l">
+              <a:lnSpc>
+                <a:spcPct val="100000"/>
+              </a:lnSpc>
+              <a:spcBef>
+                <a:spcPts val="1200"/>
+              </a:spcBef>
+              <a:spcAft>
+                <a:spcPts val="0"/>
+              </a:spcAft>
+              <a:buNone/>
+            </a:pPr>
+            <a:r>
+              <a:rPr lang="ja" sz="1122" u="sng"/>
+              <a:t>結果</a:t>
+            </a:r>
+            <a:endParaRPr sz="1122"/>
+          </a:p>
+          <a:p>
+            <a:pPr indent="0" lvl="0" marL="0" rtl="0" algn="l">
+              <a:lnSpc>
+                <a:spcPct val="100000"/>
+              </a:lnSpc>
+              <a:spcBef>
+                <a:spcPts val="1200"/>
+              </a:spcBef>
+              <a:spcAft>
+                <a:spcPts val="0"/>
+              </a:spcAft>
+              <a:buNone/>
+            </a:pPr>
+            <a:r>
+              <a:rPr lang="ja" sz="822"/>
+              <a:t>適切なプロンプトの選択がモデルの性能に大きく依存していることがわかりました。特に、Llamaはプロンプトの選択に敏感であり、ChatGPTは比較的一貫性のある性能を示しました。</a:t>
+            </a:r>
+            <a:br>
+              <a:rPr lang="ja" sz="822"/>
+            </a:br>
+            <a:r>
+              <a:rPr lang="ja" sz="822"/>
+              <a:t>しかし、ChatGPTとLlamaの両方が、スコア予測の面でSOTAモデルに比べて遅れをとっていることが明らかになりました。</a:t>
+            </a:r>
+            <a:br>
+              <a:rPr lang="ja" sz="822"/>
+            </a:br>
+            <a:r>
+              <a:rPr lang="ja" sz="822"/>
+              <a:t>その平均Quadratic Weighted Kappa（QWK）スコアは、ChatGPTが0.313、Llamaが0.297であり、これはSOTAモデルのスコア（平均QWKが0.817や0.695など）よりも低いです。</a:t>
+            </a:r>
+            <a:endParaRPr sz="822"/>
+          </a:p>
+          <a:p>
+            <a:pPr indent="0" lvl="0" marL="0" rtl="0" algn="l">
+              <a:lnSpc>
+                <a:spcPct val="100000"/>
+              </a:lnSpc>
+              <a:spcBef>
+                <a:spcPts val="1200"/>
+              </a:spcBef>
+              <a:spcAft>
+                <a:spcPts val="1200"/>
+              </a:spcAft>
+              <a:buNone/>
+            </a:pPr>
+            <a:r>
+              <a:t/>
+            </a:r>
+            <a:endParaRPr sz="822"/>
+          </a:p>
+        </p:txBody>
+      </p:sp>
+    </p:spTree>
+  </p:cSld>
+  <p:clrMapOvr>
+    <a:masterClrMapping/>
+  </p:clrMapOvr>
+</p:sld>
+</file>
+
+<file path=ppt/slides/slide33.xml><?xml version="1.0" encoding="utf-8"?>
+<p:sld xmlns:a="http://schemas.openxmlformats.org/drawingml/2006/main" xmlns:r="http://schemas.openxmlformats.org/officeDocument/2006/relationships" xmlns:mc="http://schemas.openxmlformats.org/markup-compatibility/2006" xmlns:mv="urn:schemas-microsoft-com:mac:vml" xmlns:p="http://schemas.openxmlformats.org/presentationml/2006/main" xmlns:c="http://schemas.openxmlformats.org/drawingml/2006/chart" xmlns:dgm="http://schemas.openxmlformats.org/drawingml/2006/diagram" xmlns:o="urn:schemas-microsoft-com:office:office" xmlns:v="urn:schemas-microsoft-com:vml" xmlns:pvml="urn:schemas-microsoft-com:office:powerpoint" xmlns:com="http://schemas.openxmlformats.org/drawingml/2006/compatibility" xmlns:p14="http://schemas.microsoft.com/office/powerpoint/2010/main" xmlns:p15="http://schemas.microsoft.com/office/powerpoint/2012/main" xmlns:ahyp="http://schemas.microsoft.com/office/drawing/2018/hyperlinkcolor">
+  <p:cSld>
+    <p:spTree>
+      <p:nvGrpSpPr>
+        <p:cNvPr id="239" name="Shape 239"/>
+        <p:cNvGrpSpPr/>
+        <p:nvPr/>
+      </p:nvGrpSpPr>
+      <p:grpSpPr>
+        <a:xfrm>
+          <a:off x="0" y="0"/>
+          <a:ext cx="0" cy="0"/>
+          <a:chOff x="0" y="0"/>
+          <a:chExt cx="0" cy="0"/>
+        </a:xfrm>
+      </p:grpSpPr>
+      <p:sp>
+        <p:nvSpPr>
+          <p:cNvPr id="240" name="Google Shape;240;p45"/>
+          <p:cNvSpPr txBox="1"/>
+          <p:nvPr>
+            <p:ph idx="1" type="body"/>
+          </p:nvPr>
+        </p:nvSpPr>
+        <p:spPr>
+          <a:xfrm>
+            <a:off x="0" y="0"/>
+            <a:ext cx="9144000" cy="5049600"/>
+          </a:xfrm>
+          <a:prstGeom prst="rect">
+            <a:avLst/>
+          </a:prstGeom>
+        </p:spPr>
+        <p:txBody>
+          <a:bodyPr anchorCtr="0" anchor="t" bIns="91425" lIns="91425" spcFirstLastPara="1" rIns="91425" wrap="square" tIns="91425">
+            <a:normAutofit/>
+          </a:bodyPr>
+          <a:lstStyle/>
+          <a:p>
+            <a:pPr indent="0" lvl="0" marL="0" rtl="0" algn="l">
+              <a:lnSpc>
+                <a:spcPct val="100000"/>
+              </a:lnSpc>
+              <a:spcBef>
+                <a:spcPts val="0"/>
+              </a:spcBef>
+              <a:spcAft>
+                <a:spcPts val="0"/>
+              </a:spcAft>
+              <a:buNone/>
+            </a:pPr>
+            <a:r>
+              <a:rPr lang="ja" sz="1200" u="sng"/>
+              <a:t>Explaining Code with a Purpose: An Integrated Approach for Developing Code Comprehension and Prompting Skills</a:t>
+            </a:r>
+            <a:r>
+              <a:rPr lang="ja" sz="1200" u="sng"/>
+              <a:t> 2024</a:t>
+            </a:r>
+            <a:endParaRPr sz="1100"/>
+          </a:p>
+          <a:p>
+            <a:pPr indent="0" lvl="0" marL="0" rtl="0" algn="l">
+              <a:lnSpc>
+                <a:spcPct val="100000"/>
+              </a:lnSpc>
+              <a:spcBef>
+                <a:spcPts val="1200"/>
+              </a:spcBef>
+              <a:spcAft>
+                <a:spcPts val="0"/>
+              </a:spcAft>
+              <a:buNone/>
+            </a:pPr>
+            <a:r>
+              <a:rPr lang="ja" sz="1100" u="sng"/>
+              <a:t>概要</a:t>
+            </a:r>
+            <a:endParaRPr sz="764"/>
+          </a:p>
+          <a:p>
+            <a:pPr indent="0" lvl="0" marL="0" rtl="0" algn="l">
+              <a:lnSpc>
+                <a:spcPct val="100000"/>
+              </a:lnSpc>
+              <a:spcBef>
+                <a:spcPts val="1200"/>
+              </a:spcBef>
+              <a:spcAft>
+                <a:spcPts val="0"/>
+              </a:spcAft>
+              <a:buNone/>
+            </a:pPr>
+            <a:r>
+              <a:rPr lang="ja" sz="764"/>
+              <a:t>プログラミングを学ぶ初心者がコードの読解、理解、説明するための重要なスキルを開発するための統合アプローチについて検討しています。大規模言語モデル（LLM）の普及により、これらの基本スキルは、モデル生成コードを理解し評価する必要性が高まる中で、これまで以上に重要になっています。本研究は、従来のコーディング能力とLLMとの対話に必要な新しいスキルの両方の発展を統合する教育アプローチへの関心を探求しています。', 'Novelty': 'この研究の新規性は、「Explain in plain English 平易な英語で説明する。」(EiPE)の質問を使用してコード理解能力を開発・評価する方法にあります。EiPEの質問では、学生はコードの断片の目的を簡潔に説明します。しかし、EiPEの質問の採点は、書かれた説明を評価する主観性が高いため、常に困難でした。本研究では、EiPEの質問とコード生成LLMとの間に自然なシナジーを利用して、この限界を克服する方法を提案しています。', 'Methodology': '提案された方法は、学生のEiPEの質問への反応に基づいてLLMを使用してコードを生成し、EiPEの反応を自動的に評価することにより、学生が重要なコード理解とプロンプト作成スキルを平行して開発できるようにします。このアイデアを初級プログラミングコースで調査し、学生がEiPEの質問を解決するための効果的なプロンプトを作成することの成功を報告し、この活動がLLMを使用して学習を支援および評価することに対する学生の見解にどのように影響するかを調べます。', 'Results': '本研究は、提案された方法が、低リソース言語の翻訳タスクにおいて、既存の方法よりも一貫してBLEUスコアで優れており、より少ない訓練データで高い性能を達成できることを示しています。また、言語学の分野からの因子化文法を使用して、XTAG英文法からより一般的な翻訳ルールを提案しています。</a:t>
+            </a:r>
+            <a:endParaRPr sz="764"/>
+          </a:p>
+          <a:p>
+            <a:pPr indent="0" lvl="0" marL="0" rtl="0" algn="l">
+              <a:lnSpc>
+                <a:spcPct val="100000"/>
+              </a:lnSpc>
+              <a:spcBef>
+                <a:spcPts val="1200"/>
+              </a:spcBef>
+              <a:spcAft>
+                <a:spcPts val="0"/>
+              </a:spcAft>
+              <a:buNone/>
+            </a:pPr>
+            <a:r>
+              <a:rPr lang="ja" sz="1100" u="sng"/>
+              <a:t>手法</a:t>
+            </a:r>
+            <a:endParaRPr sz="800"/>
+          </a:p>
+          <a:p>
+            <a:pPr indent="0" lvl="0" marL="0" rtl="0" algn="l">
+              <a:lnSpc>
+                <a:spcPct val="100000"/>
+              </a:lnSpc>
+              <a:spcBef>
+                <a:spcPts val="1200"/>
+              </a:spcBef>
+              <a:spcAft>
+                <a:spcPts val="0"/>
+              </a:spcAft>
+              <a:buNone/>
+            </a:pPr>
+            <a:r>
+              <a:rPr lang="ja" sz="764"/>
+              <a:t>LLMを使用したEiPEの質問応答に基づくコード生成のアルゴリズムは、学生がコードの断片の目的を自然言語で説明するEiPE（Explain in Plain English）の質問に応答するプロセスを自動化し、その説明をLLM（Large Language Model）に入力として提供し、LLMが生成したコードが元のコードと機能的に等価であるかを自動評価する方法である。このプロセスは、学生がコード理解能力とLLMを用いた適切なプロンプト作成スキルを並行して開発するのを助ける。具体的な手順は以下の通りである。</a:t>
+            </a:r>
+            <a:endParaRPr sz="764"/>
+          </a:p>
+          <a:p>
+            <a:pPr indent="0" lvl="0" marL="0" rtl="0" algn="l">
+              <a:lnSpc>
+                <a:spcPct val="100000"/>
+              </a:lnSpc>
+              <a:spcBef>
+                <a:spcPts val="1200"/>
+              </a:spcBef>
+              <a:spcAft>
+                <a:spcPts val="0"/>
+              </a:spcAft>
+              <a:buNone/>
+            </a:pPr>
+            <a:r>
+              <a:rPr lang="ja" sz="764"/>
+              <a:t>1. 学生にコードの断片を提示し、その目的を自然言語で説明させる。</a:t>
+            </a:r>
+            <a:br>
+              <a:rPr lang="ja" sz="764"/>
+            </a:br>
+            <a:r>
+              <a:rPr lang="ja" sz="764"/>
+              <a:t>2. 学生の説明をLLMへの入力プロンプトとして使用し、LLMにコードを生成させる。</a:t>
+            </a:r>
+            <a:br>
+              <a:rPr lang="ja" sz="764"/>
+            </a:br>
+            <a:r>
+              <a:rPr lang="ja" sz="764"/>
+              <a:t>3. LLMによって生成されたコードがテストスイートを使用して元のコードと機能的に等価であるかを自動的に評価する。</a:t>
+            </a:r>
+            <a:br>
+              <a:rPr lang="ja" sz="764"/>
+            </a:br>
+            <a:r>
+              <a:rPr lang="ja" sz="764"/>
+              <a:t>4. この評価プロセスを通じて、学生のコード理解スキルとLLMを用いたプロンプト作成能力が強化される。このアプローチは、EiPEの質問に対する自動評価の難しさを克服し、学生がより深いコード理解を促進する助けとなる。</a:t>
+            </a:r>
+            <a:endParaRPr sz="764"/>
+          </a:p>
+          <a:p>
+            <a:pPr indent="0" lvl="0" marL="0" rtl="0" algn="l">
+              <a:lnSpc>
+                <a:spcPct val="100000"/>
+              </a:lnSpc>
+              <a:spcBef>
+                <a:spcPts val="1200"/>
+              </a:spcBef>
+              <a:spcAft>
+                <a:spcPts val="0"/>
+              </a:spcAft>
+              <a:buNone/>
+            </a:pPr>
+            <a:r>
+              <a:rPr lang="ja" sz="1122" u="sng"/>
+              <a:t>結果</a:t>
+            </a:r>
+            <a:endParaRPr sz="1122"/>
+          </a:p>
+          <a:p>
+            <a:pPr indent="0" lvl="0" marL="0" rtl="0" algn="l">
+              <a:lnSpc>
+                <a:spcPct val="100000"/>
+              </a:lnSpc>
+              <a:spcBef>
+                <a:spcPts val="1200"/>
+              </a:spcBef>
+              <a:spcAft>
+                <a:spcPts val="0"/>
+              </a:spcAft>
+              <a:buNone/>
+            </a:pPr>
+            <a:r>
+              <a:rPr lang="ja" sz="822"/>
+              <a:t>このアプローチは、学生がEiPE質問に対して効果的なプロンプトを作成するのに成功したこと、およびLLMsを使用して学習を支援および評価することに対する学生の認識を調査しました。</a:t>
+            </a:r>
+            <a:endParaRPr sz="822"/>
+          </a:p>
+          <a:p>
+            <a:pPr indent="0" lvl="0" marL="0" rtl="0" algn="l">
+              <a:lnSpc>
+                <a:spcPct val="100000"/>
+              </a:lnSpc>
+              <a:spcBef>
+                <a:spcPts val="1200"/>
+              </a:spcBef>
+              <a:spcAft>
+                <a:spcPts val="1200"/>
+              </a:spcAft>
+              <a:buNone/>
+            </a:pPr>
+            <a:r>
+              <a:t/>
+            </a:r>
+            <a:endParaRPr sz="822"/>
+          </a:p>
+        </p:txBody>
+      </p:sp>
+    </p:spTree>
+  </p:cSld>
+  <p:clrMapOvr>
+    <a:masterClrMapping/>
+  </p:clrMapOvr>
+</p:sld>
+</file>
+
+<file path=ppt/slides/slide34.xml><?xml version="1.0" encoding="utf-8"?>
+<p:sld xmlns:a="http://schemas.openxmlformats.org/drawingml/2006/main" xmlns:r="http://schemas.openxmlformats.org/officeDocument/2006/relationships" xmlns:mc="http://schemas.openxmlformats.org/markup-compatibility/2006" xmlns:mv="urn:schemas-microsoft-com:mac:vml" xmlns:p="http://schemas.openxmlformats.org/presentationml/2006/main" xmlns:c="http://schemas.openxmlformats.org/drawingml/2006/chart" xmlns:dgm="http://schemas.openxmlformats.org/drawingml/2006/diagram" xmlns:o="urn:schemas-microsoft-com:office:office" xmlns:v="urn:schemas-microsoft-com:vml" xmlns:pvml="urn:schemas-microsoft-com:office:powerpoint" xmlns:com="http://schemas.openxmlformats.org/drawingml/2006/compatibility" xmlns:p14="http://schemas.microsoft.com/office/powerpoint/2010/main" xmlns:p15="http://schemas.microsoft.com/office/powerpoint/2012/main" xmlns:ahyp="http://schemas.microsoft.com/office/drawing/2018/hyperlinkcolor">
+  <p:cSld>
+    <p:spTree>
+      <p:nvGrpSpPr>
+        <p:cNvPr id="244" name="Shape 244"/>
+        <p:cNvGrpSpPr/>
+        <p:nvPr/>
+      </p:nvGrpSpPr>
+      <p:grpSpPr>
+        <a:xfrm>
+          <a:off x="0" y="0"/>
+          <a:ext cx="0" cy="0"/>
+          <a:chOff x="0" y="0"/>
+          <a:chExt cx="0" cy="0"/>
+        </a:xfrm>
+      </p:grpSpPr>
+      <p:sp>
+        <p:nvSpPr>
+          <p:cNvPr id="245" name="Google Shape;245;p46"/>
+          <p:cNvSpPr txBox="1"/>
+          <p:nvPr>
+            <p:ph idx="1" type="body"/>
+          </p:nvPr>
+        </p:nvSpPr>
+        <p:spPr>
+          <a:xfrm>
+            <a:off x="0" y="0"/>
+            <a:ext cx="9144000" cy="5049600"/>
+          </a:xfrm>
+          <a:prstGeom prst="rect">
+            <a:avLst/>
+          </a:prstGeom>
+        </p:spPr>
+        <p:txBody>
+          <a:bodyPr anchorCtr="0" anchor="t" bIns="91425" lIns="91425" spcFirstLastPara="1" rIns="91425" wrap="square" tIns="91425">
+            <a:normAutofit fontScale="85000" lnSpcReduction="20000"/>
+          </a:bodyPr>
+          <a:lstStyle/>
+          <a:p>
+            <a:pPr indent="0" lvl="0" marL="0" rtl="0" algn="l">
+              <a:lnSpc>
+                <a:spcPct val="100000"/>
+              </a:lnSpc>
+              <a:spcBef>
+                <a:spcPts val="0"/>
+              </a:spcBef>
+              <a:spcAft>
+                <a:spcPts val="0"/>
+              </a:spcAft>
+              <a:buNone/>
+            </a:pPr>
+            <a:r>
+              <a:rPr lang="ja" sz="1200" u="sng"/>
+              <a:t>Decoding Complexity: Exploring Human-AI Concordance in Qualitative Coding</a:t>
+            </a:r>
+            <a:r>
+              <a:rPr lang="ja" sz="1200" u="sng"/>
+              <a:t> 複雑さの解読：質的コーディングにおける人間とAIの一致を探る 2024</a:t>
+            </a:r>
+            <a:endParaRPr sz="1100"/>
+          </a:p>
+          <a:p>
+            <a:pPr indent="0" lvl="0" marL="0" rtl="0" algn="l">
+              <a:lnSpc>
+                <a:spcPct val="100000"/>
+              </a:lnSpc>
+              <a:spcBef>
+                <a:spcPts val="1200"/>
+              </a:spcBef>
+              <a:spcAft>
+                <a:spcPts val="0"/>
+              </a:spcAft>
+              <a:buNone/>
+            </a:pPr>
+            <a:r>
+              <a:rPr lang="ja" sz="1100" u="sng"/>
+              <a:t>概要</a:t>
+            </a:r>
+            <a:endParaRPr sz="764"/>
+          </a:p>
+          <a:p>
+            <a:pPr indent="0" lvl="0" marL="0" rtl="0" algn="l">
+              <a:lnSpc>
+                <a:spcPct val="100000"/>
+              </a:lnSpc>
+              <a:spcBef>
+                <a:spcPts val="1200"/>
+              </a:spcBef>
+              <a:spcAft>
+                <a:spcPts val="0"/>
+              </a:spcAft>
+              <a:buNone/>
+            </a:pPr>
+            <a:r>
+              <a:rPr lang="ja" sz="764"/>
+              <a:t>質的データ分析(QDA)のためのコーディングプロセスにおいて、LLMを使用する方法について考察しています。質的データ分析は、</a:t>
+            </a:r>
+            <a:br>
+              <a:rPr lang="ja" sz="764"/>
+            </a:br>
+            <a:r>
+              <a:rPr lang="ja" sz="764"/>
+              <a:t>例えばインタビューデータやオープンエンド型の調査回答など、構造化されていないデータの中から、繰り返し現れるテーマやパターンに基づいて</a:t>
+            </a:r>
+            <a:br>
+              <a:rPr lang="ja" sz="764"/>
+            </a:br>
+            <a:r>
+              <a:rPr lang="ja" sz="764"/>
+              <a:t>データセグメントを識別、注釈付け、カテゴライズするプロセスです。この研究では、GPT-3.5とGPT-4を用いて、</a:t>
+            </a:r>
+            <a:br>
+              <a:rPr lang="ja" sz="764"/>
+            </a:br>
+            <a:r>
+              <a:rPr lang="ja" sz="764"/>
+              <a:t>異なる複雑さのコーディングタスクにおけるLLMsの統合を実験し、人間のコーダーとの間でコーディングの</a:t>
+            </a:r>
+            <a:br>
+              <a:rPr lang="ja" sz="764"/>
+            </a:br>
+            <a:r>
+              <a:rPr lang="ja" sz="764"/>
+              <a:t>一致度（Inter-Rater Reliability, IRR）を評価しています。タスクは、インターネットに接続されたデバイスの識別、アプリやサービスの使用、</a:t>
+            </a:r>
+            <a:br>
+              <a:rPr lang="ja" sz="764"/>
+            </a:br>
+            <a:r>
+              <a:rPr lang="ja" sz="764"/>
+              <a:t>デジタルセキュリティやプライバシーに関する信頼できる情報源の探求の3つに分けられ、それぞれ異なるレベルの解釈を必要とします。</a:t>
+            </a:r>
+            <a:br>
+              <a:rPr lang="ja" sz="764"/>
+            </a:br>
+            <a:r>
+              <a:rPr lang="ja" sz="764"/>
+              <a:t>結果として、GPT-4はすべてのタスクでGPT-3.5よりも優れており、特にタスクAでは人間とほぼ完璧な一致を達成しました。</a:t>
+            </a:r>
+            <a:br>
+              <a:rPr lang="ja" sz="764"/>
+            </a:br>
+            <a:r>
+              <a:rPr lang="ja" sz="764"/>
+              <a:t>しかし、タスクの複雑さが増すにつれて、人間とモデル間の一致度は低下しました。</a:t>
+            </a:r>
+            <a:endParaRPr sz="764"/>
+          </a:p>
+          <a:p>
+            <a:pPr indent="0" lvl="0" marL="0" rtl="0" algn="l">
+              <a:lnSpc>
+                <a:spcPct val="100000"/>
+              </a:lnSpc>
+              <a:spcBef>
+                <a:spcPts val="1200"/>
+              </a:spcBef>
+              <a:spcAft>
+                <a:spcPts val="0"/>
+              </a:spcAft>
+              <a:buNone/>
+            </a:pPr>
+            <a:r>
+              <a:rPr lang="ja" sz="1100" u="sng"/>
+              <a:t>手法</a:t>
+            </a:r>
+            <a:endParaRPr sz="800"/>
+          </a:p>
+          <a:p>
+            <a:pPr indent="0" lvl="0" marL="0" rtl="0" algn="l">
+              <a:lnSpc>
+                <a:spcPct val="100000"/>
+              </a:lnSpc>
+              <a:spcBef>
+                <a:spcPts val="1200"/>
+              </a:spcBef>
+              <a:spcAft>
+                <a:spcPts val="0"/>
+              </a:spcAft>
+              <a:buNone/>
+            </a:pPr>
+            <a:r>
+              <a:rPr lang="ja" sz="764"/>
+              <a:t>LLMsを用いた質的データ分析のコーディングのアルゴリズムは、共同作業によって質的データからの洞察を探求し、分析するためのプロセスです。</a:t>
+            </a:r>
+            <a:br>
+              <a:rPr lang="ja" sz="764"/>
+            </a:br>
+            <a:r>
+              <a:rPr lang="ja" sz="764"/>
+              <a:t>このプロセスは、大量の質的データ（例えば、インタビューデータやオープンエンドの調査回答など）を体系的に識別、注釈付け、</a:t>
+            </a:r>
+            <a:br>
+              <a:rPr lang="ja" sz="764"/>
+            </a:br>
+            <a:r>
+              <a:rPr lang="ja" sz="764"/>
+              <a:t>カテゴリー分けすることにより、反復するテーマやパターンに基づいてデータセグメントに適切なカテゴリーまたは「コード」を割り当てる</a:t>
+            </a:r>
+            <a:br>
+              <a:rPr lang="ja" sz="764"/>
+            </a:br>
+            <a:r>
+              <a:rPr lang="ja" sz="764"/>
+              <a:t>コーディングという基本ステップから始まります。大規模言語モデル（LLMs）の統合によって、このコーディングプロセスをより</a:t>
+            </a:r>
+            <a:br>
+              <a:rPr lang="ja" sz="764"/>
+            </a:br>
+            <a:r>
+              <a:rPr lang="ja" sz="764"/>
+              <a:t>効率的に行うことができますが、LLMsと人間のコーダーの間でコードブックや</a:t>
+            </a:r>
+            <a:br>
+              <a:rPr lang="ja" sz="764"/>
+            </a:br>
+            <a:r>
+              <a:rPr lang="ja" sz="764"/>
+              <a:t>文脈の広範な理解における挑戦があります。この方法では、LLMsが異なる複雑さのコーディングタスクに</a:t>
+            </a:r>
+            <a:br>
+              <a:rPr lang="ja" sz="764"/>
+            </a:br>
+            <a:r>
+              <a:rPr lang="ja" sz="764"/>
+              <a:t>どのように適用できるか、そしてそれが人間のコーダーとどのように比較されるかを調査します。</a:t>
+            </a:r>
+            <a:br>
+              <a:rPr lang="ja" sz="764"/>
+            </a:br>
+            <a:r>
+              <a:rPr lang="ja" sz="764"/>
+              <a:t>特に、セマンティック（表面的な意味）とラテント（深層の意味）のテーマのコーディングにおけるLLMsの性能に</a:t>
+            </a:r>
+            <a:br>
+              <a:rPr lang="ja" sz="764"/>
+            </a:br>
+            <a:r>
+              <a:rPr lang="ja" sz="764"/>
+              <a:t>ついて検討し、実際のデータセットにおけるLLMsの支援によるQDAの実装戦略を開発し、</a:t>
+            </a:r>
+            <a:br>
+              <a:rPr lang="ja" sz="764"/>
+            </a:br>
+            <a:r>
+              <a:rPr lang="ja" sz="764"/>
+              <a:t>GPT-3.5やGPT-4などのモデルを使用してインタビューデータにタグを適用します。</a:t>
+            </a:r>
+            <a:br>
+              <a:rPr lang="ja" sz="764"/>
+            </a:br>
+            <a:r>
+              <a:rPr lang="ja" sz="764"/>
+              <a:t>その後、人間のコーディングとの比較を行い、異なるレベルの解釈を要求するタスクでのモデルの性能を評価します。</a:t>
+            </a:r>
+            <a:endParaRPr sz="764"/>
+          </a:p>
+          <a:p>
+            <a:pPr indent="0" lvl="0" marL="0" rtl="0" algn="l">
+              <a:lnSpc>
+                <a:spcPct val="100000"/>
+              </a:lnSpc>
+              <a:spcBef>
+                <a:spcPts val="1200"/>
+              </a:spcBef>
+              <a:spcAft>
+                <a:spcPts val="0"/>
+              </a:spcAft>
+              <a:buNone/>
+            </a:pPr>
+            <a:r>
+              <a:rPr lang="ja" sz="1122" u="sng"/>
+              <a:t>結果</a:t>
+            </a:r>
+            <a:endParaRPr sz="1122"/>
+          </a:p>
+          <a:p>
+            <a:pPr indent="0" lvl="0" marL="0" rtl="0" algn="l">
+              <a:lnSpc>
+                <a:spcPct val="100000"/>
+              </a:lnSpc>
+              <a:spcBef>
+                <a:spcPts val="1200"/>
+              </a:spcBef>
+              <a:spcAft>
+                <a:spcPts val="0"/>
+              </a:spcAft>
+              <a:buNone/>
+            </a:pPr>
+            <a:r>
+              <a:rPr lang="ja" sz="822"/>
+              <a:t>タスクAおよびBにおいて、人間のコーダー間でほぼ完全な一致を達成し、タスクCではかなりの一致を達成しました。</a:t>
+            </a:r>
+            <a:br>
+              <a:rPr lang="ja" sz="822"/>
+            </a:br>
+            <a:r>
+              <a:rPr lang="ja" sz="822"/>
+              <a:t>GPT-4は一貫してその前身よりも優れたパフォーマンスを示しました。タスクAにおいて、</a:t>
+            </a:r>
+            <a:br>
+              <a:rPr lang="ja" sz="822"/>
+            </a:br>
+            <a:r>
+              <a:rPr lang="ja" sz="822"/>
+              <a:t>GPT-4は人間のアノテーションとほぼ完全に一致し、人間間の合意と比較可能です。</a:t>
+            </a:r>
+            <a:endParaRPr sz="822"/>
+          </a:p>
+          <a:p>
+            <a:pPr indent="0" lvl="0" marL="0" rtl="0" algn="l">
+              <a:lnSpc>
+                <a:spcPct val="100000"/>
+              </a:lnSpc>
+              <a:spcBef>
+                <a:spcPts val="1200"/>
+              </a:spcBef>
+              <a:spcAft>
+                <a:spcPts val="0"/>
+              </a:spcAft>
+              <a:buNone/>
+            </a:pPr>
+            <a:r>
+              <a:rPr lang="ja" sz="822"/>
+              <a:t>タスクA (インターネット接続デバイス):</a:t>
+            </a:r>
+            <a:br>
+              <a:rPr lang="ja" sz="822"/>
+            </a:br>
+            <a:r>
+              <a:rPr lang="ja" sz="822"/>
+              <a:t>このコーディングタスクでは、参加者が使用するインターネット接続デバイスを識別することが目的です。</a:t>
+            </a:r>
+            <a:br>
+              <a:rPr lang="ja" sz="822"/>
+            </a:br>
+            <a:r>
+              <a:rPr lang="ja" sz="822"/>
+              <a:t>セマンティックコードの割り当てが人間とLLMの両方にとって直接的であり、</a:t>
+            </a:r>
+            <a:br>
+              <a:rPr lang="ja" sz="822"/>
+            </a:br>
+            <a:r>
+              <a:rPr lang="ja" sz="822"/>
+              <a:t>インタビューされた人が伝えたエンティティの識別のみを要求します。（平均セグメント長：118語; コードブック長：18コード）</a:t>
+            </a:r>
+            <a:endParaRPr sz="822"/>
+          </a:p>
+          <a:p>
+            <a:pPr indent="0" lvl="0" marL="0" rtl="0" algn="l">
+              <a:lnSpc>
+                <a:spcPct val="100000"/>
+              </a:lnSpc>
+              <a:spcBef>
+                <a:spcPts val="1200"/>
+              </a:spcBef>
+              <a:spcAft>
+                <a:spcPts val="0"/>
+              </a:spcAft>
+              <a:buNone/>
+            </a:pPr>
+            <a:r>
+              <a:rPr lang="ja" sz="822"/>
+              <a:t>タスクB (アプリ、プログラム、サービス、および使用事例):</a:t>
+            </a:r>
+            <a:br>
+              <a:rPr lang="ja" sz="822"/>
+            </a:br>
+            <a:r>
+              <a:rPr lang="ja" sz="822"/>
+              <a:t>このコーディングタスクは、参加者がインターネット接続デバイスで使用するアプリ、プログラム、サービス、</a:t>
+            </a:r>
+            <a:br>
+              <a:rPr lang="ja" sz="822"/>
+            </a:br>
+            <a:r>
+              <a:rPr lang="ja" sz="822"/>
+              <a:t>およびその目的に焦点を当てます。このタスクは、参加者が異なる方法で彼らの相互作用を表現するかもしれないという</a:t>
+            </a:r>
+            <a:br>
+              <a:rPr lang="ja" sz="822"/>
+            </a:br>
+            <a:r>
+              <a:rPr lang="ja" sz="822"/>
+              <a:t>複雑さの層を導入します。これには、個々のアプリの列挙、アプリケーションのグルーピング、</a:t>
+            </a:r>
+            <a:br>
+              <a:rPr lang="ja" sz="822"/>
+            </a:br>
+            <a:r>
+              <a:rPr lang="ja" sz="822"/>
+              <a:t>または使用事例の明示的な記述が含まれる場合があります。この変動性はデータに階層を導入し、</a:t>
+            </a:r>
+            <a:br>
+              <a:rPr lang="ja" sz="822"/>
+            </a:br>
+            <a:r>
+              <a:rPr lang="ja" sz="822"/>
+              <a:t>セマンティックおよび潜在的なコーディングの両方を要求します。（平均セグメント長：274語; コードブック長：24コード）</a:t>
+            </a:r>
+            <a:endParaRPr sz="822"/>
+          </a:p>
+          <a:p>
+            <a:pPr indent="0" lvl="0" marL="0" rtl="0" algn="l">
+              <a:lnSpc>
+                <a:spcPct val="100000"/>
+              </a:lnSpc>
+              <a:spcBef>
+                <a:spcPts val="1200"/>
+              </a:spcBef>
+              <a:spcAft>
+                <a:spcPts val="1200"/>
+              </a:spcAft>
+              <a:buNone/>
+            </a:pPr>
+            <a:r>
+              <a:rPr lang="ja" sz="822"/>
+              <a:t>タスクC (信頼できる情報源):</a:t>
+            </a:r>
+            <a:br>
+              <a:rPr lang="ja" sz="822"/>
+            </a:br>
+            <a:r>
+              <a:rPr lang="ja" sz="822"/>
+              <a:t>このコーディングタスクは、参加者のデジタルセキュリティおよびプライバシーに関するガイダンスを求める際の慣行と情報源を探ります。</a:t>
+            </a:r>
+            <a:br>
+              <a:rPr lang="ja" sz="822"/>
+            </a:br>
+            <a:r>
+              <a:rPr lang="ja" sz="822"/>
+              <a:t>このタスクは、データのセマンティックコンテンツを捉えることを超え、基本的な考えや仮定の解釈を必要とします。</a:t>
+            </a:r>
+            <a:br>
+              <a:rPr lang="ja" sz="822"/>
+            </a:br>
+            <a:r>
+              <a:rPr lang="ja" sz="822"/>
+              <a:t>（平均セグメント長：469語; コードブック長：32コード）</a:t>
+            </a:r>
+            <a:endParaRPr sz="822"/>
+          </a:p>
+        </p:txBody>
+      </p:sp>
+      <p:sp>
+        <p:nvSpPr>
+          <p:cNvPr id="246" name="Google Shape;246;p46"/>
+          <p:cNvSpPr txBox="1"/>
+          <p:nvPr>
+            <p:ph idx="1" type="body"/>
+          </p:nvPr>
+        </p:nvSpPr>
+        <p:spPr>
+          <a:xfrm>
+            <a:off x="5780950" y="468900"/>
+            <a:ext cx="3246000" cy="4476900"/>
+          </a:xfrm>
+          <a:prstGeom prst="rect">
+            <a:avLst/>
+          </a:prstGeom>
+        </p:spPr>
+        <p:txBody>
+          <a:bodyPr anchorCtr="0" anchor="t" bIns="91425" lIns="91425" spcFirstLastPara="1" rIns="91425" wrap="square" tIns="91425">
+            <a:noAutofit/>
+          </a:bodyPr>
+          <a:lstStyle/>
+          <a:p>
+            <a:pPr indent="0" lvl="0" marL="0" rtl="0" algn="l">
+              <a:lnSpc>
+                <a:spcPct val="80000"/>
+              </a:lnSpc>
+              <a:spcBef>
+                <a:spcPts val="0"/>
+              </a:spcBef>
+              <a:spcAft>
+                <a:spcPts val="0"/>
+              </a:spcAft>
+              <a:buNone/>
+            </a:pPr>
+            <a:r>
+              <a:rPr lang="ja" sz="635"/>
+              <a:t># LLMsを用いた質的データ分析のコーディングのアルゴリズムの実装</a:t>
+            </a:r>
+            <a:br>
+              <a:rPr lang="ja" sz="635"/>
+            </a:br>
+            <a:r>
+              <a:rPr lang="ja" sz="635"/>
+              <a:t># 必要なライブラリのインポート</a:t>
+            </a:r>
+            <a:br>
+              <a:rPr lang="ja" sz="635"/>
+            </a:br>
+            <a:r>
+              <a:rPr lang="ja" sz="635"/>
+              <a:t>import pandas as pd</a:t>
+            </a:r>
+            <a:br>
+              <a:rPr lang="ja" sz="635"/>
+            </a:br>
+            <a:r>
+              <a:rPr lang="ja" sz="635"/>
+              <a:t>import numpy as np</a:t>
+            </a:r>
+            <a:br>
+              <a:rPr lang="ja" sz="635"/>
+            </a:br>
+            <a:r>
+              <a:rPr lang="ja" sz="635"/>
+              <a:t>from transformers import pipeline</a:t>
+            </a:r>
+            <a:br>
+              <a:rPr lang="ja" sz="635"/>
+            </a:br>
+            <a:r>
+              <a:rPr lang="ja" sz="635"/>
+              <a:t># データの準備</a:t>
+            </a:r>
+            <a:br>
+              <a:rPr lang="ja" sz="635"/>
+            </a:br>
+            <a:r>
+              <a:rPr lang="ja" sz="635"/>
+              <a:t># この例では、架空のインタビューデータを使用します。</a:t>
+            </a:r>
+            <a:br>
+              <a:rPr lang="ja" sz="635"/>
+            </a:br>
+            <a:r>
+              <a:rPr lang="ja" sz="635"/>
+              <a:t>data = [</a:t>
+            </a:r>
+            <a:br>
+              <a:rPr lang="ja" sz="635"/>
+            </a:br>
+            <a:r>
+              <a:rPr lang="ja" sz="635"/>
+              <a:t>    {'id': 1, 'text': 'インタビュー回答1'},</a:t>
+            </a:r>
+            <a:br>
+              <a:rPr lang="ja" sz="635"/>
+            </a:br>
+            <a:r>
+              <a:rPr lang="ja" sz="635"/>
+              <a:t>    {'id': 2, 'text': 'インタビュー回答2'},</a:t>
+            </a:r>
+            <a:br>
+              <a:rPr lang="ja" sz="635"/>
+            </a:br>
+            <a:r>
+              <a:rPr lang="ja" sz="635"/>
+              <a:t>    # 以下、データを追加</a:t>
+            </a:r>
+            <a:br>
+              <a:rPr lang="ja" sz="635"/>
+            </a:br>
+            <a:r>
+              <a:rPr lang="ja" sz="635"/>
+              <a:t>]</a:t>
+            </a:r>
+            <a:endParaRPr sz="635"/>
+          </a:p>
+          <a:p>
+            <a:pPr indent="0" lvl="0" marL="0" rtl="0" algn="l">
+              <a:lnSpc>
+                <a:spcPct val="80000"/>
+              </a:lnSpc>
+              <a:spcBef>
+                <a:spcPts val="1200"/>
+              </a:spcBef>
+              <a:spcAft>
+                <a:spcPts val="0"/>
+              </a:spcAft>
+              <a:buNone/>
+            </a:pPr>
+            <a:r>
+              <a:rPr lang="ja" sz="635"/>
+              <a:t># データフレームに変換</a:t>
+            </a:r>
+            <a:br>
+              <a:rPr lang="ja" sz="635"/>
+            </a:br>
+            <a:r>
+              <a:rPr lang="ja" sz="635"/>
+              <a:t>interview_data = pd.DataFrame(data)</a:t>
+            </a:r>
+            <a:br>
+              <a:rPr lang="ja" sz="635"/>
+            </a:br>
+            <a:r>
+              <a:rPr lang="ja" sz="635"/>
+              <a:t># LLM（例えば、GPT-3.5）のロード</a:t>
+            </a:r>
+            <a:br>
+              <a:rPr lang="ja" sz="635"/>
+            </a:br>
+            <a:r>
+              <a:rPr lang="ja" sz="635"/>
+              <a:t># この例では、transformersライブラリのpipelineを使っています。</a:t>
+            </a:r>
+            <a:br>
+              <a:rPr lang="ja" sz="635"/>
+            </a:br>
+            <a:r>
+              <a:rPr lang="ja" sz="635"/>
+              <a:t># 実際には、適切なAPIキーとエンドポイントが必要です。</a:t>
+            </a:r>
+            <a:br>
+              <a:rPr lang="ja" sz="635"/>
+            </a:br>
+            <a:r>
+              <a:rPr lang="ja" sz="635"/>
+              <a:t>llm = pipeline('text-classification', model='gpt-3.5')</a:t>
+            </a:r>
+            <a:br>
+              <a:rPr lang="ja" sz="635"/>
+            </a:br>
+            <a:r>
+              <a:rPr lang="ja" sz="635"/>
+              <a:t># コードブックの定義</a:t>
+            </a:r>
+            <a:br>
+              <a:rPr lang="ja" sz="635"/>
+            </a:br>
+            <a:r>
+              <a:rPr lang="ja" sz="635"/>
+              <a:t># コードブックは、質的データに適用するカテゴリーやコードの集まりです。</a:t>
+            </a:r>
+            <a:br>
+              <a:rPr lang="ja" sz="635"/>
+            </a:br>
+            <a:r>
+              <a:rPr lang="ja" sz="635"/>
+              <a:t>codebook = {</a:t>
+            </a:r>
+            <a:br>
+              <a:rPr lang="ja" sz="635"/>
+            </a:br>
+            <a:r>
+              <a:rPr lang="ja" sz="635"/>
+              <a:t>    'テーマ1': ['キーワード1', 'キーワード2'],</a:t>
+            </a:r>
+            <a:br>
+              <a:rPr lang="ja" sz="635"/>
+            </a:br>
+            <a:r>
+              <a:rPr lang="ja" sz="635"/>
+              <a:t>    'テーマ2': ['キーワード3', 'キーワード4'],</a:t>
+            </a:r>
+            <a:br>
+              <a:rPr lang="ja" sz="635"/>
+            </a:br>
+            <a:r>
+              <a:rPr lang="ja" sz="635"/>
+              <a:t>    # 以下、テーマを追加</a:t>
+            </a:r>
+            <a:br>
+              <a:rPr lang="ja" sz="635"/>
+            </a:br>
+            <a:r>
+              <a:rPr lang="ja" sz="635"/>
+              <a:t>}</a:t>
+            </a:r>
+            <a:br>
+              <a:rPr lang="ja" sz="635"/>
+            </a:br>
+            <a:r>
+              <a:rPr lang="ja" sz="635"/>
+              <a:t># コーディングプロセス</a:t>
+            </a:r>
+            <a:br>
+              <a:rPr lang="ja" sz="635"/>
+            </a:br>
+            <a:r>
+              <a:rPr lang="ja" sz="635"/>
+              <a:t># インタビューデータに対して、各回答をコードブックのテーマに基づいて分類</a:t>
+            </a:r>
+            <a:br>
+              <a:rPr lang="ja" sz="635"/>
+            </a:br>
+            <a:r>
+              <a:rPr lang="ja" sz="635"/>
+              <a:t>for index, row in interview_data.iterrows():</a:t>
+            </a:r>
+            <a:br>
+              <a:rPr lang="ja" sz="635"/>
+            </a:br>
+            <a:r>
+              <a:rPr lang="ja" sz="635"/>
+              <a:t>    response = llm(row['text'])</a:t>
+            </a:r>
+            <a:br>
+              <a:rPr lang="ja" sz="635"/>
+            </a:br>
+            <a:r>
+              <a:rPr lang="ja" sz="635"/>
+              <a:t>    # LLMの出力から、最も適切なテーマを選択</a:t>
+            </a:r>
+            <a:br>
+              <a:rPr lang="ja" sz="635"/>
+            </a:br>
+            <a:r>
+              <a:rPr lang="ja" sz="635"/>
+              <a:t>    # ここでは簡単のため、ダミーの処理を行います。</a:t>
+            </a:r>
+            <a:br>
+              <a:rPr lang="ja" sz="635"/>
+            </a:br>
+            <a:r>
+              <a:rPr lang="ja" sz="635"/>
+              <a:t>    selected_theme = 'ダミーテーマ'</a:t>
+            </a:r>
+            <a:br>
+              <a:rPr lang="ja" sz="635"/>
+            </a:br>
+            <a:r>
+              <a:rPr lang="ja" sz="635"/>
+              <a:t>    # 選択されたテーマをデータフレームに追加</a:t>
+            </a:r>
+            <a:br>
+              <a:rPr lang="ja" sz="635"/>
+            </a:br>
+            <a:r>
+              <a:rPr lang="ja" sz="635"/>
+              <a:t>    interview_data.at[index, 'theme'] = selected_theme</a:t>
+            </a:r>
+            <a:br>
+              <a:rPr lang="ja" sz="635"/>
+            </a:br>
+            <a:r>
+              <a:rPr lang="ja" sz="635"/>
+              <a:t># コーディングの結果の表示</a:t>
+            </a:r>
+            <a:br>
+              <a:rPr lang="ja" sz="635"/>
+            </a:br>
+            <a:r>
+              <a:rPr lang="ja" sz="635"/>
+              <a:t>print(interview_data)</a:t>
+            </a:r>
+            <a:br>
+              <a:rPr lang="ja" sz="635"/>
+            </a:br>
+            <a:r>
+              <a:rPr lang="ja" sz="635"/>
+              <a:t># 人間のコーダーとの比較</a:t>
+            </a:r>
+            <a:br>
+              <a:rPr lang="ja" sz="635"/>
+            </a:br>
+            <a:r>
+              <a:rPr lang="ja" sz="635"/>
+              <a:t># 実際には、人間のコーディング結果と比較して、LLMsの性能を評価します。</a:t>
+            </a:r>
+            <a:br>
+              <a:rPr lang="ja" sz="635"/>
+            </a:br>
+            <a:r>
+              <a:rPr lang="ja" sz="635"/>
+              <a:t># この例では、比較のためのダミーデータを使用します。</a:t>
+            </a:r>
+            <a:br>
+              <a:rPr lang="ja" sz="635"/>
+            </a:br>
+            <a:r>
+              <a:rPr lang="ja" sz="635"/>
+              <a:t>human_coding = [</a:t>
+            </a:r>
+            <a:br>
+              <a:rPr lang="ja" sz="635"/>
+            </a:br>
+            <a:r>
+              <a:rPr lang="ja" sz="635"/>
+              <a:t>    {'id': 1, 'theme': '人間のテーマ1'},</a:t>
+            </a:r>
+            <a:br>
+              <a:rPr lang="ja" sz="635"/>
+            </a:br>
+            <a:r>
+              <a:rPr lang="ja" sz="635"/>
+              <a:t>    {'id': 2, 'theme': '人間のテーマ2'},</a:t>
+            </a:r>
+            <a:br>
+              <a:rPr lang="ja" sz="635"/>
+            </a:br>
+            <a:r>
+              <a:rPr lang="ja" sz="635"/>
+              <a:t>    # 以下、データを追加</a:t>
+            </a:r>
+            <a:br>
+              <a:rPr lang="ja" sz="635"/>
+            </a:br>
+            <a:r>
+              <a:rPr lang="ja" sz="635"/>
+              <a:t>]</a:t>
+            </a:r>
+            <a:br>
+              <a:rPr lang="ja" sz="635"/>
+            </a:br>
+            <a:r>
+              <a:rPr lang="ja" sz="635"/>
+              <a:t># 性能の評価</a:t>
+            </a:r>
+            <a:br>
+              <a:rPr lang="ja" sz="635"/>
+            </a:br>
+            <a:r>
+              <a:rPr lang="ja" sz="635"/>
+              <a:t># ここでは、シンプルに正解率を計算します。</a:t>
+            </a:r>
+            <a:br>
+              <a:rPr lang="ja" sz="635"/>
+            </a:br>
+            <a:r>
+              <a:rPr lang="ja" sz="635"/>
+              <a:t># 実際の研究では、より詳細な分析が必要です。</a:t>
+            </a:r>
+            <a:br>
+              <a:rPr lang="ja" sz="635"/>
+            </a:br>
+            <a:r>
+              <a:rPr lang="ja" sz="635"/>
+              <a:t>match_count = 0</a:t>
+            </a:r>
+            <a:br>
+              <a:rPr lang="ja" sz="635"/>
+            </a:br>
+            <a:r>
+              <a:rPr lang="ja" sz="635"/>
+              <a:t>for llm_coding, human_coding_row in zip(interview_data.to_dict('records'), human_coding):</a:t>
+            </a:r>
+            <a:br>
+              <a:rPr lang="ja" sz="635"/>
+            </a:br>
+            <a:r>
+              <a:rPr lang="ja" sz="635"/>
+              <a:t>    if llm_coding['theme'] == human_coding_row['theme']:</a:t>
+            </a:r>
+            <a:br>
+              <a:rPr lang="ja" sz="635"/>
+            </a:br>
+            <a:r>
+              <a:rPr lang="ja" sz="635"/>
+              <a:t>        match_count += 1</a:t>
+            </a:r>
+            <a:br>
+              <a:rPr lang="ja" sz="635"/>
+            </a:br>
+            <a:r>
+              <a:rPr lang="ja" sz="635"/>
+              <a:t>accuracy = match_count / len(interview_data)</a:t>
+            </a:r>
+            <a:br>
+              <a:rPr lang="ja" sz="635"/>
+            </a:br>
+            <a:r>
+              <a:rPr lang="ja" sz="635"/>
+              <a:t>print(f'正解率: {accuracy}')</a:t>
+            </a:r>
+            <a:endParaRPr sz="635"/>
+          </a:p>
+          <a:p>
+            <a:pPr indent="0" lvl="0" marL="0" rtl="0" algn="l">
+              <a:lnSpc>
+                <a:spcPct val="80000"/>
+              </a:lnSpc>
+              <a:spcBef>
+                <a:spcPts val="1200"/>
+              </a:spcBef>
+              <a:spcAft>
+                <a:spcPts val="1200"/>
+              </a:spcAft>
+              <a:buNone/>
+            </a:pPr>
+            <a:r>
+              <a:t/>
+            </a:r>
+            <a:endParaRPr sz="635"/>
+          </a:p>
+        </p:txBody>
+      </p:sp>
+    </p:spTree>
+  </p:cSld>
+  <p:clrMapOvr>
+    <a:masterClrMapping/>
+  </p:clrMapOvr>
+</p:sld>
+</file>
+
+<file path=ppt/slides/slide35.xml><?xml version="1.0" encoding="utf-8"?>
+<p:sld xmlns:a="http://schemas.openxmlformats.org/drawingml/2006/main" xmlns:r="http://schemas.openxmlformats.org/officeDocument/2006/relationships" xmlns:mc="http://schemas.openxmlformats.org/markup-compatibility/2006" xmlns:mv="urn:schemas-microsoft-com:mac:vml" xmlns:p="http://schemas.openxmlformats.org/presentationml/2006/main" xmlns:c="http://schemas.openxmlformats.org/drawingml/2006/chart" xmlns:dgm="http://schemas.openxmlformats.org/drawingml/2006/diagram" xmlns:o="urn:schemas-microsoft-com:office:office" xmlns:v="urn:schemas-microsoft-com:vml" xmlns:pvml="urn:schemas-microsoft-com:office:powerpoint" xmlns:com="http://schemas.openxmlformats.org/drawingml/2006/compatibility" xmlns:p14="http://schemas.microsoft.com/office/powerpoint/2010/main" xmlns:p15="http://schemas.microsoft.com/office/powerpoint/2012/main" xmlns:ahyp="http://schemas.microsoft.com/office/drawing/2018/hyperlinkcolor">
+  <p:cSld>
+    <p:spTree>
+      <p:nvGrpSpPr>
+        <p:cNvPr id="250" name="Shape 250"/>
+        <p:cNvGrpSpPr/>
+        <p:nvPr/>
+      </p:nvGrpSpPr>
+      <p:grpSpPr>
+        <a:xfrm>
+          <a:off x="0" y="0"/>
+          <a:ext cx="0" cy="0"/>
+          <a:chOff x="0" y="0"/>
+          <a:chExt cx="0" cy="0"/>
+        </a:xfrm>
+      </p:grpSpPr>
+      <p:sp>
+        <p:nvSpPr>
+          <p:cNvPr id="251" name="Google Shape;251;p47"/>
+          <p:cNvSpPr txBox="1"/>
+          <p:nvPr>
+            <p:ph idx="1" type="body"/>
+          </p:nvPr>
+        </p:nvSpPr>
+        <p:spPr>
+          <a:xfrm>
+            <a:off x="0" y="0"/>
+            <a:ext cx="9144000" cy="5049600"/>
+          </a:xfrm>
+          <a:prstGeom prst="rect">
+            <a:avLst/>
+          </a:prstGeom>
+        </p:spPr>
+        <p:txBody>
+          <a:bodyPr anchorCtr="0" anchor="t" bIns="91425" lIns="91425" spcFirstLastPara="1" rIns="91425" wrap="square" tIns="91425">
+            <a:normAutofit fontScale="77500" lnSpcReduction="20000"/>
+          </a:bodyPr>
+          <a:lstStyle/>
+          <a:p>
+            <a:pPr indent="0" lvl="0" marL="0" rtl="0" algn="l">
+              <a:lnSpc>
+                <a:spcPct val="100000"/>
+              </a:lnSpc>
+              <a:spcBef>
+                <a:spcPts val="0"/>
+              </a:spcBef>
+              <a:spcAft>
+                <a:spcPts val="0"/>
+              </a:spcAft>
+              <a:buNone/>
+            </a:pPr>
+            <a:r>
+              <a:rPr lang="ja" sz="1200" u="sng"/>
+              <a:t>ToolRerank: Adaptive and Hierarchy-Aware Reranking for Tool Retrieval ToolRerank: ツール検索のための適応的かつ階層認識型の再ランキング</a:t>
+            </a:r>
+            <a:r>
+              <a:rPr lang="ja" sz="1200" u="sng"/>
+              <a:t> 2024</a:t>
+            </a:r>
+            <a:endParaRPr sz="1100"/>
+          </a:p>
+          <a:p>
+            <a:pPr indent="0" lvl="0" marL="0" rtl="0" algn="l">
+              <a:lnSpc>
+                <a:spcPct val="100000"/>
+              </a:lnSpc>
+              <a:spcBef>
+                <a:spcPts val="1200"/>
+              </a:spcBef>
+              <a:spcAft>
+                <a:spcPts val="0"/>
+              </a:spcAft>
+              <a:buNone/>
+            </a:pPr>
+            <a:r>
+              <a:rPr lang="ja" sz="1100" u="sng"/>
+              <a:t>概要</a:t>
+            </a:r>
+            <a:endParaRPr sz="764"/>
+          </a:p>
+          <a:p>
+            <a:pPr indent="0" lvl="0" marL="0" rtl="0" algn="l">
+              <a:lnSpc>
+                <a:spcPct val="100000"/>
+              </a:lnSpc>
+              <a:spcBef>
+                <a:spcPts val="1200"/>
+              </a:spcBef>
+              <a:spcAft>
+                <a:spcPts val="0"/>
+              </a:spcAft>
+              <a:buNone/>
+            </a:pPr>
+            <a:r>
+              <a:rPr lang="ja" sz="764"/>
+              <a:t>LLMを外部ツールで拡張するツール学習に焦点を当て</a:t>
+            </a:r>
+            <a:r>
+              <a:rPr lang="ja" sz="764"/>
+              <a:t>ます</a:t>
+            </a:r>
+            <a:r>
+              <a:rPr lang="ja" sz="764"/>
+              <a:t>。</a:t>
+            </a:r>
+            <a:r>
+              <a:rPr lang="ja" sz="764"/>
+              <a:t>課従来の方法では、見たツールと見ていないツールの違いやツールライブラリの階層を考慮していないため、</a:t>
+            </a:r>
+            <a:br>
+              <a:rPr lang="ja" sz="764"/>
+            </a:br>
+            <a:r>
+              <a:rPr lang="ja" sz="764"/>
+              <a:t>ツール検索の性能が最適ではありませんでした。</a:t>
+            </a:r>
+            <a:r>
+              <a:rPr lang="ja" sz="764"/>
+              <a:t>これらの問題に対処するために、本研究では「ToolRerank」という新しいアプローチを提案</a:t>
+            </a:r>
+            <a:r>
+              <a:rPr lang="ja" sz="764"/>
+              <a:t>。</a:t>
+            </a:r>
+            <a:br>
+              <a:rPr lang="ja" sz="764"/>
+            </a:br>
+            <a:r>
+              <a:rPr lang="ja" sz="764"/>
+              <a:t>この方法は、ツール検索のための適応的かつ階層意識的な再ランキング手法であり、検索結果をさらに洗練させます。具体的には、「Adaptive Truncation」が提案され、</a:t>
+            </a:r>
+            <a:br>
+              <a:rPr lang="ja" sz="764"/>
+            </a:br>
+            <a:r>
+              <a:rPr lang="ja" sz="764"/>
+              <a:t>これは既知のツールと未知のツールに関連する検索結果を異なる位置で切り捨てることにより、再ランキングの性能を向上させるものです。</a:t>
+            </a:r>
+            <a:br>
+              <a:rPr lang="ja" sz="764"/>
+            </a:br>
+            <a:r>
+              <a:rPr lang="ja" sz="764"/>
+              <a:t>さらに、「Hierarchy-Aware Reranking」を用いて、単一ツールクエリに対しては結果をより集中させ、複数ツールクエリに対してはより多様な結果を提供します。</a:t>
+            </a:r>
+            <a:br>
+              <a:rPr lang="ja" sz="764"/>
+            </a:br>
+            <a:r>
+              <a:rPr lang="ja" sz="764"/>
+              <a:t>実験結果は、ToolRerankが検索結果の品質を向上させ、LLMによって生成される実行結果を改善できることを示しています。</a:t>
+            </a:r>
+            <a:br>
+              <a:rPr lang="ja" sz="764"/>
+            </a:br>
+            <a:r>
+              <a:rPr lang="ja" sz="764"/>
+              <a:t>https://github.com/XiaoMi/ToolRerank　</a:t>
+            </a:r>
+            <a:r>
+              <a:rPr lang="ja" sz="764"/>
+              <a:t>からだけど</a:t>
+            </a:r>
+            <a:endParaRPr sz="764"/>
+          </a:p>
+          <a:p>
+            <a:pPr indent="0" lvl="0" marL="0" rtl="0" algn="l">
+              <a:lnSpc>
+                <a:spcPct val="100000"/>
+              </a:lnSpc>
+              <a:spcBef>
+                <a:spcPts val="1200"/>
+              </a:spcBef>
+              <a:spcAft>
+                <a:spcPts val="0"/>
+              </a:spcAft>
+              <a:buNone/>
+            </a:pPr>
+            <a:r>
+              <a:rPr lang="ja" sz="1100" u="sng"/>
+              <a:t>手法</a:t>
+            </a:r>
+            <a:endParaRPr sz="800"/>
+          </a:p>
+          <a:p>
+            <a:pPr indent="0" lvl="0" marL="0" rtl="0" algn="l">
+              <a:lnSpc>
+                <a:spcPct val="100000"/>
+              </a:lnSpc>
+              <a:spcBef>
+                <a:spcPts val="1200"/>
+              </a:spcBef>
+              <a:spcAft>
+                <a:spcPts val="0"/>
+              </a:spcAft>
+              <a:buNone/>
+            </a:pPr>
+            <a:r>
+              <a:rPr lang="ja" sz="764"/>
+              <a:t>ToolRerankは、ツール検索のための適応型かつ階層認識型の再ランキング方法です。</a:t>
+            </a:r>
+            <a:br>
+              <a:rPr lang="ja" sz="764"/>
+            </a:br>
+            <a:r>
+              <a:rPr lang="ja" sz="764"/>
+              <a:t>このアルゴリズムは、見たツールと見ていないツールを異なる位置で切り捨てるAdaptive Truncationと、</a:t>
+            </a:r>
+            <a:br>
+              <a:rPr lang="ja" sz="764"/>
+            </a:br>
+            <a:r>
+              <a:rPr lang="ja" sz="764"/>
+              <a:t>単一ツールクエリに対して検索結果をより集中させ、複数ツールクエリに対してはより多様にするHierarchy-Aware Rerankingの</a:t>
+            </a:r>
+            <a:br>
+              <a:rPr lang="ja" sz="764"/>
+            </a:br>
+            <a:r>
+              <a:rPr lang="ja" sz="764"/>
+              <a:t>二つの主要なコンポーネントを含みます。具体的には、まず、ユーザークエリに基づいて、</a:t>
+            </a:r>
+            <a:br>
+              <a:rPr lang="ja" sz="764"/>
+            </a:br>
+            <a:r>
+              <a:rPr lang="ja" sz="764"/>
+              <a:t>デュアルエンコーダーリトリバーを使用して粗い検索結果を取得します。</a:t>
+            </a:r>
+            <a:br>
+              <a:rPr lang="ja" sz="764"/>
+            </a:br>
+            <a:r>
+              <a:rPr lang="ja" sz="764"/>
+              <a:t>次に、Adaptive Truncationを適用して、見たツールと見ていないツールに関連する結果を異なる位置で切り捨てます。</a:t>
+            </a:r>
+            <a:br>
+              <a:rPr lang="ja" sz="764"/>
+            </a:br>
+            <a:r>
+              <a:rPr lang="ja" sz="764"/>
+              <a:t>その後、クロスエンコーダーリランカーを使用して結果を再ランク付けし、Hierarchy-Aware Rerankingを適用して、</a:t>
+            </a:r>
+            <a:br>
+              <a:rPr lang="ja" sz="764"/>
+            </a:br>
+            <a:r>
+              <a:rPr lang="ja" sz="764"/>
+              <a:t>階層の構造を考慮に入れながら、検索結果をさらに細かく再ランク付けします。</a:t>
+            </a:r>
+            <a:br>
+              <a:rPr lang="ja" sz="764"/>
+            </a:br>
+            <a:r>
+              <a:rPr lang="ja" sz="764"/>
+              <a:t>このプロセスにより、LLMによって生成される実行結果の品質が向上し、より適切なツールが検索されるようになります。</a:t>
+            </a:r>
+            <a:endParaRPr sz="764"/>
+          </a:p>
+          <a:p>
+            <a:pPr indent="0" lvl="0" marL="0" rtl="0" algn="l">
+              <a:lnSpc>
+                <a:spcPct val="100000"/>
+              </a:lnSpc>
+              <a:spcBef>
+                <a:spcPts val="1200"/>
+              </a:spcBef>
+              <a:spcAft>
+                <a:spcPts val="0"/>
+              </a:spcAft>
+              <a:buNone/>
+            </a:pPr>
+            <a:r>
+              <a:rPr lang="ja" sz="764"/>
+              <a:t>Adaptive Truncation（適応的切断）のアルゴリズムは、</a:t>
+            </a:r>
+            <a:br>
+              <a:rPr lang="ja" sz="764"/>
+            </a:br>
+            <a:r>
+              <a:rPr lang="ja" sz="764"/>
+              <a:t>ツール検索の結果を見たツールと見ていないツールに基づいて異なる位置で切り捨てることにより、</a:t>
+            </a:r>
+            <a:br>
+              <a:rPr lang="ja" sz="764"/>
+            </a:br>
+            <a:r>
+              <a:rPr lang="ja" sz="764"/>
+              <a:t>再ランキングの精度を向上させることを目的としています。このプロセスは、</a:t>
+            </a:r>
+            <a:br>
+              <a:rPr lang="ja" sz="764"/>
+            </a:br>
+            <a:r>
+              <a:rPr lang="ja" sz="764"/>
+              <a:t>再ランキングに供給される候補の数を動的に調整することで、特に未知のツールに対する検索性能を改善します。</a:t>
+            </a:r>
+            <a:endParaRPr sz="764"/>
+          </a:p>
+          <a:p>
+            <a:pPr indent="0" lvl="0" marL="0" rtl="0" algn="l">
+              <a:lnSpc>
+                <a:spcPct val="100000"/>
+              </a:lnSpc>
+              <a:spcBef>
+                <a:spcPts val="1200"/>
+              </a:spcBef>
+              <a:spcAft>
+                <a:spcPts val="0"/>
+              </a:spcAft>
+              <a:buNone/>
+            </a:pPr>
+            <a:r>
+              <a:rPr lang="ja" sz="764"/>
+              <a:t>1. 設定：二つの異なるしきい値、ms と mu (ms &lt; mu) を設定します。ms は既知のツール（訓練データで見たツール）に</a:t>
+            </a:r>
+            <a:br>
+              <a:rPr lang="ja" sz="764"/>
+            </a:br>
+            <a:r>
+              <a:rPr lang="ja" sz="764"/>
+              <a:t>関連する結果を切り捨てる位置を指定し、mu は未知のツール（訓練データで見ていないツール）に関連する結果を切り捨てる位置を指定します。</a:t>
+            </a:r>
+            <a:br>
+              <a:rPr lang="ja" sz="764"/>
+            </a:br>
+            <a:r>
+              <a:rPr lang="ja" sz="764"/>
+              <a:t>2. 粗い検索結果の取得：まず、ユーザークエリに基づいて、デュアルエンコーダーなどの検索手法を使用して粗い検索結果のリストC=[c1 ,c2,...,cm] を取得します。</a:t>
+            </a:r>
+            <a:br>
+              <a:rPr lang="ja" sz="764"/>
+            </a:br>
+            <a:r>
+              <a:rPr lang="ja" sz="764"/>
+              <a:t>3. 適応的切断の実行：</a:t>
+            </a:r>
+            <a:br>
+              <a:rPr lang="ja" sz="764"/>
+            </a:br>
+            <a:r>
+              <a:rPr lang="ja" sz="764"/>
+              <a:t>- 各Ci について、Ci が属するツールが訓練データで見たものであれば、i&lt;=ms の場合に限り Ci を切り捨て後のリストTに追加します。</a:t>
+            </a:r>
+            <a:br>
+              <a:rPr lang="ja" sz="764"/>
+            </a:br>
+            <a:r>
+              <a:rPr lang="ja" sz="764"/>
+              <a:t>- Ci が属するツールが訓練データで見ていないものであれば、i&lt;=mu の場合に限りCiをTに追加します。</a:t>
+            </a:r>
+            <a:br>
+              <a:rPr lang="ja" sz="764"/>
+            </a:br>
+            <a:r>
+              <a:rPr lang="ja" sz="764"/>
+              <a:t>このプロセスにより、T=[t1 ,t2,...,tl]のリストが得られ、ここでl&lt;=m です。この適応的な切断により、</a:t>
+            </a:r>
+            <a:br>
+              <a:rPr lang="ja" sz="764"/>
+            </a:br>
+            <a:r>
+              <a:rPr lang="ja" sz="764"/>
+              <a:t>既知のツールに関連する結果はより厳選され、未知のツールに関連する結果はより広範囲から選ばれることになり、検索結果の精度と再ランキングの効果を最適化します。</a:t>
+            </a:r>
+            <a:br>
+              <a:rPr lang="ja" sz="764"/>
+            </a:br>
+            <a:r>
+              <a:rPr lang="ja" sz="764"/>
+              <a:t>4. 再ランキング：得られた切り捨て後のリスト T を使用して、クロスエンコーダーによる再ランキングを行い、最終的な検索結果を決定します。</a:t>
+            </a:r>
+            <a:endParaRPr sz="764"/>
+          </a:p>
+          <a:p>
+            <a:pPr indent="0" lvl="0" marL="0" rtl="0" algn="l">
+              <a:lnSpc>
+                <a:spcPct val="100000"/>
+              </a:lnSpc>
+              <a:spcBef>
+                <a:spcPts val="1200"/>
+              </a:spcBef>
+              <a:spcAft>
+                <a:spcPts val="0"/>
+              </a:spcAft>
+              <a:buNone/>
+            </a:pPr>
+            <a:r>
+              <a:rPr lang="ja" sz="764"/>
+              <a:t>Hierarchy-Aware Reranking（階層認識再ランキング）のアルゴリズムは、ツール検索の結果を、クエリが単一ツールに関連するものか、</a:t>
+            </a:r>
+            <a:br>
+              <a:rPr lang="ja" sz="764"/>
+            </a:br>
+            <a:r>
+              <a:rPr lang="ja" sz="764"/>
+              <a:t>複数のツールを使うものかに応じて、より効果的に再ランキングする手法です。このプロセスは、ツールライブラリの階層構造を考慮し、</a:t>
+            </a:r>
+            <a:br>
+              <a:rPr lang="ja" sz="764"/>
+            </a:br>
+            <a:r>
+              <a:rPr lang="ja" sz="764"/>
+              <a:t>クエリに最適なツールまたはツールの組み合わせを提供することを目指します。</a:t>
+            </a:r>
+            <a:br>
+              <a:rPr lang="ja" sz="764"/>
+            </a:br>
+            <a:r>
+              <a:rPr lang="ja" sz="764"/>
+              <a:t>1. クエリタイプの分類:クエリが単一ツールに関連するもの（single-tool queries）か、複数のツールを要求するもの（multi-tool queries）かを識別するために、</a:t>
+            </a:r>
+            <a:br>
+              <a:rPr lang="ja" sz="764"/>
+            </a:br>
+            <a:r>
+              <a:rPr lang="ja" sz="764"/>
+              <a:t>分類器を使用します。</a:t>
+            </a:r>
+            <a:br>
+              <a:rPr lang="ja" sz="764"/>
+            </a:br>
+            <a:r>
+              <a:rPr lang="ja" sz="764"/>
+              <a:t>2. 再ランキングの適用:単一ツールクエリに対しては、検索結果をそのクエリに関連すると分類されたツールのAPIに集中させるように再ランキングします。</a:t>
+            </a:r>
+            <a:br>
+              <a:rPr lang="ja" sz="764"/>
+            </a:br>
+            <a:r>
+              <a:rPr lang="ja" sz="764"/>
+              <a:t>この目的で、クロスエンコーダーのスコアが高いAPIを優先し、同一ツールのAPIを上位にランク付けします。</a:t>
+            </a:r>
+            <a:br>
+              <a:rPr lang="ja" sz="764"/>
+            </a:br>
+            <a:r>
+              <a:rPr lang="ja" sz="764"/>
+              <a:t>複数ツールクエリに対しては、異なる機能を持つ複数のツールのAPIが検索結果に含まれるように再ランキングします。</a:t>
+            </a:r>
+            <a:br>
+              <a:rPr lang="ja" sz="764"/>
+            </a:br>
+            <a:r>
+              <a:rPr lang="ja" sz="764"/>
+              <a:t>これには、ツール間の機能的な重複を減らすために、検索結果の多様性を高める手法が使用されます。</a:t>
+            </a:r>
+            <a:endParaRPr sz="764"/>
+          </a:p>
+          <a:p>
+            <a:pPr indent="0" lvl="0" marL="0" rtl="0" algn="l">
+              <a:lnSpc>
+                <a:spcPct val="100000"/>
+              </a:lnSpc>
+              <a:spcBef>
+                <a:spcPts val="1200"/>
+              </a:spcBef>
+              <a:spcAft>
+                <a:spcPts val="1200"/>
+              </a:spcAft>
+              <a:buNone/>
+            </a:pPr>
+            <a:r>
+              <a:rPr lang="ja" sz="764"/>
+              <a:t>実装の詳細:</a:t>
+            </a:r>
+            <a:br>
+              <a:rPr lang="ja" sz="764"/>
+            </a:br>
+            <a:r>
+              <a:rPr lang="ja" sz="764"/>
+              <a:t>単一ツールクエリの場合: 閾値（τs ）を設定し、この閾値を超えるスコアを持つAPIが属するツールを優先的に選択します。</a:t>
+            </a:r>
+            <a:br>
+              <a:rPr lang="ja" sz="764"/>
+            </a:br>
+            <a:r>
+              <a:rPr lang="ja" sz="764"/>
+              <a:t>これにより、関連性が高いと判断されたツールのAPIが検索結果の上位にランク付けされます。</a:t>
+            </a:r>
+            <a:br>
+              <a:rPr lang="ja" sz="764"/>
+            </a:br>
+            <a:r>
+              <a:rPr lang="ja" sz="764"/>
+              <a:t>複数ツールクエリの場合: グラフを構築し、ツール間およびAPI間の関連性を基にエッジを追加します。</a:t>
+            </a:r>
+            <a:br>
+              <a:rPr lang="ja" sz="764"/>
+            </a:br>
+            <a:r>
+              <a:rPr lang="ja" sz="764"/>
+              <a:t>このグラフを用いて、機能的に異なるツールが提供するAPIが検索結果に均等に含まれるようにします</a:t>
+            </a:r>
+            <a:endParaRPr sz="764"/>
+          </a:p>
+        </p:txBody>
+      </p:sp>
+      <p:sp>
+        <p:nvSpPr>
+          <p:cNvPr id="252" name="Google Shape;252;p47"/>
+          <p:cNvSpPr txBox="1"/>
+          <p:nvPr>
+            <p:ph idx="1" type="body"/>
+          </p:nvPr>
+        </p:nvSpPr>
+        <p:spPr>
+          <a:xfrm>
+            <a:off x="6128700" y="313250"/>
+            <a:ext cx="3015300" cy="3341400"/>
+          </a:xfrm>
+          <a:prstGeom prst="rect">
+            <a:avLst/>
+          </a:prstGeom>
+        </p:spPr>
+        <p:txBody>
+          <a:bodyPr anchorCtr="0" anchor="t" bIns="91425" lIns="91425" spcFirstLastPara="1" rIns="91425" wrap="square" tIns="91425">
+            <a:noAutofit/>
+          </a:bodyPr>
+          <a:lstStyle/>
+          <a:p>
+            <a:pPr indent="0" lvl="0" marL="0" rtl="0" algn="l">
+              <a:lnSpc>
+                <a:spcPct val="80000"/>
+              </a:lnSpc>
+              <a:spcBef>
+                <a:spcPts val="0"/>
+              </a:spcBef>
+              <a:spcAft>
+                <a:spcPts val="0"/>
+              </a:spcAft>
+              <a:buNone/>
+            </a:pPr>
+            <a:r>
+              <a:rPr lang="ja" sz="535"/>
+              <a:t># ToolRerankアルゴリズムの実装</a:t>
+            </a:r>
+            <a:br>
+              <a:rPr lang="ja" sz="535"/>
+            </a:br>
+            <a:r>
+              <a:rPr lang="ja" sz="535"/>
+              <a:t># 必要なライブラリのインポート</a:t>
+            </a:r>
+            <a:br>
+              <a:rPr lang="ja" sz="535"/>
+            </a:br>
+            <a:r>
+              <a:rPr lang="ja" sz="535"/>
+              <a:t>from typing import List, Dict</a:t>
+            </a:r>
+            <a:br>
+              <a:rPr lang="ja" sz="535"/>
+            </a:br>
+            <a:br>
+              <a:rPr lang="ja" sz="535"/>
+            </a:br>
+            <a:r>
+              <a:rPr lang="ja" sz="535"/>
+              <a:t># データ型の定義</a:t>
+            </a:r>
+            <a:br>
+              <a:rPr lang="ja" sz="535"/>
+            </a:br>
+            <a:r>
+              <a:rPr lang="ja" sz="535"/>
+              <a:t>Tool = Dict[str, any] # ツール情報を格納する辞書型</a:t>
+            </a:r>
+            <a:br>
+              <a:rPr lang="ja" sz="535"/>
+            </a:br>
+            <a:r>
+              <a:rPr lang="ja" sz="535"/>
+              <a:t>SearchResult = List[Tool] # 検索結果のリスト型</a:t>
+            </a:r>
+            <a:br>
+              <a:rPr lang="ja" sz="535"/>
+            </a:br>
+            <a:r>
+              <a:rPr lang="ja" sz="535"/>
+              <a:t># デュアルエンコーダーリトリバーによる粗い検索結果の取得</a:t>
+            </a:r>
+            <a:br>
+              <a:rPr lang="ja" sz="535"/>
+            </a:br>
+            <a:r>
+              <a:rPr lang="ja" sz="535"/>
+              <a:t>def retrieve_coarse_results(query: str) -&gt; SearchResult:</a:t>
+            </a:r>
+            <a:br>
+              <a:rPr lang="ja" sz="535"/>
+            </a:br>
+            <a:r>
+              <a:rPr lang="ja" sz="535"/>
+              <a:t>    # 実装は省略（ダミーデータを返す）</a:t>
+            </a:r>
+            <a:br>
+              <a:rPr lang="ja" sz="535"/>
+            </a:br>
+            <a:r>
+              <a:rPr lang="ja" sz="535"/>
+              <a:t>    return [{'tool_name': 'ToolA', 'seen': False}, {'tool_name': 'ToolB', 'seen': True}]</a:t>
+            </a:r>
+            <a:br>
+              <a:rPr lang="ja" sz="535"/>
+            </a:br>
+            <a:br>
+              <a:rPr lang="ja" sz="535"/>
+            </a:br>
+            <a:r>
+              <a:rPr lang="ja" sz="535"/>
+              <a:t># Adaptive Truncationの適用</a:t>
+            </a:r>
+            <a:br>
+              <a:rPr lang="ja" sz="535"/>
+            </a:br>
+            <a:r>
+              <a:rPr lang="ja" sz="535"/>
+              <a:t>def adaptive_truncation(search_results, seen_tools, ms, mu):</a:t>
+            </a:r>
+            <a:br>
+              <a:rPr lang="ja" sz="535"/>
+            </a:br>
+            <a:r>
+              <a:rPr lang="ja" sz="535"/>
+              <a:t>    """</a:t>
+            </a:r>
+            <a:br>
+              <a:rPr lang="ja" sz="535"/>
+            </a:br>
+            <a:r>
+              <a:rPr lang="ja" sz="535"/>
+              <a:t>    search_results: 検索結果のリスト（各要素は(API名, ツール名)のタプル）</a:t>
+            </a:r>
+            <a:br>
+              <a:rPr lang="ja" sz="535"/>
+            </a:br>
+            <a:r>
+              <a:rPr lang="ja" sz="535"/>
+              <a:t>    seen_tools: 訓練データで見たツールのセット</a:t>
+            </a:r>
+            <a:br>
+              <a:rPr lang="ja" sz="535"/>
+            </a:br>
+            <a:r>
+              <a:rPr lang="ja" sz="535"/>
+              <a:t>    ms: 見たツールの切り捨て位置</a:t>
+            </a:r>
+            <a:br>
+              <a:rPr lang="ja" sz="535"/>
+            </a:br>
+            <a:r>
+              <a:rPr lang="ja" sz="535"/>
+              <a:t>    mu: 見ていないツールの切り捨て位置</a:t>
+            </a:r>
+            <a:br>
+              <a:rPr lang="ja" sz="535"/>
+            </a:br>
+            <a:r>
+              <a:rPr lang="ja" sz="535"/>
+              <a:t>    """</a:t>
+            </a:r>
+            <a:br>
+              <a:rPr lang="ja" sz="535"/>
+            </a:br>
+            <a:r>
+              <a:rPr lang="ja" sz="535"/>
+              <a:t>    truncated_results = []</a:t>
+            </a:r>
+            <a:br>
+              <a:rPr lang="ja" sz="535"/>
+            </a:br>
+            <a:r>
+              <a:rPr lang="ja" sz="535"/>
+              <a:t>    for i, (api, tool) in enumerate(search_results):</a:t>
+            </a:r>
+            <a:br>
+              <a:rPr lang="ja" sz="535"/>
+            </a:br>
+            <a:r>
+              <a:rPr lang="ja" sz="535"/>
+              <a:t>        # ツールが見たツールの場合</a:t>
+            </a:r>
+            <a:br>
+              <a:rPr lang="ja" sz="535"/>
+            </a:br>
+            <a:r>
+              <a:rPr lang="ja" sz="535"/>
+              <a:t>        if tool in seen_tools:</a:t>
+            </a:r>
+            <a:br>
+              <a:rPr lang="ja" sz="535"/>
+            </a:br>
+            <a:r>
+              <a:rPr lang="ja" sz="535"/>
+              <a:t>            if i &lt; ms:  # msの位置までを保持</a:t>
+            </a:r>
+            <a:br>
+              <a:rPr lang="ja" sz="535"/>
+            </a:br>
+            <a:r>
+              <a:rPr lang="ja" sz="535"/>
+              <a:t>                truncated_results.append((api, tool))</a:t>
+            </a:r>
+            <a:br>
+              <a:rPr lang="ja" sz="535"/>
+            </a:br>
+            <a:r>
+              <a:rPr lang="ja" sz="535"/>
+              <a:t>        else:</a:t>
+            </a:r>
+            <a:br>
+              <a:rPr lang="ja" sz="535"/>
+            </a:br>
+            <a:r>
+              <a:rPr lang="ja" sz="535"/>
+              <a:t>            if i &lt; mu:  # muの位置までを保持</a:t>
+            </a:r>
+            <a:br>
+              <a:rPr lang="ja" sz="535"/>
+            </a:br>
+            <a:r>
+              <a:rPr lang="ja" sz="535"/>
+              <a:t>                truncated_results.append((api, tool))</a:t>
+            </a:r>
+            <a:br>
+              <a:rPr lang="ja" sz="535"/>
+            </a:br>
+            <a:r>
+              <a:rPr lang="ja" sz="535"/>
+              <a:t>    return truncated_results</a:t>
+            </a:r>
+            <a:br>
+              <a:rPr lang="ja" sz="535"/>
+            </a:br>
+            <a:br>
+              <a:rPr lang="ja" sz="535"/>
+            </a:br>
+            <a:r>
+              <a:rPr lang="ja" sz="535"/>
+              <a:t># 検索結果の例（API名, ツール名）</a:t>
+            </a:r>
+            <a:br>
+              <a:rPr lang="ja" sz="535"/>
+            </a:br>
+            <a:r>
+              <a:rPr lang="ja" sz="535"/>
+              <a:t>search_results = [</a:t>
+            </a:r>
+            <a:br>
+              <a:rPr lang="ja" sz="535"/>
+            </a:br>
+            <a:r>
+              <a:rPr lang="ja" sz="535"/>
+              <a:t>    ("API1", "ToolA"), ("API2", "ToolB"), ("API3", "ToolC"),</a:t>
+            </a:r>
+            <a:br>
+              <a:rPr lang="ja" sz="535"/>
+            </a:br>
+            <a:r>
+              <a:rPr lang="ja" sz="535"/>
+              <a:t>    ("API4", "ToolD"), ("API5", "ToolE"), ("API6", "ToolF")</a:t>
+            </a:r>
+            <a:br>
+              <a:rPr lang="ja" sz="535"/>
+            </a:br>
+            <a:r>
+              <a:rPr lang="ja" sz="535"/>
+              <a:t>]</a:t>
+            </a:r>
+            <a:br>
+              <a:rPr lang="ja" sz="535"/>
+            </a:br>
+            <a:r>
+              <a:rPr lang="ja" sz="535"/>
+              <a:t># 訓練データで見たツールのリスト</a:t>
+            </a:r>
+            <a:br>
+              <a:rPr lang="ja" sz="535"/>
+            </a:br>
+            <a:r>
+              <a:rPr lang="ja" sz="535"/>
+              <a:t>seen_tools = {"ToolA", "ToolB", "ToolC"}</a:t>
+            </a:r>
+            <a:br>
+              <a:rPr lang="ja" sz="535"/>
+            </a:br>
+            <a:r>
+              <a:rPr lang="ja" sz="535"/>
+              <a:t># 適応的切断を適用</a:t>
+            </a:r>
+            <a:br>
+              <a:rPr lang="ja" sz="535"/>
+            </a:br>
+            <a:r>
+              <a:rPr lang="ja" sz="535"/>
+              <a:t>ms = 3  # 見たツールのための切り捨て位置</a:t>
+            </a:r>
+            <a:br>
+              <a:rPr lang="ja" sz="535"/>
+            </a:br>
+            <a:r>
+              <a:rPr lang="ja" sz="535"/>
+              <a:t>mu = 5  # 見ていないツールのための切り捨て位置</a:t>
+            </a:r>
+            <a:br>
+              <a:rPr lang="ja" sz="535"/>
+            </a:br>
+            <a:r>
+              <a:rPr lang="ja" sz="535"/>
+              <a:t>truncated_results = adaptive_truncation(search_results, seen_tools, ms, mu)</a:t>
+            </a:r>
+            <a:br>
+              <a:rPr lang="ja" sz="535"/>
+            </a:br>
+            <a:r>
+              <a:rPr lang="ja" sz="535"/>
+              <a:t>print("切り捨て後の検索結果:", truncated_results)</a:t>
+            </a:r>
+            <a:br>
+              <a:rPr lang="ja" sz="535"/>
+            </a:br>
+            <a:br>
+              <a:rPr lang="ja" sz="535"/>
+            </a:br>
+            <a:r>
+              <a:rPr lang="ja" sz="535"/>
+              <a:t># クロスエンコーダーリランカーによる再ランク付け</a:t>
+            </a:r>
+            <a:br>
+              <a:rPr lang="ja" sz="535"/>
+            </a:br>
+            <a:r>
+              <a:rPr lang="ja" sz="535"/>
+              <a:t>def rerank_with_cross_encoder(results: SearchResult) -&gt; SearchResult:</a:t>
+            </a:r>
+            <a:br>
+              <a:rPr lang="ja" sz="535"/>
+            </a:br>
+            <a:r>
+              <a:rPr lang="ja" sz="535"/>
+              <a:t>    # 実装は省略（ダミーデータを返す）</a:t>
+            </a:r>
+            <a:br>
+              <a:rPr lang="ja" sz="535"/>
+            </a:br>
+            <a:r>
+              <a:rPr lang="ja" sz="535"/>
+              <a:t>    return results</a:t>
+            </a:r>
+            <a:br>
+              <a:rPr lang="ja" sz="535"/>
+            </a:br>
+            <a:r>
+              <a:rPr lang="ja" sz="535"/>
+              <a:t># Hierarchy-Aware Rerankingの適用</a:t>
+            </a:r>
+            <a:br>
+              <a:rPr lang="ja" sz="535"/>
+            </a:br>
+            <a:r>
+              <a:rPr lang="ja" sz="535"/>
+              <a:t>def apply_hierarchy_aware_reranking(results: SearchResult) -&gt; SearchResult:</a:t>
+            </a:r>
+            <a:br>
+              <a:rPr lang="ja" sz="535"/>
+            </a:br>
+            <a:r>
+              <a:rPr lang="ja" sz="535"/>
+              <a:t>    # 実装は省略（ダミーデータを返す）</a:t>
+            </a:r>
+            <a:br>
+              <a:rPr lang="ja" sz="535"/>
+            </a:br>
+            <a:r>
+              <a:rPr lang="ja" sz="535"/>
+              <a:t>    return results</a:t>
+            </a:r>
+            <a:br>
+              <a:rPr lang="ja" sz="535"/>
+            </a:br>
+            <a:r>
+              <a:rPr lang="ja" sz="535"/>
+              <a:t># ToolRerankアルゴリズムのメイン関数</a:t>
+            </a:r>
+            <a:br>
+              <a:rPr lang="ja" sz="535"/>
+            </a:br>
+            <a:r>
+              <a:rPr lang="ja" sz="535"/>
+              <a:t>def tool_rerank(query: str) -&gt; SearchResult:</a:t>
+            </a:r>
+            <a:br>
+              <a:rPr lang="ja" sz="535"/>
+            </a:br>
+            <a:r>
+              <a:rPr lang="ja" sz="535"/>
+              <a:t>    # 粗い検索結果の取得</a:t>
+            </a:r>
+            <a:br>
+              <a:rPr lang="ja" sz="535"/>
+            </a:br>
+            <a:r>
+              <a:rPr lang="ja" sz="535"/>
+              <a:t>    coarse_results = retrieve_coarse_results(query)</a:t>
+            </a:r>
+            <a:br>
+              <a:rPr lang="ja" sz="535"/>
+            </a:br>
+            <a:r>
+              <a:rPr lang="ja" sz="535"/>
+              <a:t>    # Adaptive Truncationの適用</a:t>
+            </a:r>
+            <a:br>
+              <a:rPr lang="ja" sz="535"/>
+            </a:br>
+            <a:r>
+              <a:rPr lang="ja" sz="535"/>
+              <a:t>    truncated_results = adaptive_truncation(coarse_results)</a:t>
+            </a:r>
+            <a:br>
+              <a:rPr lang="ja" sz="535"/>
+            </a:br>
+            <a:r>
+              <a:rPr lang="ja" sz="535"/>
+              <a:t>    # 再ランク付け</a:t>
+            </a:r>
+            <a:br>
+              <a:rPr lang="ja" sz="535"/>
+            </a:br>
+            <a:r>
+              <a:rPr lang="ja" sz="535"/>
+              <a:t>    reranked_results = rerank_with_cross_encoder(truncated_results)</a:t>
+            </a:r>
+            <a:br>
+              <a:rPr lang="ja" sz="535"/>
+            </a:br>
+            <a:r>
+              <a:rPr lang="ja" sz="535"/>
+              <a:t>    # Hierarchy-Aware Rerankingの適用</a:t>
+            </a:r>
+            <a:br>
+              <a:rPr lang="ja" sz="535"/>
+            </a:br>
+            <a:r>
+              <a:rPr lang="ja" sz="535"/>
+              <a:t>    final_results = apply_hierarchy_aware_reranking(reranked_results)</a:t>
+            </a:r>
+            <a:br>
+              <a:rPr lang="ja" sz="535"/>
+            </a:br>
+            <a:r>
+              <a:rPr lang="ja" sz="535"/>
+              <a:t>    return final_results</a:t>
+            </a:r>
+            <a:br>
+              <a:rPr lang="ja" sz="535"/>
+            </a:br>
+            <a:r>
+              <a:rPr lang="ja" sz="535"/>
+              <a:t># メイン関数の実行例</a:t>
+            </a:r>
+            <a:br>
+              <a:rPr lang="ja" sz="535"/>
+            </a:br>
+            <a:r>
+              <a:rPr lang="ja" sz="535"/>
+              <a:t>if __name__ == '__main__':</a:t>
+            </a:r>
+            <a:br>
+              <a:rPr lang="ja" sz="535"/>
+            </a:br>
+            <a:r>
+              <a:rPr lang="ja" sz="535"/>
+              <a:t>    query = 'ツール検索クエリ'</a:t>
+            </a:r>
+            <a:br>
+              <a:rPr lang="ja" sz="535"/>
+            </a:br>
+            <a:r>
+              <a:rPr lang="ja" sz="535"/>
+              <a:t>    results = tool_rerank(query)</a:t>
+            </a:r>
+            <a:br>
+              <a:rPr lang="ja" sz="535"/>
+            </a:br>
+            <a:r>
+              <a:rPr lang="ja" sz="535"/>
+              <a:t>    print(results)</a:t>
+            </a:r>
+            <a:endParaRPr sz="535"/>
+          </a:p>
+          <a:p>
+            <a:pPr indent="0" lvl="0" marL="0" rtl="0" algn="l">
+              <a:lnSpc>
+                <a:spcPct val="80000"/>
+              </a:lnSpc>
+              <a:spcBef>
+                <a:spcPts val="1200"/>
+              </a:spcBef>
+              <a:spcAft>
+                <a:spcPts val="1200"/>
+              </a:spcAft>
+              <a:buNone/>
+            </a:pPr>
+            <a:r>
+              <a:t/>
+            </a:r>
+            <a:endParaRPr sz="535"/>
+          </a:p>
+        </p:txBody>
+      </p:sp>
+    </p:spTree>
+  </p:cSld>
+  <p:clrMapOvr>
+    <a:masterClrMapping/>
+  </p:clrMapOvr>
+</p:sld>
+</file>
+
+<file path=ppt/slides/slide36.xml><?xml version="1.0" encoding="utf-8"?>
+<p:sld xmlns:a="http://schemas.openxmlformats.org/drawingml/2006/main" xmlns:r="http://schemas.openxmlformats.org/officeDocument/2006/relationships" xmlns:mc="http://schemas.openxmlformats.org/markup-compatibility/2006" xmlns:mv="urn:schemas-microsoft-com:mac:vml" xmlns:p="http://schemas.openxmlformats.org/presentationml/2006/main" xmlns:c="http://schemas.openxmlformats.org/drawingml/2006/chart" xmlns:dgm="http://schemas.openxmlformats.org/drawingml/2006/diagram" xmlns:o="urn:schemas-microsoft-com:office:office" xmlns:v="urn:schemas-microsoft-com:vml" xmlns:pvml="urn:schemas-microsoft-com:office:powerpoint" xmlns:com="http://schemas.openxmlformats.org/drawingml/2006/compatibility" xmlns:p14="http://schemas.microsoft.com/office/powerpoint/2010/main" xmlns:p15="http://schemas.microsoft.com/office/powerpoint/2012/main" xmlns:ahyp="http://schemas.microsoft.com/office/drawing/2018/hyperlinkcolor">
+  <p:cSld>
+    <p:spTree>
+      <p:nvGrpSpPr>
+        <p:cNvPr id="256" name="Shape 256"/>
+        <p:cNvGrpSpPr/>
+        <p:nvPr/>
+      </p:nvGrpSpPr>
+      <p:grpSpPr>
+        <a:xfrm>
+          <a:off x="0" y="0"/>
+          <a:ext cx="0" cy="0"/>
+          <a:chOff x="0" y="0"/>
+          <a:chExt cx="0" cy="0"/>
+        </a:xfrm>
+      </p:grpSpPr>
+      <p:sp>
+        <p:nvSpPr>
+          <p:cNvPr id="257" name="Google Shape;257;p48"/>
+          <p:cNvSpPr txBox="1"/>
+          <p:nvPr>
             <p:ph type="title"/>
           </p:nvPr>
         </p:nvSpPr>

--- a/2024_LLM論文要約_3.pptx
+++ b/2024_LLM論文要約_3.pptx
@@ -44,16 +44,22 @@
     <p:sldId id="289" r:id="rId39"/>
     <p:sldId id="290" r:id="rId40"/>
     <p:sldId id="291" r:id="rId41"/>
+    <p:sldId id="292" r:id="rId42"/>
+    <p:sldId id="293" r:id="rId43"/>
+    <p:sldId id="294" r:id="rId44"/>
+    <p:sldId id="295" r:id="rId45"/>
+    <p:sldId id="296" r:id="rId46"/>
+    <p:sldId id="297" r:id="rId47"/>
   </p:sldIdLst>
   <p:sldSz cy="5143500" cx="9144000"/>
   <p:notesSz cx="6858000" cy="9144000"/>
   <p:embeddedFontLst>
     <p:embeddedFont>
       <p:font typeface="Proxima Nova"/>
-      <p:regular r:id="rId42"/>
-      <p:bold r:id="rId43"/>
-      <p:italic r:id="rId44"/>
-      <p:boldItalic r:id="rId45"/>
+      <p:regular r:id="rId48"/>
+      <p:bold r:id="rId49"/>
+      <p:italic r:id="rId50"/>
+      <p:boldItalic r:id="rId51"/>
     </p:embeddedFont>
   </p:embeddedFontLst>
   <p:defaultTextStyle>
@@ -3620,7 +3626,7 @@
       </p:grpSpPr>
       <p:sp>
         <p:nvSpPr>
-          <p:cNvPr id="254" name="Google Shape;254;g2b3937a3876_0_15:notes"/>
+          <p:cNvPr id="254" name="Google Shape;254;g26ba007fa1e_1_0:notes"/>
           <p:cNvSpPr/>
           <p:nvPr>
             <p:ph idx="2" type="sldImg"/>
@@ -3655,7 +3661,304 @@
       </p:sp>
       <p:sp>
         <p:nvSpPr>
-          <p:cNvPr id="255" name="Google Shape;255;g2b3937a3876_0_15:notes"/>
+          <p:cNvPr id="255" name="Google Shape;255;g26ba007fa1e_1_0:notes"/>
+          <p:cNvSpPr txBox="1"/>
+          <p:nvPr>
+            <p:ph idx="1" type="body"/>
+          </p:nvPr>
+        </p:nvSpPr>
+        <p:spPr>
+          <a:xfrm>
+            <a:off x="685800" y="4343400"/>
+            <a:ext cx="5486400" cy="4114800"/>
+          </a:xfrm>
+          <a:prstGeom prst="rect">
+            <a:avLst/>
+          </a:prstGeom>
+        </p:spPr>
+        <p:txBody>
+          <a:bodyPr anchorCtr="0" anchor="t" bIns="91425" lIns="91425" spcFirstLastPara="1" rIns="91425" wrap="square" tIns="91425">
+            <a:noAutofit/>
+          </a:bodyPr>
+          <a:lstStyle/>
+          <a:p>
+            <a:pPr indent="0" lvl="0" marL="0" rtl="0" algn="l">
+              <a:spcBef>
+                <a:spcPts val="0"/>
+              </a:spcBef>
+              <a:spcAft>
+                <a:spcPts val="0"/>
+              </a:spcAft>
+              <a:buNone/>
+            </a:pPr>
+            <a:r>
+              <a:t/>
+            </a:r>
+            <a:endParaRPr/>
+          </a:p>
+        </p:txBody>
+      </p:sp>
+    </p:spTree>
+  </p:cSld>
+  <p:clrMapOvr>
+    <a:masterClrMapping/>
+  </p:clrMapOvr>
+</p:notes>
+</file>
+
+<file path=ppt/notesSlides/notesSlide37.xml><?xml version="1.0" encoding="utf-8"?>
+<p:notes xmlns:a="http://schemas.openxmlformats.org/drawingml/2006/main" xmlns:r="http://schemas.openxmlformats.org/officeDocument/2006/relationships" xmlns:mc="http://schemas.openxmlformats.org/markup-compatibility/2006" xmlns:mv="urn:schemas-microsoft-com:mac:vml" xmlns:p="http://schemas.openxmlformats.org/presentationml/2006/main" xmlns:c="http://schemas.openxmlformats.org/drawingml/2006/chart" xmlns:dgm="http://schemas.openxmlformats.org/drawingml/2006/diagram" xmlns:o="urn:schemas-microsoft-com:office:office" xmlns:v="urn:schemas-microsoft-com:vml" xmlns:pvml="urn:schemas-microsoft-com:office:powerpoint" xmlns:com="http://schemas.openxmlformats.org/drawingml/2006/compatibility" xmlns:p14="http://schemas.microsoft.com/office/powerpoint/2010/main" xmlns:p15="http://schemas.microsoft.com/office/powerpoint/2012/main" xmlns:ahyp="http://schemas.microsoft.com/office/drawing/2018/hyperlinkcolor" showMasterPhAnim="0" showMasterSp="0">
+  <p:cSld>
+    <p:spTree>
+      <p:nvGrpSpPr>
+        <p:cNvPr id="258" name="Shape 258"/>
+        <p:cNvGrpSpPr/>
+        <p:nvPr/>
+      </p:nvGrpSpPr>
+      <p:grpSpPr>
+        <a:xfrm>
+          <a:off x="0" y="0"/>
+          <a:ext cx="0" cy="0"/>
+          <a:chOff x="0" y="0"/>
+          <a:chExt cx="0" cy="0"/>
+        </a:xfrm>
+      </p:grpSpPr>
+      <p:sp>
+        <p:nvSpPr>
+          <p:cNvPr id="259" name="Google Shape;259;g26ba007fa1e_1_17:notes"/>
+          <p:cNvSpPr/>
+          <p:nvPr>
+            <p:ph idx="2" type="sldImg"/>
+          </p:nvPr>
+        </p:nvSpPr>
+        <p:spPr>
+          <a:xfrm>
+            <a:off x="381300" y="685800"/>
+            <a:ext cx="6096000" cy="3429000"/>
+          </a:xfrm>
+          <a:custGeom>
+            <a:rect b="b" l="l" r="r" t="t"/>
+            <a:pathLst>
+              <a:path extrusionOk="0" h="120000" w="120000">
+                <a:moveTo>
+                  <a:pt x="0" y="0"/>
+                </a:moveTo>
+                <a:lnTo>
+                  <a:pt x="120000" y="0"/>
+                </a:lnTo>
+                <a:lnTo>
+                  <a:pt x="120000" y="120000"/>
+                </a:lnTo>
+                <a:lnTo>
+                  <a:pt x="0" y="120000"/>
+                </a:lnTo>
+                <a:close/>
+              </a:path>
+            </a:pathLst>
+          </a:custGeom>
+        </p:spPr>
+      </p:sp>
+      <p:sp>
+        <p:nvSpPr>
+          <p:cNvPr id="260" name="Google Shape;260;g26ba007fa1e_1_17:notes"/>
+          <p:cNvSpPr txBox="1"/>
+          <p:nvPr>
+            <p:ph idx="1" type="body"/>
+          </p:nvPr>
+        </p:nvSpPr>
+        <p:spPr>
+          <a:xfrm>
+            <a:off x="685800" y="4343400"/>
+            <a:ext cx="5486400" cy="4114800"/>
+          </a:xfrm>
+          <a:prstGeom prst="rect">
+            <a:avLst/>
+          </a:prstGeom>
+        </p:spPr>
+        <p:txBody>
+          <a:bodyPr anchorCtr="0" anchor="t" bIns="91425" lIns="91425" spcFirstLastPara="1" rIns="91425" wrap="square" tIns="91425">
+            <a:noAutofit/>
+          </a:bodyPr>
+          <a:lstStyle/>
+          <a:p>
+            <a:pPr indent="0" lvl="0" marL="0" rtl="0" algn="l">
+              <a:spcBef>
+                <a:spcPts val="0"/>
+              </a:spcBef>
+              <a:spcAft>
+                <a:spcPts val="0"/>
+              </a:spcAft>
+              <a:buNone/>
+            </a:pPr>
+            <a:r>
+              <a:t/>
+            </a:r>
+            <a:endParaRPr/>
+          </a:p>
+        </p:txBody>
+      </p:sp>
+    </p:spTree>
+  </p:cSld>
+  <p:clrMapOvr>
+    <a:masterClrMapping/>
+  </p:clrMapOvr>
+</p:notes>
+</file>
+
+<file path=ppt/notesSlides/notesSlide38.xml><?xml version="1.0" encoding="utf-8"?>
+<p:notes xmlns:a="http://schemas.openxmlformats.org/drawingml/2006/main" xmlns:r="http://schemas.openxmlformats.org/officeDocument/2006/relationships" xmlns:mc="http://schemas.openxmlformats.org/markup-compatibility/2006" xmlns:mv="urn:schemas-microsoft-com:mac:vml" xmlns:p="http://schemas.openxmlformats.org/presentationml/2006/main" xmlns:c="http://schemas.openxmlformats.org/drawingml/2006/chart" xmlns:dgm="http://schemas.openxmlformats.org/drawingml/2006/diagram" xmlns:o="urn:schemas-microsoft-com:office:office" xmlns:v="urn:schemas-microsoft-com:vml" xmlns:pvml="urn:schemas-microsoft-com:office:powerpoint" xmlns:com="http://schemas.openxmlformats.org/drawingml/2006/compatibility" xmlns:p14="http://schemas.microsoft.com/office/powerpoint/2010/main" xmlns:p15="http://schemas.microsoft.com/office/powerpoint/2012/main" xmlns:ahyp="http://schemas.microsoft.com/office/drawing/2018/hyperlinkcolor" showMasterPhAnim="0" showMasterSp="0">
+  <p:cSld>
+    <p:spTree>
+      <p:nvGrpSpPr>
+        <p:cNvPr id="263" name="Shape 263"/>
+        <p:cNvGrpSpPr/>
+        <p:nvPr/>
+      </p:nvGrpSpPr>
+      <p:grpSpPr>
+        <a:xfrm>
+          <a:off x="0" y="0"/>
+          <a:ext cx="0" cy="0"/>
+          <a:chOff x="0" y="0"/>
+          <a:chExt cx="0" cy="0"/>
+        </a:xfrm>
+      </p:grpSpPr>
+      <p:sp>
+        <p:nvSpPr>
+          <p:cNvPr id="264" name="Google Shape;264;g26ba007fa1e_1_30:notes"/>
+          <p:cNvSpPr/>
+          <p:nvPr>
+            <p:ph idx="2" type="sldImg"/>
+          </p:nvPr>
+        </p:nvSpPr>
+        <p:spPr>
+          <a:xfrm>
+            <a:off x="381300" y="685800"/>
+            <a:ext cx="6096000" cy="3429000"/>
+          </a:xfrm>
+          <a:custGeom>
+            <a:rect b="b" l="l" r="r" t="t"/>
+            <a:pathLst>
+              <a:path extrusionOk="0" h="120000" w="120000">
+                <a:moveTo>
+                  <a:pt x="0" y="0"/>
+                </a:moveTo>
+                <a:lnTo>
+                  <a:pt x="120000" y="0"/>
+                </a:lnTo>
+                <a:lnTo>
+                  <a:pt x="120000" y="120000"/>
+                </a:lnTo>
+                <a:lnTo>
+                  <a:pt x="0" y="120000"/>
+                </a:lnTo>
+                <a:close/>
+              </a:path>
+            </a:pathLst>
+          </a:custGeom>
+        </p:spPr>
+      </p:sp>
+      <p:sp>
+        <p:nvSpPr>
+          <p:cNvPr id="265" name="Google Shape;265;g26ba007fa1e_1_30:notes"/>
+          <p:cNvSpPr txBox="1"/>
+          <p:nvPr>
+            <p:ph idx="1" type="body"/>
+          </p:nvPr>
+        </p:nvSpPr>
+        <p:spPr>
+          <a:xfrm>
+            <a:off x="685800" y="4343400"/>
+            <a:ext cx="5486400" cy="4114800"/>
+          </a:xfrm>
+          <a:prstGeom prst="rect">
+            <a:avLst/>
+          </a:prstGeom>
+        </p:spPr>
+        <p:txBody>
+          <a:bodyPr anchorCtr="0" anchor="t" bIns="91425" lIns="91425" spcFirstLastPara="1" rIns="91425" wrap="square" tIns="91425">
+            <a:noAutofit/>
+          </a:bodyPr>
+          <a:lstStyle/>
+          <a:p>
+            <a:pPr indent="0" lvl="0" marL="0" rtl="0" algn="l">
+              <a:spcBef>
+                <a:spcPts val="0"/>
+              </a:spcBef>
+              <a:spcAft>
+                <a:spcPts val="0"/>
+              </a:spcAft>
+              <a:buNone/>
+            </a:pPr>
+            <a:r>
+              <a:t/>
+            </a:r>
+            <a:endParaRPr/>
+          </a:p>
+        </p:txBody>
+      </p:sp>
+    </p:spTree>
+  </p:cSld>
+  <p:clrMapOvr>
+    <a:masterClrMapping/>
+  </p:clrMapOvr>
+</p:notes>
+</file>
+
+<file path=ppt/notesSlides/notesSlide39.xml><?xml version="1.0" encoding="utf-8"?>
+<p:notes xmlns:a="http://schemas.openxmlformats.org/drawingml/2006/main" xmlns:r="http://schemas.openxmlformats.org/officeDocument/2006/relationships" xmlns:mc="http://schemas.openxmlformats.org/markup-compatibility/2006" xmlns:mv="urn:schemas-microsoft-com:mac:vml" xmlns:p="http://schemas.openxmlformats.org/presentationml/2006/main" xmlns:c="http://schemas.openxmlformats.org/drawingml/2006/chart" xmlns:dgm="http://schemas.openxmlformats.org/drawingml/2006/diagram" xmlns:o="urn:schemas-microsoft-com:office:office" xmlns:v="urn:schemas-microsoft-com:vml" xmlns:pvml="urn:schemas-microsoft-com:office:powerpoint" xmlns:com="http://schemas.openxmlformats.org/drawingml/2006/compatibility" xmlns:p14="http://schemas.microsoft.com/office/powerpoint/2010/main" xmlns:p15="http://schemas.microsoft.com/office/powerpoint/2012/main" xmlns:ahyp="http://schemas.microsoft.com/office/drawing/2018/hyperlinkcolor" showMasterPhAnim="0" showMasterSp="0">
+  <p:cSld>
+    <p:spTree>
+      <p:nvGrpSpPr>
+        <p:cNvPr id="268" name="Shape 268"/>
+        <p:cNvGrpSpPr/>
+        <p:nvPr/>
+      </p:nvGrpSpPr>
+      <p:grpSpPr>
+        <a:xfrm>
+          <a:off x="0" y="0"/>
+          <a:ext cx="0" cy="0"/>
+          <a:chOff x="0" y="0"/>
+          <a:chExt cx="0" cy="0"/>
+        </a:xfrm>
+      </p:grpSpPr>
+      <p:sp>
+        <p:nvSpPr>
+          <p:cNvPr id="269" name="Google Shape;269;g26ba007fa1e_1_47:notes"/>
+          <p:cNvSpPr/>
+          <p:nvPr>
+            <p:ph idx="2" type="sldImg"/>
+          </p:nvPr>
+        </p:nvSpPr>
+        <p:spPr>
+          <a:xfrm>
+            <a:off x="381300" y="685800"/>
+            <a:ext cx="6096000" cy="3429000"/>
+          </a:xfrm>
+          <a:custGeom>
+            <a:rect b="b" l="l" r="r" t="t"/>
+            <a:pathLst>
+              <a:path extrusionOk="0" h="120000" w="120000">
+                <a:moveTo>
+                  <a:pt x="0" y="0"/>
+                </a:moveTo>
+                <a:lnTo>
+                  <a:pt x="120000" y="0"/>
+                </a:lnTo>
+                <a:lnTo>
+                  <a:pt x="120000" y="120000"/>
+                </a:lnTo>
+                <a:lnTo>
+                  <a:pt x="0" y="120000"/>
+                </a:lnTo>
+                <a:close/>
+              </a:path>
+            </a:pathLst>
+          </a:custGeom>
+        </p:spPr>
+      </p:sp>
+      <p:sp>
+        <p:nvSpPr>
+          <p:cNvPr id="270" name="Google Shape;270;g26ba007fa1e_1_47:notes"/>
           <p:cNvSpPr txBox="1"/>
           <p:nvPr>
             <p:ph idx="1" type="body"/>
@@ -3755,6 +4058,303 @@
       <p:sp>
         <p:nvSpPr>
           <p:cNvPr id="73" name="Google Shape;73;g2beb210b808_0_0:notes"/>
+          <p:cNvSpPr txBox="1"/>
+          <p:nvPr>
+            <p:ph idx="1" type="body"/>
+          </p:nvPr>
+        </p:nvSpPr>
+        <p:spPr>
+          <a:xfrm>
+            <a:off x="685800" y="4343400"/>
+            <a:ext cx="5486400" cy="4114800"/>
+          </a:xfrm>
+          <a:prstGeom prst="rect">
+            <a:avLst/>
+          </a:prstGeom>
+        </p:spPr>
+        <p:txBody>
+          <a:bodyPr anchorCtr="0" anchor="t" bIns="91425" lIns="91425" spcFirstLastPara="1" rIns="91425" wrap="square" tIns="91425">
+            <a:noAutofit/>
+          </a:bodyPr>
+          <a:lstStyle/>
+          <a:p>
+            <a:pPr indent="0" lvl="0" marL="0" rtl="0" algn="l">
+              <a:spcBef>
+                <a:spcPts val="0"/>
+              </a:spcBef>
+              <a:spcAft>
+                <a:spcPts val="0"/>
+              </a:spcAft>
+              <a:buNone/>
+            </a:pPr>
+            <a:r>
+              <a:t/>
+            </a:r>
+            <a:endParaRPr/>
+          </a:p>
+        </p:txBody>
+      </p:sp>
+    </p:spTree>
+  </p:cSld>
+  <p:clrMapOvr>
+    <a:masterClrMapping/>
+  </p:clrMapOvr>
+</p:notes>
+</file>
+
+<file path=ppt/notesSlides/notesSlide40.xml><?xml version="1.0" encoding="utf-8"?>
+<p:notes xmlns:a="http://schemas.openxmlformats.org/drawingml/2006/main" xmlns:r="http://schemas.openxmlformats.org/officeDocument/2006/relationships" xmlns:mc="http://schemas.openxmlformats.org/markup-compatibility/2006" xmlns:mv="urn:schemas-microsoft-com:mac:vml" xmlns:p="http://schemas.openxmlformats.org/presentationml/2006/main" xmlns:c="http://schemas.openxmlformats.org/drawingml/2006/chart" xmlns:dgm="http://schemas.openxmlformats.org/drawingml/2006/diagram" xmlns:o="urn:schemas-microsoft-com:office:office" xmlns:v="urn:schemas-microsoft-com:vml" xmlns:pvml="urn:schemas-microsoft-com:office:powerpoint" xmlns:com="http://schemas.openxmlformats.org/drawingml/2006/compatibility" xmlns:p14="http://schemas.microsoft.com/office/powerpoint/2010/main" xmlns:p15="http://schemas.microsoft.com/office/powerpoint/2012/main" xmlns:ahyp="http://schemas.microsoft.com/office/drawing/2018/hyperlinkcolor" showMasterPhAnim="0" showMasterSp="0">
+  <p:cSld>
+    <p:spTree>
+      <p:nvGrpSpPr>
+        <p:cNvPr id="273" name="Shape 273"/>
+        <p:cNvGrpSpPr/>
+        <p:nvPr/>
+      </p:nvGrpSpPr>
+      <p:grpSpPr>
+        <a:xfrm>
+          <a:off x="0" y="0"/>
+          <a:ext cx="0" cy="0"/>
+          <a:chOff x="0" y="0"/>
+          <a:chExt cx="0" cy="0"/>
+        </a:xfrm>
+      </p:grpSpPr>
+      <p:sp>
+        <p:nvSpPr>
+          <p:cNvPr id="274" name="Google Shape;274;g26ba007fa1e_1_67:notes"/>
+          <p:cNvSpPr/>
+          <p:nvPr>
+            <p:ph idx="2" type="sldImg"/>
+          </p:nvPr>
+        </p:nvSpPr>
+        <p:spPr>
+          <a:xfrm>
+            <a:off x="381300" y="685800"/>
+            <a:ext cx="6096000" cy="3429000"/>
+          </a:xfrm>
+          <a:custGeom>
+            <a:rect b="b" l="l" r="r" t="t"/>
+            <a:pathLst>
+              <a:path extrusionOk="0" h="120000" w="120000">
+                <a:moveTo>
+                  <a:pt x="0" y="0"/>
+                </a:moveTo>
+                <a:lnTo>
+                  <a:pt x="120000" y="0"/>
+                </a:lnTo>
+                <a:lnTo>
+                  <a:pt x="120000" y="120000"/>
+                </a:lnTo>
+                <a:lnTo>
+                  <a:pt x="0" y="120000"/>
+                </a:lnTo>
+                <a:close/>
+              </a:path>
+            </a:pathLst>
+          </a:custGeom>
+        </p:spPr>
+      </p:sp>
+      <p:sp>
+        <p:nvSpPr>
+          <p:cNvPr id="275" name="Google Shape;275;g26ba007fa1e_1_67:notes"/>
+          <p:cNvSpPr txBox="1"/>
+          <p:nvPr>
+            <p:ph idx="1" type="body"/>
+          </p:nvPr>
+        </p:nvSpPr>
+        <p:spPr>
+          <a:xfrm>
+            <a:off x="685800" y="4343400"/>
+            <a:ext cx="5486400" cy="4114800"/>
+          </a:xfrm>
+          <a:prstGeom prst="rect">
+            <a:avLst/>
+          </a:prstGeom>
+        </p:spPr>
+        <p:txBody>
+          <a:bodyPr anchorCtr="0" anchor="t" bIns="91425" lIns="91425" spcFirstLastPara="1" rIns="91425" wrap="square" tIns="91425">
+            <a:noAutofit/>
+          </a:bodyPr>
+          <a:lstStyle/>
+          <a:p>
+            <a:pPr indent="0" lvl="0" marL="0" rtl="0" algn="l">
+              <a:spcBef>
+                <a:spcPts val="0"/>
+              </a:spcBef>
+              <a:spcAft>
+                <a:spcPts val="0"/>
+              </a:spcAft>
+              <a:buNone/>
+            </a:pPr>
+            <a:r>
+              <a:t/>
+            </a:r>
+            <a:endParaRPr/>
+          </a:p>
+        </p:txBody>
+      </p:sp>
+    </p:spTree>
+  </p:cSld>
+  <p:clrMapOvr>
+    <a:masterClrMapping/>
+  </p:clrMapOvr>
+</p:notes>
+</file>
+
+<file path=ppt/notesSlides/notesSlide41.xml><?xml version="1.0" encoding="utf-8"?>
+<p:notes xmlns:a="http://schemas.openxmlformats.org/drawingml/2006/main" xmlns:r="http://schemas.openxmlformats.org/officeDocument/2006/relationships" xmlns:mc="http://schemas.openxmlformats.org/markup-compatibility/2006" xmlns:mv="urn:schemas-microsoft-com:mac:vml" xmlns:p="http://schemas.openxmlformats.org/presentationml/2006/main" xmlns:c="http://schemas.openxmlformats.org/drawingml/2006/chart" xmlns:dgm="http://schemas.openxmlformats.org/drawingml/2006/diagram" xmlns:o="urn:schemas-microsoft-com:office:office" xmlns:v="urn:schemas-microsoft-com:vml" xmlns:pvml="urn:schemas-microsoft-com:office:powerpoint" xmlns:com="http://schemas.openxmlformats.org/drawingml/2006/compatibility" xmlns:p14="http://schemas.microsoft.com/office/powerpoint/2010/main" xmlns:p15="http://schemas.microsoft.com/office/powerpoint/2012/main" xmlns:ahyp="http://schemas.microsoft.com/office/drawing/2018/hyperlinkcolor" showMasterPhAnim="0" showMasterSp="0">
+  <p:cSld>
+    <p:spTree>
+      <p:nvGrpSpPr>
+        <p:cNvPr id="278" name="Shape 278"/>
+        <p:cNvGrpSpPr/>
+        <p:nvPr/>
+      </p:nvGrpSpPr>
+      <p:grpSpPr>
+        <a:xfrm>
+          <a:off x="0" y="0"/>
+          <a:ext cx="0" cy="0"/>
+          <a:chOff x="0" y="0"/>
+          <a:chExt cx="0" cy="0"/>
+        </a:xfrm>
+      </p:grpSpPr>
+      <p:sp>
+        <p:nvSpPr>
+          <p:cNvPr id="279" name="Google Shape;279;g26ba007fa1e_1_93:notes"/>
+          <p:cNvSpPr/>
+          <p:nvPr>
+            <p:ph idx="2" type="sldImg"/>
+          </p:nvPr>
+        </p:nvSpPr>
+        <p:spPr>
+          <a:xfrm>
+            <a:off x="381300" y="685800"/>
+            <a:ext cx="6096000" cy="3429000"/>
+          </a:xfrm>
+          <a:custGeom>
+            <a:rect b="b" l="l" r="r" t="t"/>
+            <a:pathLst>
+              <a:path extrusionOk="0" h="120000" w="120000">
+                <a:moveTo>
+                  <a:pt x="0" y="0"/>
+                </a:moveTo>
+                <a:lnTo>
+                  <a:pt x="120000" y="0"/>
+                </a:lnTo>
+                <a:lnTo>
+                  <a:pt x="120000" y="120000"/>
+                </a:lnTo>
+                <a:lnTo>
+                  <a:pt x="0" y="120000"/>
+                </a:lnTo>
+                <a:close/>
+              </a:path>
+            </a:pathLst>
+          </a:custGeom>
+        </p:spPr>
+      </p:sp>
+      <p:sp>
+        <p:nvSpPr>
+          <p:cNvPr id="280" name="Google Shape;280;g26ba007fa1e_1_93:notes"/>
+          <p:cNvSpPr txBox="1"/>
+          <p:nvPr>
+            <p:ph idx="1" type="body"/>
+          </p:nvPr>
+        </p:nvSpPr>
+        <p:spPr>
+          <a:xfrm>
+            <a:off x="685800" y="4343400"/>
+            <a:ext cx="5486400" cy="4114800"/>
+          </a:xfrm>
+          <a:prstGeom prst="rect">
+            <a:avLst/>
+          </a:prstGeom>
+        </p:spPr>
+        <p:txBody>
+          <a:bodyPr anchorCtr="0" anchor="t" bIns="91425" lIns="91425" spcFirstLastPara="1" rIns="91425" wrap="square" tIns="91425">
+            <a:noAutofit/>
+          </a:bodyPr>
+          <a:lstStyle/>
+          <a:p>
+            <a:pPr indent="0" lvl="0" marL="0" rtl="0" algn="l">
+              <a:spcBef>
+                <a:spcPts val="0"/>
+              </a:spcBef>
+              <a:spcAft>
+                <a:spcPts val="0"/>
+              </a:spcAft>
+              <a:buNone/>
+            </a:pPr>
+            <a:r>
+              <a:t/>
+            </a:r>
+            <a:endParaRPr/>
+          </a:p>
+        </p:txBody>
+      </p:sp>
+    </p:spTree>
+  </p:cSld>
+  <p:clrMapOvr>
+    <a:masterClrMapping/>
+  </p:clrMapOvr>
+</p:notes>
+</file>
+
+<file path=ppt/notesSlides/notesSlide42.xml><?xml version="1.0" encoding="utf-8"?>
+<p:notes xmlns:a="http://schemas.openxmlformats.org/drawingml/2006/main" xmlns:r="http://schemas.openxmlformats.org/officeDocument/2006/relationships" xmlns:mc="http://schemas.openxmlformats.org/markup-compatibility/2006" xmlns:mv="urn:schemas-microsoft-com:mac:vml" xmlns:p="http://schemas.openxmlformats.org/presentationml/2006/main" xmlns:c="http://schemas.openxmlformats.org/drawingml/2006/chart" xmlns:dgm="http://schemas.openxmlformats.org/drawingml/2006/diagram" xmlns:o="urn:schemas-microsoft-com:office:office" xmlns:v="urn:schemas-microsoft-com:vml" xmlns:pvml="urn:schemas-microsoft-com:office:powerpoint" xmlns:com="http://schemas.openxmlformats.org/drawingml/2006/compatibility" xmlns:p14="http://schemas.microsoft.com/office/powerpoint/2010/main" xmlns:p15="http://schemas.microsoft.com/office/powerpoint/2012/main" xmlns:ahyp="http://schemas.microsoft.com/office/drawing/2018/hyperlinkcolor" showMasterPhAnim="0" showMasterSp="0">
+  <p:cSld>
+    <p:spTree>
+      <p:nvGrpSpPr>
+        <p:cNvPr id="283" name="Shape 283"/>
+        <p:cNvGrpSpPr/>
+        <p:nvPr/>
+      </p:nvGrpSpPr>
+      <p:grpSpPr>
+        <a:xfrm>
+          <a:off x="0" y="0"/>
+          <a:ext cx="0" cy="0"/>
+          <a:chOff x="0" y="0"/>
+          <a:chExt cx="0" cy="0"/>
+        </a:xfrm>
+      </p:grpSpPr>
+      <p:sp>
+        <p:nvSpPr>
+          <p:cNvPr id="284" name="Google Shape;284;g2b3937a3876_0_15:notes"/>
+          <p:cNvSpPr/>
+          <p:nvPr>
+            <p:ph idx="2" type="sldImg"/>
+          </p:nvPr>
+        </p:nvSpPr>
+        <p:spPr>
+          <a:xfrm>
+            <a:off x="381300" y="685800"/>
+            <a:ext cx="6096000" cy="3429000"/>
+          </a:xfrm>
+          <a:custGeom>
+            <a:rect b="b" l="l" r="r" t="t"/>
+            <a:pathLst>
+              <a:path extrusionOk="0" h="120000" w="120000">
+                <a:moveTo>
+                  <a:pt x="0" y="0"/>
+                </a:moveTo>
+                <a:lnTo>
+                  <a:pt x="120000" y="0"/>
+                </a:lnTo>
+                <a:lnTo>
+                  <a:pt x="120000" y="120000"/>
+                </a:lnTo>
+                <a:lnTo>
+                  <a:pt x="0" y="120000"/>
+                </a:lnTo>
+                <a:close/>
+              </a:path>
+            </a:pathLst>
+          </a:custGeom>
+        </p:spPr>
+      </p:sp>
+      <p:sp>
+        <p:nvSpPr>
+          <p:cNvPr id="285" name="Google Shape;285;g2b3937a3876_0_15:notes"/>
           <p:cNvSpPr txBox="1"/>
           <p:nvPr>
             <p:ph idx="1" type="body"/>
@@ -22839,38 +23439,1285 @@
           <p:cNvPr id="257" name="Google Shape;257;p48"/>
           <p:cNvSpPr txBox="1"/>
           <p:nvPr>
-            <p:ph type="title"/>
+            <p:ph idx="1" type="body"/>
           </p:nvPr>
         </p:nvSpPr>
         <p:spPr>
           <a:xfrm>
-            <a:off x="510450" y="2057400"/>
-            <a:ext cx="8123100" cy="778800"/>
+            <a:off x="0" y="0"/>
+            <a:ext cx="9144000" cy="5049600"/>
           </a:xfrm>
           <a:prstGeom prst="rect">
             <a:avLst/>
           </a:prstGeom>
         </p:spPr>
         <p:txBody>
-          <a:bodyPr anchorCtr="0" anchor="b" bIns="91425" lIns="91425" spcFirstLastPara="1" rIns="91425" wrap="square" tIns="91425">
+          <a:bodyPr anchorCtr="0" anchor="t" bIns="91425" lIns="91425" spcFirstLastPara="1" rIns="91425" wrap="square" tIns="91425">
+            <a:normAutofit lnSpcReduction="20000"/>
+          </a:bodyPr>
+          <a:lstStyle/>
+          <a:p>
+            <a:pPr indent="0" lvl="0" marL="0" rtl="0" algn="l">
+              <a:lnSpc>
+                <a:spcPct val="100000"/>
+              </a:lnSpc>
+              <a:spcBef>
+                <a:spcPts val="0"/>
+              </a:spcBef>
+              <a:spcAft>
+                <a:spcPts val="0"/>
+              </a:spcAft>
+              <a:buNone/>
+            </a:pPr>
+            <a:r>
+              <a:rPr lang="ja" sz="1200" u="sng"/>
+              <a:t>Process Modeling With Large Language Models</a:t>
+            </a:r>
+            <a:r>
+              <a:rPr lang="ja" sz="1200" u="sng"/>
+              <a:t> 2024</a:t>
+            </a:r>
+            <a:endParaRPr sz="1100"/>
+          </a:p>
+          <a:p>
+            <a:pPr indent="0" lvl="0" marL="0" rtl="0" algn="l">
+              <a:lnSpc>
+                <a:spcPct val="100000"/>
+              </a:lnSpc>
+              <a:spcBef>
+                <a:spcPts val="1200"/>
+              </a:spcBef>
+              <a:spcAft>
+                <a:spcPts val="0"/>
+              </a:spcAft>
+              <a:buNone/>
+            </a:pPr>
+            <a:r>
+              <a:rPr lang="ja" sz="1100" u="sng"/>
+              <a:t>概要</a:t>
+            </a:r>
+            <a:endParaRPr sz="764"/>
+          </a:p>
+          <a:p>
+            <a:pPr indent="0" lvl="0" marL="0" rtl="0" algn="l">
+              <a:lnSpc>
+                <a:spcPct val="100000"/>
+              </a:lnSpc>
+              <a:spcBef>
+                <a:spcPts val="1200"/>
+              </a:spcBef>
+              <a:spcAft>
+                <a:spcPts val="0"/>
+              </a:spcAft>
+              <a:buNone/>
+            </a:pPr>
+            <a:r>
+              <a:rPr lang="ja" sz="764"/>
+              <a:t>ビジネスプロセス管理（BPM）の領域において、プロセスモデリングは複雑なプロセスダイナミクスを理解しやすい視覚表現に変換し、組織プロセスの理解、分析、改善、自動化を容易にする重要な役割を果たす。伝統的なプロセスモデリング方法は、多くの場合専門知識を必要とし、時間がかかります。テキスト記述からプロセスモデルを自動生成および反復的に改善するためにLLMを利用することで、プロセスモデリングの柔軟性、効率性、およびアクセシビリティを高めることを目指しています。このフレームワークは、効果的なLLMの活用のための革新的なプロンプト戦略、安全なモデル生成プロトコル、およびエラーハンドリングメカニズムを含んでいます。また、フレームワークを具体的に実装したシステムを示し、生成されたモデルが標準モデリング記法（例えば、BPMNやペトリネット）でエクスポートできることを示しています。</a:t>
+            </a:r>
+            <a:br>
+              <a:rPr lang="ja" sz="764"/>
+            </a:br>
+            <a:endParaRPr sz="764"/>
+          </a:p>
+          <a:p>
+            <a:pPr indent="0" lvl="0" marL="0" rtl="0" algn="l">
+              <a:lnSpc>
+                <a:spcPct val="100000"/>
+              </a:lnSpc>
+              <a:spcBef>
+                <a:spcPts val="1200"/>
+              </a:spcBef>
+              <a:spcAft>
+                <a:spcPts val="0"/>
+              </a:spcAft>
+              <a:buNone/>
+            </a:pPr>
+            <a:r>
+              <a:rPr lang="ja" sz="1100" u="sng"/>
+              <a:t>手法</a:t>
+            </a:r>
+            <a:endParaRPr sz="800"/>
+          </a:p>
+          <a:p>
+            <a:pPr indent="0" lvl="0" marL="0" rtl="0" algn="l">
+              <a:lnSpc>
+                <a:spcPct val="100000"/>
+              </a:lnSpc>
+              <a:spcBef>
+                <a:spcPts val="1200"/>
+              </a:spcBef>
+              <a:spcAft>
+                <a:spcPts val="0"/>
+              </a:spcAft>
+              <a:buNone/>
+            </a:pPr>
+            <a:r>
+              <a:rPr lang="ja" sz="764"/>
+              <a:t>LLMを活用し、プロンプトエンジニアリング、エラー処理、コード生成などの先進技術を用いて、自然言語のプロセス記述からプロセスモデルを自動生成するフレームワークを開発。</a:t>
+            </a:r>
+            <a:endParaRPr sz="764"/>
+          </a:p>
+          <a:p>
+            <a:pPr indent="0" lvl="0" marL="0" rtl="0" algn="l">
+              <a:lnSpc>
+                <a:spcPct val="100000"/>
+              </a:lnSpc>
+              <a:spcBef>
+                <a:spcPts val="1200"/>
+              </a:spcBef>
+              <a:spcAft>
+                <a:spcPts val="0"/>
+              </a:spcAft>
+              <a:buNone/>
+            </a:pPr>
+            <a:r>
+              <a:rPr lang="ja" sz="764"/>
+              <a:t>フレームワークの概要</a:t>
+            </a:r>
+            <a:br>
+              <a:rPr lang="ja" sz="764"/>
+            </a:br>
+            <a:r>
+              <a:rPr lang="ja" sz="764"/>
+              <a:t>- ユーザー入力: ユーザーはプロセスのテキスト記述を入力します。</a:t>
+            </a:r>
+            <a:br>
+              <a:rPr lang="ja" sz="764"/>
+            </a:br>
+            <a:r>
+              <a:rPr lang="ja" sz="764"/>
+              <a:t>- プロンプトの生成: テキスト記述を受け取った後、追加情報を組み込んで包括的なプロンプトを作成します。このプロンプトはLLMを指導し、プロセスモデルを生成するための実行可能なコードを生成させるように設計されています。</a:t>
+            </a:r>
+            <a:br>
+              <a:rPr lang="ja" sz="764"/>
+            </a:br>
+            <a:r>
+              <a:rPr lang="ja" sz="764"/>
+              <a:t>- コード生成: LLMによって生成されたプロンプトは、プロセスモデルの生成に役立つ一連の関数を利用してコードを生成するよう指示されます。</a:t>
+            </a:r>
+            <a:br>
+              <a:rPr lang="ja" sz="764"/>
+            </a:br>
+            <a:r>
+              <a:rPr lang="ja" sz="764"/>
+              <a:t>- コードの実行: LLMの応答を受け取った後、応答からコードスニペットを抽出し、実行してモデルを生成します。</a:t>
+            </a:r>
+            <a:br>
+              <a:rPr lang="ja" sz="764"/>
+            </a:br>
+            <a:r>
+              <a:rPr lang="ja" sz="764"/>
+              <a:t>- モデルの表示とエクスポート: 成功したコードの実行とプロセスモデルの生成後、ユーザーは生成されたモデルを見たり、BPMNやPetriネットなどの確立されたプロセスモデリング記法でエクスポートしたりできます。</a:t>
+            </a:r>
+            <a:br>
+              <a:rPr lang="ja" sz="764"/>
+            </a:br>
+            <a:r>
+              <a:rPr lang="ja" sz="764"/>
+              <a:t>- フィードバックループ: ユーザーは生成されたモデルに対してフィードバックを提供でき、フレームワークはそのフィードバックを統合してモデルを精緻化します​​。</a:t>
+            </a:r>
+            <a:endParaRPr sz="764"/>
+          </a:p>
+          <a:p>
+            <a:pPr indent="0" lvl="0" marL="0" rtl="0" algn="l">
+              <a:lnSpc>
+                <a:spcPct val="100000"/>
+              </a:lnSpc>
+              <a:spcBef>
+                <a:spcPts val="1200"/>
+              </a:spcBef>
+              <a:spcAft>
+                <a:spcPts val="0"/>
+              </a:spcAft>
+              <a:buNone/>
+            </a:pPr>
+            <a:r>
+              <a:rPr lang="ja" sz="764"/>
+              <a:t>プロセス表現</a:t>
+            </a:r>
+            <a:br>
+              <a:rPr lang="ja" sz="764"/>
+            </a:br>
+            <a:r>
+              <a:rPr lang="ja" sz="764"/>
+              <a:t>- POWL言語: 中間プロセス表現としてPartially Ordered Workflow Language（POWL）を使用します。POWLは、BPMNやPetriネットといった標準モデリング記法に馴染みのあるプロフェッショナルにとって理解しやすいプロセスモデルを生成する目的があります。POWLは、階層的なプロセスモデルを再帰的に生成し、より大きなものに組み合わせることで、簡素化されたモデル生成を可能にします​​。</a:t>
+            </a:r>
+            <a:endParaRPr sz="764"/>
+          </a:p>
+          <a:p>
+            <a:pPr indent="0" lvl="0" marL="0" rtl="0" algn="l">
+              <a:lnSpc>
+                <a:spcPct val="100000"/>
+              </a:lnSpc>
+              <a:spcBef>
+                <a:spcPts val="1200"/>
+              </a:spcBef>
+              <a:spcAft>
+                <a:spcPts val="0"/>
+              </a:spcAft>
+              <a:buNone/>
+            </a:pPr>
+            <a:r>
+              <a:rPr lang="ja" sz="764"/>
+              <a:t>プロンプトエンジニアリング</a:t>
+            </a:r>
+            <a:br>
+              <a:rPr lang="ja" sz="764"/>
+            </a:br>
+            <a:r>
+              <a:rPr lang="ja" sz="764"/>
+              <a:t>- ロールプロンプト: LLMに特定の役割を割り当て、プロセスモデリングの専門家として振る舞わせ、提供されたプロセス記述のギャップを埋めるよう指導します。</a:t>
+            </a:r>
+            <a:br>
+              <a:rPr lang="ja" sz="764"/>
+            </a:br>
+            <a:r>
+              <a:rPr lang="ja" sz="764"/>
+              <a:t>- 知識注入: POWLに関する包括的な知識を提供し、LLMがPOWLモデルを生成するためのPythonコードを生成するよう指示します。</a:t>
+            </a:r>
+            <a:br>
+              <a:rPr lang="ja" sz="764"/>
+            </a:br>
+            <a:r>
+              <a:rPr lang="ja" sz="764"/>
+              <a:t>- フューショットとネガティブプロンプト: いくつかの入力と期待される出力のペアを提供してLLMを訓練し、生成中に避けるべき一般的なエラーについて指示します​​。</a:t>
+            </a:r>
+            <a:endParaRPr sz="764"/>
+          </a:p>
+          <a:p>
+            <a:pPr indent="0" lvl="0" marL="0" rtl="0" algn="l">
+              <a:lnSpc>
+                <a:spcPct val="100000"/>
+              </a:lnSpc>
+              <a:spcBef>
+                <a:spcPts val="1200"/>
+              </a:spcBef>
+              <a:spcAft>
+                <a:spcPts val="0"/>
+              </a:spcAft>
+              <a:buNone/>
+            </a:pPr>
+            <a:r>
+              <a:rPr lang="ja" sz="764"/>
+              <a:t>モデル生成と精緻化</a:t>
+            </a:r>
+            <a:br>
+              <a:rPr lang="ja" sz="764"/>
+            </a:br>
+            <a:r>
+              <a:rPr lang="ja" sz="764"/>
+              <a:t>- 安全性と品質: 生成されたコードを実行する際に安全性と有効性を確保するための戦略を実装します。生成されたPOWLモデルをPetriネットやBPMNモデルに変換し、これらの確立された記法でモデルを表示およびエクスポートする機能を提供します​​。</a:t>
+            </a:r>
+            <a:endParaRPr sz="764"/>
+          </a:p>
+          <a:p>
+            <a:pPr indent="0" lvl="0" marL="0" rtl="0" algn="l">
+              <a:lnSpc>
+                <a:spcPct val="100000"/>
+              </a:lnSpc>
+              <a:spcBef>
+                <a:spcPts val="1200"/>
+              </a:spcBef>
+              <a:spcAft>
+                <a:spcPts val="0"/>
+              </a:spcAft>
+              <a:buNone/>
+            </a:pPr>
+            <a:r>
+              <a:rPr lang="ja" sz="764"/>
+              <a:t>エラー処理</a:t>
+            </a:r>
+            <a:br>
+              <a:rPr lang="ja" sz="764"/>
+            </a:br>
+            <a:r>
+              <a:rPr lang="ja" sz="764"/>
+              <a:t>- エラーの分類: 重大なエラーと調整可能なエラーに分類し、それぞれに対して適切な対応策を講じます。エラーが発生した場合には、LLMを再度活用してエラーを解決するための反復的なエラー処理ループを組み込みます​​。</a:t>
+            </a:r>
+            <a:endParaRPr sz="764"/>
+          </a:p>
+          <a:p>
+            <a:pPr indent="0" lvl="0" marL="0" rtl="0" algn="l">
+              <a:lnSpc>
+                <a:spcPct val="100000"/>
+              </a:lnSpc>
+              <a:spcBef>
+                <a:spcPts val="1200"/>
+              </a:spcBef>
+              <a:spcAft>
+                <a:spcPts val="1200"/>
+              </a:spcAft>
+              <a:buNone/>
+            </a:pPr>
+            <a:r>
+              <a:t/>
+            </a:r>
+            <a:endParaRPr sz="764"/>
+          </a:p>
+        </p:txBody>
+      </p:sp>
+    </p:spTree>
+  </p:cSld>
+  <p:clrMapOvr>
+    <a:masterClrMapping/>
+  </p:clrMapOvr>
+</p:sld>
+</file>
+
+<file path=ppt/slides/slide37.xml><?xml version="1.0" encoding="utf-8"?>
+<p:sld xmlns:a="http://schemas.openxmlformats.org/drawingml/2006/main" xmlns:r="http://schemas.openxmlformats.org/officeDocument/2006/relationships" xmlns:mc="http://schemas.openxmlformats.org/markup-compatibility/2006" xmlns:mv="urn:schemas-microsoft-com:mac:vml" xmlns:p="http://schemas.openxmlformats.org/presentationml/2006/main" xmlns:c="http://schemas.openxmlformats.org/drawingml/2006/chart" xmlns:dgm="http://schemas.openxmlformats.org/drawingml/2006/diagram" xmlns:o="urn:schemas-microsoft-com:office:office" xmlns:v="urn:schemas-microsoft-com:vml" xmlns:pvml="urn:schemas-microsoft-com:office:powerpoint" xmlns:com="http://schemas.openxmlformats.org/drawingml/2006/compatibility" xmlns:p14="http://schemas.microsoft.com/office/powerpoint/2010/main" xmlns:p15="http://schemas.microsoft.com/office/powerpoint/2012/main" xmlns:ahyp="http://schemas.microsoft.com/office/drawing/2018/hyperlinkcolor">
+  <p:cSld>
+    <p:spTree>
+      <p:nvGrpSpPr>
+        <p:cNvPr id="261" name="Shape 261"/>
+        <p:cNvGrpSpPr/>
+        <p:nvPr/>
+      </p:nvGrpSpPr>
+      <p:grpSpPr>
+        <a:xfrm>
+          <a:off x="0" y="0"/>
+          <a:ext cx="0" cy="0"/>
+          <a:chOff x="0" y="0"/>
+          <a:chExt cx="0" cy="0"/>
+        </a:xfrm>
+      </p:grpSpPr>
+      <p:sp>
+        <p:nvSpPr>
+          <p:cNvPr id="262" name="Google Shape;262;p49"/>
+          <p:cNvSpPr txBox="1"/>
+          <p:nvPr>
+            <p:ph idx="1" type="body"/>
+          </p:nvPr>
+        </p:nvSpPr>
+        <p:spPr>
+          <a:xfrm>
+            <a:off x="0" y="0"/>
+            <a:ext cx="9144000" cy="5049600"/>
+          </a:xfrm>
+          <a:prstGeom prst="rect">
+            <a:avLst/>
+          </a:prstGeom>
+        </p:spPr>
+        <p:txBody>
+          <a:bodyPr anchorCtr="0" anchor="t" bIns="91425" lIns="91425" spcFirstLastPara="1" rIns="91425" wrap="square" tIns="91425">
+            <a:normAutofit lnSpcReduction="20000"/>
+          </a:bodyPr>
+          <a:lstStyle/>
+          <a:p>
+            <a:pPr indent="0" lvl="0" marL="0" rtl="0" algn="l">
+              <a:lnSpc>
+                <a:spcPct val="100000"/>
+              </a:lnSpc>
+              <a:spcBef>
+                <a:spcPts val="0"/>
+              </a:spcBef>
+              <a:spcAft>
+                <a:spcPts val="0"/>
+              </a:spcAft>
+              <a:buNone/>
+            </a:pPr>
+            <a:r>
+              <a:rPr lang="ja" sz="1200" u="sng"/>
+              <a:t>Long-term Hydrothermal Bid-based Market Simulator</a:t>
+            </a:r>
+            <a:r>
+              <a:rPr lang="ja" sz="1200" u="sng"/>
+              <a:t> 2024</a:t>
+            </a:r>
+            <a:endParaRPr sz="1100"/>
+          </a:p>
+          <a:p>
+            <a:pPr indent="0" lvl="0" marL="0" rtl="0" algn="l">
+              <a:lnSpc>
+                <a:spcPct val="100000"/>
+              </a:lnSpc>
+              <a:spcBef>
+                <a:spcPts val="1200"/>
+              </a:spcBef>
+              <a:spcAft>
+                <a:spcPts val="0"/>
+              </a:spcAft>
+              <a:buNone/>
+            </a:pPr>
+            <a:r>
+              <a:rPr lang="ja" sz="1100" u="sng"/>
+              <a:t>概要</a:t>
+            </a:r>
+            <a:endParaRPr sz="764"/>
+          </a:p>
+          <a:p>
+            <a:pPr indent="0" lvl="0" marL="0" rtl="0" algn="l">
+              <a:lnSpc>
+                <a:spcPct val="100000"/>
+              </a:lnSpc>
+              <a:spcBef>
+                <a:spcPts val="1200"/>
+              </a:spcBef>
+              <a:spcAft>
+                <a:spcPts val="0"/>
+              </a:spcAft>
+              <a:buNone/>
+            </a:pPr>
+            <a:r>
+              <a:rPr lang="ja" sz="764"/>
+              <a:t>長期的な水力火力発電市場を戦略的エージェントを考慮してシミュレートすることは、挑戦的な課題です。時間的制約を伴う戦略的エージェントの処理は、既に困難な単期間の双レベル非凸最適入札問題をさらに複雑にします。大規模水力火力発電システムに対してこれらの課題を効果的に対処するシミュレーション方法論を提案。フレームワークの有効性を、大規模ブラジル電力システムの実データによるケーススタディを通じて検証。ケーススタディでは、電力システムにおける市場集中の影響と、それを緩和するための契約の使用法を示します。特に、ブラジルにおける市場力がどのように影響を与えるかを確認しました。開発した方法は、政策立案者、市場モニター、および市場設計者にとって大きな利益をもたらす可能性があります。シミュレーションは、既存の電力システムを理解し、代替設計を実験するために使用できます。</a:t>
+            </a:r>
+            <a:endParaRPr sz="764"/>
+          </a:p>
+          <a:p>
+            <a:pPr indent="0" lvl="0" marL="0" rtl="0" algn="l">
+              <a:lnSpc>
+                <a:spcPct val="100000"/>
+              </a:lnSpc>
+              <a:spcBef>
+                <a:spcPts val="1200"/>
+              </a:spcBef>
+              <a:spcAft>
+                <a:spcPts val="0"/>
+              </a:spcAft>
+              <a:buNone/>
+            </a:pPr>
+            <a:r>
+              <a:rPr lang="ja" sz="1100" u="sng"/>
+              <a:t>手法</a:t>
+            </a:r>
+            <a:endParaRPr sz="800"/>
+          </a:p>
+          <a:p>
+            <a:pPr indent="0" lvl="0" marL="0" rtl="0" algn="l">
+              <a:lnSpc>
+                <a:spcPct val="100000"/>
+              </a:lnSpc>
+              <a:spcBef>
+                <a:spcPts val="1200"/>
+              </a:spcBef>
+              <a:spcAft>
+                <a:spcPts val="0"/>
+              </a:spcAft>
+              <a:buNone/>
+            </a:pPr>
+            <a:r>
+              <a:rPr lang="ja" sz="764"/>
+              <a:t>LLMを活用し、プロンプトエンジニアリング、エラー処理、コード生成などの先進技術を用いて、自然言語のプロセス記述からプロセスモデルを自動生成するフレームワークを開発。</a:t>
+            </a:r>
+            <a:endParaRPr sz="764"/>
+          </a:p>
+          <a:p>
+            <a:pPr indent="0" lvl="0" marL="0" rtl="0" algn="l">
+              <a:lnSpc>
+                <a:spcPct val="100000"/>
+              </a:lnSpc>
+              <a:spcBef>
+                <a:spcPts val="1200"/>
+              </a:spcBef>
+              <a:spcAft>
+                <a:spcPts val="0"/>
+              </a:spcAft>
+              <a:buNone/>
+            </a:pPr>
+            <a:r>
+              <a:rPr lang="ja" sz="764"/>
+              <a:t>フレームワークの概要</a:t>
+            </a:r>
+            <a:br>
+              <a:rPr lang="ja" sz="764"/>
+            </a:br>
+            <a:r>
+              <a:rPr lang="ja" sz="764"/>
+              <a:t>- ユーザー入力: ユーザーはプロセスのテキスト記述を入力します。</a:t>
+            </a:r>
+            <a:br>
+              <a:rPr lang="ja" sz="764"/>
+            </a:br>
+            <a:r>
+              <a:rPr lang="ja" sz="764"/>
+              <a:t>- プロンプトの生成: テキスト記述を受け取った後、追加情報を組み込んで包括的なプロンプトを作成します。このプロンプトはLLMを指導し、プロセスモデルを生成するための実行可能なコードを生成させるように設計されています。</a:t>
+            </a:r>
+            <a:br>
+              <a:rPr lang="ja" sz="764"/>
+            </a:br>
+            <a:r>
+              <a:rPr lang="ja" sz="764"/>
+              <a:t>- コード生成: LLMによって生成されたプロンプトは、プロセスモデルの生成に役立つ一連の関数を利用してコードを生成するよう指示されます。</a:t>
+            </a:r>
+            <a:br>
+              <a:rPr lang="ja" sz="764"/>
+            </a:br>
+            <a:r>
+              <a:rPr lang="ja" sz="764"/>
+              <a:t>- コードの実行: LLMの応答を受け取った後、応答からコードスニペットを抽出し、実行してモデルを生成します。</a:t>
+            </a:r>
+            <a:br>
+              <a:rPr lang="ja" sz="764"/>
+            </a:br>
+            <a:r>
+              <a:rPr lang="ja" sz="764"/>
+              <a:t>- モデルの表示とエクスポート: 成功したコードの実行とプロセスモデルの生成後、ユーザーは生成されたモデルを見たり、BPMNやPetriネットなどの確立されたプロセスモデリング記法でエクスポートしたりできます。</a:t>
+            </a:r>
+            <a:br>
+              <a:rPr lang="ja" sz="764"/>
+            </a:br>
+            <a:r>
+              <a:rPr lang="ja" sz="764"/>
+              <a:t>- フィードバックループ: ユーザーは生成されたモデルに対してフィードバックを提供でき、フレームワークはそのフィードバックを統合してモデルを精緻化します​​。</a:t>
+            </a:r>
+            <a:endParaRPr sz="764"/>
+          </a:p>
+          <a:p>
+            <a:pPr indent="0" lvl="0" marL="0" rtl="0" algn="l">
+              <a:lnSpc>
+                <a:spcPct val="100000"/>
+              </a:lnSpc>
+              <a:spcBef>
+                <a:spcPts val="1200"/>
+              </a:spcBef>
+              <a:spcAft>
+                <a:spcPts val="0"/>
+              </a:spcAft>
+              <a:buNone/>
+            </a:pPr>
+            <a:r>
+              <a:rPr lang="ja" sz="764"/>
+              <a:t>プロセス表現</a:t>
+            </a:r>
+            <a:br>
+              <a:rPr lang="ja" sz="764"/>
+            </a:br>
+            <a:r>
+              <a:rPr lang="ja" sz="764"/>
+              <a:t>- POWL言語: 中間プロセス表現としてPartially Ordered Workflow Language（POWL）を使用します。POWLは、BPMNやPetriネットといった標準モデリング記法に馴染みのあるプロフェッショナルにとって理解しやすいプロセスモデルを生成する目的があります。POWLは、階層的なプロセスモデルを再帰的に生成し、より大きなものに組み合わせることで、簡素化されたモデル生成を可能にします​​。</a:t>
+            </a:r>
+            <a:endParaRPr sz="764"/>
+          </a:p>
+          <a:p>
+            <a:pPr indent="0" lvl="0" marL="0" rtl="0" algn="l">
+              <a:lnSpc>
+                <a:spcPct val="100000"/>
+              </a:lnSpc>
+              <a:spcBef>
+                <a:spcPts val="1200"/>
+              </a:spcBef>
+              <a:spcAft>
+                <a:spcPts val="0"/>
+              </a:spcAft>
+              <a:buNone/>
+            </a:pPr>
+            <a:r>
+              <a:rPr lang="ja" sz="764"/>
+              <a:t>プロンプトエンジニアリング</a:t>
+            </a:r>
+            <a:br>
+              <a:rPr lang="ja" sz="764"/>
+            </a:br>
+            <a:r>
+              <a:rPr lang="ja" sz="764"/>
+              <a:t>- ロールプロンプト: LLMに特定の役割を割り当て、プロセスモデリングの専門家として振る舞わせ、提供されたプロセス記述のギャップを埋めるよう指導します。</a:t>
+            </a:r>
+            <a:br>
+              <a:rPr lang="ja" sz="764"/>
+            </a:br>
+            <a:r>
+              <a:rPr lang="ja" sz="764"/>
+              <a:t>- 知識注入: POWLに関する包括的な知識を提供し、LLMがPOWLモデルを生成するためのPythonコードを生成するよう指示します。</a:t>
+            </a:r>
+            <a:br>
+              <a:rPr lang="ja" sz="764"/>
+            </a:br>
+            <a:r>
+              <a:rPr lang="ja" sz="764"/>
+              <a:t>- フューショットとネガティブプロンプト: いくつかの入力と期待される出力のペアを提供してLLMを訓練し、生成中に避けるべき一般的なエラーについて指示します​​。</a:t>
+            </a:r>
+            <a:endParaRPr sz="764"/>
+          </a:p>
+          <a:p>
+            <a:pPr indent="0" lvl="0" marL="0" rtl="0" algn="l">
+              <a:lnSpc>
+                <a:spcPct val="100000"/>
+              </a:lnSpc>
+              <a:spcBef>
+                <a:spcPts val="1200"/>
+              </a:spcBef>
+              <a:spcAft>
+                <a:spcPts val="0"/>
+              </a:spcAft>
+              <a:buNone/>
+            </a:pPr>
+            <a:r>
+              <a:rPr lang="ja" sz="764"/>
+              <a:t>モデル生成と精緻化</a:t>
+            </a:r>
+            <a:br>
+              <a:rPr lang="ja" sz="764"/>
+            </a:br>
+            <a:r>
+              <a:rPr lang="ja" sz="764"/>
+              <a:t>- 安全性と品質: 生成されたコードを実行する際に安全性と有効性を確保するための戦略を実装します。生成されたPOWLモデルをPetriネットやBPMNモデルに変換し、これらの確立された記法でモデルを表示およびエクスポートする機能を提供します​​。</a:t>
+            </a:r>
+            <a:endParaRPr sz="764"/>
+          </a:p>
+          <a:p>
+            <a:pPr indent="0" lvl="0" marL="0" rtl="0" algn="l">
+              <a:lnSpc>
+                <a:spcPct val="100000"/>
+              </a:lnSpc>
+              <a:spcBef>
+                <a:spcPts val="1200"/>
+              </a:spcBef>
+              <a:spcAft>
+                <a:spcPts val="0"/>
+              </a:spcAft>
+              <a:buNone/>
+            </a:pPr>
+            <a:r>
+              <a:rPr lang="ja" sz="764"/>
+              <a:t>エラー処理</a:t>
+            </a:r>
+            <a:br>
+              <a:rPr lang="ja" sz="764"/>
+            </a:br>
+            <a:r>
+              <a:rPr lang="ja" sz="764"/>
+              <a:t>- エラーの分類: 重大なエラーと調整可能なエラーに分類し、それぞれに対して適切な対応策を講じます。エラーが発生した場合には、LLMを再度活用してエラーを解決するための反復的なエラー処理ループを組み込みます​​。</a:t>
+            </a:r>
+            <a:endParaRPr sz="764"/>
+          </a:p>
+          <a:p>
+            <a:pPr indent="0" lvl="0" marL="0" rtl="0" algn="l">
+              <a:lnSpc>
+                <a:spcPct val="100000"/>
+              </a:lnSpc>
+              <a:spcBef>
+                <a:spcPts val="1200"/>
+              </a:spcBef>
+              <a:spcAft>
+                <a:spcPts val="1200"/>
+              </a:spcAft>
+              <a:buNone/>
+            </a:pPr>
+            <a:r>
+              <a:t/>
+            </a:r>
+            <a:endParaRPr sz="764"/>
+          </a:p>
+        </p:txBody>
+      </p:sp>
+    </p:spTree>
+  </p:cSld>
+  <p:clrMapOvr>
+    <a:masterClrMapping/>
+  </p:clrMapOvr>
+</p:sld>
+</file>
+
+<file path=ppt/slides/slide38.xml><?xml version="1.0" encoding="utf-8"?>
+<p:sld xmlns:a="http://schemas.openxmlformats.org/drawingml/2006/main" xmlns:r="http://schemas.openxmlformats.org/officeDocument/2006/relationships" xmlns:mc="http://schemas.openxmlformats.org/markup-compatibility/2006" xmlns:mv="urn:schemas-microsoft-com:mac:vml" xmlns:p="http://schemas.openxmlformats.org/presentationml/2006/main" xmlns:c="http://schemas.openxmlformats.org/drawingml/2006/chart" xmlns:dgm="http://schemas.openxmlformats.org/drawingml/2006/diagram" xmlns:o="urn:schemas-microsoft-com:office:office" xmlns:v="urn:schemas-microsoft-com:vml" xmlns:pvml="urn:schemas-microsoft-com:office:powerpoint" xmlns:com="http://schemas.openxmlformats.org/drawingml/2006/compatibility" xmlns:p14="http://schemas.microsoft.com/office/powerpoint/2010/main" xmlns:p15="http://schemas.microsoft.com/office/powerpoint/2012/main" xmlns:ahyp="http://schemas.microsoft.com/office/drawing/2018/hyperlinkcolor">
+  <p:cSld>
+    <p:spTree>
+      <p:nvGrpSpPr>
+        <p:cNvPr id="266" name="Shape 266"/>
+        <p:cNvGrpSpPr/>
+        <p:nvPr/>
+      </p:nvGrpSpPr>
+      <p:grpSpPr>
+        <a:xfrm>
+          <a:off x="0" y="0"/>
+          <a:ext cx="0" cy="0"/>
+          <a:chOff x="0" y="0"/>
+          <a:chExt cx="0" cy="0"/>
+        </a:xfrm>
+      </p:grpSpPr>
+      <p:sp>
+        <p:nvSpPr>
+          <p:cNvPr id="267" name="Google Shape;267;p50"/>
+          <p:cNvSpPr txBox="1"/>
+          <p:nvPr>
+            <p:ph idx="1" type="body"/>
+          </p:nvPr>
+        </p:nvSpPr>
+        <p:spPr>
+          <a:xfrm>
+            <a:off x="0" y="0"/>
+            <a:ext cx="9144000" cy="5049600"/>
+          </a:xfrm>
+          <a:prstGeom prst="rect">
+            <a:avLst/>
+          </a:prstGeom>
+        </p:spPr>
+        <p:txBody>
+          <a:bodyPr anchorCtr="0" anchor="t" bIns="91425" lIns="91425" spcFirstLastPara="1" rIns="91425" wrap="square" tIns="91425">
+            <a:normAutofit lnSpcReduction="10000"/>
+          </a:bodyPr>
+          <a:lstStyle/>
+          <a:p>
+            <a:pPr indent="0" lvl="0" marL="0" rtl="0" algn="l">
+              <a:lnSpc>
+                <a:spcPct val="100000"/>
+              </a:lnSpc>
+              <a:spcBef>
+                <a:spcPts val="0"/>
+              </a:spcBef>
+              <a:spcAft>
+                <a:spcPts val="0"/>
+              </a:spcAft>
+              <a:buNone/>
+            </a:pPr>
+            <a:r>
+              <a:rPr lang="ja" sz="1200" u="sng"/>
+              <a:t>AesopAgent: Agent-driven Evolutionary System on Story-to-Video Production エイソップエージェント: 物語から動画への進化的システム</a:t>
+            </a:r>
+            <a:r>
+              <a:rPr lang="ja" sz="1200" u="sng"/>
+              <a:t> 2024</a:t>
+            </a:r>
+            <a:endParaRPr sz="1100"/>
+          </a:p>
+          <a:p>
+            <a:pPr indent="0" lvl="0" marL="0" rtl="0" algn="l">
+              <a:lnSpc>
+                <a:spcPct val="100000"/>
+              </a:lnSpc>
+              <a:spcBef>
+                <a:spcPts val="1200"/>
+              </a:spcBef>
+              <a:spcAft>
+                <a:spcPts val="0"/>
+              </a:spcAft>
+              <a:buNone/>
+            </a:pPr>
+            <a:r>
+              <a:rPr lang="ja" sz="1100" u="sng"/>
+              <a:t>概要</a:t>
+            </a:r>
+            <a:endParaRPr sz="764"/>
+          </a:p>
+          <a:p>
+            <a:pPr indent="0" lvl="0" marL="0" rtl="0" algn="l">
+              <a:lnSpc>
+                <a:spcPct val="100000"/>
+              </a:lnSpc>
+              <a:spcBef>
+                <a:spcPts val="1200"/>
+              </a:spcBef>
+              <a:spcAft>
+                <a:spcPts val="0"/>
+              </a:spcAft>
+              <a:buNone/>
+            </a:pPr>
+            <a:r>
+              <a:rPr lang="ja" sz="764"/>
+              <a:t>Agent技術とAIGC（Artificial Intelligence Generated Content）技術は最近、顕著な進歩を遂げています。我々は、物語から動画への生成を目的としたエイソップエージェントという、Agent駆動の進化的システムを提案。エイソップエージェントシステムは、動画生成のためのタスクワークフローを最適化します。ユーティリティレイヤーは、構成、キャラクター、スタイルの観点から視覚的に一貫した画像生成を実現する複数のユーティリティを提供します。同時に、音声や特殊効果を提供し、それらを表現豊かで論理的に配置された動画に統合します。全体として、我々のエイソップエージェントは、視覚的ストーリーテリングにおいて多くの先行研究と比較して最先端のパフォーマンスを達成します。</a:t>
+            </a:r>
+            <a:br>
+              <a:rPr lang="ja" sz="764"/>
+            </a:br>
+            <a:r>
+              <a:rPr lang="ja" sz="764"/>
+              <a:t>https://aesopai.github.io/</a:t>
+            </a:r>
+            <a:endParaRPr sz="764"/>
+          </a:p>
+          <a:p>
+            <a:pPr indent="0" lvl="0" marL="0" rtl="0" algn="l">
+              <a:lnSpc>
+                <a:spcPct val="100000"/>
+              </a:lnSpc>
+              <a:spcBef>
+                <a:spcPts val="1200"/>
+              </a:spcBef>
+              <a:spcAft>
+                <a:spcPts val="0"/>
+              </a:spcAft>
+              <a:buNone/>
+            </a:pPr>
+            <a:r>
+              <a:rPr lang="ja" sz="1100" u="sng"/>
+              <a:t>手法</a:t>
+            </a:r>
+            <a:endParaRPr sz="800"/>
+          </a:p>
+          <a:p>
+            <a:pPr indent="0" lvl="0" marL="0" rtl="0" algn="l">
+              <a:lnSpc>
+                <a:spcPct val="100000"/>
+              </a:lnSpc>
+              <a:spcBef>
+                <a:spcPts val="1200"/>
+              </a:spcBef>
+              <a:spcAft>
+                <a:spcPts val="0"/>
+              </a:spcAft>
+              <a:buNone/>
+            </a:pPr>
+            <a:r>
+              <a:rPr lang="ja" sz="764"/>
+              <a:t>エイソップエージェントは、ユーザーの物語提案を動画に変換するプロセスを実装するためのビデオ生成ワークフローを受け入れます。このアーキテクチャは、水平レイヤーとユーティリティレイヤーの2つのレイヤーで構成されています。</a:t>
+            </a:r>
+            <a:endParaRPr sz="764"/>
+          </a:p>
+          <a:p>
+            <a:pPr indent="0" lvl="0" marL="0" rtl="0" algn="l">
+              <a:lnSpc>
+                <a:spcPct val="100000"/>
+              </a:lnSpc>
+              <a:spcBef>
+                <a:spcPts val="1200"/>
+              </a:spcBef>
+              <a:spcAft>
+                <a:spcPts val="0"/>
+              </a:spcAft>
+              <a:buNone/>
+            </a:pPr>
+            <a:r>
+              <a:rPr lang="ja" sz="764"/>
+              <a:t>水平レイヤーでは、エージェント技術を利用してビデオ生成ワークフローにおける高レベルの戦略的管理と最適化を体系的に実行します。このプロセスは、専門家の経験と専門知識を集約し、E-RAGとK-RAGを構築してLLMプロンプトを強化し、ユーティリティレイヤーの要件をさらに高め、ユーティリティの使用を最適化します。</a:t>
+            </a:r>
+            <a:endParaRPr sz="764"/>
+          </a:p>
+          <a:p>
+            <a:pPr indent="0" lvl="0" marL="0" rtl="0" algn="l">
+              <a:lnSpc>
+                <a:spcPct val="100000"/>
+              </a:lnSpc>
+              <a:spcBef>
+                <a:spcPts val="1200"/>
+              </a:spcBef>
+              <a:spcAft>
+                <a:spcPts val="0"/>
+              </a:spcAft>
+              <a:buNone/>
+            </a:pPr>
+            <a:r>
+              <a:rPr lang="ja" sz="764"/>
+              <a:t>E-RAG（Experience-RAG）</a:t>
+            </a:r>
+            <a:br>
+              <a:rPr lang="ja" sz="764"/>
+            </a:br>
+            <a:r>
+              <a:rPr lang="ja" sz="764"/>
+              <a:t>E-RAGは、専門家の経験を蓄積し、それを利用してビデオ生成ワークフローを最適化するシステムです。具体的には、過去のプロジェクトやタスクから得られた知見や経験をデータベースに蓄積し、新しいビデオ生成タスクにおいて最適なプロセスや手法を提案するために使用します。E-RAGは、反復的なプロセスを通じて経験を更新し、ワークフローの効率化と品質向上に寄与します。</a:t>
+            </a:r>
+            <a:endParaRPr sz="764"/>
+          </a:p>
+          <a:p>
+            <a:pPr indent="0" lvl="0" marL="0" rtl="0" algn="l">
+              <a:lnSpc>
+                <a:spcPct val="100000"/>
+              </a:lnSpc>
+              <a:spcBef>
+                <a:spcPts val="1200"/>
+              </a:spcBef>
+              <a:spcAft>
+                <a:spcPts val="0"/>
+              </a:spcAft>
+              <a:buNone/>
+            </a:pPr>
+            <a:r>
+              <a:rPr lang="ja" sz="764"/>
+              <a:t>K-RAG（Knowledge-RAG）</a:t>
+            </a:r>
+            <a:br>
+              <a:rPr lang="ja" sz="764"/>
+            </a:br>
+            <a:r>
+              <a:rPr lang="ja" sz="764"/>
+              <a:t>K-RAGは、専門知識を集約し、それを利用してビデオ生成に関連するタスクをサポートするシステムです。このシステムは、専門的な知識や情報をデータベースに蓄積し、スクリプト生成、画像生成、ビデオ組み立てなどのタスクにおいて、最適なプロンプトやユーティリティの使用を案内します。K-RAGは、専門家から提供される知識文書をインデックス化し、それをベースにLLMのプロンプトを最適化することで、より専門的で一貫性のあるコンテンツ生成を可能にします。</a:t>
+            </a:r>
+            <a:endParaRPr sz="764"/>
+          </a:p>
+          <a:p>
+            <a:pPr indent="0" lvl="0" marL="0" rtl="0" algn="l">
+              <a:lnSpc>
+                <a:spcPct val="100000"/>
+              </a:lnSpc>
+              <a:spcBef>
+                <a:spcPts val="1200"/>
+              </a:spcBef>
+              <a:spcAft>
+                <a:spcPts val="0"/>
+              </a:spcAft>
+              <a:buNone/>
+            </a:pPr>
+            <a:r>
+              <a:rPr lang="ja" sz="764"/>
+              <a:t>ユーティリティレイヤーは、ワークフローの各ステップに特化したタスク固有の要件を満たすために、完全に機能するユーティリティのスイートを提供します。このレイヤーには、画像生成とビデオ組み立てのためのユーティリティが主に含まれています。</a:t>
+            </a:r>
+            <a:endParaRPr sz="764"/>
+          </a:p>
+          <a:p>
+            <a:pPr indent="0" lvl="0" marL="0" rtl="0" algn="l">
+              <a:lnSpc>
+                <a:spcPct val="100000"/>
+              </a:lnSpc>
+              <a:spcBef>
+                <a:spcPts val="1200"/>
+              </a:spcBef>
+              <a:spcAft>
+                <a:spcPts val="0"/>
+              </a:spcAft>
+              <a:buNone/>
+            </a:pPr>
+            <a:r>
+              <a:rPr lang="ja" sz="1100" u="sng"/>
+              <a:t>結果</a:t>
+            </a:r>
+            <a:endParaRPr sz="764"/>
+          </a:p>
+          <a:p>
+            <a:pPr indent="0" lvl="0" marL="0" rtl="0" algn="l">
+              <a:lnSpc>
+                <a:spcPct val="100000"/>
+              </a:lnSpc>
+              <a:spcBef>
+                <a:spcPts val="1200"/>
+              </a:spcBef>
+              <a:spcAft>
+                <a:spcPts val="1200"/>
+              </a:spcAft>
+              <a:buNone/>
+            </a:pPr>
+            <a:r>
+              <a:rPr lang="ja" sz="764"/>
+              <a:t>エイソップエージェントの有効性は、物語の画像表現性とユーザーの関与の3つの主要な点で評価されます。ComicAIやArtflowなどのシステムとの比較分析により、エイソップエージェントが最先端の視覚的ストーリーテリング能力を持つことが示されました。具体的には、RAG技術を通じて表現と論理を通じて優れた性能を実現しています。また、ComicAIとの画像要素復元の合理性と構成に関する手動評価では、エイソップエージェントの優位性が示されました。NUWA-XLやAutoStoryなどの並行するビデオ生成研究と比較して、我々のシステムは画像の複雑さと物語の深さにおいてリードする性能を示しています。さらに、エイソップエージェントの適応性は、特定のユーザーのニーズに対応するために外部ソフトウェア（例：Runway）を統合することによって証明され、その広範なスケーラビリティが強調されています。</a:t>
+            </a:r>
+            <a:endParaRPr sz="764"/>
+          </a:p>
+        </p:txBody>
+      </p:sp>
+    </p:spTree>
+  </p:cSld>
+  <p:clrMapOvr>
+    <a:masterClrMapping/>
+  </p:clrMapOvr>
+</p:sld>
+</file>
+
+<file path=ppt/slides/slide39.xml><?xml version="1.0" encoding="utf-8"?>
+<p:sld xmlns:a="http://schemas.openxmlformats.org/drawingml/2006/main" xmlns:r="http://schemas.openxmlformats.org/officeDocument/2006/relationships" xmlns:mc="http://schemas.openxmlformats.org/markup-compatibility/2006" xmlns:mv="urn:schemas-microsoft-com:mac:vml" xmlns:p="http://schemas.openxmlformats.org/presentationml/2006/main" xmlns:c="http://schemas.openxmlformats.org/drawingml/2006/chart" xmlns:dgm="http://schemas.openxmlformats.org/drawingml/2006/diagram" xmlns:o="urn:schemas-microsoft-com:office:office" xmlns:v="urn:schemas-microsoft-com:vml" xmlns:pvml="urn:schemas-microsoft-com:office:powerpoint" xmlns:com="http://schemas.openxmlformats.org/drawingml/2006/compatibility" xmlns:p14="http://schemas.microsoft.com/office/powerpoint/2010/main" xmlns:p15="http://schemas.microsoft.com/office/powerpoint/2012/main" xmlns:ahyp="http://schemas.microsoft.com/office/drawing/2018/hyperlinkcolor">
+  <p:cSld>
+    <p:spTree>
+      <p:nvGrpSpPr>
+        <p:cNvPr id="271" name="Shape 271"/>
+        <p:cNvGrpSpPr/>
+        <p:nvPr/>
+      </p:nvGrpSpPr>
+      <p:grpSpPr>
+        <a:xfrm>
+          <a:off x="0" y="0"/>
+          <a:ext cx="0" cy="0"/>
+          <a:chOff x="0" y="0"/>
+          <a:chExt cx="0" cy="0"/>
+        </a:xfrm>
+      </p:grpSpPr>
+      <p:sp>
+        <p:nvSpPr>
+          <p:cNvPr id="272" name="Google Shape;272;p51"/>
+          <p:cNvSpPr txBox="1"/>
+          <p:nvPr>
+            <p:ph idx="1" type="body"/>
+          </p:nvPr>
+        </p:nvSpPr>
+        <p:spPr>
+          <a:xfrm>
+            <a:off x="0" y="0"/>
+            <a:ext cx="9144000" cy="5049600"/>
+          </a:xfrm>
+          <a:prstGeom prst="rect">
+            <a:avLst/>
+          </a:prstGeom>
+        </p:spPr>
+        <p:txBody>
+          <a:bodyPr anchorCtr="0" anchor="t" bIns="91425" lIns="91425" spcFirstLastPara="1" rIns="91425" wrap="square" tIns="91425">
             <a:normAutofit/>
           </a:bodyPr>
           <a:lstStyle/>
           <a:p>
             <a:pPr indent="0" lvl="0" marL="0" rtl="0" algn="l">
-              <a:spcBef>
-                <a:spcPts val="0"/>
-              </a:spcBef>
-              <a:spcAft>
-                <a:spcPts val="0"/>
-              </a:spcAft>
-              <a:buNone/>
-            </a:pPr>
-            <a:r>
-              <a:rPr lang="ja"/>
-              <a:t>Appendix</a:t>
-            </a:r>
-            <a:endParaRPr/>
+              <a:lnSpc>
+                <a:spcPct val="100000"/>
+              </a:lnSpc>
+              <a:spcBef>
+                <a:spcPts val="0"/>
+              </a:spcBef>
+              <a:spcAft>
+                <a:spcPts val="0"/>
+              </a:spcAft>
+              <a:buNone/>
+            </a:pPr>
+            <a:r>
+              <a:rPr lang="ja" sz="1200" u="sng"/>
+              <a:t>Academically intelligent LLMs are not necessarily socially intelligent</a:t>
+            </a:r>
+            <a:r>
+              <a:rPr lang="ja" sz="1200" u="sng"/>
+              <a:t> 2024</a:t>
+            </a:r>
+            <a:endParaRPr sz="1100"/>
+          </a:p>
+          <a:p>
+            <a:pPr indent="0" lvl="0" marL="0" rtl="0" algn="l">
+              <a:lnSpc>
+                <a:spcPct val="100000"/>
+              </a:lnSpc>
+              <a:spcBef>
+                <a:spcPts val="1200"/>
+              </a:spcBef>
+              <a:spcAft>
+                <a:spcPts val="0"/>
+              </a:spcAft>
+              <a:buNone/>
+            </a:pPr>
+            <a:r>
+              <a:rPr lang="ja" sz="1100" u="sng"/>
+              <a:t>概要</a:t>
+            </a:r>
+            <a:endParaRPr sz="764"/>
+          </a:p>
+          <a:p>
+            <a:pPr indent="0" lvl="0" marL="0" rtl="0" algn="l">
+              <a:lnSpc>
+                <a:spcPct val="100000"/>
+              </a:lnSpc>
+              <a:spcBef>
+                <a:spcPts val="1200"/>
+              </a:spcBef>
+              <a:spcAft>
+                <a:spcPts val="0"/>
+              </a:spcAft>
+              <a:buNone/>
+            </a:pPr>
+            <a:r>
+              <a:rPr lang="ja" sz="764"/>
+              <a:t>人間の社会的知能フレームワークに触発され、特にダニエル・ゴールマンの社会的知能理論に基づいて、現実世界の社会シナリオに基づいた標準化された社会的知能テスト（SESI）を開発。</a:t>
+            </a:r>
+            <a:br>
+              <a:rPr lang="ja" sz="764"/>
+            </a:br>
+            <a:r>
+              <a:rPr lang="ja" sz="764"/>
+              <a:t>このテストを使用して、最近人気のある13のLLMエージェントを広範囲に評価しました。その結果、LLMの社会的知能は大きく改善の余地があること、そして社会的知能と学術的知能との間には相関関係が低いことが示されました。</a:t>
+            </a:r>
+            <a:endParaRPr sz="764"/>
+          </a:p>
+          <a:p>
+            <a:pPr indent="0" lvl="0" marL="0" rtl="0" algn="l">
+              <a:lnSpc>
+                <a:spcPct val="100000"/>
+              </a:lnSpc>
+              <a:spcBef>
+                <a:spcPts val="1200"/>
+              </a:spcBef>
+              <a:spcAft>
+                <a:spcPts val="0"/>
+              </a:spcAft>
+              <a:buNone/>
+            </a:pPr>
+            <a:r>
+              <a:rPr lang="ja" sz="1100" u="sng"/>
+              <a:t>手法</a:t>
+            </a:r>
+            <a:endParaRPr sz="800"/>
+          </a:p>
+          <a:p>
+            <a:pPr indent="0" lvl="0" marL="0" rtl="0" algn="l">
+              <a:lnSpc>
+                <a:spcPct val="100000"/>
+              </a:lnSpc>
+              <a:spcBef>
+                <a:spcPts val="1200"/>
+              </a:spcBef>
+              <a:spcAft>
+                <a:spcPts val="0"/>
+              </a:spcAft>
+              <a:buNone/>
+            </a:pPr>
+            <a:r>
+              <a:rPr lang="ja" sz="764"/>
+              <a:t>LLMの社会的知能を評価するためにいくつかの手法を使用しています。</a:t>
+            </a:r>
+            <a:br>
+              <a:rPr lang="ja" sz="764"/>
+            </a:br>
+            <a:r>
+              <a:rPr lang="ja" sz="764"/>
+              <a:t>特に、SESI（Situational Evaluation of Social Intelligence）の開発と社会的要因（性格、感情、性別、役割、視点）がLLMの社会的知能に与える影響の検討が中心となっています。</a:t>
+            </a:r>
+            <a:endParaRPr sz="764"/>
+          </a:p>
+          <a:p>
+            <a:pPr indent="0" lvl="0" marL="0" rtl="0" algn="l">
+              <a:lnSpc>
+                <a:spcPct val="100000"/>
+              </a:lnSpc>
+              <a:spcBef>
+                <a:spcPts val="1200"/>
+              </a:spcBef>
+              <a:spcAft>
+                <a:spcPts val="0"/>
+              </a:spcAft>
+              <a:buNone/>
+            </a:pPr>
+            <a:r>
+              <a:rPr lang="ja" sz="764"/>
+              <a:t>SESI（Situational Evaluation of Social Intelligence）</a:t>
+            </a:r>
+            <a:br>
+              <a:rPr lang="ja" sz="764"/>
+            </a:br>
+            <a:r>
+              <a:rPr lang="ja" sz="764"/>
+              <a:t>1. 社会的コンテキストと問題の収集</a:t>
+            </a:r>
+            <a:br>
+              <a:rPr lang="ja" sz="764"/>
+            </a:br>
+            <a:r>
+              <a:rPr lang="ja" sz="764"/>
+              <a:t>- RedditのRelationshipsコミュニティから、現実世界の人間関係の相談を基にした社会的コンテキストと問題を収集します。</a:t>
+            </a:r>
+            <a:br>
+              <a:rPr lang="ja" sz="764"/>
+            </a:br>
+            <a:r>
+              <a:rPr lang="ja" sz="764"/>
+              <a:t>- 収集したデータから、GPT-3.5-turboモデルを使用して、社会的状況とそれに基づく質問を要約します。</a:t>
+            </a:r>
+            <a:br>
+              <a:rPr lang="ja" sz="764"/>
+            </a:br>
+            <a:r>
+              <a:rPr lang="ja" sz="764"/>
+              <a:t>2. 回答の収集</a:t>
+            </a:r>
+            <a:br>
+              <a:rPr lang="ja" sz="764"/>
+            </a:br>
+            <a:r>
+              <a:rPr lang="ja" sz="764"/>
+              <a:t>- 正解: 各ポストの下にある最も支持されている上位5つの回答を基に正解を決定します。</a:t>
+            </a:r>
+            <a:br>
+              <a:rPr lang="ja" sz="764"/>
+            </a:br>
+            <a:r>
+              <a:rPr lang="ja" sz="764"/>
+              <a:t>- 誤答: 問題を誤って切り替える答え（question-switching answers）と、正解とは異なる論理的な誤答（reversed answers）を生成します。</a:t>
+            </a:r>
+            <a:br>
+              <a:rPr lang="ja" sz="764"/>
+            </a:br>
+            <a:r>
+              <a:rPr lang="ja" sz="764"/>
+              <a:t>3. QAタプルの作成</a:t>
+            </a:r>
+            <a:br>
+              <a:rPr lang="ja" sz="764"/>
+            </a:br>
+            <a:r>
+              <a:rPr lang="ja" sz="764"/>
+              <a:t>- 社会的コンテキスト、質問、3つの誤答、1つの正答を組み合わせて、複数選択式のテスト質問を作成します。</a:t>
+            </a:r>
+            <a:endParaRPr sz="764"/>
+          </a:p>
+          <a:p>
+            <a:pPr indent="0" lvl="0" marL="0" rtl="0" algn="l">
+              <a:lnSpc>
+                <a:spcPct val="100000"/>
+              </a:lnSpc>
+              <a:spcBef>
+                <a:spcPts val="1200"/>
+              </a:spcBef>
+              <a:spcAft>
+                <a:spcPts val="0"/>
+              </a:spcAft>
+              <a:buNone/>
+            </a:pPr>
+            <a:r>
+              <a:rPr lang="ja" sz="764"/>
+              <a:t>社会的要因に基づく影響の評価</a:t>
+            </a:r>
+            <a:br>
+              <a:rPr lang="ja" sz="764"/>
+            </a:br>
+            <a:r>
+              <a:rPr lang="ja" sz="764"/>
+              <a:t>1. 性格、感情、性別、役割、視点の設定</a:t>
+            </a:r>
+            <a:br>
+              <a:rPr lang="ja" sz="764"/>
+            </a:br>
+            <a:r>
+              <a:rPr lang="ja" sz="764"/>
+              <a:t>- LLMに特定の性格、感情、性別、役割、視点を持たせるためのプロンプトを設計します。これにより、これらの社会的要因がLLMの社会的知能にどのように影響するかを評価します。</a:t>
+            </a:r>
+            <a:br>
+              <a:rPr lang="ja" sz="764"/>
+            </a:br>
+            <a:r>
+              <a:rPr lang="ja" sz="764"/>
+              <a:t>2. プロンプトの使用</a:t>
+            </a:r>
+            <a:br>
+              <a:rPr lang="ja" sz="764"/>
+            </a:br>
+            <a:r>
+              <a:rPr lang="ja" sz="764"/>
+              <a:t>- 設計したプロンプトを用いて、LLMに特定の社会的コンテキストにおける質問に答えさせ、その回答を評価します。</a:t>
+            </a:r>
+            <a:br>
+              <a:rPr lang="ja" sz="764"/>
+            </a:br>
+            <a:r>
+              <a:rPr lang="ja" sz="764"/>
+              <a:t>3. 評価</a:t>
+            </a:r>
+            <a:br>
+              <a:rPr lang="ja" sz="764"/>
+            </a:br>
+            <a:r>
+              <a:rPr lang="ja" sz="764"/>
+              <a:t>- LLMが生成した回答を、SESIテストにおける正答と比較し、社会的知能の各側面（共感、社会的認知、自己提示、影響、関心）における性能を評価します。</a:t>
+            </a:r>
+            <a:endParaRPr sz="764"/>
+          </a:p>
+          <a:p>
+            <a:pPr indent="0" lvl="0" marL="0" rtl="0" algn="l">
+              <a:lnSpc>
+                <a:spcPct val="100000"/>
+              </a:lnSpc>
+              <a:spcBef>
+                <a:spcPts val="1200"/>
+              </a:spcBef>
+              <a:spcAft>
+                <a:spcPts val="0"/>
+              </a:spcAft>
+              <a:buNone/>
+            </a:pPr>
+            <a:r>
+              <a:rPr lang="ja" sz="1100" u="sng"/>
+              <a:t>結果</a:t>
+            </a:r>
+            <a:endParaRPr sz="764"/>
+          </a:p>
+          <a:p>
+            <a:pPr indent="0" lvl="0" marL="0" rtl="0" algn="l">
+              <a:lnSpc>
+                <a:spcPct val="100000"/>
+              </a:lnSpc>
+              <a:spcBef>
+                <a:spcPts val="1200"/>
+              </a:spcBef>
+              <a:spcAft>
+                <a:spcPts val="1200"/>
+              </a:spcAft>
+              <a:buNone/>
+            </a:pPr>
+            <a:r>
+              <a:rPr lang="ja" sz="764"/>
+              <a:t>社会的知能が学術的知能とは異なる独立した知能の形態であること、LLMが固定された親しみやすいパターンに従って誤りを犯すことが主な原因であることなど、いくつかの重要な発見を報告しています。</a:t>
+            </a:r>
+            <a:endParaRPr sz="764"/>
           </a:p>
         </p:txBody>
       </p:sp>
@@ -23134,6 +24981,653 @@
               <a:t/>
             </a:r>
             <a:endParaRPr sz="822"/>
+          </a:p>
+        </p:txBody>
+      </p:sp>
+    </p:spTree>
+  </p:cSld>
+  <p:clrMapOvr>
+    <a:masterClrMapping/>
+  </p:clrMapOvr>
+</p:sld>
+</file>
+
+<file path=ppt/slides/slide40.xml><?xml version="1.0" encoding="utf-8"?>
+<p:sld xmlns:a="http://schemas.openxmlformats.org/drawingml/2006/main" xmlns:r="http://schemas.openxmlformats.org/officeDocument/2006/relationships" xmlns:mc="http://schemas.openxmlformats.org/markup-compatibility/2006" xmlns:mv="urn:schemas-microsoft-com:mac:vml" xmlns:p="http://schemas.openxmlformats.org/presentationml/2006/main" xmlns:c="http://schemas.openxmlformats.org/drawingml/2006/chart" xmlns:dgm="http://schemas.openxmlformats.org/drawingml/2006/diagram" xmlns:o="urn:schemas-microsoft-com:office:office" xmlns:v="urn:schemas-microsoft-com:vml" xmlns:pvml="urn:schemas-microsoft-com:office:powerpoint" xmlns:com="http://schemas.openxmlformats.org/drawingml/2006/compatibility" xmlns:p14="http://schemas.microsoft.com/office/powerpoint/2010/main" xmlns:p15="http://schemas.microsoft.com/office/powerpoint/2012/main" xmlns:ahyp="http://schemas.microsoft.com/office/drawing/2018/hyperlinkcolor">
+  <p:cSld>
+    <p:spTree>
+      <p:nvGrpSpPr>
+        <p:cNvPr id="276" name="Shape 276"/>
+        <p:cNvGrpSpPr/>
+        <p:nvPr/>
+      </p:nvGrpSpPr>
+      <p:grpSpPr>
+        <a:xfrm>
+          <a:off x="0" y="0"/>
+          <a:ext cx="0" cy="0"/>
+          <a:chOff x="0" y="0"/>
+          <a:chExt cx="0" cy="0"/>
+        </a:xfrm>
+      </p:grpSpPr>
+      <p:sp>
+        <p:nvSpPr>
+          <p:cNvPr id="277" name="Google Shape;277;p52"/>
+          <p:cNvSpPr txBox="1"/>
+          <p:nvPr>
+            <p:ph idx="1" type="body"/>
+          </p:nvPr>
+        </p:nvSpPr>
+        <p:spPr>
+          <a:xfrm>
+            <a:off x="0" y="0"/>
+            <a:ext cx="9144000" cy="5049600"/>
+          </a:xfrm>
+          <a:prstGeom prst="rect">
+            <a:avLst/>
+          </a:prstGeom>
+        </p:spPr>
+        <p:txBody>
+          <a:bodyPr anchorCtr="0" anchor="t" bIns="91425" lIns="91425" spcFirstLastPara="1" rIns="91425" wrap="square" tIns="91425">
+            <a:normAutofit lnSpcReduction="20000"/>
+          </a:bodyPr>
+          <a:lstStyle/>
+          <a:p>
+            <a:pPr indent="0" lvl="0" marL="0" rtl="0" algn="l">
+              <a:lnSpc>
+                <a:spcPct val="100000"/>
+              </a:lnSpc>
+              <a:spcBef>
+                <a:spcPts val="0"/>
+              </a:spcBef>
+              <a:spcAft>
+                <a:spcPts val="0"/>
+              </a:spcAft>
+              <a:buNone/>
+            </a:pPr>
+            <a:r>
+              <a:rPr lang="ja" sz="1200" u="sng"/>
+              <a:t>CKERC : Joint Large Language Models with Commonsense Knowledge for Emotion Recognition in Conversation 共感情認識のためのコモンセンス知識を組み合わせた大規模言語モデル</a:t>
+            </a:r>
+            <a:r>
+              <a:rPr lang="ja" sz="1200" u="sng"/>
+              <a:t> 2024</a:t>
+            </a:r>
+            <a:endParaRPr sz="1100"/>
+          </a:p>
+          <a:p>
+            <a:pPr indent="0" lvl="0" marL="0" rtl="0" algn="l">
+              <a:lnSpc>
+                <a:spcPct val="100000"/>
+              </a:lnSpc>
+              <a:spcBef>
+                <a:spcPts val="1200"/>
+              </a:spcBef>
+              <a:spcAft>
+                <a:spcPts val="0"/>
+              </a:spcAft>
+              <a:buNone/>
+            </a:pPr>
+            <a:r>
+              <a:rPr lang="ja" sz="1100" u="sng"/>
+              <a:t>概要</a:t>
+            </a:r>
+            <a:endParaRPr sz="764"/>
+          </a:p>
+          <a:p>
+            <a:pPr indent="0" lvl="0" marL="0" rtl="0" algn="l">
+              <a:lnSpc>
+                <a:spcPct val="100000"/>
+              </a:lnSpc>
+              <a:spcBef>
+                <a:spcPts val="1200"/>
+              </a:spcBef>
+              <a:spcAft>
+                <a:spcPts val="0"/>
+              </a:spcAft>
+              <a:buNone/>
+            </a:pPr>
+            <a:r>
+              <a:rPr lang="ja" sz="764"/>
+              <a:t>会話における感情認識(Emotion recognition in conversation, ERC)は、会話の文脈における発言の感情を予測するタスクです。これは、対話の文脈、話者の身元情報、複数人間の対話シナリオなどに大きく依存しています。しかし、最先端の手法(instructERC)は話者を特定するだけで、会話中の話者の背後にあるコモンセンス知識（例：聞き手の反応や話者の意図など）を無視しています。これらの知識は、話者情報の深掘りに役立ちます。そこで、会話における感情認識のための新しいフレームワークであるCKERCを提案。LLMを使用して過去の発言に基づいた対話者のコモンセンスを生成するプロンプトを設計し、LLMの事前トレーニングに対話者のコモンセンス識別タスクを使用して話者の暗黙の手がかり情報を微調整することで、上記の課題を解決し、最先端の成果を達成しました。</a:t>
+            </a:r>
+            <a:endParaRPr sz="764"/>
+          </a:p>
+          <a:p>
+            <a:pPr indent="0" lvl="0" marL="0" rtl="0" algn="l">
+              <a:lnSpc>
+                <a:spcPct val="100000"/>
+              </a:lnSpc>
+              <a:spcBef>
+                <a:spcPts val="1200"/>
+              </a:spcBef>
+              <a:spcAft>
+                <a:spcPts val="0"/>
+              </a:spcAft>
+              <a:buNone/>
+            </a:pPr>
+            <a:r>
+              <a:rPr lang="ja" sz="1100" u="sng"/>
+              <a:t>手法</a:t>
+            </a:r>
+            <a:endParaRPr sz="800"/>
+          </a:p>
+          <a:p>
+            <a:pPr indent="0" lvl="0" marL="0" rtl="0" algn="l">
+              <a:lnSpc>
+                <a:spcPct val="100000"/>
+              </a:lnSpc>
+              <a:spcBef>
+                <a:spcPts val="1200"/>
+              </a:spcBef>
+              <a:spcAft>
+                <a:spcPts val="0"/>
+              </a:spcAft>
+              <a:buNone/>
+            </a:pPr>
+            <a:r>
+              <a:rPr lang="ja" sz="764"/>
+              <a:t>CKERCのアルゴリズムは、LLMとコモンセンス知識を組み合わせて、会話における感情認識(ERC)を行う新しいフレームワークです。このアプローチは主に以下のステップで構成されます。</a:t>
+            </a:r>
+            <a:br>
+              <a:rPr lang="ja" sz="764"/>
+            </a:br>
+            <a:r>
+              <a:rPr lang="ja" sz="764"/>
+              <a:t>1. タスク定義</a:t>
+            </a:r>
+            <a:br>
+              <a:rPr lang="ja" sz="764"/>
+            </a:br>
+            <a:r>
+              <a:rPr lang="ja" sz="764"/>
+              <a:t>会話における感情認識(ERC)は、会話の中で特定の発言の感情ラベルを予測するプロセスです。このタスクは、ダイアログの文脈、話者のアイデンティティ、多人数のダイアログシナリオに依存します。</a:t>
+            </a:r>
+            <a:endParaRPr sz="764"/>
+          </a:p>
+          <a:p>
+            <a:pPr indent="0" lvl="0" marL="0" rtl="0" algn="l">
+              <a:lnSpc>
+                <a:spcPct val="100000"/>
+              </a:lnSpc>
+              <a:spcBef>
+                <a:spcPts val="1200"/>
+              </a:spcBef>
+              <a:spcAft>
+                <a:spcPts val="0"/>
+              </a:spcAft>
+              <a:buNone/>
+            </a:pPr>
+            <a:r>
+              <a:rPr lang="ja" sz="764"/>
+              <a:t>2. コモンセンス知識の選定と取得</a:t>
+            </a:r>
+            <a:br>
+              <a:rPr lang="ja" sz="764"/>
+            </a:br>
+            <a:r>
+              <a:rPr lang="ja" sz="764"/>
+              <a:t>コモンセンス知識として、ATOMICデータベースを用いて、人間の一般常識を記述する。特に「聞き手の反応」、「話者の反応」、「話者の意図」という3つの関係に焦点を当て、これらのコモンセンスをダイアログの文脈で生成します。</a:t>
+            </a:r>
+            <a:endParaRPr sz="764"/>
+          </a:p>
+          <a:p>
+            <a:pPr indent="0" lvl="0" marL="0" rtl="0" algn="l">
+              <a:lnSpc>
+                <a:spcPct val="100000"/>
+              </a:lnSpc>
+              <a:spcBef>
+                <a:spcPts val="1200"/>
+              </a:spcBef>
+              <a:spcAft>
+                <a:spcPts val="0"/>
+              </a:spcAft>
+              <a:buNone/>
+            </a:pPr>
+            <a:r>
+              <a:rPr lang="ja" sz="764"/>
+              <a:t>3. コモンセンスの生成</a:t>
+            </a:r>
+            <a:br>
+              <a:rPr lang="ja" sz="764"/>
+            </a:br>
+            <a:r>
+              <a:rPr lang="ja" sz="764"/>
+              <a:t>過去発言を考慮に入れたプロンプトを大規模言語モデルに与え、話者のコモンセンス知識（例：聞き手の反応、話者の意図）を生成します。このステップは、発言の文脈に応じて異なる感情を表現するために使用します。</a:t>
+            </a:r>
+            <a:endParaRPr sz="764"/>
+          </a:p>
+          <a:p>
+            <a:pPr indent="0" lvl="0" marL="0" rtl="0" algn="l">
+              <a:lnSpc>
+                <a:spcPct val="100000"/>
+              </a:lnSpc>
+              <a:spcBef>
+                <a:spcPts val="1200"/>
+              </a:spcBef>
+              <a:spcAft>
+                <a:spcPts val="0"/>
+              </a:spcAft>
+              <a:buNone/>
+            </a:pPr>
+            <a:r>
+              <a:rPr lang="ja" sz="764"/>
+              <a:t>4. コモンセンスを会話感情認識に導入</a:t>
+            </a:r>
+            <a:br>
+              <a:rPr lang="ja" sz="764"/>
+            </a:br>
+            <a:r>
+              <a:rPr lang="ja" sz="764"/>
+              <a:t>生成されたコモンセンス知識を、会話の感情認識タスクに導入します。このために、話者のコモンセンス情報を用いて、発言の感情ラベルをより正確に予測するためのフレームワークを構築します。</a:t>
+            </a:r>
+            <a:endParaRPr sz="764"/>
+          </a:p>
+          <a:p>
+            <a:pPr indent="0" lvl="0" marL="0" rtl="0" algn="l">
+              <a:lnSpc>
+                <a:spcPct val="100000"/>
+              </a:lnSpc>
+              <a:spcBef>
+                <a:spcPts val="1200"/>
+              </a:spcBef>
+              <a:spcAft>
+                <a:spcPts val="0"/>
+              </a:spcAft>
+              <a:buNone/>
+            </a:pPr>
+            <a:r>
+              <a:rPr lang="ja" sz="764"/>
+              <a:t>5. モデルの訓練</a:t>
+            </a:r>
+            <a:br>
+              <a:rPr lang="ja" sz="764"/>
+            </a:br>
+            <a:r>
+              <a:rPr lang="ja" sz="764"/>
+              <a:t>会話の感情認識タスクとして、話者のコモンセンス情報を用いた発言の感情ラベル予測を行うために、大規模言語モデルを訓練します。この訓練は、ERCタスクの精度を向上させるために、話者の暗黙の情報を深く掘り下げることを目的としています。</a:t>
+            </a:r>
+            <a:endParaRPr sz="764"/>
+          </a:p>
+          <a:p>
+            <a:pPr indent="0" lvl="0" marL="0" rtl="0" algn="l">
+              <a:lnSpc>
+                <a:spcPct val="100000"/>
+              </a:lnSpc>
+              <a:spcBef>
+                <a:spcPts val="1200"/>
+              </a:spcBef>
+              <a:spcAft>
+                <a:spcPts val="0"/>
+              </a:spcAft>
+              <a:buNone/>
+            </a:pPr>
+            <a:r>
+              <a:rPr lang="ja" sz="764"/>
+              <a:t>6. 評価</a:t>
+            </a:r>
+            <a:br>
+              <a:rPr lang="ja" sz="764"/>
+            </a:br>
+            <a:r>
+              <a:rPr lang="ja" sz="764"/>
+              <a:t>訓練されたモデルを用いて、実際の会話データセット（例：IEMOCAP、MELD、EmoryNLP）に対する感情認識タスクのパフォーマンスを評価します。この評価は、CKERCが提供する改善の程度を定量的に測定します。</a:t>
+            </a:r>
+            <a:endParaRPr sz="764"/>
+          </a:p>
+          <a:p>
+            <a:pPr indent="0" lvl="0" marL="0" rtl="0" algn="l">
+              <a:lnSpc>
+                <a:spcPct val="100000"/>
+              </a:lnSpc>
+              <a:spcBef>
+                <a:spcPts val="1200"/>
+              </a:spcBef>
+              <a:spcAft>
+                <a:spcPts val="0"/>
+              </a:spcAft>
+              <a:buNone/>
+            </a:pPr>
+            <a:r>
+              <a:rPr lang="ja" sz="1100" u="sng"/>
+              <a:t>結果</a:t>
+            </a:r>
+            <a:endParaRPr sz="764"/>
+          </a:p>
+          <a:p>
+            <a:pPr indent="0" lvl="0" marL="0" rtl="0" algn="l">
+              <a:lnSpc>
+                <a:spcPct val="100000"/>
+              </a:lnSpc>
+              <a:spcBef>
+                <a:spcPts val="1200"/>
+              </a:spcBef>
+              <a:spcAft>
+                <a:spcPts val="1200"/>
+              </a:spcAft>
+              <a:buNone/>
+            </a:pPr>
+            <a:r>
+              <a:rPr lang="ja" sz="764"/>
+              <a:t>CKERCは、IEMOCAP、MELD、EmoryNLPという3つの人気のあるデータセットにおいて、最先端のパフォーマンスを達成しました。特に、IEMOCAPでは1%ポイント、EmoryNLPでは1.2%ポイント、MELDでは0.2%ポイントの向上を達成しました。</a:t>
+            </a:r>
+            <a:endParaRPr sz="764"/>
+          </a:p>
+        </p:txBody>
+      </p:sp>
+    </p:spTree>
+  </p:cSld>
+  <p:clrMapOvr>
+    <a:masterClrMapping/>
+  </p:clrMapOvr>
+</p:sld>
+</file>
+
+<file path=ppt/slides/slide41.xml><?xml version="1.0" encoding="utf-8"?>
+<p:sld xmlns:a="http://schemas.openxmlformats.org/drawingml/2006/main" xmlns:r="http://schemas.openxmlformats.org/officeDocument/2006/relationships" xmlns:mc="http://schemas.openxmlformats.org/markup-compatibility/2006" xmlns:mv="urn:schemas-microsoft-com:mac:vml" xmlns:p="http://schemas.openxmlformats.org/presentationml/2006/main" xmlns:c="http://schemas.openxmlformats.org/drawingml/2006/chart" xmlns:dgm="http://schemas.openxmlformats.org/drawingml/2006/diagram" xmlns:o="urn:schemas-microsoft-com:office:office" xmlns:v="urn:schemas-microsoft-com:vml" xmlns:pvml="urn:schemas-microsoft-com:office:powerpoint" xmlns:com="http://schemas.openxmlformats.org/drawingml/2006/compatibility" xmlns:p14="http://schemas.microsoft.com/office/powerpoint/2010/main" xmlns:p15="http://schemas.microsoft.com/office/powerpoint/2012/main" xmlns:ahyp="http://schemas.microsoft.com/office/drawing/2018/hyperlinkcolor">
+  <p:cSld>
+    <p:spTree>
+      <p:nvGrpSpPr>
+        <p:cNvPr id="281" name="Shape 281"/>
+        <p:cNvGrpSpPr/>
+        <p:nvPr/>
+      </p:nvGrpSpPr>
+      <p:grpSpPr>
+        <a:xfrm>
+          <a:off x="0" y="0"/>
+          <a:ext cx="0" cy="0"/>
+          <a:chOff x="0" y="0"/>
+          <a:chExt cx="0" cy="0"/>
+        </a:xfrm>
+      </p:grpSpPr>
+      <p:sp>
+        <p:nvSpPr>
+          <p:cNvPr id="282" name="Google Shape;282;p53"/>
+          <p:cNvSpPr txBox="1"/>
+          <p:nvPr>
+            <p:ph idx="1" type="body"/>
+          </p:nvPr>
+        </p:nvSpPr>
+        <p:spPr>
+          <a:xfrm>
+            <a:off x="0" y="0"/>
+            <a:ext cx="9144000" cy="5049600"/>
+          </a:xfrm>
+          <a:prstGeom prst="rect">
+            <a:avLst/>
+          </a:prstGeom>
+        </p:spPr>
+        <p:txBody>
+          <a:bodyPr anchorCtr="0" anchor="t" bIns="91425" lIns="91425" spcFirstLastPara="1" rIns="91425" wrap="square" tIns="91425">
+            <a:normAutofit/>
+          </a:bodyPr>
+          <a:lstStyle/>
+          <a:p>
+            <a:pPr indent="0" lvl="0" marL="0" rtl="0" algn="l">
+              <a:lnSpc>
+                <a:spcPct val="100000"/>
+              </a:lnSpc>
+              <a:spcBef>
+                <a:spcPts val="0"/>
+              </a:spcBef>
+              <a:spcAft>
+                <a:spcPts val="0"/>
+              </a:spcAft>
+              <a:buNone/>
+            </a:pPr>
+            <a:r>
+              <a:rPr lang="ja" sz="1200" u="sng"/>
+              <a:t>Curry-DPO: Enhancing Alignment using Curriculum Learning &amp; Ranked Preferences</a:t>
+            </a:r>
+            <a:r>
+              <a:rPr lang="ja" sz="1200" u="sng"/>
+              <a:t> 2024</a:t>
+            </a:r>
+            <a:endParaRPr sz="1100"/>
+          </a:p>
+          <a:p>
+            <a:pPr indent="0" lvl="0" marL="0" rtl="0" algn="l">
+              <a:lnSpc>
+                <a:spcPct val="100000"/>
+              </a:lnSpc>
+              <a:spcBef>
+                <a:spcPts val="1200"/>
+              </a:spcBef>
+              <a:spcAft>
+                <a:spcPts val="0"/>
+              </a:spcAft>
+              <a:buNone/>
+            </a:pPr>
+            <a:r>
+              <a:rPr lang="ja" sz="1100" u="sng"/>
+              <a:t>概要</a:t>
+            </a:r>
+            <a:endParaRPr sz="764"/>
+          </a:p>
+          <a:p>
+            <a:pPr indent="0" lvl="0" marL="0" rtl="0" algn="l">
+              <a:lnSpc>
+                <a:spcPct val="100000"/>
+              </a:lnSpc>
+              <a:spcBef>
+                <a:spcPts val="1200"/>
+              </a:spcBef>
+              <a:spcAft>
+                <a:spcPts val="0"/>
+              </a:spcAft>
+              <a:buNone/>
+            </a:pPr>
+            <a:r>
+              <a:rPr lang="ja" sz="764"/>
+              <a:t>直接好みの最適化（DPO）は、ペアごとの好みデータ（プロンプトごとに選択された応答と拒否された応答）を利用してLLMを人間の好みに合わせる方法です。実際には、与えられたプロンプトに対して相対的な品質が異なる複数の応答が存在する可能性があることから、これらの応答を利用して、与えられたプロンプトに対する複数の好みペアを作成することを提案。</a:t>
+            </a:r>
+            <a:br>
+              <a:rPr lang="ja" sz="764"/>
+            </a:br>
+            <a:r>
+              <a:rPr lang="ja" sz="764"/>
+              <a:t>複数の好みペアを体系的にキュレーションし、カリキュラム学習を通じて意味のある方法で提示することに注目しています。</a:t>
+            </a:r>
+            <a:endParaRPr sz="764"/>
+          </a:p>
+          <a:p>
+            <a:pPr indent="0" lvl="0" marL="0" rtl="0" algn="l">
+              <a:lnSpc>
+                <a:spcPct val="100000"/>
+              </a:lnSpc>
+              <a:spcBef>
+                <a:spcPts val="1200"/>
+              </a:spcBef>
+              <a:spcAft>
+                <a:spcPts val="0"/>
+              </a:spcAft>
+              <a:buNone/>
+            </a:pPr>
+            <a:r>
+              <a:rPr lang="ja" sz="1100" u="sng"/>
+              <a:t>手法</a:t>
+            </a:r>
+            <a:endParaRPr sz="800"/>
+          </a:p>
+          <a:p>
+            <a:pPr indent="0" lvl="0" marL="0" rtl="0" algn="l">
+              <a:lnSpc>
+                <a:spcPct val="100000"/>
+              </a:lnSpc>
+              <a:spcBef>
+                <a:spcPts val="1200"/>
+              </a:spcBef>
+              <a:spcAft>
+                <a:spcPts val="0"/>
+              </a:spcAft>
+              <a:buNone/>
+            </a:pPr>
+            <a:r>
+              <a:rPr lang="ja" sz="764"/>
+              <a:t>与えられたプロンプトに対して相対的な品質が異なる複数の応答が存在する場合に、これらの応答を利用して複数の好みペアを作成する方法を提案しています。このアプローチは、カリキュラム学習の原理に基づいています。主に以下の手順で行われます。</a:t>
+            </a:r>
+            <a:endParaRPr sz="764"/>
+          </a:p>
+          <a:p>
+            <a:pPr indent="0" lvl="0" marL="0" rtl="0" algn="l">
+              <a:lnSpc>
+                <a:spcPct val="100000"/>
+              </a:lnSpc>
+              <a:spcBef>
+                <a:spcPts val="1200"/>
+              </a:spcBef>
+              <a:spcAft>
+                <a:spcPts val="0"/>
+              </a:spcAft>
+              <a:buNone/>
+            </a:pPr>
+            <a:r>
+              <a:rPr lang="ja" sz="764"/>
+              <a:t>1. 複数の応答のサンプリング: まず、各プロンプトに対して複数の応答が存在するという前提から始めます。これらの応答は、人間の評価者による品質評価や、モデル自体による予測スコアなど、異なる方法で評価されます。</a:t>
+            </a:r>
+            <a:br>
+              <a:rPr lang="ja" sz="764"/>
+            </a:br>
+            <a:r>
+              <a:rPr lang="ja" sz="764"/>
+              <a:t>2. 好みペアの作成: これらの応答を用いて、プロンプトごとに複数の好みペアを作成します。好みペアは、選択された応答（より高い品質と評価されるもの）と拒否された応答（より低い品質と評価されるもの）の組み合わせです。この過程では、全ての可能な応答ペアを検討し、それぞれのペアに対して品質の差異に基づいてランキングを行います。</a:t>
+            </a:r>
+            <a:br>
+              <a:rPr lang="ja" sz="764"/>
+            </a:br>
+            <a:r>
+              <a:rPr lang="ja" sz="764"/>
+              <a:t>3. カリキュラム学習の適用: カリキュラム学習の原則に従い、作成された好みペアを「簡単」から「難しい」へと順序立ててモデルに提示します。ここでいう「簡単」とは、選択された応答と拒否された応答の品質差が大きいペアのことを指し、「難しい」とは、その差が小さいペアを指します。この順序付けは、モデルが段階的により微妙な好みの違いを学習するのを助けます。</a:t>
+            </a:r>
+            <a:br>
+              <a:rPr lang="ja" sz="764"/>
+            </a:br>
+            <a:r>
+              <a:rPr lang="ja" sz="764"/>
+              <a:t>4. 学習の実施: 好みペアを用いたトレーニングは、複数の反復または「イテレーション」にわたって行われます。各イテレーションでは、特定の好みペアセットに基づいてモデルをトレーニングし、その後で次のイテレーションに進む前に参照モデルを更新します。このプロセスを通じて、モデルは徐々に複雑な好みの違いを認識するようになります。</a:t>
+            </a:r>
+            <a:endParaRPr sz="764"/>
+          </a:p>
+          <a:p>
+            <a:pPr indent="0" lvl="0" marL="0" rtl="0" algn="l">
+              <a:lnSpc>
+                <a:spcPct val="100000"/>
+              </a:lnSpc>
+              <a:spcBef>
+                <a:spcPts val="1200"/>
+              </a:spcBef>
+              <a:spcAft>
+                <a:spcPts val="0"/>
+              </a:spcAft>
+              <a:buNone/>
+            </a:pPr>
+            <a:r>
+              <a:rPr lang="ja" sz="764"/>
+              <a:t>この方法は、モデルが人間の好みに更に密接に合致するように微調整するための効果的な手段を提供します。人間の評価者による直接的なフィードバックを活用することで、モデルの応答品質を大幅に向上させることが可能になります​​。</a:t>
+            </a:r>
+            <a:endParaRPr sz="764"/>
+          </a:p>
+          <a:p>
+            <a:pPr indent="0" lvl="0" marL="0" rtl="0" algn="l">
+              <a:lnSpc>
+                <a:spcPct val="100000"/>
+              </a:lnSpc>
+              <a:spcBef>
+                <a:spcPts val="1200"/>
+              </a:spcBef>
+              <a:spcAft>
+                <a:spcPts val="0"/>
+              </a:spcAft>
+              <a:buNone/>
+            </a:pPr>
+            <a:r>
+              <a:rPr lang="ja" sz="1100" u="sng"/>
+              <a:t>結果</a:t>
+            </a:r>
+            <a:endParaRPr sz="764"/>
+          </a:p>
+          <a:p>
+            <a:pPr indent="0" lvl="0" marL="0" rtl="0" algn="l">
+              <a:lnSpc>
+                <a:spcPct val="100000"/>
+              </a:lnSpc>
+              <a:spcBef>
+                <a:spcPts val="1200"/>
+              </a:spcBef>
+              <a:spcAft>
+                <a:spcPts val="1200"/>
+              </a:spcAft>
+              <a:buNone/>
+            </a:pPr>
+            <a:r>
+              <a:rPr lang="ja" sz="764"/>
+              <a:t>DPO方法であるCurry-DPOは、MT Bench、Wizard-LM、およびUltraFeedbackにおいて、標準の単一好みペアDPOよりも大幅に優れていることを示し、特にCurry-DPOはMT-benchで7.43のスコアを達成し、同様のパラメータサイズを持つ既存のLLMの大半を上回りました。</a:t>
+            </a:r>
+            <a:endParaRPr sz="764"/>
+          </a:p>
+        </p:txBody>
+      </p:sp>
+    </p:spTree>
+  </p:cSld>
+  <p:clrMapOvr>
+    <a:masterClrMapping/>
+  </p:clrMapOvr>
+</p:sld>
+</file>
+
+<file path=ppt/slides/slide42.xml><?xml version="1.0" encoding="utf-8"?>
+<p:sld xmlns:a="http://schemas.openxmlformats.org/drawingml/2006/main" xmlns:r="http://schemas.openxmlformats.org/officeDocument/2006/relationships" xmlns:mc="http://schemas.openxmlformats.org/markup-compatibility/2006" xmlns:mv="urn:schemas-microsoft-com:mac:vml" xmlns:p="http://schemas.openxmlformats.org/presentationml/2006/main" xmlns:c="http://schemas.openxmlformats.org/drawingml/2006/chart" xmlns:dgm="http://schemas.openxmlformats.org/drawingml/2006/diagram" xmlns:o="urn:schemas-microsoft-com:office:office" xmlns:v="urn:schemas-microsoft-com:vml" xmlns:pvml="urn:schemas-microsoft-com:office:powerpoint" xmlns:com="http://schemas.openxmlformats.org/drawingml/2006/compatibility" xmlns:p14="http://schemas.microsoft.com/office/powerpoint/2010/main" xmlns:p15="http://schemas.microsoft.com/office/powerpoint/2012/main" xmlns:ahyp="http://schemas.microsoft.com/office/drawing/2018/hyperlinkcolor">
+  <p:cSld>
+    <p:spTree>
+      <p:nvGrpSpPr>
+        <p:cNvPr id="286" name="Shape 286"/>
+        <p:cNvGrpSpPr/>
+        <p:nvPr/>
+      </p:nvGrpSpPr>
+      <p:grpSpPr>
+        <a:xfrm>
+          <a:off x="0" y="0"/>
+          <a:ext cx="0" cy="0"/>
+          <a:chOff x="0" y="0"/>
+          <a:chExt cx="0" cy="0"/>
+        </a:xfrm>
+      </p:grpSpPr>
+      <p:sp>
+        <p:nvSpPr>
+          <p:cNvPr id="287" name="Google Shape;287;p54"/>
+          <p:cNvSpPr txBox="1"/>
+          <p:nvPr>
+            <p:ph type="title"/>
+          </p:nvPr>
+        </p:nvSpPr>
+        <p:spPr>
+          <a:xfrm>
+            <a:off x="510450" y="2057400"/>
+            <a:ext cx="8123100" cy="778800"/>
+          </a:xfrm>
+          <a:prstGeom prst="rect">
+            <a:avLst/>
+          </a:prstGeom>
+        </p:spPr>
+        <p:txBody>
+          <a:bodyPr anchorCtr="0" anchor="b" bIns="91425" lIns="91425" spcFirstLastPara="1" rIns="91425" wrap="square" tIns="91425">
+            <a:normAutofit/>
+          </a:bodyPr>
+          <a:lstStyle/>
+          <a:p>
+            <a:pPr indent="0" lvl="0" marL="0" rtl="0" algn="l">
+              <a:spcBef>
+                <a:spcPts val="0"/>
+              </a:spcBef>
+              <a:spcAft>
+                <a:spcPts val="0"/>
+              </a:spcAft>
+              <a:buNone/>
+            </a:pPr>
+            <a:r>
+              <a:rPr lang="ja"/>
+              <a:t>Appendix</a:t>
+            </a:r>
+            <a:endParaRPr/>
           </a:p>
         </p:txBody>
       </p:sp>
@@ -25660,6 +28154,285 @@
 </file>
 
 <file path=ppt/theme/theme1.xml><?xml version="1.0" encoding="utf-8"?>
+<a:theme xmlns:a="http://schemas.openxmlformats.org/drawingml/2006/main" xmlns:r="http://schemas.openxmlformats.org/officeDocument/2006/relationships" name="Spearmint">
+  <a:themeElements>
+    <a:clrScheme name="Spearmint">
+      <a:dk1>
+        <a:srgbClr val="202729"/>
+      </a:dk1>
+      <a:lt1>
+        <a:srgbClr val="FFFFFF"/>
+      </a:lt1>
+      <a:dk2>
+        <a:srgbClr val="4BA173"/>
+      </a:dk2>
+      <a:lt2>
+        <a:srgbClr val="63D297"/>
+      </a:lt2>
+      <a:accent1>
+        <a:srgbClr val="353744"/>
+      </a:accent1>
+      <a:accent2>
+        <a:srgbClr val="424242"/>
+      </a:accent2>
+      <a:accent3>
+        <a:srgbClr val="616161"/>
+      </a:accent3>
+      <a:accent4>
+        <a:srgbClr val="F0F0F0"/>
+      </a:accent4>
+      <a:accent5>
+        <a:srgbClr val="FF5252"/>
+      </a:accent5>
+      <a:accent6>
+        <a:srgbClr val="FFF176"/>
+      </a:accent6>
+      <a:hlink>
+        <a:srgbClr val="FF5252"/>
+      </a:hlink>
+      <a:folHlink>
+        <a:srgbClr val="FF5252"/>
+      </a:folHlink>
+    </a:clrScheme>
+    <a:fontScheme name="Office">
+      <a:majorFont>
+        <a:latin typeface="Arial"/>
+        <a:ea typeface=""/>
+        <a:cs typeface=""/>
+        <a:font script="Jpan" typeface="ＭＳ Ｐゴシック"/>
+        <a:font script="Hang" typeface="맑은 고딕"/>
+        <a:font script="Hans" typeface="宋体"/>
+        <a:font script="Hant" typeface="新細明體"/>
+        <a:font script="Arab" typeface="Times New Roman"/>
+        <a:font script="Hebr" typeface="Times New Roman"/>
+        <a:font script="Thai" typeface="Angsana New"/>
+        <a:font script="Ethi" typeface="Nyala"/>
+        <a:font script="Beng" typeface="Vrinda"/>
+        <a:font script="Gujr" typeface="Shruti"/>
+        <a:font script="Khmr" typeface="MoolBoran"/>
+        <a:font script="Knda" typeface="Tunga"/>
+        <a:font script="Guru" typeface="Raavi"/>
+        <a:font script="Cans" typeface="Euphemia"/>
+        <a:font script="Cher" typeface="Plantagenet Cherokee"/>
+        <a:font script="Yiii" typeface="Microsoft Yi Baiti"/>
+        <a:font script="Tibt" typeface="Microsoft Himalaya"/>
+        <a:font script="Thaa" typeface="MV Boli"/>
+        <a:font script="Deva" typeface="Mangal"/>
+        <a:font script="Telu" typeface="Gautami"/>
+        <a:font script="Taml" typeface="Latha"/>
+        <a:font script="Syrc" typeface="Estrangelo Edessa"/>
+        <a:font script="Orya" typeface="Kalinga"/>
+        <a:font script="Mlym" typeface="Kartika"/>
+        <a:font script="Laoo" typeface="DokChampa"/>
+        <a:font script="Sinh" typeface="Iskoola Pota"/>
+        <a:font script="Mong" typeface="Mongolian Baiti"/>
+        <a:font script="Viet" typeface="Times New Roman"/>
+        <a:font script="Uigh" typeface="Microsoft Uighur"/>
+        <a:font script="Geor" typeface="Sylfaen"/>
+      </a:majorFont>
+      <a:minorFont>
+        <a:latin typeface="Arial"/>
+        <a:ea typeface=""/>
+        <a:cs typeface=""/>
+        <a:font script="Jpan" typeface="ＭＳ Ｐゴシック"/>
+        <a:font script="Hang" typeface="맑은 고딕"/>
+        <a:font script="Hans" typeface="宋体"/>
+        <a:font script="Hant" typeface="新細明體"/>
+        <a:font script="Arab" typeface="Arial"/>
+        <a:font script="Hebr" typeface="Arial"/>
+        <a:font script="Thai" typeface="Cordia New"/>
+        <a:font script="Ethi" typeface="Nyala"/>
+        <a:font script="Beng" typeface="Vrinda"/>
+        <a:font script="Gujr" typeface="Shruti"/>
+        <a:font script="Khmr" typeface="DaunPenh"/>
+        <a:font script="Knda" typeface="Tunga"/>
+        <a:font script="Guru" typeface="Raavi"/>
+        <a:font script="Cans" typeface="Euphemia"/>
+        <a:font script="Cher" typeface="Plantagenet Cherokee"/>
+        <a:font script="Yiii" typeface="Microsoft Yi Baiti"/>
+        <a:font script="Tibt" typeface="Microsoft Himalaya"/>
+        <a:font script="Thaa" typeface="MV Boli"/>
+        <a:font script="Deva" typeface="Mangal"/>
+        <a:font script="Telu" typeface="Gautami"/>
+        <a:font script="Taml" typeface="Latha"/>
+        <a:font script="Syrc" typeface="Estrangelo Edessa"/>
+        <a:font script="Orya" typeface="Kalinga"/>
+        <a:font script="Mlym" typeface="Kartika"/>
+        <a:font script="Laoo" typeface="DokChampa"/>
+        <a:font script="Sinh" typeface="Iskoola Pota"/>
+        <a:font script="Mong" typeface="Mongolian Baiti"/>
+        <a:font script="Viet" typeface="Arial"/>
+        <a:font script="Uigh" typeface="Microsoft Uighur"/>
+        <a:font script="Geor" typeface="Sylfaen"/>
+      </a:minorFont>
+    </a:fontScheme>
+    <a:fmtScheme name="Office">
+      <a:fillStyleLst>
+        <a:solidFill>
+          <a:schemeClr val="phClr"/>
+        </a:solidFill>
+        <a:gradFill rotWithShape="1">
+          <a:gsLst>
+            <a:gs pos="0">
+              <a:schemeClr val="phClr">
+                <a:tint val="50000"/>
+                <a:satMod val="300000"/>
+              </a:schemeClr>
+            </a:gs>
+            <a:gs pos="35000">
+              <a:schemeClr val="phClr">
+                <a:tint val="37000"/>
+                <a:satMod val="300000"/>
+              </a:schemeClr>
+            </a:gs>
+            <a:gs pos="100000">
+              <a:schemeClr val="phClr">
+                <a:tint val="15000"/>
+                <a:satMod val="350000"/>
+              </a:schemeClr>
+            </a:gs>
+          </a:gsLst>
+          <a:lin ang="16200000" scaled="1"/>
+        </a:gradFill>
+        <a:gradFill rotWithShape="1">
+          <a:gsLst>
+            <a:gs pos="0">
+              <a:schemeClr val="phClr">
+                <a:tint val="100000"/>
+                <a:shade val="100000"/>
+                <a:satMod val="130000"/>
+              </a:schemeClr>
+            </a:gs>
+            <a:gs pos="100000">
+              <a:schemeClr val="phClr">
+                <a:tint val="50000"/>
+                <a:shade val="100000"/>
+                <a:satMod val="350000"/>
+              </a:schemeClr>
+            </a:gs>
+          </a:gsLst>
+          <a:lin ang="16200000" scaled="0"/>
+        </a:gradFill>
+      </a:fillStyleLst>
+      <a:lnStyleLst>
+        <a:ln w="9525" cap="flat" cmpd="sng" algn="ctr">
+          <a:solidFill>
+            <a:schemeClr val="phClr">
+              <a:shade val="95000"/>
+              <a:satMod val="105000"/>
+            </a:schemeClr>
+          </a:solidFill>
+          <a:prstDash val="solid"/>
+        </a:ln>
+        <a:ln w="25400" cap="flat" cmpd="sng" algn="ctr">
+          <a:solidFill>
+            <a:schemeClr val="phClr"/>
+          </a:solidFill>
+          <a:prstDash val="solid"/>
+        </a:ln>
+        <a:ln w="38100" cap="flat" cmpd="sng" algn="ctr">
+          <a:solidFill>
+            <a:schemeClr val="phClr"/>
+          </a:solidFill>
+          <a:prstDash val="solid"/>
+        </a:ln>
+      </a:lnStyleLst>
+      <a:effectStyleLst>
+        <a:effectStyle>
+          <a:effectLst>
+            <a:outerShdw blurRad="40000" dist="20000" dir="5400000" rotWithShape="0">
+              <a:srgbClr val="000000">
+                <a:alpha val="38000"/>
+              </a:srgbClr>
+            </a:outerShdw>
+          </a:effectLst>
+        </a:effectStyle>
+        <a:effectStyle>
+          <a:effectLst>
+            <a:outerShdw blurRad="40000" dist="23000" dir="5400000" rotWithShape="0">
+              <a:srgbClr val="000000">
+                <a:alpha val="35000"/>
+              </a:srgbClr>
+            </a:outerShdw>
+          </a:effectLst>
+        </a:effectStyle>
+        <a:effectStyle>
+          <a:effectLst>
+            <a:outerShdw blurRad="40000" dist="23000" dir="5400000" rotWithShape="0">
+              <a:srgbClr val="000000">
+                <a:alpha val="35000"/>
+              </a:srgbClr>
+            </a:outerShdw>
+          </a:effectLst>
+          <a:scene3d>
+            <a:camera prst="orthographicFront">
+              <a:rot lat="0" lon="0" rev="0"/>
+            </a:camera>
+            <a:lightRig rig="threePt" dir="t">
+              <a:rot lat="0" lon="0" rev="1200000"/>
+            </a:lightRig>
+          </a:scene3d>
+          <a:sp3d>
+            <a:bevelT w="63500" h="25400"/>
+          </a:sp3d>
+        </a:effectStyle>
+      </a:effectStyleLst>
+      <a:bgFillStyleLst>
+        <a:solidFill>
+          <a:schemeClr val="phClr"/>
+        </a:solidFill>
+        <a:gradFill rotWithShape="1">
+          <a:gsLst>
+            <a:gs pos="0">
+              <a:schemeClr val="phClr">
+                <a:tint val="40000"/>
+                <a:satMod val="350000"/>
+              </a:schemeClr>
+            </a:gs>
+            <a:gs pos="40000">
+              <a:schemeClr val="phClr">
+                <a:tint val="45000"/>
+                <a:shade val="99000"/>
+                <a:satMod val="350000"/>
+              </a:schemeClr>
+            </a:gs>
+            <a:gs pos="100000">
+              <a:schemeClr val="phClr">
+                <a:shade val="20000"/>
+                <a:satMod val="255000"/>
+              </a:schemeClr>
+            </a:gs>
+          </a:gsLst>
+          <a:path path="circle">
+            <a:fillToRect l="50000" t="-80000" r="50000" b="180000"/>
+          </a:path>
+        </a:gradFill>
+        <a:gradFill rotWithShape="1">
+          <a:gsLst>
+            <a:gs pos="0">
+              <a:schemeClr val="phClr">
+                <a:tint val="80000"/>
+                <a:satMod val="300000"/>
+              </a:schemeClr>
+            </a:gs>
+            <a:gs pos="100000">
+              <a:schemeClr val="phClr">
+                <a:shade val="30000"/>
+                <a:satMod val="200000"/>
+              </a:schemeClr>
+            </a:gs>
+          </a:gsLst>
+          <a:path path="circle">
+            <a:fillToRect l="50000" t="50000" r="50000" b="50000"/>
+          </a:path>
+        </a:gradFill>
+      </a:bgFillStyleLst>
+    </a:fmtScheme>
+  </a:themeElements>
+</a:theme>
+</file>
+
+<file path=ppt/theme/theme2.xml><?xml version="1.0" encoding="utf-8"?>
 <a:theme xmlns:a="http://schemas.openxmlformats.org/drawingml/2006/main" xmlns:r="http://schemas.openxmlformats.org/officeDocument/2006/relationships">
   <a:themeElements>
     <a:clrScheme name="Default">
@@ -25936,283 +28709,4 @@
     </a:fmtScheme>
   </a:themeElements>
 </a:theme>
-</file>
-
-<file path=ppt/theme/theme2.xml><?xml version="1.0" encoding="utf-8"?>
-<a:theme xmlns:a="http://schemas.openxmlformats.org/drawingml/2006/main" xmlns:r="http://schemas.openxmlformats.org/officeDocument/2006/relationships" name="Spearmint">
-  <a:themeElements>
-    <a:clrScheme name="Spearmint">
-      <a:dk1>
-        <a:srgbClr val="202729"/>
-      </a:dk1>
-      <a:lt1>
-        <a:srgbClr val="FFFFFF"/>
-      </a:lt1>
-      <a:dk2>
-        <a:srgbClr val="4BA173"/>
-      </a:dk2>
-      <a:lt2>
-        <a:srgbClr val="63D297"/>
-      </a:lt2>
-      <a:accent1>
-        <a:srgbClr val="353744"/>
-      </a:accent1>
-      <a:accent2>
-        <a:srgbClr val="424242"/>
-      </a:accent2>
-      <a:accent3>
-        <a:srgbClr val="616161"/>
-      </a:accent3>
-      <a:accent4>
-        <a:srgbClr val="F0F0F0"/>
-      </a:accent4>
-      <a:accent5>
-        <a:srgbClr val="FF5252"/>
-      </a:accent5>
-      <a:accent6>
-        <a:srgbClr val="FFF176"/>
-      </a:accent6>
-      <a:hlink>
-        <a:srgbClr val="FF5252"/>
-      </a:hlink>
-      <a:folHlink>
-        <a:srgbClr val="FF5252"/>
-      </a:folHlink>
-    </a:clrScheme>
-    <a:fontScheme name="Office">
-      <a:majorFont>
-        <a:latin typeface="Arial"/>
-        <a:ea typeface=""/>
-        <a:cs typeface=""/>
-        <a:font script="Jpan" typeface="ＭＳ Ｐゴシック"/>
-        <a:font script="Hang" typeface="맑은 고딕"/>
-        <a:font script="Hans" typeface="宋体"/>
-        <a:font script="Hant" typeface="新細明體"/>
-        <a:font script="Arab" typeface="Times New Roman"/>
-        <a:font script="Hebr" typeface="Times New Roman"/>
-        <a:font script="Thai" typeface="Angsana New"/>
-        <a:font script="Ethi" typeface="Nyala"/>
-        <a:font script="Beng" typeface="Vrinda"/>
-        <a:font script="Gujr" typeface="Shruti"/>
-        <a:font script="Khmr" typeface="MoolBoran"/>
-        <a:font script="Knda" typeface="Tunga"/>
-        <a:font script="Guru" typeface="Raavi"/>
-        <a:font script="Cans" typeface="Euphemia"/>
-        <a:font script="Cher" typeface="Plantagenet Cherokee"/>
-        <a:font script="Yiii" typeface="Microsoft Yi Baiti"/>
-        <a:font script="Tibt" typeface="Microsoft Himalaya"/>
-        <a:font script="Thaa" typeface="MV Boli"/>
-        <a:font script="Deva" typeface="Mangal"/>
-        <a:font script="Telu" typeface="Gautami"/>
-        <a:font script="Taml" typeface="Latha"/>
-        <a:font script="Syrc" typeface="Estrangelo Edessa"/>
-        <a:font script="Orya" typeface="Kalinga"/>
-        <a:font script="Mlym" typeface="Kartika"/>
-        <a:font script="Laoo" typeface="DokChampa"/>
-        <a:font script="Sinh" typeface="Iskoola Pota"/>
-        <a:font script="Mong" typeface="Mongolian Baiti"/>
-        <a:font script="Viet" typeface="Times New Roman"/>
-        <a:font script="Uigh" typeface="Microsoft Uighur"/>
-        <a:font script="Geor" typeface="Sylfaen"/>
-      </a:majorFont>
-      <a:minorFont>
-        <a:latin typeface="Arial"/>
-        <a:ea typeface=""/>
-        <a:cs typeface=""/>
-        <a:font script="Jpan" typeface="ＭＳ Ｐゴシック"/>
-        <a:font script="Hang" typeface="맑은 고딕"/>
-        <a:font script="Hans" typeface="宋体"/>
-        <a:font script="Hant" typeface="新細明體"/>
-        <a:font script="Arab" typeface="Arial"/>
-        <a:font script="Hebr" typeface="Arial"/>
-        <a:font script="Thai" typeface="Cordia New"/>
-        <a:font script="Ethi" typeface="Nyala"/>
-        <a:font script="Beng" typeface="Vrinda"/>
-        <a:font script="Gujr" typeface="Shruti"/>
-        <a:font script="Khmr" typeface="DaunPenh"/>
-        <a:font script="Knda" typeface="Tunga"/>
-        <a:font script="Guru" typeface="Raavi"/>
-        <a:font script="Cans" typeface="Euphemia"/>
-        <a:font script="Cher" typeface="Plantagenet Cherokee"/>
-        <a:font script="Yiii" typeface="Microsoft Yi Baiti"/>
-        <a:font script="Tibt" typeface="Microsoft Himalaya"/>
-        <a:font script="Thaa" typeface="MV Boli"/>
-        <a:font script="Deva" typeface="Mangal"/>
-        <a:font script="Telu" typeface="Gautami"/>
-        <a:font script="Taml" typeface="Latha"/>
-        <a:font script="Syrc" typeface="Estrangelo Edessa"/>
-        <a:font script="Orya" typeface="Kalinga"/>
-        <a:font script="Mlym" typeface="Kartika"/>
-        <a:font script="Laoo" typeface="DokChampa"/>
-        <a:font script="Sinh" typeface="Iskoola Pota"/>
-        <a:font script="Mong" typeface="Mongolian Baiti"/>
-        <a:font script="Viet" typeface="Arial"/>
-        <a:font script="Uigh" typeface="Microsoft Uighur"/>
-        <a:font script="Geor" typeface="Sylfaen"/>
-      </a:minorFont>
-    </a:fontScheme>
-    <a:fmtScheme name="Office">
-      <a:fillStyleLst>
-        <a:solidFill>
-          <a:schemeClr val="phClr"/>
-        </a:solidFill>
-        <a:gradFill rotWithShape="1">
-          <a:gsLst>
-            <a:gs pos="0">
-              <a:schemeClr val="phClr">
-                <a:tint val="50000"/>
-                <a:satMod val="300000"/>
-              </a:schemeClr>
-            </a:gs>
-            <a:gs pos="35000">
-              <a:schemeClr val="phClr">
-                <a:tint val="37000"/>
-                <a:satMod val="300000"/>
-              </a:schemeClr>
-            </a:gs>
-            <a:gs pos="100000">
-              <a:schemeClr val="phClr">
-                <a:tint val="15000"/>
-                <a:satMod val="350000"/>
-              </a:schemeClr>
-            </a:gs>
-          </a:gsLst>
-          <a:lin ang="16200000" scaled="1"/>
-        </a:gradFill>
-        <a:gradFill rotWithShape="1">
-          <a:gsLst>
-            <a:gs pos="0">
-              <a:schemeClr val="phClr">
-                <a:tint val="100000"/>
-                <a:shade val="100000"/>
-                <a:satMod val="130000"/>
-              </a:schemeClr>
-            </a:gs>
-            <a:gs pos="100000">
-              <a:schemeClr val="phClr">
-                <a:tint val="50000"/>
-                <a:shade val="100000"/>
-                <a:satMod val="350000"/>
-              </a:schemeClr>
-            </a:gs>
-          </a:gsLst>
-          <a:lin ang="16200000" scaled="0"/>
-        </a:gradFill>
-      </a:fillStyleLst>
-      <a:lnStyleLst>
-        <a:ln w="9525" cap="flat" cmpd="sng" algn="ctr">
-          <a:solidFill>
-            <a:schemeClr val="phClr">
-              <a:shade val="95000"/>
-              <a:satMod val="105000"/>
-            </a:schemeClr>
-          </a:solidFill>
-          <a:prstDash val="solid"/>
-        </a:ln>
-        <a:ln w="25400" cap="flat" cmpd="sng" algn="ctr">
-          <a:solidFill>
-            <a:schemeClr val="phClr"/>
-          </a:solidFill>
-          <a:prstDash val="solid"/>
-        </a:ln>
-        <a:ln w="38100" cap="flat" cmpd="sng" algn="ctr">
-          <a:solidFill>
-            <a:schemeClr val="phClr"/>
-          </a:solidFill>
-          <a:prstDash val="solid"/>
-        </a:ln>
-      </a:lnStyleLst>
-      <a:effectStyleLst>
-        <a:effectStyle>
-          <a:effectLst>
-            <a:outerShdw blurRad="40000" dist="20000" dir="5400000" rotWithShape="0">
-              <a:srgbClr val="000000">
-                <a:alpha val="38000"/>
-              </a:srgbClr>
-            </a:outerShdw>
-          </a:effectLst>
-        </a:effectStyle>
-        <a:effectStyle>
-          <a:effectLst>
-            <a:outerShdw blurRad="40000" dist="23000" dir="5400000" rotWithShape="0">
-              <a:srgbClr val="000000">
-                <a:alpha val="35000"/>
-              </a:srgbClr>
-            </a:outerShdw>
-          </a:effectLst>
-        </a:effectStyle>
-        <a:effectStyle>
-          <a:effectLst>
-            <a:outerShdw blurRad="40000" dist="23000" dir="5400000" rotWithShape="0">
-              <a:srgbClr val="000000">
-                <a:alpha val="35000"/>
-              </a:srgbClr>
-            </a:outerShdw>
-          </a:effectLst>
-          <a:scene3d>
-            <a:camera prst="orthographicFront">
-              <a:rot lat="0" lon="0" rev="0"/>
-            </a:camera>
-            <a:lightRig rig="threePt" dir="t">
-              <a:rot lat="0" lon="0" rev="1200000"/>
-            </a:lightRig>
-          </a:scene3d>
-          <a:sp3d>
-            <a:bevelT w="63500" h="25400"/>
-          </a:sp3d>
-        </a:effectStyle>
-      </a:effectStyleLst>
-      <a:bgFillStyleLst>
-        <a:solidFill>
-          <a:schemeClr val="phClr"/>
-        </a:solidFill>
-        <a:gradFill rotWithShape="1">
-          <a:gsLst>
-            <a:gs pos="0">
-              <a:schemeClr val="phClr">
-                <a:tint val="40000"/>
-                <a:satMod val="350000"/>
-              </a:schemeClr>
-            </a:gs>
-            <a:gs pos="40000">
-              <a:schemeClr val="phClr">
-                <a:tint val="45000"/>
-                <a:shade val="99000"/>
-                <a:satMod val="350000"/>
-              </a:schemeClr>
-            </a:gs>
-            <a:gs pos="100000">
-              <a:schemeClr val="phClr">
-                <a:shade val="20000"/>
-                <a:satMod val="255000"/>
-              </a:schemeClr>
-            </a:gs>
-          </a:gsLst>
-          <a:path path="circle">
-            <a:fillToRect l="50000" t="-80000" r="50000" b="180000"/>
-          </a:path>
-        </a:gradFill>
-        <a:gradFill rotWithShape="1">
-          <a:gsLst>
-            <a:gs pos="0">
-              <a:schemeClr val="phClr">
-                <a:tint val="80000"/>
-                <a:satMod val="300000"/>
-              </a:schemeClr>
-            </a:gs>
-            <a:gs pos="100000">
-              <a:schemeClr val="phClr">
-                <a:shade val="30000"/>
-                <a:satMod val="200000"/>
-              </a:schemeClr>
-            </a:gs>
-          </a:gsLst>
-          <a:path path="circle">
-            <a:fillToRect l="50000" t="50000" r="50000" b="50000"/>
-          </a:path>
-        </a:gradFill>
-      </a:bgFillStyleLst>
-    </a:fmtScheme>
-  </a:themeElements>
-</a:theme>
 </file>
--- a/2024_LLM論文要約_3.pptx
+++ b/2024_LLM論文要約_3.pptx
@@ -31002,7 +31002,7 @@
             </a:pPr>
             <a:r>
               <a:rPr lang="ja" sz="1200" u="sng"/>
-              <a:t>LLM-based agents for automating the enhancement of user story quality: An early report ユーザーストーリー品質の向上を自動化するためのLLMベースのエージェント：初期報告</a:t>
+              <a:t>TriSum: Learning Summarization Ability from Large Language Models with Structured Rationale</a:t>
             </a:r>
             <a:r>
               <a:rPr lang="ja" sz="1200" u="sng"/>
@@ -31044,7 +31044,7 @@
             </a:pPr>
             <a:r>
               <a:rPr lang="ja" sz="764"/>
-              <a:t>多様な翻訳候補を生成する方法を既存の多様化生成手法では、訓練データから大きく異なる予測を過小評価する過補正問題に対処していないため、多様性の向上には限界がありました。本論文では、摂動したk近傍法に基づく機械翻訳(kNN-MT)を用いて、この問題を解決し、多様な単語を候補に取り入れることで、より多様な翻訳を生成する方法を提案します。実験により、提案手法は候補の多様性を大幅に向上させることが確認されました。</a:t>
+              <a:t>TriSumは、大規模言語モデル（LLM）のテキスト要約能力をよりコンパクトで局所的なモデルに抽出するために開発された新しいフレームワークであり、少ない学習データで様々な低リソース言語翻訳タスクのパフォーマンスを向上させる。このアプローチには3段階のプロセスが含まれる： 単純なタスクから複雑なタスクへと進むカリキュラム学習ストラテジーを用いて、LLM推論、黄金推論の選択、ローカルトレーニングを行います。本手法は、さまざまなベンチマークにおいて、BLEUスコアで一貫して既存の手法を凌駕しており、本質的な側面、重要なエンティティ、関係、およびこれらの側面と根拠から導かれる首尾一貫した要約を包含する構造化された要約を生成する有効性を実証している。</a:t>
             </a:r>
             <a:br>
               <a:rPr lang="ja" sz="764"/>
@@ -31085,7 +31085,7 @@
             </a:pPr>
             <a:r>
               <a:rPr lang="ja" sz="764"/>
-              <a:t>kNN-MT（k-nearest neighbor machine translation）は、既存のニューラル機械翻訳（NMT）モデルに、k近傍法（kNN）に基づく検索機能を組み合わせることで、翻訳品質を向上させる手法です。このアルゴリズムは、翻訳プロセス中に、入力文に最も似ている訓練データの例をデータストアから検索し、その情報を利用して翻訳を生成します。kNN-MTの基本的なアルゴリズムは以下の手順で構成されます。</a:t>
+              <a:t>TriSumフレームワークは、大規模言語モデル（LLM）のテキスト要約能力を小型のローカルモデルに蒸留するために設計されています。このフレームワークは、LLMの理由付け（rationale）探索、高品質（golden）理由付けの選択、およびローカルトレーニングの3つの主要なステップから構成されます。</a:t>
             </a:r>
             <a:endParaRPr sz="764"/>
           </a:p>
@@ -31104,14 +31104,42 @@
             </a:pPr>
             <a:r>
               <a:rPr lang="ja" sz="764"/>
-              <a:t>データストアの作成</a:t>
-            </a:r>
-            <a:br>
-              <a:rPr lang="ja" sz="764"/>
-            </a:br>
-            <a:r>
-              <a:rPr lang="ja" sz="764"/>
-              <a:t>1. データストアの準備: データストアは、訓練データセットの各文のエンコーダとデコーダの状態（高次元ベクトル）と、対応する出力トークン（翻訳された単語やフレーズ）のペア（key-valueペア）として構築されます。このプロセスでは、訓練データをNMTモデルに通して、各タイムステップの隠れ状態（key）と、対応する出力トークン（value）を記録します。</a:t>
+              <a:t>1. LLM理由付け探索 (LLM Rationale Probing):</a:t>
+            </a:r>
+            <a:br>
+              <a:rPr lang="ja" sz="764"/>
+            </a:br>
+            <a:r>
+              <a:rPr lang="ja" sz="764"/>
+              <a:t>    - 目的: 文書から重要な側面-三重項の理由付けと要約を生成します。</a:t>
+            </a:r>
+            <a:br>
+              <a:rPr lang="ja" sz="764"/>
+            </a:br>
+            <a:r>
+              <a:rPr lang="ja" sz="764"/>
+              <a:t>    - 処理の流れ:</a:t>
+            </a:r>
+            <a:br>
+              <a:rPr lang="ja" sz="764"/>
+            </a:br>
+            <a:r>
+              <a:rPr lang="ja" sz="764"/>
+              <a:t>        1. 文書プロンプト: LLMに対して、与えられた文書と基準となる要約を用いてテンプレートベースのプロンプトを使用します。</a:t>
+            </a:r>
+            <a:br>
+              <a:rPr lang="ja" sz="764"/>
+            </a:br>
+            <a:r>
+              <a:rPr lang="ja" sz="764"/>
+              <a:t>        2. 理由付けと要約の生成: LLMは、n回の繰り返しを通じて、一連の理由付けとそれに対応する要約を生成します。</a:t>
+            </a:r>
+            <a:br>
+              <a:rPr lang="ja" sz="764"/>
+            </a:br>
+            <a:r>
+              <a:rPr lang="ja" sz="764"/>
+              <a:t>            各繰り返しで、文書の重要な側面に関する詳細な三重項と、これらの側面と三重項に基づいて組み立てられた要約が生成されます。</a:t>
             </a:r>
             <a:endParaRPr sz="764"/>
           </a:p>
@@ -31130,35 +31158,42 @@
             </a:pPr>
             <a:r>
               <a:rPr lang="ja" sz="764"/>
-              <a:t>翻訳生成時</a:t>
-            </a:r>
-            <a:br>
-              <a:rPr lang="ja" sz="764"/>
-            </a:br>
-            <a:r>
-              <a:rPr lang="ja" sz="764"/>
-              <a:t>1. クエリベクトルの生成: 翻訳を生成する際、入力文をNMTモデルに通し、各デコードステップでのデコーダの隠れ状態（クエリベクトル）を取得します。</a:t>
-            </a:r>
-            <a:br>
-              <a:rPr lang="ja" sz="764"/>
-            </a:br>
-            <a:r>
-              <a:rPr lang="ja" sz="764"/>
-              <a:t>2. kNN検索: 各デコードステップで、データストア内でクエリベクトルに最も近いk個の隠れ状態（key）とその対応する出力トークン（value）をkNN検索により取得します。</a:t>
-            </a:r>
-            <a:br>
-              <a:rPr lang="ja" sz="764"/>
-            </a:br>
-            <a:r>
-              <a:rPr lang="ja" sz="764"/>
-              <a:t>3. 翻訳候補のスコアリング: 検索されたk個の近傍から、翻訳候補のスコアを計算します。このスコアは、NMTモデルによる出力確率と、kNN検索による類似度（近傍の隠れ状態とクエリベクトルとの距離に基づく）を組み合わせたものです。</a:t>
-            </a:r>
-            <a:br>
-              <a:rPr lang="ja" sz="764"/>
-            </a:br>
-            <a:r>
-              <a:rPr lang="ja" sz="764"/>
-              <a:t>4. 出力トークンの選択: スコアが最も高い翻訳候補を選択し、出力文に追加します。このプロセスを繰り返し、最終的な翻訳文を生成します。</a:t>
+              <a:t>2. 黄金の理由付け選択 (Golden Rationale Selection):</a:t>
+            </a:r>
+            <a:br>
+              <a:rPr lang="ja" sz="764"/>
+            </a:br>
+            <a:r>
+              <a:rPr lang="ja" sz="764"/>
+              <a:t>    - 目的: 生成された候補の理由付けから品質が高いものを選択します。</a:t>
+            </a:r>
+            <a:br>
+              <a:rPr lang="ja" sz="764"/>
+            </a:br>
+            <a:r>
+              <a:rPr lang="ja" sz="764"/>
+              <a:t>    - 処理のの流れ:</a:t>
+            </a:r>
+            <a:br>
+              <a:rPr lang="ja" sz="764"/>
+            </a:br>
+            <a:r>
+              <a:rPr lang="ja" sz="764"/>
+              <a:t>        1. サマリースコア: 各理由付けに対して、生成された要約と基準要約、及び理由付け自体の間のセマンティックな類似性に基づいてサマリースコアを計算します。</a:t>
+            </a:r>
+            <a:br>
+              <a:rPr lang="ja" sz="764"/>
+            </a:br>
+            <a:r>
+              <a:rPr lang="ja" sz="764"/>
+              <a:t>        2. 一貫性スコア: 文書、理由付け、およびその側面が持つ潜在的なトピックとの間の一貫性を評価します。これは、LDAモデルを使用して計算されます。</a:t>
+            </a:r>
+            <a:br>
+              <a:rPr lang="ja" sz="764"/>
+            </a:br>
+            <a:r>
+              <a:rPr lang="ja" sz="764"/>
+              <a:t>        3. 最適な理由付けの選択: サマリースコアと一貫性スコアの組み合わせに基づいて最も品質の高い理由付けを選択します。</a:t>
             </a:r>
             <a:endParaRPr sz="764"/>
           </a:p>
@@ -31177,7 +31212,42 @@
             </a:pPr>
             <a:r>
               <a:rPr lang="ja" sz="764"/>
-              <a:t>kNN-MTは、NMTモデルの予測に対する追加的なコンテキスト情報を提供することで、特にレアな単語や特定のドメインにおいて、翻訳品質の向上が期待されます。また、翻訳の多様性を高める効果もあります。</a:t>
+              <a:t>3. カリキュラム学習によるローカルトレーニング:</a:t>
+            </a:r>
+            <a:br>
+              <a:rPr lang="ja" sz="764"/>
+            </a:br>
+            <a:r>
+              <a:rPr lang="ja" sz="764"/>
+              <a:t>    - 目的: 選択された黄金の理由付けを監督として使用し、小型言語モデルを訓練します。</a:t>
+            </a:r>
+            <a:br>
+              <a:rPr lang="ja" sz="764"/>
+            </a:br>
+            <a:r>
+              <a:rPr lang="ja" sz="764"/>
+              <a:t>    - 処理の流れ:</a:t>
+            </a:r>
+            <a:br>
+              <a:rPr lang="ja" sz="764"/>
+            </a:br>
+            <a:r>
+              <a:rPr lang="ja" sz="764"/>
+              <a:t>        1. 単一タスク学習: 文書から側面を抽出し、側面から三重項を抽出し、そして側面と三重項から要約を生成する、それぞれのタスクに対してモデルを個別に訓練します。</a:t>
+            </a:r>
+            <a:br>
+              <a:rPr lang="ja" sz="764"/>
+            </a:br>
+            <a:r>
+              <a:rPr lang="ja" sz="764"/>
+              <a:t>        2. 並行学習: 初期段階では、LLMからの出力を使用してモデルを訓練します。後期段階では、モデルが自身の予測を使用して、続くタスクの入力として機能させます。</a:t>
+            </a:r>
+            <a:br>
+              <a:rPr lang="ja" sz="764"/>
+            </a:br>
+            <a:r>
+              <a:rPr lang="ja" sz="764"/>
+              <a:t>        3. 統合学習: モデルが文書から直接、理由付けと要約の両方を同時に生成するように訓練します。</a:t>
             </a:r>
             <a:endParaRPr sz="764"/>
           </a:p>

--- a/2024_LLM論文要約_3.pptx
+++ b/2024_LLM論文要約_3.pptx
@@ -61,16 +61,27 @@
     <p:sldId id="306" r:id="rId56"/>
     <p:sldId id="307" r:id="rId57"/>
     <p:sldId id="308" r:id="rId58"/>
+    <p:sldId id="309" r:id="rId59"/>
+    <p:sldId id="310" r:id="rId60"/>
+    <p:sldId id="311" r:id="rId61"/>
+    <p:sldId id="312" r:id="rId62"/>
+    <p:sldId id="313" r:id="rId63"/>
+    <p:sldId id="314" r:id="rId64"/>
+    <p:sldId id="315" r:id="rId65"/>
+    <p:sldId id="316" r:id="rId66"/>
+    <p:sldId id="317" r:id="rId67"/>
+    <p:sldId id="318" r:id="rId68"/>
+    <p:sldId id="319" r:id="rId69"/>
   </p:sldIdLst>
   <p:sldSz cy="5143500" cx="9144000"/>
   <p:notesSz cx="6858000" cy="9144000"/>
   <p:embeddedFontLst>
     <p:embeddedFont>
       <p:font typeface="Proxima Nova"/>
-      <p:regular r:id="rId59"/>
-      <p:bold r:id="rId60"/>
-      <p:italic r:id="rId61"/>
-      <p:boldItalic r:id="rId62"/>
+      <p:regular r:id="rId70"/>
+      <p:bold r:id="rId71"/>
+      <p:italic r:id="rId72"/>
+      <p:boldItalic r:id="rId73"/>
     </p:embeddedFont>
   </p:embeddedFontLst>
   <p:defaultTextStyle>
@@ -5518,7 +5529,7 @@
       </p:grpSpPr>
       <p:sp>
         <p:nvSpPr>
-          <p:cNvPr id="340" name="Google Shape;340;g2b3937a3876_0_15:notes"/>
+          <p:cNvPr id="340" name="Google Shape;340;g2c454983011_0_0:notes"/>
           <p:cNvSpPr/>
           <p:nvPr>
             <p:ph idx="2" type="sldImg"/>
@@ -5553,7 +5564,601 @@
       </p:sp>
       <p:sp>
         <p:nvSpPr>
-          <p:cNvPr id="341" name="Google Shape;341;g2b3937a3876_0_15:notes"/>
+          <p:cNvPr id="341" name="Google Shape;341;g2c454983011_0_0:notes"/>
+          <p:cNvSpPr txBox="1"/>
+          <p:nvPr>
+            <p:ph idx="1" type="body"/>
+          </p:nvPr>
+        </p:nvSpPr>
+        <p:spPr>
+          <a:xfrm>
+            <a:off x="685800" y="4343400"/>
+            <a:ext cx="5486400" cy="4114800"/>
+          </a:xfrm>
+          <a:prstGeom prst="rect">
+            <a:avLst/>
+          </a:prstGeom>
+        </p:spPr>
+        <p:txBody>
+          <a:bodyPr anchorCtr="0" anchor="t" bIns="91425" lIns="91425" spcFirstLastPara="1" rIns="91425" wrap="square" tIns="91425">
+            <a:noAutofit/>
+          </a:bodyPr>
+          <a:lstStyle/>
+          <a:p>
+            <a:pPr indent="0" lvl="0" marL="0" rtl="0" algn="l">
+              <a:spcBef>
+                <a:spcPts val="0"/>
+              </a:spcBef>
+              <a:spcAft>
+                <a:spcPts val="0"/>
+              </a:spcAft>
+              <a:buNone/>
+            </a:pPr>
+            <a:r>
+              <a:t/>
+            </a:r>
+            <a:endParaRPr/>
+          </a:p>
+        </p:txBody>
+      </p:sp>
+    </p:spTree>
+  </p:cSld>
+  <p:clrMapOvr>
+    <a:masterClrMapping/>
+  </p:clrMapOvr>
+</p:notes>
+</file>
+
+<file path=ppt/notesSlides/notesSlide54.xml><?xml version="1.0" encoding="utf-8"?>
+<p:notes xmlns:a="http://schemas.openxmlformats.org/drawingml/2006/main" xmlns:r="http://schemas.openxmlformats.org/officeDocument/2006/relationships" xmlns:mc="http://schemas.openxmlformats.org/markup-compatibility/2006" xmlns:mv="urn:schemas-microsoft-com:mac:vml" xmlns:p="http://schemas.openxmlformats.org/presentationml/2006/main" xmlns:c="http://schemas.openxmlformats.org/drawingml/2006/chart" xmlns:dgm="http://schemas.openxmlformats.org/drawingml/2006/diagram" xmlns:o="urn:schemas-microsoft-com:office:office" xmlns:v="urn:schemas-microsoft-com:vml" xmlns:pvml="urn:schemas-microsoft-com:office:powerpoint" xmlns:com="http://schemas.openxmlformats.org/drawingml/2006/compatibility" xmlns:p14="http://schemas.microsoft.com/office/powerpoint/2010/main" xmlns:p15="http://schemas.microsoft.com/office/powerpoint/2012/main" xmlns:ahyp="http://schemas.microsoft.com/office/drawing/2018/hyperlinkcolor" showMasterPhAnim="0" showMasterSp="0">
+  <p:cSld>
+    <p:spTree>
+      <p:nvGrpSpPr>
+        <p:cNvPr id="344" name="Shape 344"/>
+        <p:cNvGrpSpPr/>
+        <p:nvPr/>
+      </p:nvGrpSpPr>
+      <p:grpSpPr>
+        <a:xfrm>
+          <a:off x="0" y="0"/>
+          <a:ext cx="0" cy="0"/>
+          <a:chOff x="0" y="0"/>
+          <a:chExt cx="0" cy="0"/>
+        </a:xfrm>
+      </p:grpSpPr>
+      <p:sp>
+        <p:nvSpPr>
+          <p:cNvPr id="345" name="Google Shape;345;g26c16077441_0_0:notes"/>
+          <p:cNvSpPr/>
+          <p:nvPr>
+            <p:ph idx="2" type="sldImg"/>
+          </p:nvPr>
+        </p:nvSpPr>
+        <p:spPr>
+          <a:xfrm>
+            <a:off x="381300" y="685800"/>
+            <a:ext cx="6096000" cy="3429000"/>
+          </a:xfrm>
+          <a:custGeom>
+            <a:rect b="b" l="l" r="r" t="t"/>
+            <a:pathLst>
+              <a:path extrusionOk="0" h="120000" w="120000">
+                <a:moveTo>
+                  <a:pt x="0" y="0"/>
+                </a:moveTo>
+                <a:lnTo>
+                  <a:pt x="120000" y="0"/>
+                </a:lnTo>
+                <a:lnTo>
+                  <a:pt x="120000" y="120000"/>
+                </a:lnTo>
+                <a:lnTo>
+                  <a:pt x="0" y="120000"/>
+                </a:lnTo>
+                <a:close/>
+              </a:path>
+            </a:pathLst>
+          </a:custGeom>
+        </p:spPr>
+      </p:sp>
+      <p:sp>
+        <p:nvSpPr>
+          <p:cNvPr id="346" name="Google Shape;346;g26c16077441_0_0:notes"/>
+          <p:cNvSpPr txBox="1"/>
+          <p:nvPr>
+            <p:ph idx="1" type="body"/>
+          </p:nvPr>
+        </p:nvSpPr>
+        <p:spPr>
+          <a:xfrm>
+            <a:off x="685800" y="4343400"/>
+            <a:ext cx="5486400" cy="4114800"/>
+          </a:xfrm>
+          <a:prstGeom prst="rect">
+            <a:avLst/>
+          </a:prstGeom>
+        </p:spPr>
+        <p:txBody>
+          <a:bodyPr anchorCtr="0" anchor="t" bIns="91425" lIns="91425" spcFirstLastPara="1" rIns="91425" wrap="square" tIns="91425">
+            <a:noAutofit/>
+          </a:bodyPr>
+          <a:lstStyle/>
+          <a:p>
+            <a:pPr indent="0" lvl="0" marL="0" rtl="0" algn="l">
+              <a:spcBef>
+                <a:spcPts val="0"/>
+              </a:spcBef>
+              <a:spcAft>
+                <a:spcPts val="0"/>
+              </a:spcAft>
+              <a:buNone/>
+            </a:pPr>
+            <a:r>
+              <a:t/>
+            </a:r>
+            <a:endParaRPr/>
+          </a:p>
+        </p:txBody>
+      </p:sp>
+    </p:spTree>
+  </p:cSld>
+  <p:clrMapOvr>
+    <a:masterClrMapping/>
+  </p:clrMapOvr>
+</p:notes>
+</file>
+
+<file path=ppt/notesSlides/notesSlide55.xml><?xml version="1.0" encoding="utf-8"?>
+<p:notes xmlns:a="http://schemas.openxmlformats.org/drawingml/2006/main" xmlns:r="http://schemas.openxmlformats.org/officeDocument/2006/relationships" xmlns:mc="http://schemas.openxmlformats.org/markup-compatibility/2006" xmlns:mv="urn:schemas-microsoft-com:mac:vml" xmlns:p="http://schemas.openxmlformats.org/presentationml/2006/main" xmlns:c="http://schemas.openxmlformats.org/drawingml/2006/chart" xmlns:dgm="http://schemas.openxmlformats.org/drawingml/2006/diagram" xmlns:o="urn:schemas-microsoft-com:office:office" xmlns:v="urn:schemas-microsoft-com:vml" xmlns:pvml="urn:schemas-microsoft-com:office:powerpoint" xmlns:com="http://schemas.openxmlformats.org/drawingml/2006/compatibility" xmlns:p14="http://schemas.microsoft.com/office/powerpoint/2010/main" xmlns:p15="http://schemas.microsoft.com/office/powerpoint/2012/main" xmlns:ahyp="http://schemas.microsoft.com/office/drawing/2018/hyperlinkcolor" showMasterPhAnim="0" showMasterSp="0">
+  <p:cSld>
+    <p:spTree>
+      <p:nvGrpSpPr>
+        <p:cNvPr id="349" name="Shape 349"/>
+        <p:cNvGrpSpPr/>
+        <p:nvPr/>
+      </p:nvGrpSpPr>
+      <p:grpSpPr>
+        <a:xfrm>
+          <a:off x="0" y="0"/>
+          <a:ext cx="0" cy="0"/>
+          <a:chOff x="0" y="0"/>
+          <a:chExt cx="0" cy="0"/>
+        </a:xfrm>
+      </p:grpSpPr>
+      <p:sp>
+        <p:nvSpPr>
+          <p:cNvPr id="350" name="Google Shape;350;g26c14f49140_0_0:notes"/>
+          <p:cNvSpPr/>
+          <p:nvPr>
+            <p:ph idx="2" type="sldImg"/>
+          </p:nvPr>
+        </p:nvSpPr>
+        <p:spPr>
+          <a:xfrm>
+            <a:off x="381300" y="685800"/>
+            <a:ext cx="6096000" cy="3429000"/>
+          </a:xfrm>
+          <a:custGeom>
+            <a:rect b="b" l="l" r="r" t="t"/>
+            <a:pathLst>
+              <a:path extrusionOk="0" h="120000" w="120000">
+                <a:moveTo>
+                  <a:pt x="0" y="0"/>
+                </a:moveTo>
+                <a:lnTo>
+                  <a:pt x="120000" y="0"/>
+                </a:lnTo>
+                <a:lnTo>
+                  <a:pt x="120000" y="120000"/>
+                </a:lnTo>
+                <a:lnTo>
+                  <a:pt x="0" y="120000"/>
+                </a:lnTo>
+                <a:close/>
+              </a:path>
+            </a:pathLst>
+          </a:custGeom>
+        </p:spPr>
+      </p:sp>
+      <p:sp>
+        <p:nvSpPr>
+          <p:cNvPr id="351" name="Google Shape;351;g26c14f49140_0_0:notes"/>
+          <p:cNvSpPr txBox="1"/>
+          <p:nvPr>
+            <p:ph idx="1" type="body"/>
+          </p:nvPr>
+        </p:nvSpPr>
+        <p:spPr>
+          <a:xfrm>
+            <a:off x="685800" y="4343400"/>
+            <a:ext cx="5486400" cy="4114800"/>
+          </a:xfrm>
+          <a:prstGeom prst="rect">
+            <a:avLst/>
+          </a:prstGeom>
+        </p:spPr>
+        <p:txBody>
+          <a:bodyPr anchorCtr="0" anchor="t" bIns="91425" lIns="91425" spcFirstLastPara="1" rIns="91425" wrap="square" tIns="91425">
+            <a:noAutofit/>
+          </a:bodyPr>
+          <a:lstStyle/>
+          <a:p>
+            <a:pPr indent="0" lvl="0" marL="0" rtl="0" algn="l">
+              <a:spcBef>
+                <a:spcPts val="0"/>
+              </a:spcBef>
+              <a:spcAft>
+                <a:spcPts val="0"/>
+              </a:spcAft>
+              <a:buNone/>
+            </a:pPr>
+            <a:r>
+              <a:t/>
+            </a:r>
+            <a:endParaRPr/>
+          </a:p>
+        </p:txBody>
+      </p:sp>
+    </p:spTree>
+  </p:cSld>
+  <p:clrMapOvr>
+    <a:masterClrMapping/>
+  </p:clrMapOvr>
+</p:notes>
+</file>
+
+<file path=ppt/notesSlides/notesSlide56.xml><?xml version="1.0" encoding="utf-8"?>
+<p:notes xmlns:a="http://schemas.openxmlformats.org/drawingml/2006/main" xmlns:r="http://schemas.openxmlformats.org/officeDocument/2006/relationships" xmlns:mc="http://schemas.openxmlformats.org/markup-compatibility/2006" xmlns:mv="urn:schemas-microsoft-com:mac:vml" xmlns:p="http://schemas.openxmlformats.org/presentationml/2006/main" xmlns:c="http://schemas.openxmlformats.org/drawingml/2006/chart" xmlns:dgm="http://schemas.openxmlformats.org/drawingml/2006/diagram" xmlns:o="urn:schemas-microsoft-com:office:office" xmlns:v="urn:schemas-microsoft-com:vml" xmlns:pvml="urn:schemas-microsoft-com:office:powerpoint" xmlns:com="http://schemas.openxmlformats.org/drawingml/2006/compatibility" xmlns:p14="http://schemas.microsoft.com/office/powerpoint/2010/main" xmlns:p15="http://schemas.microsoft.com/office/powerpoint/2012/main" xmlns:ahyp="http://schemas.microsoft.com/office/drawing/2018/hyperlinkcolor" showMasterPhAnim="0" showMasterSp="0">
+  <p:cSld>
+    <p:spTree>
+      <p:nvGrpSpPr>
+        <p:cNvPr id="354" name="Shape 354"/>
+        <p:cNvGrpSpPr/>
+        <p:nvPr/>
+      </p:nvGrpSpPr>
+      <p:grpSpPr>
+        <a:xfrm>
+          <a:off x="0" y="0"/>
+          <a:ext cx="0" cy="0"/>
+          <a:chOff x="0" y="0"/>
+          <a:chExt cx="0" cy="0"/>
+        </a:xfrm>
+      </p:grpSpPr>
+      <p:sp>
+        <p:nvSpPr>
+          <p:cNvPr id="355" name="Google Shape;355;g2c52de19560_0_0:notes"/>
+          <p:cNvSpPr/>
+          <p:nvPr>
+            <p:ph idx="2" type="sldImg"/>
+          </p:nvPr>
+        </p:nvSpPr>
+        <p:spPr>
+          <a:xfrm>
+            <a:off x="381300" y="685800"/>
+            <a:ext cx="6096000" cy="3429000"/>
+          </a:xfrm>
+          <a:custGeom>
+            <a:rect b="b" l="l" r="r" t="t"/>
+            <a:pathLst>
+              <a:path extrusionOk="0" h="120000" w="120000">
+                <a:moveTo>
+                  <a:pt x="0" y="0"/>
+                </a:moveTo>
+                <a:lnTo>
+                  <a:pt x="120000" y="0"/>
+                </a:lnTo>
+                <a:lnTo>
+                  <a:pt x="120000" y="120000"/>
+                </a:lnTo>
+                <a:lnTo>
+                  <a:pt x="0" y="120000"/>
+                </a:lnTo>
+                <a:close/>
+              </a:path>
+            </a:pathLst>
+          </a:custGeom>
+        </p:spPr>
+      </p:sp>
+      <p:sp>
+        <p:nvSpPr>
+          <p:cNvPr id="356" name="Google Shape;356;g2c52de19560_0_0:notes"/>
+          <p:cNvSpPr txBox="1"/>
+          <p:nvPr>
+            <p:ph idx="1" type="body"/>
+          </p:nvPr>
+        </p:nvSpPr>
+        <p:spPr>
+          <a:xfrm>
+            <a:off x="685800" y="4343400"/>
+            <a:ext cx="5486400" cy="4114800"/>
+          </a:xfrm>
+          <a:prstGeom prst="rect">
+            <a:avLst/>
+          </a:prstGeom>
+        </p:spPr>
+        <p:txBody>
+          <a:bodyPr anchorCtr="0" anchor="t" bIns="91425" lIns="91425" spcFirstLastPara="1" rIns="91425" wrap="square" tIns="91425">
+            <a:noAutofit/>
+          </a:bodyPr>
+          <a:lstStyle/>
+          <a:p>
+            <a:pPr indent="0" lvl="0" marL="0" rtl="0" algn="l">
+              <a:spcBef>
+                <a:spcPts val="0"/>
+              </a:spcBef>
+              <a:spcAft>
+                <a:spcPts val="0"/>
+              </a:spcAft>
+              <a:buNone/>
+            </a:pPr>
+            <a:r>
+              <a:t/>
+            </a:r>
+            <a:endParaRPr/>
+          </a:p>
+        </p:txBody>
+      </p:sp>
+    </p:spTree>
+  </p:cSld>
+  <p:clrMapOvr>
+    <a:masterClrMapping/>
+  </p:clrMapOvr>
+</p:notes>
+</file>
+
+<file path=ppt/notesSlides/notesSlide57.xml><?xml version="1.0" encoding="utf-8"?>
+<p:notes xmlns:a="http://schemas.openxmlformats.org/drawingml/2006/main" xmlns:r="http://schemas.openxmlformats.org/officeDocument/2006/relationships" xmlns:mc="http://schemas.openxmlformats.org/markup-compatibility/2006" xmlns:mv="urn:schemas-microsoft-com:mac:vml" xmlns:p="http://schemas.openxmlformats.org/presentationml/2006/main" xmlns:c="http://schemas.openxmlformats.org/drawingml/2006/chart" xmlns:dgm="http://schemas.openxmlformats.org/drawingml/2006/diagram" xmlns:o="urn:schemas-microsoft-com:office:office" xmlns:v="urn:schemas-microsoft-com:vml" xmlns:pvml="urn:schemas-microsoft-com:office:powerpoint" xmlns:com="http://schemas.openxmlformats.org/drawingml/2006/compatibility" xmlns:p14="http://schemas.microsoft.com/office/powerpoint/2010/main" xmlns:p15="http://schemas.microsoft.com/office/powerpoint/2012/main" xmlns:ahyp="http://schemas.microsoft.com/office/drawing/2018/hyperlinkcolor" showMasterPhAnim="0" showMasterSp="0">
+  <p:cSld>
+    <p:spTree>
+      <p:nvGrpSpPr>
+        <p:cNvPr id="359" name="Shape 359"/>
+        <p:cNvGrpSpPr/>
+        <p:nvPr/>
+      </p:nvGrpSpPr>
+      <p:grpSpPr>
+        <a:xfrm>
+          <a:off x="0" y="0"/>
+          <a:ext cx="0" cy="0"/>
+          <a:chOff x="0" y="0"/>
+          <a:chExt cx="0" cy="0"/>
+        </a:xfrm>
+      </p:grpSpPr>
+      <p:sp>
+        <p:nvSpPr>
+          <p:cNvPr id="360" name="Google Shape;360;g2c52de19560_0_13:notes"/>
+          <p:cNvSpPr/>
+          <p:nvPr>
+            <p:ph idx="2" type="sldImg"/>
+          </p:nvPr>
+        </p:nvSpPr>
+        <p:spPr>
+          <a:xfrm>
+            <a:off x="381300" y="685800"/>
+            <a:ext cx="6096000" cy="3429000"/>
+          </a:xfrm>
+          <a:custGeom>
+            <a:rect b="b" l="l" r="r" t="t"/>
+            <a:pathLst>
+              <a:path extrusionOk="0" h="120000" w="120000">
+                <a:moveTo>
+                  <a:pt x="0" y="0"/>
+                </a:moveTo>
+                <a:lnTo>
+                  <a:pt x="120000" y="0"/>
+                </a:lnTo>
+                <a:lnTo>
+                  <a:pt x="120000" y="120000"/>
+                </a:lnTo>
+                <a:lnTo>
+                  <a:pt x="0" y="120000"/>
+                </a:lnTo>
+                <a:close/>
+              </a:path>
+            </a:pathLst>
+          </a:custGeom>
+        </p:spPr>
+      </p:sp>
+      <p:sp>
+        <p:nvSpPr>
+          <p:cNvPr id="361" name="Google Shape;361;g2c52de19560_0_13:notes"/>
+          <p:cNvSpPr txBox="1"/>
+          <p:nvPr>
+            <p:ph idx="1" type="body"/>
+          </p:nvPr>
+        </p:nvSpPr>
+        <p:spPr>
+          <a:xfrm>
+            <a:off x="685800" y="4343400"/>
+            <a:ext cx="5486400" cy="4114800"/>
+          </a:xfrm>
+          <a:prstGeom prst="rect">
+            <a:avLst/>
+          </a:prstGeom>
+        </p:spPr>
+        <p:txBody>
+          <a:bodyPr anchorCtr="0" anchor="t" bIns="91425" lIns="91425" spcFirstLastPara="1" rIns="91425" wrap="square" tIns="91425">
+            <a:noAutofit/>
+          </a:bodyPr>
+          <a:lstStyle/>
+          <a:p>
+            <a:pPr indent="0" lvl="0" marL="0" rtl="0" algn="l">
+              <a:spcBef>
+                <a:spcPts val="0"/>
+              </a:spcBef>
+              <a:spcAft>
+                <a:spcPts val="0"/>
+              </a:spcAft>
+              <a:buNone/>
+            </a:pPr>
+            <a:r>
+              <a:t/>
+            </a:r>
+            <a:endParaRPr/>
+          </a:p>
+        </p:txBody>
+      </p:sp>
+    </p:spTree>
+  </p:cSld>
+  <p:clrMapOvr>
+    <a:masterClrMapping/>
+  </p:clrMapOvr>
+</p:notes>
+</file>
+
+<file path=ppt/notesSlides/notesSlide58.xml><?xml version="1.0" encoding="utf-8"?>
+<p:notes xmlns:a="http://schemas.openxmlformats.org/drawingml/2006/main" xmlns:r="http://schemas.openxmlformats.org/officeDocument/2006/relationships" xmlns:mc="http://schemas.openxmlformats.org/markup-compatibility/2006" xmlns:mv="urn:schemas-microsoft-com:mac:vml" xmlns:p="http://schemas.openxmlformats.org/presentationml/2006/main" xmlns:c="http://schemas.openxmlformats.org/drawingml/2006/chart" xmlns:dgm="http://schemas.openxmlformats.org/drawingml/2006/diagram" xmlns:o="urn:schemas-microsoft-com:office:office" xmlns:v="urn:schemas-microsoft-com:vml" xmlns:pvml="urn:schemas-microsoft-com:office:powerpoint" xmlns:com="http://schemas.openxmlformats.org/drawingml/2006/compatibility" xmlns:p14="http://schemas.microsoft.com/office/powerpoint/2010/main" xmlns:p15="http://schemas.microsoft.com/office/powerpoint/2012/main" xmlns:ahyp="http://schemas.microsoft.com/office/drawing/2018/hyperlinkcolor" showMasterPhAnim="0" showMasterSp="0">
+  <p:cSld>
+    <p:spTree>
+      <p:nvGrpSpPr>
+        <p:cNvPr id="364" name="Shape 364"/>
+        <p:cNvGrpSpPr/>
+        <p:nvPr/>
+      </p:nvGrpSpPr>
+      <p:grpSpPr>
+        <a:xfrm>
+          <a:off x="0" y="0"/>
+          <a:ext cx="0" cy="0"/>
+          <a:chOff x="0" y="0"/>
+          <a:chExt cx="0" cy="0"/>
+        </a:xfrm>
+      </p:grpSpPr>
+      <p:sp>
+        <p:nvSpPr>
+          <p:cNvPr id="365" name="Google Shape;365;g2c59323dab2_0_0:notes"/>
+          <p:cNvSpPr/>
+          <p:nvPr>
+            <p:ph idx="2" type="sldImg"/>
+          </p:nvPr>
+        </p:nvSpPr>
+        <p:spPr>
+          <a:xfrm>
+            <a:off x="381300" y="685800"/>
+            <a:ext cx="6096000" cy="3429000"/>
+          </a:xfrm>
+          <a:custGeom>
+            <a:rect b="b" l="l" r="r" t="t"/>
+            <a:pathLst>
+              <a:path extrusionOk="0" h="120000" w="120000">
+                <a:moveTo>
+                  <a:pt x="0" y="0"/>
+                </a:moveTo>
+                <a:lnTo>
+                  <a:pt x="120000" y="0"/>
+                </a:lnTo>
+                <a:lnTo>
+                  <a:pt x="120000" y="120000"/>
+                </a:lnTo>
+                <a:lnTo>
+                  <a:pt x="0" y="120000"/>
+                </a:lnTo>
+                <a:close/>
+              </a:path>
+            </a:pathLst>
+          </a:custGeom>
+        </p:spPr>
+      </p:sp>
+      <p:sp>
+        <p:nvSpPr>
+          <p:cNvPr id="366" name="Google Shape;366;g2c59323dab2_0_0:notes"/>
+          <p:cNvSpPr txBox="1"/>
+          <p:nvPr>
+            <p:ph idx="1" type="body"/>
+          </p:nvPr>
+        </p:nvSpPr>
+        <p:spPr>
+          <a:xfrm>
+            <a:off x="685800" y="4343400"/>
+            <a:ext cx="5486400" cy="4114800"/>
+          </a:xfrm>
+          <a:prstGeom prst="rect">
+            <a:avLst/>
+          </a:prstGeom>
+        </p:spPr>
+        <p:txBody>
+          <a:bodyPr anchorCtr="0" anchor="t" bIns="91425" lIns="91425" spcFirstLastPara="1" rIns="91425" wrap="square" tIns="91425">
+            <a:noAutofit/>
+          </a:bodyPr>
+          <a:lstStyle/>
+          <a:p>
+            <a:pPr indent="0" lvl="0" marL="0" rtl="0" algn="l">
+              <a:spcBef>
+                <a:spcPts val="0"/>
+              </a:spcBef>
+              <a:spcAft>
+                <a:spcPts val="0"/>
+              </a:spcAft>
+              <a:buNone/>
+            </a:pPr>
+            <a:r>
+              <a:t/>
+            </a:r>
+            <a:endParaRPr/>
+          </a:p>
+        </p:txBody>
+      </p:sp>
+    </p:spTree>
+  </p:cSld>
+  <p:clrMapOvr>
+    <a:masterClrMapping/>
+  </p:clrMapOvr>
+</p:notes>
+</file>
+
+<file path=ppt/notesSlides/notesSlide59.xml><?xml version="1.0" encoding="utf-8"?>
+<p:notes xmlns:a="http://schemas.openxmlformats.org/drawingml/2006/main" xmlns:r="http://schemas.openxmlformats.org/officeDocument/2006/relationships" xmlns:mc="http://schemas.openxmlformats.org/markup-compatibility/2006" xmlns:mv="urn:schemas-microsoft-com:mac:vml" xmlns:p="http://schemas.openxmlformats.org/presentationml/2006/main" xmlns:c="http://schemas.openxmlformats.org/drawingml/2006/chart" xmlns:dgm="http://schemas.openxmlformats.org/drawingml/2006/diagram" xmlns:o="urn:schemas-microsoft-com:office:office" xmlns:v="urn:schemas-microsoft-com:vml" xmlns:pvml="urn:schemas-microsoft-com:office:powerpoint" xmlns:com="http://schemas.openxmlformats.org/drawingml/2006/compatibility" xmlns:p14="http://schemas.microsoft.com/office/powerpoint/2010/main" xmlns:p15="http://schemas.microsoft.com/office/powerpoint/2012/main" xmlns:ahyp="http://schemas.microsoft.com/office/drawing/2018/hyperlinkcolor" showMasterPhAnim="0" showMasterSp="0">
+  <p:cSld>
+    <p:spTree>
+      <p:nvGrpSpPr>
+        <p:cNvPr id="369" name="Shape 369"/>
+        <p:cNvGrpSpPr/>
+        <p:nvPr/>
+      </p:nvGrpSpPr>
+      <p:grpSpPr>
+        <a:xfrm>
+          <a:off x="0" y="0"/>
+          <a:ext cx="0" cy="0"/>
+          <a:chOff x="0" y="0"/>
+          <a:chExt cx="0" cy="0"/>
+        </a:xfrm>
+      </p:grpSpPr>
+      <p:sp>
+        <p:nvSpPr>
+          <p:cNvPr id="370" name="Google Shape;370;g2c59323dab2_0_11:notes"/>
+          <p:cNvSpPr/>
+          <p:nvPr>
+            <p:ph idx="2" type="sldImg"/>
+          </p:nvPr>
+        </p:nvSpPr>
+        <p:spPr>
+          <a:xfrm>
+            <a:off x="381300" y="685800"/>
+            <a:ext cx="6096000" cy="3429000"/>
+          </a:xfrm>
+          <a:custGeom>
+            <a:rect b="b" l="l" r="r" t="t"/>
+            <a:pathLst>
+              <a:path extrusionOk="0" h="120000" w="120000">
+                <a:moveTo>
+                  <a:pt x="0" y="0"/>
+                </a:moveTo>
+                <a:lnTo>
+                  <a:pt x="120000" y="0"/>
+                </a:lnTo>
+                <a:lnTo>
+                  <a:pt x="120000" y="120000"/>
+                </a:lnTo>
+                <a:lnTo>
+                  <a:pt x="0" y="120000"/>
+                </a:lnTo>
+                <a:close/>
+              </a:path>
+            </a:pathLst>
+          </a:custGeom>
+        </p:spPr>
+      </p:sp>
+      <p:sp>
+        <p:nvSpPr>
+          <p:cNvPr id="371" name="Google Shape;371;g2c59323dab2_0_11:notes"/>
           <p:cNvSpPr txBox="1"/>
           <p:nvPr>
             <p:ph idx="1" type="body"/>
@@ -5653,6 +6258,501 @@
       <p:sp>
         <p:nvSpPr>
           <p:cNvPr id="84" name="Google Shape;84;g2bf459a1fb3_0_0:notes"/>
+          <p:cNvSpPr txBox="1"/>
+          <p:nvPr>
+            <p:ph idx="1" type="body"/>
+          </p:nvPr>
+        </p:nvSpPr>
+        <p:spPr>
+          <a:xfrm>
+            <a:off x="685800" y="4343400"/>
+            <a:ext cx="5486400" cy="4114800"/>
+          </a:xfrm>
+          <a:prstGeom prst="rect">
+            <a:avLst/>
+          </a:prstGeom>
+        </p:spPr>
+        <p:txBody>
+          <a:bodyPr anchorCtr="0" anchor="t" bIns="91425" lIns="91425" spcFirstLastPara="1" rIns="91425" wrap="square" tIns="91425">
+            <a:noAutofit/>
+          </a:bodyPr>
+          <a:lstStyle/>
+          <a:p>
+            <a:pPr indent="0" lvl="0" marL="0" rtl="0" algn="l">
+              <a:spcBef>
+                <a:spcPts val="0"/>
+              </a:spcBef>
+              <a:spcAft>
+                <a:spcPts val="0"/>
+              </a:spcAft>
+              <a:buNone/>
+            </a:pPr>
+            <a:r>
+              <a:t/>
+            </a:r>
+            <a:endParaRPr/>
+          </a:p>
+        </p:txBody>
+      </p:sp>
+    </p:spTree>
+  </p:cSld>
+  <p:clrMapOvr>
+    <a:masterClrMapping/>
+  </p:clrMapOvr>
+</p:notes>
+</file>
+
+<file path=ppt/notesSlides/notesSlide60.xml><?xml version="1.0" encoding="utf-8"?>
+<p:notes xmlns:a="http://schemas.openxmlformats.org/drawingml/2006/main" xmlns:r="http://schemas.openxmlformats.org/officeDocument/2006/relationships" xmlns:mc="http://schemas.openxmlformats.org/markup-compatibility/2006" xmlns:mv="urn:schemas-microsoft-com:mac:vml" xmlns:p="http://schemas.openxmlformats.org/presentationml/2006/main" xmlns:c="http://schemas.openxmlformats.org/drawingml/2006/chart" xmlns:dgm="http://schemas.openxmlformats.org/drawingml/2006/diagram" xmlns:o="urn:schemas-microsoft-com:office:office" xmlns:v="urn:schemas-microsoft-com:vml" xmlns:pvml="urn:schemas-microsoft-com:office:powerpoint" xmlns:com="http://schemas.openxmlformats.org/drawingml/2006/compatibility" xmlns:p14="http://schemas.microsoft.com/office/powerpoint/2010/main" xmlns:p15="http://schemas.microsoft.com/office/powerpoint/2012/main" xmlns:ahyp="http://schemas.microsoft.com/office/drawing/2018/hyperlinkcolor" showMasterPhAnim="0" showMasterSp="0">
+  <p:cSld>
+    <p:spTree>
+      <p:nvGrpSpPr>
+        <p:cNvPr id="374" name="Shape 374"/>
+        <p:cNvGrpSpPr/>
+        <p:nvPr/>
+      </p:nvGrpSpPr>
+      <p:grpSpPr>
+        <a:xfrm>
+          <a:off x="0" y="0"/>
+          <a:ext cx="0" cy="0"/>
+          <a:chOff x="0" y="0"/>
+          <a:chExt cx="0" cy="0"/>
+        </a:xfrm>
+      </p:grpSpPr>
+      <p:sp>
+        <p:nvSpPr>
+          <p:cNvPr id="375" name="Google Shape;375;g2c5eb85bcc3_0_0:notes"/>
+          <p:cNvSpPr/>
+          <p:nvPr>
+            <p:ph idx="2" type="sldImg"/>
+          </p:nvPr>
+        </p:nvSpPr>
+        <p:spPr>
+          <a:xfrm>
+            <a:off x="381300" y="685800"/>
+            <a:ext cx="6096000" cy="3429000"/>
+          </a:xfrm>
+          <a:custGeom>
+            <a:rect b="b" l="l" r="r" t="t"/>
+            <a:pathLst>
+              <a:path extrusionOk="0" h="120000" w="120000">
+                <a:moveTo>
+                  <a:pt x="0" y="0"/>
+                </a:moveTo>
+                <a:lnTo>
+                  <a:pt x="120000" y="0"/>
+                </a:lnTo>
+                <a:lnTo>
+                  <a:pt x="120000" y="120000"/>
+                </a:lnTo>
+                <a:lnTo>
+                  <a:pt x="0" y="120000"/>
+                </a:lnTo>
+                <a:close/>
+              </a:path>
+            </a:pathLst>
+          </a:custGeom>
+        </p:spPr>
+      </p:sp>
+      <p:sp>
+        <p:nvSpPr>
+          <p:cNvPr id="376" name="Google Shape;376;g2c5eb85bcc3_0_0:notes"/>
+          <p:cNvSpPr txBox="1"/>
+          <p:nvPr>
+            <p:ph idx="1" type="body"/>
+          </p:nvPr>
+        </p:nvSpPr>
+        <p:spPr>
+          <a:xfrm>
+            <a:off x="685800" y="4343400"/>
+            <a:ext cx="5486400" cy="4114800"/>
+          </a:xfrm>
+          <a:prstGeom prst="rect">
+            <a:avLst/>
+          </a:prstGeom>
+        </p:spPr>
+        <p:txBody>
+          <a:bodyPr anchorCtr="0" anchor="t" bIns="91425" lIns="91425" spcFirstLastPara="1" rIns="91425" wrap="square" tIns="91425">
+            <a:noAutofit/>
+          </a:bodyPr>
+          <a:lstStyle/>
+          <a:p>
+            <a:pPr indent="0" lvl="0" marL="0" rtl="0" algn="l">
+              <a:spcBef>
+                <a:spcPts val="0"/>
+              </a:spcBef>
+              <a:spcAft>
+                <a:spcPts val="0"/>
+              </a:spcAft>
+              <a:buNone/>
+            </a:pPr>
+            <a:r>
+              <a:t/>
+            </a:r>
+            <a:endParaRPr/>
+          </a:p>
+        </p:txBody>
+      </p:sp>
+    </p:spTree>
+  </p:cSld>
+  <p:clrMapOvr>
+    <a:masterClrMapping/>
+  </p:clrMapOvr>
+</p:notes>
+</file>
+
+<file path=ppt/notesSlides/notesSlide61.xml><?xml version="1.0" encoding="utf-8"?>
+<p:notes xmlns:a="http://schemas.openxmlformats.org/drawingml/2006/main" xmlns:r="http://schemas.openxmlformats.org/officeDocument/2006/relationships" xmlns:mc="http://schemas.openxmlformats.org/markup-compatibility/2006" xmlns:mv="urn:schemas-microsoft-com:mac:vml" xmlns:p="http://schemas.openxmlformats.org/presentationml/2006/main" xmlns:c="http://schemas.openxmlformats.org/drawingml/2006/chart" xmlns:dgm="http://schemas.openxmlformats.org/drawingml/2006/diagram" xmlns:o="urn:schemas-microsoft-com:office:office" xmlns:v="urn:schemas-microsoft-com:vml" xmlns:pvml="urn:schemas-microsoft-com:office:powerpoint" xmlns:com="http://schemas.openxmlformats.org/drawingml/2006/compatibility" xmlns:p14="http://schemas.microsoft.com/office/powerpoint/2010/main" xmlns:p15="http://schemas.microsoft.com/office/powerpoint/2012/main" xmlns:ahyp="http://schemas.microsoft.com/office/drawing/2018/hyperlinkcolor" showMasterPhAnim="0" showMasterSp="0">
+  <p:cSld>
+    <p:spTree>
+      <p:nvGrpSpPr>
+        <p:cNvPr id="379" name="Shape 379"/>
+        <p:cNvGrpSpPr/>
+        <p:nvPr/>
+      </p:nvGrpSpPr>
+      <p:grpSpPr>
+        <a:xfrm>
+          <a:off x="0" y="0"/>
+          <a:ext cx="0" cy="0"/>
+          <a:chOff x="0" y="0"/>
+          <a:chExt cx="0" cy="0"/>
+        </a:xfrm>
+      </p:grpSpPr>
+      <p:sp>
+        <p:nvSpPr>
+          <p:cNvPr id="380" name="Google Shape;380;g2c5eb85bcc3_0_13:notes"/>
+          <p:cNvSpPr/>
+          <p:nvPr>
+            <p:ph idx="2" type="sldImg"/>
+          </p:nvPr>
+        </p:nvSpPr>
+        <p:spPr>
+          <a:xfrm>
+            <a:off x="381300" y="685800"/>
+            <a:ext cx="6096000" cy="3429000"/>
+          </a:xfrm>
+          <a:custGeom>
+            <a:rect b="b" l="l" r="r" t="t"/>
+            <a:pathLst>
+              <a:path extrusionOk="0" h="120000" w="120000">
+                <a:moveTo>
+                  <a:pt x="0" y="0"/>
+                </a:moveTo>
+                <a:lnTo>
+                  <a:pt x="120000" y="0"/>
+                </a:lnTo>
+                <a:lnTo>
+                  <a:pt x="120000" y="120000"/>
+                </a:lnTo>
+                <a:lnTo>
+                  <a:pt x="0" y="120000"/>
+                </a:lnTo>
+                <a:close/>
+              </a:path>
+            </a:pathLst>
+          </a:custGeom>
+        </p:spPr>
+      </p:sp>
+      <p:sp>
+        <p:nvSpPr>
+          <p:cNvPr id="381" name="Google Shape;381;g2c5eb85bcc3_0_13:notes"/>
+          <p:cNvSpPr txBox="1"/>
+          <p:nvPr>
+            <p:ph idx="1" type="body"/>
+          </p:nvPr>
+        </p:nvSpPr>
+        <p:spPr>
+          <a:xfrm>
+            <a:off x="685800" y="4343400"/>
+            <a:ext cx="5486400" cy="4114800"/>
+          </a:xfrm>
+          <a:prstGeom prst="rect">
+            <a:avLst/>
+          </a:prstGeom>
+        </p:spPr>
+        <p:txBody>
+          <a:bodyPr anchorCtr="0" anchor="t" bIns="91425" lIns="91425" spcFirstLastPara="1" rIns="91425" wrap="square" tIns="91425">
+            <a:noAutofit/>
+          </a:bodyPr>
+          <a:lstStyle/>
+          <a:p>
+            <a:pPr indent="0" lvl="0" marL="0" rtl="0" algn="l">
+              <a:spcBef>
+                <a:spcPts val="0"/>
+              </a:spcBef>
+              <a:spcAft>
+                <a:spcPts val="0"/>
+              </a:spcAft>
+              <a:buNone/>
+            </a:pPr>
+            <a:r>
+              <a:t/>
+            </a:r>
+            <a:endParaRPr/>
+          </a:p>
+        </p:txBody>
+      </p:sp>
+    </p:spTree>
+  </p:cSld>
+  <p:clrMapOvr>
+    <a:masterClrMapping/>
+  </p:clrMapOvr>
+</p:notes>
+</file>
+
+<file path=ppt/notesSlides/notesSlide62.xml><?xml version="1.0" encoding="utf-8"?>
+<p:notes xmlns:a="http://schemas.openxmlformats.org/drawingml/2006/main" xmlns:r="http://schemas.openxmlformats.org/officeDocument/2006/relationships" xmlns:mc="http://schemas.openxmlformats.org/markup-compatibility/2006" xmlns:mv="urn:schemas-microsoft-com:mac:vml" xmlns:p="http://schemas.openxmlformats.org/presentationml/2006/main" xmlns:c="http://schemas.openxmlformats.org/drawingml/2006/chart" xmlns:dgm="http://schemas.openxmlformats.org/drawingml/2006/diagram" xmlns:o="urn:schemas-microsoft-com:office:office" xmlns:v="urn:schemas-microsoft-com:vml" xmlns:pvml="urn:schemas-microsoft-com:office:powerpoint" xmlns:com="http://schemas.openxmlformats.org/drawingml/2006/compatibility" xmlns:p14="http://schemas.microsoft.com/office/powerpoint/2010/main" xmlns:p15="http://schemas.microsoft.com/office/powerpoint/2012/main" xmlns:ahyp="http://schemas.microsoft.com/office/drawing/2018/hyperlinkcolor" showMasterPhAnim="0" showMasterSp="0">
+  <p:cSld>
+    <p:spTree>
+      <p:nvGrpSpPr>
+        <p:cNvPr id="384" name="Shape 384"/>
+        <p:cNvGrpSpPr/>
+        <p:nvPr/>
+      </p:nvGrpSpPr>
+      <p:grpSpPr>
+        <a:xfrm>
+          <a:off x="0" y="0"/>
+          <a:ext cx="0" cy="0"/>
+          <a:chOff x="0" y="0"/>
+          <a:chExt cx="0" cy="0"/>
+        </a:xfrm>
+      </p:grpSpPr>
+      <p:sp>
+        <p:nvSpPr>
+          <p:cNvPr id="385" name="Google Shape;385;g2c5eb85bcc3_0_23:notes"/>
+          <p:cNvSpPr/>
+          <p:nvPr>
+            <p:ph idx="2" type="sldImg"/>
+          </p:nvPr>
+        </p:nvSpPr>
+        <p:spPr>
+          <a:xfrm>
+            <a:off x="381300" y="685800"/>
+            <a:ext cx="6096000" cy="3429000"/>
+          </a:xfrm>
+          <a:custGeom>
+            <a:rect b="b" l="l" r="r" t="t"/>
+            <a:pathLst>
+              <a:path extrusionOk="0" h="120000" w="120000">
+                <a:moveTo>
+                  <a:pt x="0" y="0"/>
+                </a:moveTo>
+                <a:lnTo>
+                  <a:pt x="120000" y="0"/>
+                </a:lnTo>
+                <a:lnTo>
+                  <a:pt x="120000" y="120000"/>
+                </a:lnTo>
+                <a:lnTo>
+                  <a:pt x="0" y="120000"/>
+                </a:lnTo>
+                <a:close/>
+              </a:path>
+            </a:pathLst>
+          </a:custGeom>
+        </p:spPr>
+      </p:sp>
+      <p:sp>
+        <p:nvSpPr>
+          <p:cNvPr id="386" name="Google Shape;386;g2c5eb85bcc3_0_23:notes"/>
+          <p:cNvSpPr txBox="1"/>
+          <p:nvPr>
+            <p:ph idx="1" type="body"/>
+          </p:nvPr>
+        </p:nvSpPr>
+        <p:spPr>
+          <a:xfrm>
+            <a:off x="685800" y="4343400"/>
+            <a:ext cx="5486400" cy="4114800"/>
+          </a:xfrm>
+          <a:prstGeom prst="rect">
+            <a:avLst/>
+          </a:prstGeom>
+        </p:spPr>
+        <p:txBody>
+          <a:bodyPr anchorCtr="0" anchor="t" bIns="91425" lIns="91425" spcFirstLastPara="1" rIns="91425" wrap="square" tIns="91425">
+            <a:noAutofit/>
+          </a:bodyPr>
+          <a:lstStyle/>
+          <a:p>
+            <a:pPr indent="0" lvl="0" marL="0" rtl="0" algn="l">
+              <a:spcBef>
+                <a:spcPts val="0"/>
+              </a:spcBef>
+              <a:spcAft>
+                <a:spcPts val="0"/>
+              </a:spcAft>
+              <a:buNone/>
+            </a:pPr>
+            <a:r>
+              <a:t/>
+            </a:r>
+            <a:endParaRPr/>
+          </a:p>
+        </p:txBody>
+      </p:sp>
+    </p:spTree>
+  </p:cSld>
+  <p:clrMapOvr>
+    <a:masterClrMapping/>
+  </p:clrMapOvr>
+</p:notes>
+</file>
+
+<file path=ppt/notesSlides/notesSlide63.xml><?xml version="1.0" encoding="utf-8"?>
+<p:notes xmlns:a="http://schemas.openxmlformats.org/drawingml/2006/main" xmlns:r="http://schemas.openxmlformats.org/officeDocument/2006/relationships" xmlns:mc="http://schemas.openxmlformats.org/markup-compatibility/2006" xmlns:mv="urn:schemas-microsoft-com:mac:vml" xmlns:p="http://schemas.openxmlformats.org/presentationml/2006/main" xmlns:c="http://schemas.openxmlformats.org/drawingml/2006/chart" xmlns:dgm="http://schemas.openxmlformats.org/drawingml/2006/diagram" xmlns:o="urn:schemas-microsoft-com:office:office" xmlns:v="urn:schemas-microsoft-com:vml" xmlns:pvml="urn:schemas-microsoft-com:office:powerpoint" xmlns:com="http://schemas.openxmlformats.org/drawingml/2006/compatibility" xmlns:p14="http://schemas.microsoft.com/office/powerpoint/2010/main" xmlns:p15="http://schemas.microsoft.com/office/powerpoint/2012/main" xmlns:ahyp="http://schemas.microsoft.com/office/drawing/2018/hyperlinkcolor" showMasterPhAnim="0" showMasterSp="0">
+  <p:cSld>
+    <p:spTree>
+      <p:nvGrpSpPr>
+        <p:cNvPr id="389" name="Shape 389"/>
+        <p:cNvGrpSpPr/>
+        <p:nvPr/>
+      </p:nvGrpSpPr>
+      <p:grpSpPr>
+        <a:xfrm>
+          <a:off x="0" y="0"/>
+          <a:ext cx="0" cy="0"/>
+          <a:chOff x="0" y="0"/>
+          <a:chExt cx="0" cy="0"/>
+        </a:xfrm>
+      </p:grpSpPr>
+      <p:sp>
+        <p:nvSpPr>
+          <p:cNvPr id="390" name="Google Shape;390;g2c5eb85bcc3_0_38:notes"/>
+          <p:cNvSpPr/>
+          <p:nvPr>
+            <p:ph idx="2" type="sldImg"/>
+          </p:nvPr>
+        </p:nvSpPr>
+        <p:spPr>
+          <a:xfrm>
+            <a:off x="381300" y="685800"/>
+            <a:ext cx="6096000" cy="3429000"/>
+          </a:xfrm>
+          <a:custGeom>
+            <a:rect b="b" l="l" r="r" t="t"/>
+            <a:pathLst>
+              <a:path extrusionOk="0" h="120000" w="120000">
+                <a:moveTo>
+                  <a:pt x="0" y="0"/>
+                </a:moveTo>
+                <a:lnTo>
+                  <a:pt x="120000" y="0"/>
+                </a:lnTo>
+                <a:lnTo>
+                  <a:pt x="120000" y="120000"/>
+                </a:lnTo>
+                <a:lnTo>
+                  <a:pt x="0" y="120000"/>
+                </a:lnTo>
+                <a:close/>
+              </a:path>
+            </a:pathLst>
+          </a:custGeom>
+        </p:spPr>
+      </p:sp>
+      <p:sp>
+        <p:nvSpPr>
+          <p:cNvPr id="391" name="Google Shape;391;g2c5eb85bcc3_0_38:notes"/>
+          <p:cNvSpPr txBox="1"/>
+          <p:nvPr>
+            <p:ph idx="1" type="body"/>
+          </p:nvPr>
+        </p:nvSpPr>
+        <p:spPr>
+          <a:xfrm>
+            <a:off x="685800" y="4343400"/>
+            <a:ext cx="5486400" cy="4114800"/>
+          </a:xfrm>
+          <a:prstGeom prst="rect">
+            <a:avLst/>
+          </a:prstGeom>
+        </p:spPr>
+        <p:txBody>
+          <a:bodyPr anchorCtr="0" anchor="t" bIns="91425" lIns="91425" spcFirstLastPara="1" rIns="91425" wrap="square" tIns="91425">
+            <a:noAutofit/>
+          </a:bodyPr>
+          <a:lstStyle/>
+          <a:p>
+            <a:pPr indent="0" lvl="0" marL="0" rtl="0" algn="l">
+              <a:spcBef>
+                <a:spcPts val="0"/>
+              </a:spcBef>
+              <a:spcAft>
+                <a:spcPts val="0"/>
+              </a:spcAft>
+              <a:buNone/>
+            </a:pPr>
+            <a:r>
+              <a:t/>
+            </a:r>
+            <a:endParaRPr/>
+          </a:p>
+        </p:txBody>
+      </p:sp>
+    </p:spTree>
+  </p:cSld>
+  <p:clrMapOvr>
+    <a:masterClrMapping/>
+  </p:clrMapOvr>
+</p:notes>
+</file>
+
+<file path=ppt/notesSlides/notesSlide64.xml><?xml version="1.0" encoding="utf-8"?>
+<p:notes xmlns:a="http://schemas.openxmlformats.org/drawingml/2006/main" xmlns:r="http://schemas.openxmlformats.org/officeDocument/2006/relationships" xmlns:mc="http://schemas.openxmlformats.org/markup-compatibility/2006" xmlns:mv="urn:schemas-microsoft-com:mac:vml" xmlns:p="http://schemas.openxmlformats.org/presentationml/2006/main" xmlns:c="http://schemas.openxmlformats.org/drawingml/2006/chart" xmlns:dgm="http://schemas.openxmlformats.org/drawingml/2006/diagram" xmlns:o="urn:schemas-microsoft-com:office:office" xmlns:v="urn:schemas-microsoft-com:vml" xmlns:pvml="urn:schemas-microsoft-com:office:powerpoint" xmlns:com="http://schemas.openxmlformats.org/drawingml/2006/compatibility" xmlns:p14="http://schemas.microsoft.com/office/powerpoint/2010/main" xmlns:p15="http://schemas.microsoft.com/office/powerpoint/2012/main" xmlns:ahyp="http://schemas.microsoft.com/office/drawing/2018/hyperlinkcolor" showMasterPhAnim="0" showMasterSp="0">
+  <p:cSld>
+    <p:spTree>
+      <p:nvGrpSpPr>
+        <p:cNvPr id="395" name="Shape 395"/>
+        <p:cNvGrpSpPr/>
+        <p:nvPr/>
+      </p:nvGrpSpPr>
+      <p:grpSpPr>
+        <a:xfrm>
+          <a:off x="0" y="0"/>
+          <a:ext cx="0" cy="0"/>
+          <a:chOff x="0" y="0"/>
+          <a:chExt cx="0" cy="0"/>
+        </a:xfrm>
+      </p:grpSpPr>
+      <p:sp>
+        <p:nvSpPr>
+          <p:cNvPr id="396" name="Google Shape;396;g2b3937a3876_0_15:notes"/>
+          <p:cNvSpPr/>
+          <p:nvPr>
+            <p:ph idx="2" type="sldImg"/>
+          </p:nvPr>
+        </p:nvSpPr>
+        <p:spPr>
+          <a:xfrm>
+            <a:off x="381300" y="685800"/>
+            <a:ext cx="6096000" cy="3429000"/>
+          </a:xfrm>
+          <a:custGeom>
+            <a:rect b="b" l="l" r="r" t="t"/>
+            <a:pathLst>
+              <a:path extrusionOk="0" h="120000" w="120000">
+                <a:moveTo>
+                  <a:pt x="0" y="0"/>
+                </a:moveTo>
+                <a:lnTo>
+                  <a:pt x="120000" y="0"/>
+                </a:lnTo>
+                <a:lnTo>
+                  <a:pt x="120000" y="120000"/>
+                </a:lnTo>
+                <a:lnTo>
+                  <a:pt x="0" y="120000"/>
+                </a:lnTo>
+                <a:close/>
+              </a:path>
+            </a:pathLst>
+          </a:custGeom>
+        </p:spPr>
+      </p:sp>
+      <p:sp>
+        <p:nvSpPr>
+          <p:cNvPr id="397" name="Google Shape;397;g2b3937a3876_0_15:notes"/>
           <p:cNvSpPr txBox="1"/>
           <p:nvPr>
             <p:ph idx="1" type="body"/>
@@ -31301,38 +32401,1987 @@
           <p:cNvPr id="343" name="Google Shape;343;p65"/>
           <p:cNvSpPr txBox="1"/>
           <p:nvPr>
-            <p:ph type="title"/>
+            <p:ph idx="1" type="body"/>
           </p:nvPr>
         </p:nvSpPr>
         <p:spPr>
           <a:xfrm>
-            <a:off x="510450" y="2057400"/>
-            <a:ext cx="8123100" cy="778800"/>
+            <a:off x="0" y="0"/>
+            <a:ext cx="9144000" cy="5049600"/>
           </a:xfrm>
           <a:prstGeom prst="rect">
             <a:avLst/>
           </a:prstGeom>
         </p:spPr>
         <p:txBody>
-          <a:bodyPr anchorCtr="0" anchor="b" bIns="91425" lIns="91425" spcFirstLastPara="1" rIns="91425" wrap="square" tIns="91425">
+          <a:bodyPr anchorCtr="0" anchor="t" bIns="91425" lIns="91425" spcFirstLastPara="1" rIns="91425" wrap="square" tIns="91425">
+            <a:normAutofit fontScale="77500" lnSpcReduction="20000"/>
+          </a:bodyPr>
+          <a:lstStyle/>
+          <a:p>
+            <a:pPr indent="0" lvl="0" marL="0" rtl="0" algn="l">
+              <a:lnSpc>
+                <a:spcPct val="100000"/>
+              </a:lnSpc>
+              <a:spcBef>
+                <a:spcPts val="0"/>
+              </a:spcBef>
+              <a:spcAft>
+                <a:spcPts val="0"/>
+              </a:spcAft>
+              <a:buNone/>
+            </a:pPr>
+            <a:r>
+              <a:rPr lang="ja" sz="1200" u="sng"/>
+              <a:t>Correcting misinformation on social media with a large language model ソーシャルメディア上の誤情報を大規模言語モデルで訂正する</a:t>
+            </a:r>
+            <a:r>
+              <a:rPr lang="ja" sz="1200" u="sng"/>
+              <a:t> 2024</a:t>
+            </a:r>
+            <a:endParaRPr sz="1100"/>
+          </a:p>
+          <a:p>
+            <a:pPr indent="0" lvl="0" marL="0" rtl="0" algn="l">
+              <a:lnSpc>
+                <a:spcPct val="100000"/>
+              </a:lnSpc>
+              <a:spcBef>
+                <a:spcPts val="1200"/>
+              </a:spcBef>
+              <a:spcAft>
+                <a:spcPts val="0"/>
+              </a:spcAft>
+              <a:buNone/>
+            </a:pPr>
+            <a:r>
+              <a:rPr lang="ja" sz="1100" u="sng"/>
+              <a:t>概要</a:t>
+            </a:r>
+            <a:endParaRPr sz="764"/>
+          </a:p>
+          <a:p>
+            <a:pPr indent="0" lvl="0" marL="0" rtl="0" algn="l">
+              <a:lnSpc>
+                <a:spcPct val="100000"/>
+              </a:lnSpc>
+              <a:spcBef>
+                <a:spcPts val="1200"/>
+              </a:spcBef>
+              <a:spcAft>
+                <a:spcPts val="0"/>
+              </a:spcAft>
+              <a:buNone/>
+            </a:pPr>
+            <a:r>
+              <a:rPr lang="ja" sz="764"/>
+              <a:t>最新情報へのアクセスと信頼性評価機能を備えたLLMとしてMUSEを提案</a:t>
+            </a:r>
+            <a:r>
+              <a:rPr lang="ja" sz="764"/>
+              <a:t>。</a:t>
+            </a:r>
+            <a:r>
+              <a:rPr lang="ja" sz="764"/>
+              <a:t>MUSEは、文脈的証拠とその批判を検索し、正確で信頼性の高い説明と参照を取得します。さらに、視覚的情報を記述し、マルチモーダルな誤情報の訂正を行うことも可能です。ファクトチェックとジャーナリズムの専門家による評価では、MUSEがソーシャルメディアに現れた直後に誤情報を効果的に訂正できることが示されました。MUSEはGPT-4を37%、高品質な一般人の訂正を29%上回る性能を示しました。</a:t>
+            </a:r>
+            <a:br>
+              <a:rPr lang="ja" sz="764"/>
+            </a:br>
+            <a:endParaRPr sz="764"/>
+          </a:p>
+          <a:p>
+            <a:pPr indent="0" lvl="0" marL="0" rtl="0" algn="l">
+              <a:lnSpc>
+                <a:spcPct val="100000"/>
+              </a:lnSpc>
+              <a:spcBef>
+                <a:spcPts val="1200"/>
+              </a:spcBef>
+              <a:spcAft>
+                <a:spcPts val="0"/>
+              </a:spcAft>
+              <a:buNone/>
+            </a:pPr>
+            <a:r>
+              <a:rPr lang="ja" sz="1100" u="sng"/>
+              <a:t>手法</a:t>
+            </a:r>
+            <a:endParaRPr sz="800"/>
+          </a:p>
+          <a:p>
+            <a:pPr indent="0" lvl="0" marL="0" rtl="0" algn="l">
+              <a:lnSpc>
+                <a:spcPct val="100000"/>
+              </a:lnSpc>
+              <a:spcBef>
+                <a:spcPts val="1200"/>
+              </a:spcBef>
+              <a:spcAft>
+                <a:spcPts val="0"/>
+              </a:spcAft>
+              <a:buNone/>
+            </a:pPr>
+            <a:r>
+              <a:rPr lang="ja" sz="764"/>
+              <a:t>MUSEは、与えられたソーシャルメディアコンテンツの誤情報を自動的に訂正するよう設計されています。入力として、テキストと視覚情報の両方を含むコンテンツを受け取り、誤情報のどの部分を訂正するかを特定し、その理由を説明し、参照リンクを提供します。</a:t>
+            </a:r>
+            <a:endParaRPr sz="764"/>
+          </a:p>
+          <a:p>
+            <a:pPr indent="0" lvl="0" marL="0" rtl="0" algn="l">
+              <a:lnSpc>
+                <a:spcPct val="100000"/>
+              </a:lnSpc>
+              <a:spcBef>
+                <a:spcPts val="1200"/>
+              </a:spcBef>
+              <a:spcAft>
+                <a:spcPts val="0"/>
+              </a:spcAft>
+              <a:buNone/>
+            </a:pPr>
+            <a:r>
+              <a:rPr lang="ja" sz="764"/>
+              <a:t>1. 情報的画像キャプション: MUSEは、事前訓練されたBLIP-2を画像キャプションに使用し、「A photo of」というプロンプトで始まります。Amazon Rekognition APIを使用して有名人を認識し、Amazon Textract APIを使用してOCR（光学文字認識）を行います。GPT-4を使用して、画像キャプション、有名人認識、OCRの結果を統合し、画像の情報的な説明を生成します。</a:t>
+            </a:r>
+            <a:br>
+              <a:rPr lang="ja" sz="764"/>
+            </a:br>
+            <a:r>
+              <a:rPr lang="ja" sz="764"/>
+              <a:t>2. クエリ生成: MISEはGPT-4を使用して、不正確情報としてtweetなどのミスインフォメーション（誤情報）からウェブ検索エンジン用のクエリを生成します。</a:t>
+            </a:r>
+            <a:br>
+              <a:rPr lang="ja" sz="764"/>
+            </a:br>
+            <a:r>
+              <a:rPr lang="ja" sz="764"/>
+              <a:t>プロンプトは「Given a tweet you are required to generate N different queries from the tweet for the Google search engine to get the most relevant web content to fact-check the tweet. If the given tweet is not informative enough to generate a query you should answer "none"。」で、このプロンプトは、与えられたツイートからGoogle検索エンジン用にN個の異なるクエリを生成するように求めています。これらのクエリは、ツイートのファクトチェックに最も関連するウェブコンテンツを取得するために使用されます。もし与えられたツイートがクエリを生成するのに十分な情報を含んでいない場合は、「none」と答えるように指示されています。ここでの「N」とは、テキストのみのミスインフォメーションに対しては3、画像を含むミスインフォメーションに対しては5と定められています。つまり、MUSEはミスインフォメーションの内容に基づいて複数のクエリを生成し、それをウェブ検索エンジンに投入して、最も関連性の高い情報を検索しようとします。このプロセスにより、最新のウェブコンテンツにアクセスし、関連するウェブリンクのリストを取得します。</a:t>
+            </a:r>
+            <a:br>
+              <a:rPr lang="ja" sz="764"/>
+            </a:br>
+            <a:r>
+              <a:rPr lang="ja" sz="764"/>
+              <a:t>3. ウェブ検索: Google Programmable Search EngineやGoogle Reverse Image API（SerpApiを介して）を使用して、テキストのみまたは画像を含むミスインフォメーションに関連するウェブページを検索し、選択された信頼性や事実に基づく情報を提供すると評価できる出版社(ドメイン？)からのウェブページを優先して検索し、誤情報の訂正に利用するという意味です。このアプローチにより、誤情報の訂正に使用される情報の質を保証しようとしています。</a:t>
+            </a:r>
+            <a:br>
+              <a:rPr lang="ja" sz="764"/>
+            </a:br>
+            <a:r>
+              <a:rPr lang="ja" sz="764"/>
+              <a:t>具体的には、MUSEでは、ウェブページの出版社の「事実性(factuality)」と「偏見(bias)」を評価基準として使用しています。これらの基準に基づいて、出版社は以下のように分類されます：</a:t>
+            </a:r>
+            <a:br>
+              <a:rPr lang="ja" sz="764"/>
+            </a:br>
+            <a:r>
+              <a:rPr lang="ja" sz="764"/>
+              <a:t>高い事実性: 「非常に高い」、「高い」、「主に事実的」など、情報の正確性が高く、信頼性が確認された出版社。</a:t>
+            </a:r>
+            <a:br>
+              <a:rPr lang="ja" sz="764"/>
+            </a:br>
+            <a:r>
+              <a:rPr lang="ja" sz="764"/>
+              <a:t>最小限の偏見: 「最も偏見が少ない」、「左中心」、「右中心」、「プロサイエンス」など、情報提供においてバランスが取れており、偏見が最小限に抑えられている出版社。</a:t>
+            </a:r>
+            <a:br>
+              <a:rPr lang="ja" sz="764"/>
+            </a:br>
+            <a:r>
+              <a:rPr lang="ja" sz="764"/>
+              <a:t>MUSEでは、これらの基準を満たす出版社からのウェブページを優先的に検索対象とし、誤情報の訂正に利用することで、提供される訂正が信頼性の高い情報に基づいていることを目指しています。これにより、ユーザーに対して正確で公平な訂正を提供し、誤情報の拡散を防ぐ助けとなることが期待されます。</a:t>
+            </a:r>
+            <a:br>
+              <a:rPr lang="ja" sz="764"/>
+            </a:br>
+            <a:r>
+              <a:rPr lang="ja" sz="764"/>
+              <a:t>このプロセスの一環として、Media Bias/Fact Check (MBFC) などの独立した評価機関が提供する出版社の評価情報を利用することが挙げられます。MBFCは、出版社の信頼性とバイアスを評価し、その結果を公開しているため、MUSEはこのような情報を基に出版社を選定しています。</a:t>
+            </a:r>
+            <a:br>
+              <a:rPr lang="ja" sz="764"/>
+            </a:br>
+            <a:r>
+              <a:rPr lang="ja" sz="764"/>
+              <a:t>4. ウェブページとミスインフォメーションコンテンツの関連性: news-pleaseを使用して各ウェブリンクからコンテンツを取得し、Sentence-TransformerやVision-Transformerを使用してミスインフォメーションとウェブページの間の関連性を計算します。これにより、関連性が低いウェブページを除外します。</a:t>
+            </a:r>
+            <a:br>
+              <a:rPr lang="ja" sz="764"/>
+            </a:br>
+            <a:r>
+              <a:rPr lang="ja" sz="764"/>
+              <a:t>ソーシャルメディア上の誤情報と検索されたウェブページ間の関連度を定量化します。このプロセスの目的は、誤情報の訂正に最も適切で信頼性の高い情報源を特定し、不関連またはあまり関連性の低い情報を排除することです。以下に、関連性の計算方法について説明します。</a:t>
+            </a:r>
+            <a:br>
+              <a:rPr lang="ja" sz="764"/>
+            </a:br>
+            <a:r>
+              <a:rPr lang="ja" sz="764"/>
+              <a:t>テキストの関連性の計算:</a:t>
+            </a:r>
+            <a:br>
+              <a:rPr lang="ja" sz="764"/>
+            </a:br>
+            <a:r>
+              <a:rPr lang="ja" sz="764"/>
+              <a:t>    1. テキストの埋め込み: テキストの関連性を計算するために、まず、誤情報コンテンツとウェブページのテキストをそれぞれベクトル形式に変換します。これは、事前に訓練された言語モデル（例えば、Sentence-Transformer）を使用して行われ、テキストの意味的特徴を捉えた埋め込み（ベクトル）を生成します。</a:t>
+            </a:r>
+            <a:br>
+              <a:rPr lang="ja" sz="764"/>
+            </a:br>
+            <a:r>
+              <a:rPr lang="ja" sz="764"/>
+              <a:t>    2. ドット積による関連性の計測: 次に、誤情報コンテンツとウェブページのテキストの埋め込みベクトル間でドット積（内積）を計算します。この値は、両テキスト間の類似度を示し、高い値は高い関連性を意味します。(まぁcos類似度ね)</a:t>
+            </a:r>
+            <a:br>
+              <a:rPr lang="ja" sz="764"/>
+            </a:br>
+            <a:r>
+              <a:rPr lang="ja" sz="764"/>
+              <a:t>    3. 閾値の設定: 閾値を設定し、この閾値以上のドット積の値を持つウェブページのみを関連性が高いと判断します。関連性が閾値以下のウェブページは除外されます。</a:t>
+            </a:r>
+            <a:br>
+              <a:rPr lang="ja" sz="764"/>
+            </a:br>
+            <a:r>
+              <a:rPr lang="ja" sz="764"/>
+              <a:t>画像の関連性の計算（該当する場合）:</a:t>
+            </a:r>
+            <a:br>
+              <a:rPr lang="ja" sz="764"/>
+            </a:br>
+            <a:r>
+              <a:rPr lang="ja" sz="764"/>
+              <a:t>    1.画像の特徴抽出: 誤情報が画像を含む場合、画像からの特徴抽出が行われます。これには、Vision-Transformerなどの事前訓練された画像処理モデルが使用されます。</a:t>
+            </a:r>
+            <a:br>
+              <a:rPr lang="ja" sz="764"/>
+            </a:br>
+            <a:r>
+              <a:rPr lang="ja" sz="764"/>
+              <a:t>    2.コサイン類似度の計算: 画像の特徴ベクトルとウェブページ内の画像（あるいは、ウェブページに関連する画像の記述）の特徴ベクトル間でコサイン類似度を計算します。この類似度は、画像コンテンツの類似性を示し、高い値は両者の強い関連性を意味します。</a:t>
+            </a:r>
+            <a:br>
+              <a:rPr lang="ja" sz="764"/>
+            </a:br>
+            <a:r>
+              <a:rPr lang="ja" sz="764"/>
+              <a:t>    3. 閾値による選別: テキストの場合と同様に、コサイン類似度が特定の閾値以上であるウェブページのみが選択され、残りは除外されます。</a:t>
+            </a:r>
+            <a:br>
+              <a:rPr lang="ja" sz="764"/>
+            </a:br>
+            <a:br>
+              <a:rPr lang="ja" sz="764"/>
+            </a:br>
+            <a:r>
+              <a:rPr lang="ja" sz="764"/>
+              <a:t>5. 出版社の信頼性評価: Media Bias/Fact Checkの評価を使用して、ウェブページの出版社の事実性と偏見を決定します。MUSEは、高い事実性と最小限の偏見を持つページのみを考慮に入れます。</a:t>
+            </a:r>
+            <a:br>
+              <a:rPr lang="ja" sz="764"/>
+            </a:br>
+            <a:r>
+              <a:rPr lang="ja" sz="764"/>
+              <a:t>6. 証拠抽出: GPT-4を使用して、各ウェブページからミスインフォメーションを明示的に反駁するか、追加のコンテキストを提供する文や段落を抽出します。</a:t>
+            </a:r>
+            <a:br>
+              <a:rPr lang="ja" sz="764"/>
+            </a:br>
+            <a:r>
+              <a:rPr lang="ja" sz="764"/>
+              <a:t>7. 訂正生成: GPT-4を使用して、抽出された証拠とそのソースウェブリンクを提供することにより、ミスインフォメーションに対する訂正を生成します。このステップでは、最新かつ信頼性の高い情報に基づいて、正確で信頼性のある訂正を提供します。</a:t>
+            </a:r>
+            <a:endParaRPr sz="764"/>
+          </a:p>
+          <a:p>
+            <a:pPr indent="0" lvl="0" marL="0" rtl="0" algn="l">
+              <a:lnSpc>
+                <a:spcPct val="100000"/>
+              </a:lnSpc>
+              <a:spcBef>
+                <a:spcPts val="1200"/>
+              </a:spcBef>
+              <a:spcAft>
+                <a:spcPts val="0"/>
+              </a:spcAft>
+              <a:buNone/>
+            </a:pPr>
+            <a:r>
+              <a:rPr lang="ja" sz="1100" u="sng"/>
+              <a:t>結果</a:t>
+            </a:r>
+            <a:endParaRPr sz="764"/>
+          </a:p>
+          <a:p>
+            <a:pPr indent="0" lvl="0" marL="0" rtl="0" algn="l">
+              <a:lnSpc>
+                <a:spcPct val="100000"/>
+              </a:lnSpc>
+              <a:spcBef>
+                <a:spcPts val="1200"/>
+              </a:spcBef>
+              <a:spcAft>
+                <a:spcPts val="0"/>
+              </a:spcAft>
+              <a:buNone/>
+            </a:pPr>
+            <a:r>
+              <a:rPr lang="ja" sz="764"/>
+              <a:t>MUSEは、ソーシャルメディアに現れた直後の誤情報に対して、迅速に高品質な訂正を提供する能力を示しました。GPT-4と比較して37%、高品質な一般人の訂正を29%上回りました。</a:t>
+            </a:r>
+            <a:endParaRPr sz="764"/>
+          </a:p>
+          <a:p>
+            <a:pPr indent="0" lvl="0" marL="0" rtl="0" algn="l">
+              <a:lnSpc>
+                <a:spcPct val="100000"/>
+              </a:lnSpc>
+              <a:spcBef>
+                <a:spcPts val="1200"/>
+              </a:spcBef>
+              <a:spcAft>
+                <a:spcPts val="1200"/>
+              </a:spcAft>
+              <a:buNone/>
+            </a:pPr>
+            <a:r>
+              <a:t/>
+            </a:r>
+            <a:endParaRPr sz="764"/>
+          </a:p>
+        </p:txBody>
+      </p:sp>
+    </p:spTree>
+  </p:cSld>
+  <p:clrMapOvr>
+    <a:masterClrMapping/>
+  </p:clrMapOvr>
+</p:sld>
+</file>
+
+<file path=ppt/slides/slide54.xml><?xml version="1.0" encoding="utf-8"?>
+<p:sld xmlns:a="http://schemas.openxmlformats.org/drawingml/2006/main" xmlns:r="http://schemas.openxmlformats.org/officeDocument/2006/relationships" xmlns:mc="http://schemas.openxmlformats.org/markup-compatibility/2006" xmlns:mv="urn:schemas-microsoft-com:mac:vml" xmlns:p="http://schemas.openxmlformats.org/presentationml/2006/main" xmlns:c="http://schemas.openxmlformats.org/drawingml/2006/chart" xmlns:dgm="http://schemas.openxmlformats.org/drawingml/2006/diagram" xmlns:o="urn:schemas-microsoft-com:office:office" xmlns:v="urn:schemas-microsoft-com:vml" xmlns:pvml="urn:schemas-microsoft-com:office:powerpoint" xmlns:com="http://schemas.openxmlformats.org/drawingml/2006/compatibility" xmlns:p14="http://schemas.microsoft.com/office/powerpoint/2010/main" xmlns:p15="http://schemas.microsoft.com/office/powerpoint/2012/main" xmlns:ahyp="http://schemas.microsoft.com/office/drawing/2018/hyperlinkcolor">
+  <p:cSld>
+    <p:spTree>
+      <p:nvGrpSpPr>
+        <p:cNvPr id="347" name="Shape 347"/>
+        <p:cNvGrpSpPr/>
+        <p:nvPr/>
+      </p:nvGrpSpPr>
+      <p:grpSpPr>
+        <a:xfrm>
+          <a:off x="0" y="0"/>
+          <a:ext cx="0" cy="0"/>
+          <a:chOff x="0" y="0"/>
+          <a:chExt cx="0" cy="0"/>
+        </a:xfrm>
+      </p:grpSpPr>
+      <p:sp>
+        <p:nvSpPr>
+          <p:cNvPr id="348" name="Google Shape;348;p66"/>
+          <p:cNvSpPr txBox="1"/>
+          <p:nvPr>
+            <p:ph idx="1" type="body"/>
+          </p:nvPr>
+        </p:nvSpPr>
+        <p:spPr>
+          <a:xfrm>
+            <a:off x="0" y="0"/>
+            <a:ext cx="9144000" cy="5049600"/>
+          </a:xfrm>
+          <a:prstGeom prst="rect">
+            <a:avLst/>
+          </a:prstGeom>
+        </p:spPr>
+        <p:txBody>
+          <a:bodyPr anchorCtr="0" anchor="t" bIns="91425" lIns="91425" spcFirstLastPara="1" rIns="91425" wrap="square" tIns="91425">
+            <a:normAutofit lnSpcReduction="20000"/>
+          </a:bodyPr>
+          <a:lstStyle/>
+          <a:p>
+            <a:pPr indent="0" lvl="0" marL="0" rtl="0" algn="l">
+              <a:lnSpc>
+                <a:spcPct val="100000"/>
+              </a:lnSpc>
+              <a:spcBef>
+                <a:spcPts val="0"/>
+              </a:spcBef>
+              <a:spcAft>
+                <a:spcPts val="0"/>
+              </a:spcAft>
+              <a:buNone/>
+            </a:pPr>
+            <a:r>
+              <a:rPr lang="ja" sz="1200" u="sng"/>
+              <a:t>Uncovering Latent Themes of Messaging on Social Media by Integrating LLMs: A Case Study on Climate Campaigns ソーシャルメディア上のメッセージングの潜在的テーマをLLMを統合して明らかにする: 気候キャンペーンのケーススタディ</a:t>
+            </a:r>
+            <a:r>
+              <a:rPr lang="ja" sz="1200" u="sng"/>
+              <a:t> 2024</a:t>
+            </a:r>
+            <a:endParaRPr sz="1100"/>
+          </a:p>
+          <a:p>
+            <a:pPr indent="0" lvl="0" marL="0" rtl="0" algn="l">
+              <a:lnSpc>
+                <a:spcPct val="100000"/>
+              </a:lnSpc>
+              <a:spcBef>
+                <a:spcPts val="1200"/>
+              </a:spcBef>
+              <a:spcAft>
+                <a:spcPts val="0"/>
+              </a:spcAft>
+              <a:buNone/>
+            </a:pPr>
+            <a:r>
+              <a:rPr lang="ja" sz="1100" u="sng"/>
+              <a:t>概要</a:t>
+            </a:r>
+            <a:endParaRPr sz="764"/>
+          </a:p>
+          <a:p>
+            <a:pPr indent="0" lvl="0" marL="0" rtl="0" algn="l">
+              <a:lnSpc>
+                <a:spcPct val="100000"/>
+              </a:lnSpc>
+              <a:spcBef>
+                <a:spcPts val="1200"/>
+              </a:spcBef>
+              <a:spcAft>
+                <a:spcPts val="0"/>
+              </a:spcAft>
+              <a:buNone/>
+            </a:pPr>
+            <a:r>
+              <a:rPr lang="ja" sz="764"/>
+              <a:t>ソーシャルメディアメッセージングにおけるテーマを発見し分析するための新しいアプローチを紹介。従来のトピックレベルの分析は、広範なパターンのみを捉えがちであるため、この研究はより細かいテーマに焦点を当てる方法を検証します。</a:t>
+            </a:r>
+            <a:br>
+              <a:rPr lang="ja" sz="764"/>
+            </a:br>
+            <a:r>
+              <a:rPr lang="ja" sz="764"/>
+              <a:t>トピックレベルの分析でLLMの高度な能力を活用する「マシンインザループ」アプローチを提案。これにより、SNSでの会話のテーマ性をより深く理解し、それぞれがユニークな特徴と関連性を持つ多様なテーマを発見することが可能になり、広範なトピック内のニュアンスに対する理解が得られます。さらに、この方法は、テキストと新たに発見されたテーマを効率的にマッピングし、SNSにおけるテーマの微妙なニュアンスの理解ができるようになります。</a:t>
+            </a:r>
+            <a:endParaRPr sz="764"/>
+          </a:p>
+          <a:p>
+            <a:pPr indent="0" lvl="0" marL="0" rtl="0" algn="l">
+              <a:lnSpc>
+                <a:spcPct val="100000"/>
+              </a:lnSpc>
+              <a:spcBef>
+                <a:spcPts val="1200"/>
+              </a:spcBef>
+              <a:spcAft>
+                <a:spcPts val="0"/>
+              </a:spcAft>
+              <a:buNone/>
+            </a:pPr>
+            <a:r>
+              <a:rPr lang="ja" sz="1100" u="sng"/>
+              <a:t>手法</a:t>
+            </a:r>
+            <a:endParaRPr sz="800"/>
+          </a:p>
+          <a:p>
+            <a:pPr indent="0" lvl="0" marL="0" rtl="0" algn="l">
+              <a:lnSpc>
+                <a:spcPct val="100000"/>
+              </a:lnSpc>
+              <a:spcBef>
+                <a:spcPts val="1200"/>
+              </a:spcBef>
+              <a:spcAft>
+                <a:spcPts val="0"/>
+              </a:spcAft>
+              <a:buNone/>
+            </a:pPr>
+            <a:r>
+              <a:rPr lang="ja" sz="764"/>
+              <a:t>テキストコレクションをテーマに関連付けるための「マシンインザループ」フレームワークは、次の3ステップのプロセスで構成されます：</a:t>
+            </a:r>
+            <a:endParaRPr sz="764"/>
+          </a:p>
+          <a:p>
+            <a:pPr indent="0" lvl="0" marL="0" rtl="0" algn="l">
+              <a:lnSpc>
+                <a:spcPct val="100000"/>
+              </a:lnSpc>
+              <a:spcBef>
+                <a:spcPts val="1200"/>
+              </a:spcBef>
+              <a:spcAft>
+                <a:spcPts val="0"/>
+              </a:spcAft>
+              <a:buNone/>
+            </a:pPr>
+            <a:r>
+              <a:rPr lang="ja" sz="764"/>
+              <a:t>1. 候補生成（Candidate Generation）</a:t>
+            </a:r>
+            <a:br>
+              <a:rPr lang="ja" sz="764"/>
+            </a:br>
+            <a:r>
+              <a:rPr lang="ja" sz="764"/>
+              <a:t>- クラスタリング：テキストインスタンス（広告、ツイート、投稿、ドキュメントなど）をクラスタリングアルゴリズム（例：K-means）を用いてクラスタに分けます。このステップでは、テーマ的および言語的類似性に基づいてインスタンスを区別し、初期クラスタを形成します。</a:t>
+            </a:r>
+            <a:br>
+              <a:rPr lang="ja" sz="764"/>
+            </a:br>
+            <a:r>
+              <a:rPr lang="ja" sz="764"/>
+              <a:t>- コヒーレンスチェック：生成されたクラスタの一貫性とコヒーレンスを検証します。このプロセスでは、各クラスタから選択されたインスタンスのサブセットに対して、LLMを用いてゼロショット設定で質問を行い、これらのインスタンスが一貫性を持って同じトピックに属するかどうかを判断します。</a:t>
+            </a:r>
+            <a:br>
+              <a:rPr lang="ja" sz="764"/>
+            </a:br>
+            <a:r>
+              <a:rPr lang="ja" sz="764"/>
+              <a:t>- クラスタの要約：クラスタを解釈可能にするために、LLMを用いてトップKインスタンスに基づくマルチドキュメントの要約を生成します。</a:t>
+            </a:r>
+            <a:br>
+              <a:rPr lang="ja" sz="764"/>
+            </a:br>
+            <a:r>
+              <a:rPr lang="ja" sz="764"/>
+              <a:t>- 冗長性チェック：クラスタ間の冗長性をチェックし、類似性が閾値以上のクラスタを統合します。これにより、重複するトピックを持つクラスタをマージし、クラスタプールを洗練します。</a:t>
+            </a:r>
+            <a:endParaRPr sz="764"/>
+          </a:p>
+          <a:p>
+            <a:pPr indent="0" lvl="0" marL="0" rtl="0" algn="l">
+              <a:lnSpc>
+                <a:spcPct val="100000"/>
+              </a:lnSpc>
+              <a:spcBef>
+                <a:spcPts val="1200"/>
+              </a:spcBef>
+              <a:spcAft>
+                <a:spcPts val="0"/>
+              </a:spcAft>
+              <a:buNone/>
+            </a:pPr>
+            <a:r>
+              <a:rPr lang="ja" sz="764"/>
+              <a:t>2. 人間の検証（Human Validation）</a:t>
+            </a:r>
+            <a:br>
+              <a:rPr lang="ja" sz="764"/>
+            </a:br>
+            <a:r>
+              <a:rPr lang="ja" sz="764"/>
+              <a:t>- このオプショナルなステップでは、生成されたクラスタのマージ、記述、および全体の一貫性について、人間（専門家）による評価を行います。計算アルゴリズムの効率と、人間の判断のニュアンス理解を組み合わせます。</a:t>
+            </a:r>
+            <a:endParaRPr sz="764"/>
+          </a:p>
+          <a:p>
+            <a:pPr indent="0" lvl="0" marL="0" rtl="0" algn="l">
+              <a:lnSpc>
+                <a:spcPct val="100000"/>
+              </a:lnSpc>
+              <a:spcBef>
+                <a:spcPts val="1200"/>
+              </a:spcBef>
+              <a:spcAft>
+                <a:spcPts val="0"/>
+              </a:spcAft>
+              <a:buNone/>
+            </a:pPr>
+            <a:r>
+              <a:rPr lang="ja" sz="764"/>
+              <a:t>3. テーマへのインスタンス割り当て（Map Instances to Themes）</a:t>
+            </a:r>
+            <a:br>
+              <a:rPr lang="ja" sz="764"/>
+            </a:br>
+            <a:r>
+              <a:rPr lang="ja" sz="764"/>
+              <a:t>- 要約へのマッピング：新たに発見されたクラスタ（テーマ）と事前に存在するクラスタ（テーマ）の要約をLLMに提供し、新しいインスタンスが要約されたクラスタに合致するかどうかを判断します。このフェーズでは、LLMを数ショットプロンプト方式で使用し、新しいテキストを適切なクラスタに割り当てます。</a:t>
+            </a:r>
+            <a:endParaRPr sz="764"/>
+          </a:p>
+          <a:p>
+            <a:pPr indent="0" lvl="0" marL="0" rtl="0" algn="l">
+              <a:lnSpc>
+                <a:spcPct val="100000"/>
+              </a:lnSpc>
+              <a:spcBef>
+                <a:spcPts val="1200"/>
+              </a:spcBef>
+              <a:spcAft>
+                <a:spcPts val="0"/>
+              </a:spcAft>
+              <a:buNone/>
+            </a:pPr>
+            <a:r>
+              <a:rPr lang="ja" sz="764"/>
+              <a:t>この3ステップのプロセスを繰り返すことで、大規模なテキストコレクションをより効果的にテーマに関連付け、テキスト内の潜在的なテーマやパターンを発見することができます。このフレームワークは、テキストデータの探索、分析、および理解を深めるための強力なツールを提供します。</a:t>
+            </a:r>
+            <a:endParaRPr sz="764"/>
+          </a:p>
+          <a:p>
+            <a:pPr indent="0" lvl="0" marL="0" rtl="0" algn="l">
+              <a:lnSpc>
+                <a:spcPct val="100000"/>
+              </a:lnSpc>
+              <a:spcBef>
+                <a:spcPts val="1200"/>
+              </a:spcBef>
+              <a:spcAft>
+                <a:spcPts val="0"/>
+              </a:spcAft>
+              <a:buNone/>
+            </a:pPr>
+            <a:r>
+              <a:rPr lang="ja" sz="1100" u="sng"/>
+              <a:t>結果</a:t>
+            </a:r>
+            <a:endParaRPr sz="764"/>
+          </a:p>
+          <a:p>
+            <a:pPr indent="0" lvl="0" marL="0" rtl="0" algn="l">
+              <a:lnSpc>
+                <a:spcPct val="100000"/>
+              </a:lnSpc>
+              <a:spcBef>
+                <a:spcPts val="1200"/>
+              </a:spcBef>
+              <a:spcAft>
+                <a:spcPts val="0"/>
+              </a:spcAft>
+              <a:buNone/>
+            </a:pPr>
+            <a:r>
+              <a:rPr lang="ja" sz="764"/>
+              <a:t>気候キャンペーンに関連する21372件の広告と13のテーマを使用しています。本フレームワークを使用することで、気候キャンペーンに関するメッセージングの大部分をカバーする一連のテーマを発見することができました。</a:t>
+            </a:r>
+            <a:endParaRPr sz="764"/>
+          </a:p>
+          <a:p>
+            <a:pPr indent="0" lvl="0" marL="0" rtl="0" algn="l">
+              <a:lnSpc>
+                <a:spcPct val="100000"/>
+              </a:lnSpc>
+              <a:spcBef>
+                <a:spcPts val="1200"/>
+              </a:spcBef>
+              <a:spcAft>
+                <a:spcPts val="1200"/>
+              </a:spcAft>
+              <a:buNone/>
+            </a:pPr>
+            <a:r>
+              <a:t/>
+            </a:r>
+            <a:endParaRPr sz="764"/>
+          </a:p>
+        </p:txBody>
+      </p:sp>
+    </p:spTree>
+  </p:cSld>
+  <p:clrMapOvr>
+    <a:masterClrMapping/>
+  </p:clrMapOvr>
+</p:sld>
+</file>
+
+<file path=ppt/slides/slide55.xml><?xml version="1.0" encoding="utf-8"?>
+<p:sld xmlns:a="http://schemas.openxmlformats.org/drawingml/2006/main" xmlns:r="http://schemas.openxmlformats.org/officeDocument/2006/relationships" xmlns:mc="http://schemas.openxmlformats.org/markup-compatibility/2006" xmlns:mv="urn:schemas-microsoft-com:mac:vml" xmlns:p="http://schemas.openxmlformats.org/presentationml/2006/main" xmlns:c="http://schemas.openxmlformats.org/drawingml/2006/chart" xmlns:dgm="http://schemas.openxmlformats.org/drawingml/2006/diagram" xmlns:o="urn:schemas-microsoft-com:office:office" xmlns:v="urn:schemas-microsoft-com:vml" xmlns:pvml="urn:schemas-microsoft-com:office:powerpoint" xmlns:com="http://schemas.openxmlformats.org/drawingml/2006/compatibility" xmlns:p14="http://schemas.microsoft.com/office/powerpoint/2010/main" xmlns:p15="http://schemas.microsoft.com/office/powerpoint/2012/main" xmlns:ahyp="http://schemas.microsoft.com/office/drawing/2018/hyperlinkcolor">
+  <p:cSld>
+    <p:spTree>
+      <p:nvGrpSpPr>
+        <p:cNvPr id="352" name="Shape 352"/>
+        <p:cNvGrpSpPr/>
+        <p:nvPr/>
+      </p:nvGrpSpPr>
+      <p:grpSpPr>
+        <a:xfrm>
+          <a:off x="0" y="0"/>
+          <a:ext cx="0" cy="0"/>
+          <a:chOff x="0" y="0"/>
+          <a:chExt cx="0" cy="0"/>
+        </a:xfrm>
+      </p:grpSpPr>
+      <p:sp>
+        <p:nvSpPr>
+          <p:cNvPr id="353" name="Google Shape;353;p67"/>
+          <p:cNvSpPr txBox="1"/>
+          <p:nvPr>
+            <p:ph idx="1" type="body"/>
+          </p:nvPr>
+        </p:nvSpPr>
+        <p:spPr>
+          <a:xfrm>
+            <a:off x="0" y="0"/>
+            <a:ext cx="9144000" cy="5049600"/>
+          </a:xfrm>
+          <a:prstGeom prst="rect">
+            <a:avLst/>
+          </a:prstGeom>
+        </p:spPr>
+        <p:txBody>
+          <a:bodyPr anchorCtr="0" anchor="t" bIns="91425" lIns="91425" spcFirstLastPara="1" rIns="91425" wrap="square" tIns="91425">
             <a:normAutofit/>
           </a:bodyPr>
           <a:lstStyle/>
           <a:p>
             <a:pPr indent="0" lvl="0" marL="0" rtl="0" algn="l">
-              <a:spcBef>
-                <a:spcPts val="0"/>
-              </a:spcBef>
-              <a:spcAft>
-                <a:spcPts val="0"/>
-              </a:spcAft>
-              <a:buNone/>
-            </a:pPr>
-            <a:r>
-              <a:rPr lang="ja"/>
-              <a:t>Appendix</a:t>
-            </a:r>
-            <a:endParaRPr/>
+              <a:lnSpc>
+                <a:spcPct val="100000"/>
+              </a:lnSpc>
+              <a:spcBef>
+                <a:spcPts val="0"/>
+              </a:spcBef>
+              <a:spcAft>
+                <a:spcPts val="0"/>
+              </a:spcAft>
+              <a:buNone/>
+            </a:pPr>
+            <a:r>
+              <a:rPr lang="ja" sz="1200" u="sng"/>
+              <a:t>Can LLM-Augmented autonomous agents cooperate? An evaluation of their cooperative capabilities through Melting Pot LLM拡張自律エージェントは協力できるか？ Melting Potを通じた協力能力の評価</a:t>
+            </a:r>
+            <a:r>
+              <a:rPr lang="ja" sz="1200" u="sng"/>
+              <a:t> 2024</a:t>
+            </a:r>
+            <a:endParaRPr sz="1100"/>
+          </a:p>
+          <a:p>
+            <a:pPr indent="0" lvl="0" marL="0" rtl="0" algn="l">
+              <a:lnSpc>
+                <a:spcPct val="100000"/>
+              </a:lnSpc>
+              <a:spcBef>
+                <a:spcPts val="1200"/>
+              </a:spcBef>
+              <a:spcAft>
+                <a:spcPts val="0"/>
+              </a:spcAft>
+              <a:buNone/>
+            </a:pPr>
+            <a:r>
+              <a:rPr lang="ja" sz="1100" u="sng"/>
+              <a:t>概要</a:t>
+            </a:r>
+            <a:endParaRPr sz="764"/>
+          </a:p>
+          <a:p>
+            <a:pPr indent="0" lvl="0" marL="0" rtl="0" algn="l">
+              <a:lnSpc>
+                <a:spcPct val="100000"/>
+              </a:lnSpc>
+              <a:spcBef>
+                <a:spcPts val="1200"/>
+              </a:spcBef>
+              <a:spcAft>
+                <a:spcPts val="0"/>
+              </a:spcAft>
+              <a:buNone/>
+            </a:pPr>
+            <a:r>
+              <a:rPr lang="ja" sz="764"/>
+              <a:t>Melting Pot環境とGPT4、GPT3.5などの参照モデルを使用して、AIエージェントのLarge Language Model拡張自律エージェント（LAA）の協力能力を調査、結果は、これらのエージェントが協力の傾向を示しているものの、与えられた環境内で効果的な協力を実現するには、より堅牢なアーキテクチャが必要なことがわかりました。LLM向けのMelting Potゲームシナリオを適応する抽象層、LLM仲介エージェント開発用の再利用可能なアーキテクチャの実装（短期および長期記憶および異なる認知モジュールを含む）、およびMelting Potの「Commons Harvest」ゲームを使用した協力能力の評価が含まれます。</a:t>
+            </a:r>
+            <a:endParaRPr sz="764"/>
+          </a:p>
+          <a:p>
+            <a:pPr indent="0" lvl="0" marL="0" rtl="0" algn="l">
+              <a:lnSpc>
+                <a:spcPct val="100000"/>
+              </a:lnSpc>
+              <a:spcBef>
+                <a:spcPts val="1200"/>
+              </a:spcBef>
+              <a:spcAft>
+                <a:spcPts val="0"/>
+              </a:spcAft>
+              <a:buNone/>
+            </a:pPr>
+            <a:r>
+              <a:rPr lang="ja" sz="1100" u="sng"/>
+              <a:t>手法</a:t>
+            </a:r>
+            <a:endParaRPr sz="800"/>
+          </a:p>
+          <a:p>
+            <a:pPr indent="0" lvl="0" marL="0" rtl="0" algn="l">
+              <a:lnSpc>
+                <a:spcPct val="100000"/>
+              </a:lnSpc>
+              <a:spcBef>
+                <a:spcPts val="1200"/>
+              </a:spcBef>
+              <a:spcAft>
+                <a:spcPts val="0"/>
+              </a:spcAft>
+              <a:buNone/>
+            </a:pPr>
+            <a:r>
+              <a:rPr lang="ja" sz="764"/>
+              <a:t>DeepMindによって開発された研究ツールである「Melting Pot」というゲーム環境を使います。このゲームでは、エージェント（プログラム）が協力してリソース（例えば、リンゴ）を集めなければならないシチュエーションが設定されています。リソースの取り方を間違えると、リソースがなくなってしまい、ゲームが難しくなります。エージェントはこのゲームで、どうやって協力するか、または協力しないかを決めなければなりません。</a:t>
+            </a:r>
+            <a:endParaRPr sz="764"/>
+          </a:p>
+          <a:p>
+            <a:pPr indent="0" lvl="0" marL="0" rtl="0" algn="l">
+              <a:lnSpc>
+                <a:spcPct val="100000"/>
+              </a:lnSpc>
+              <a:spcBef>
+                <a:spcPts val="1200"/>
+              </a:spcBef>
+              <a:spcAft>
+                <a:spcPts val="0"/>
+              </a:spcAft>
+              <a:buNone/>
+            </a:pPr>
+            <a:r>
+              <a:rPr lang="ja" sz="764"/>
+              <a:t>1. 実験設定: ゲームの特定の状況、「Commons Harvest」で、エージェントがどう協力するかを見ます。このゲームでは、リソースが限られているため、エージェントがどうやって共有するかが重要になります。</a:t>
+            </a:r>
+            <a:br>
+              <a:rPr lang="ja" sz="764"/>
+            </a:br>
+            <a:r>
+              <a:rPr lang="ja" sz="764"/>
+              <a:t>2. 環境への適応: ゲームのルールをエージェントが理解しやすいように、環境を説明します。エージェントはこの情報を使って、何をすべきかを判断します。</a:t>
+            </a:r>
+            <a:br>
+              <a:rPr lang="ja" sz="764"/>
+            </a:br>
+            <a:r>
+              <a:rPr lang="ja" sz="764"/>
+              <a:t>3. エージェントの構造: エージェントは、長期記憶と短期記憶、そして異なる考え方をする部分（モジュール）を持っています。これにより、エージェントは、過去の出来事を覚えていたり、新しい計画を立てたりすることができます。</a:t>
+            </a:r>
+            <a:br>
+              <a:rPr lang="ja" sz="764"/>
+            </a:br>
+            <a:r>
+              <a:rPr lang="ja" sz="764"/>
+              <a:t>4. 評価: ゲームでエージェントがどれだけ上手く協力できたかを、点数で評価します。リソースをどれだけ上手く使えたか、他のエージェントとどれだけ協力できたかが、この点数に反映されます。</a:t>
+            </a:r>
+            <a:endParaRPr sz="764"/>
+          </a:p>
+          <a:p>
+            <a:pPr indent="0" lvl="0" marL="0" rtl="0" algn="l">
+              <a:lnSpc>
+                <a:spcPct val="100000"/>
+              </a:lnSpc>
+              <a:spcBef>
+                <a:spcPts val="1200"/>
+              </a:spcBef>
+              <a:spcAft>
+                <a:spcPts val="0"/>
+              </a:spcAft>
+              <a:buNone/>
+            </a:pPr>
+            <a:r>
+              <a:rPr lang="ja" sz="1100" u="sng"/>
+              <a:t>結果</a:t>
+            </a:r>
+            <a:endParaRPr sz="764"/>
+          </a:p>
+          <a:p>
+            <a:pPr indent="0" lvl="0" marL="0" rtl="0" algn="l">
+              <a:lnSpc>
+                <a:spcPct val="100000"/>
+              </a:lnSpc>
+              <a:spcBef>
+                <a:spcPts val="1200"/>
+              </a:spcBef>
+              <a:spcAft>
+                <a:spcPts val="0"/>
+              </a:spcAft>
+              <a:buNone/>
+            </a:pPr>
+            <a:r>
+              <a:rPr lang="ja" sz="764"/>
+              <a:t>これらのプログラムが協力する意欲はあるものの、効果的に協力する方法を完全には理解していないことがわかりました。</a:t>
+            </a:r>
+            <a:br>
+              <a:rPr lang="ja" sz="764"/>
+            </a:br>
+            <a:r>
+              <a:rPr lang="ja" sz="764"/>
+              <a:t>より良い協力のためには、プログラムの設計を改善する必要がありそう</a:t>
+            </a:r>
+            <a:endParaRPr sz="764"/>
+          </a:p>
+          <a:p>
+            <a:pPr indent="0" lvl="0" marL="0" rtl="0" algn="l">
+              <a:lnSpc>
+                <a:spcPct val="100000"/>
+              </a:lnSpc>
+              <a:spcBef>
+                <a:spcPts val="1200"/>
+              </a:spcBef>
+              <a:spcAft>
+                <a:spcPts val="1200"/>
+              </a:spcAft>
+              <a:buNone/>
+            </a:pPr>
+            <a:r>
+              <a:t/>
+            </a:r>
+            <a:endParaRPr sz="764"/>
+          </a:p>
+        </p:txBody>
+      </p:sp>
+    </p:spTree>
+  </p:cSld>
+  <p:clrMapOvr>
+    <a:masterClrMapping/>
+  </p:clrMapOvr>
+</p:sld>
+</file>
+
+<file path=ppt/slides/slide56.xml><?xml version="1.0" encoding="utf-8"?>
+<p:sld xmlns:a="http://schemas.openxmlformats.org/drawingml/2006/main" xmlns:r="http://schemas.openxmlformats.org/officeDocument/2006/relationships" xmlns:mc="http://schemas.openxmlformats.org/markup-compatibility/2006" xmlns:mv="urn:schemas-microsoft-com:mac:vml" xmlns:p="http://schemas.openxmlformats.org/presentationml/2006/main" xmlns:c="http://schemas.openxmlformats.org/drawingml/2006/chart" xmlns:dgm="http://schemas.openxmlformats.org/drawingml/2006/diagram" xmlns:o="urn:schemas-microsoft-com:office:office" xmlns:v="urn:schemas-microsoft-com:vml" xmlns:pvml="urn:schemas-microsoft-com:office:powerpoint" xmlns:com="http://schemas.openxmlformats.org/drawingml/2006/compatibility" xmlns:p14="http://schemas.microsoft.com/office/powerpoint/2010/main" xmlns:p15="http://schemas.microsoft.com/office/powerpoint/2012/main" xmlns:ahyp="http://schemas.microsoft.com/office/drawing/2018/hyperlinkcolor">
+  <p:cSld>
+    <p:spTree>
+      <p:nvGrpSpPr>
+        <p:cNvPr id="357" name="Shape 357"/>
+        <p:cNvGrpSpPr/>
+        <p:nvPr/>
+      </p:nvGrpSpPr>
+      <p:grpSpPr>
+        <a:xfrm>
+          <a:off x="0" y="0"/>
+          <a:ext cx="0" cy="0"/>
+          <a:chOff x="0" y="0"/>
+          <a:chExt cx="0" cy="0"/>
+        </a:xfrm>
+      </p:grpSpPr>
+      <p:sp>
+        <p:nvSpPr>
+          <p:cNvPr id="358" name="Google Shape;358;p68"/>
+          <p:cNvSpPr txBox="1"/>
+          <p:nvPr>
+            <p:ph idx="1" type="body"/>
+          </p:nvPr>
+        </p:nvSpPr>
+        <p:spPr>
+          <a:xfrm>
+            <a:off x="0" y="0"/>
+            <a:ext cx="9144000" cy="5049600"/>
+          </a:xfrm>
+          <a:prstGeom prst="rect">
+            <a:avLst/>
+          </a:prstGeom>
+        </p:spPr>
+        <p:txBody>
+          <a:bodyPr anchorCtr="0" anchor="t" bIns="91425" lIns="91425" spcFirstLastPara="1" rIns="91425" wrap="square" tIns="91425">
+            <a:normAutofit/>
+          </a:bodyPr>
+          <a:lstStyle/>
+          <a:p>
+            <a:pPr indent="0" lvl="0" marL="0" rtl="0" algn="l">
+              <a:lnSpc>
+                <a:spcPct val="100000"/>
+              </a:lnSpc>
+              <a:spcBef>
+                <a:spcPts val="0"/>
+              </a:spcBef>
+              <a:spcAft>
+                <a:spcPts val="0"/>
+              </a:spcAft>
+              <a:buNone/>
+            </a:pPr>
+            <a:r>
+              <a:rPr lang="ja" sz="1200" u="sng"/>
+              <a:t>Chart-based Reasoning: Transferring Capabilities from LLMs to VLMs チャートベース推論: 大規模言語モデルから視覚言語モデルへの能力転移</a:t>
+            </a:r>
+            <a:r>
+              <a:rPr lang="ja" sz="1200" u="sng"/>
+              <a:t> 2024</a:t>
+            </a:r>
+            <a:endParaRPr sz="1100"/>
+          </a:p>
+          <a:p>
+            <a:pPr indent="0" lvl="0" marL="0" rtl="0" algn="l">
+              <a:lnSpc>
+                <a:spcPct val="100000"/>
+              </a:lnSpc>
+              <a:spcBef>
+                <a:spcPts val="1200"/>
+              </a:spcBef>
+              <a:spcAft>
+                <a:spcPts val="0"/>
+              </a:spcAft>
+              <a:buNone/>
+            </a:pPr>
+            <a:r>
+              <a:rPr lang="ja" sz="1100" u="sng"/>
+              <a:t>概要</a:t>
+            </a:r>
+            <a:endParaRPr sz="764"/>
+          </a:p>
+          <a:p>
+            <a:pPr indent="0" lvl="0" marL="0" rtl="0" algn="l">
+              <a:lnSpc>
+                <a:spcPct val="100000"/>
+              </a:lnSpc>
+              <a:spcBef>
+                <a:spcPts val="1200"/>
+              </a:spcBef>
+              <a:spcAft>
+                <a:spcPts val="0"/>
+              </a:spcAft>
+              <a:buNone/>
+            </a:pPr>
+            <a:r>
+              <a:rPr lang="ja" sz="764"/>
+              <a:t>LLMから小規模なVLMへ能力を転移する手法を提案。最近導入されたChartQAにおいて、Chen et al. (2023c)によるPaLI3-5B VLMに適用した場合に最先端のパフォーマンスを実現し、PlotQAとFigureQAのパフォーマンスも大幅に向上させます。</a:t>
+            </a:r>
+            <a:endParaRPr sz="764"/>
+          </a:p>
+          <a:p>
+            <a:pPr indent="0" lvl="0" marL="0" rtl="0" algn="l">
+              <a:lnSpc>
+                <a:spcPct val="100000"/>
+              </a:lnSpc>
+              <a:spcBef>
+                <a:spcPts val="1200"/>
+              </a:spcBef>
+              <a:spcAft>
+                <a:spcPts val="0"/>
+              </a:spcAft>
+              <a:buNone/>
+            </a:pPr>
+            <a:r>
+              <a:rPr lang="ja" sz="1100" u="sng"/>
+              <a:t>手法</a:t>
+            </a:r>
+            <a:endParaRPr sz="800"/>
+          </a:p>
+          <a:p>
+            <a:pPr indent="0" lvl="0" marL="0" rtl="0" algn="l">
+              <a:lnSpc>
+                <a:spcPct val="100000"/>
+              </a:lnSpc>
+              <a:spcBef>
+                <a:spcPts val="1200"/>
+              </a:spcBef>
+              <a:spcAft>
+                <a:spcPts val="0"/>
+              </a:spcAft>
+              <a:buNone/>
+            </a:pPr>
+            <a:r>
+              <a:rPr lang="ja" sz="764"/>
+              <a:t>1. 事前トレーニングの改良: 最初に、モデルがチャート（グラフや図表など）の情報をよりよく理解できるように、特別なトレーニングを行います。これは、モデルがチャートを表として理解することを学ぶように助けることで、チャートに関する質問に答える準備をします。</a:t>
+            </a:r>
+            <a:br>
+              <a:rPr lang="ja" sz="764"/>
+            </a:br>
+            <a:r>
+              <a:rPr lang="ja" sz="764"/>
+              <a:t>2. 大きなデータセットの使用: モデルがさまざまなチャートに関する質問にうまく答えられるようにするため、通常よりも20倍大きなデータセットを使ってトレーニングします。これにより、モデルはより多くの例から学び、より賢くなります。</a:t>
+            </a:r>
+            <a:br>
+              <a:rPr lang="ja" sz="764"/>
+            </a:br>
+            <a:r>
+              <a:rPr lang="ja" sz="764"/>
+              <a:t>3. 推論トレースの合成: モデルが考える過程を改善するために、表を使ってどのように問題を解決するか（つまり、推論トレース）を模倣するデータを作ります。これは、モデルが情報を組み合わせて論理的に考えるのを助けます。</a:t>
+            </a:r>
+            <a:br>
+              <a:rPr lang="ja" sz="764"/>
+            </a:br>
+            <a:r>
+              <a:rPr lang="ja" sz="764"/>
+              <a:t>4. マルチタスク学習: 最後に、モデルが質問に答えるだけでなく、その答えに至った理由も説明できるように、複数のタスクを同時に学習させます。これにより、モデルはより正確に情報を処理し、質問に対する答えとその根拠を同時に提供できるようになります。</a:t>
+            </a:r>
+            <a:endParaRPr sz="764"/>
+          </a:p>
+          <a:p>
+            <a:pPr indent="0" lvl="0" marL="0" rtl="0" algn="l">
+              <a:lnSpc>
+                <a:spcPct val="100000"/>
+              </a:lnSpc>
+              <a:spcBef>
+                <a:spcPts val="1200"/>
+              </a:spcBef>
+              <a:spcAft>
+                <a:spcPts val="0"/>
+              </a:spcAft>
+              <a:buNone/>
+            </a:pPr>
+            <a:r>
+              <a:rPr lang="ja" sz="1100" u="sng"/>
+              <a:t>結果</a:t>
+            </a:r>
+            <a:endParaRPr sz="764"/>
+          </a:p>
+          <a:p>
+            <a:pPr indent="0" lvl="0" marL="0" rtl="0" algn="l">
+              <a:lnSpc>
+                <a:spcPct val="100000"/>
+              </a:lnSpc>
+              <a:spcBef>
+                <a:spcPts val="1200"/>
+              </a:spcBef>
+              <a:spcAft>
+                <a:spcPts val="0"/>
+              </a:spcAft>
+              <a:buNone/>
+            </a:pPr>
+            <a:r>
+              <a:rPr lang="ja" sz="764"/>
+              <a:t>提案した変種ChartPaLI-5Bは、上流OCRシステムを使用せずに、PaLI3-5Bベースラインと比較して推論時間を変えることなく、10倍大きなモデルであるPaLIX-55Bをも上回るパフォーマンスを達成します。さらに、プログラムオブソートプロンプトを用いた合理化の精緻化により、最近導入されたGemini UltraやGPT-4Vを上回ります。</a:t>
+            </a:r>
+            <a:endParaRPr sz="764"/>
+          </a:p>
+          <a:p>
+            <a:pPr indent="0" lvl="0" marL="0" rtl="0" algn="l">
+              <a:lnSpc>
+                <a:spcPct val="100000"/>
+              </a:lnSpc>
+              <a:spcBef>
+                <a:spcPts val="1200"/>
+              </a:spcBef>
+              <a:spcAft>
+                <a:spcPts val="1200"/>
+              </a:spcAft>
+              <a:buNone/>
+            </a:pPr>
+            <a:r>
+              <a:t/>
+            </a:r>
+            <a:endParaRPr sz="764"/>
+          </a:p>
+        </p:txBody>
+      </p:sp>
+    </p:spTree>
+  </p:cSld>
+  <p:clrMapOvr>
+    <a:masterClrMapping/>
+  </p:clrMapOvr>
+</p:sld>
+</file>
+
+<file path=ppt/slides/slide57.xml><?xml version="1.0" encoding="utf-8"?>
+<p:sld xmlns:a="http://schemas.openxmlformats.org/drawingml/2006/main" xmlns:r="http://schemas.openxmlformats.org/officeDocument/2006/relationships" xmlns:mc="http://schemas.openxmlformats.org/markup-compatibility/2006" xmlns:mv="urn:schemas-microsoft-com:mac:vml" xmlns:p="http://schemas.openxmlformats.org/presentationml/2006/main" xmlns:c="http://schemas.openxmlformats.org/drawingml/2006/chart" xmlns:dgm="http://schemas.openxmlformats.org/drawingml/2006/diagram" xmlns:o="urn:schemas-microsoft-com:office:office" xmlns:v="urn:schemas-microsoft-com:vml" xmlns:pvml="urn:schemas-microsoft-com:office:powerpoint" xmlns:com="http://schemas.openxmlformats.org/drawingml/2006/compatibility" xmlns:p14="http://schemas.microsoft.com/office/powerpoint/2010/main" xmlns:p15="http://schemas.microsoft.com/office/powerpoint/2012/main" xmlns:ahyp="http://schemas.microsoft.com/office/drawing/2018/hyperlinkcolor">
+  <p:cSld>
+    <p:spTree>
+      <p:nvGrpSpPr>
+        <p:cNvPr id="362" name="Shape 362"/>
+        <p:cNvGrpSpPr/>
+        <p:nvPr/>
+      </p:nvGrpSpPr>
+      <p:grpSpPr>
+        <a:xfrm>
+          <a:off x="0" y="0"/>
+          <a:ext cx="0" cy="0"/>
+          <a:chOff x="0" y="0"/>
+          <a:chExt cx="0" cy="0"/>
+        </a:xfrm>
+      </p:grpSpPr>
+      <p:sp>
+        <p:nvSpPr>
+          <p:cNvPr id="363" name="Google Shape;363;p69"/>
+          <p:cNvSpPr txBox="1"/>
+          <p:nvPr>
+            <p:ph idx="1" type="body"/>
+          </p:nvPr>
+        </p:nvSpPr>
+        <p:spPr>
+          <a:xfrm>
+            <a:off x="0" y="0"/>
+            <a:ext cx="9144000" cy="5049600"/>
+          </a:xfrm>
+          <a:prstGeom prst="rect">
+            <a:avLst/>
+          </a:prstGeom>
+        </p:spPr>
+        <p:txBody>
+          <a:bodyPr anchorCtr="0" anchor="t" bIns="91425" lIns="91425" spcFirstLastPara="1" rIns="91425" wrap="square" tIns="91425">
+            <a:normAutofit/>
+          </a:bodyPr>
+          <a:lstStyle/>
+          <a:p>
+            <a:pPr indent="0" lvl="0" marL="0" rtl="0" algn="l">
+              <a:lnSpc>
+                <a:spcPct val="100000"/>
+              </a:lnSpc>
+              <a:spcBef>
+                <a:spcPts val="0"/>
+              </a:spcBef>
+              <a:spcAft>
+                <a:spcPts val="0"/>
+              </a:spcAft>
+              <a:buNone/>
+            </a:pPr>
+            <a:r>
+              <a:rPr lang="ja" sz="1200" u="sng"/>
+              <a:t>AlphaFin: Benchmarking Financial Analysis with Retrieval-Augmented Stock-Chain Framework AlphaFin: 取得強化ストックチェーンフレームワークによる金融分析のベンチマーク</a:t>
+            </a:r>
+            <a:r>
+              <a:rPr lang="ja" sz="1200" u="sng"/>
+              <a:t> 2024</a:t>
+            </a:r>
+            <a:endParaRPr sz="1100"/>
+          </a:p>
+          <a:p>
+            <a:pPr indent="0" lvl="0" marL="0" rtl="0" algn="l">
+              <a:lnSpc>
+                <a:spcPct val="100000"/>
+              </a:lnSpc>
+              <a:spcBef>
+                <a:spcPts val="1200"/>
+              </a:spcBef>
+              <a:spcAft>
+                <a:spcPts val="0"/>
+              </a:spcAft>
+              <a:buNone/>
+            </a:pPr>
+            <a:r>
+              <a:rPr lang="ja" sz="1100" u="sng"/>
+              <a:t>概要</a:t>
+            </a:r>
+            <a:endParaRPr sz="764"/>
+          </a:p>
+          <a:p>
+            <a:pPr indent="0" lvl="0" marL="0" rtl="0" algn="l">
+              <a:lnSpc>
+                <a:spcPct val="100000"/>
+              </a:lnSpc>
+              <a:spcBef>
+                <a:spcPts val="1200"/>
+              </a:spcBef>
+              <a:spcAft>
+                <a:spcPts val="0"/>
+              </a:spcAft>
+              <a:buNone/>
+            </a:pPr>
+            <a:r>
+              <a:rPr lang="ja" sz="764"/>
+              <a:t>株の予想と、金融に関する質問に答える方法を改善するために、新しいデータセットとシステムを作成。既存手法では、なぜその予想が出たのか説明が難しい問題があります。また、ニュースやレポートなどの情報をうまく取り入れることができません。そこで、この研究では、豊富な情報を含む新しいデータセットと、それを使った新しい予想システムを提案しています。このシステムは、最新情報を取り入れることで、より正確な株の動きの予想や質問への回答が可能になります。</a:t>
+            </a:r>
+            <a:endParaRPr sz="764"/>
+          </a:p>
+          <a:p>
+            <a:pPr indent="0" lvl="0" marL="0" rtl="0" algn="l">
+              <a:lnSpc>
+                <a:spcPct val="100000"/>
+              </a:lnSpc>
+              <a:spcBef>
+                <a:spcPts val="1200"/>
+              </a:spcBef>
+              <a:spcAft>
+                <a:spcPts val="0"/>
+              </a:spcAft>
+              <a:buNone/>
+            </a:pPr>
+            <a:r>
+              <a:rPr lang="ja" sz="1100" u="sng"/>
+              <a:t>手法</a:t>
+            </a:r>
+            <a:endParaRPr sz="800"/>
+          </a:p>
+          <a:p>
+            <a:pPr indent="0" lvl="0" marL="0" rtl="0" algn="l">
+              <a:lnSpc>
+                <a:spcPct val="100000"/>
+              </a:lnSpc>
+              <a:spcBef>
+                <a:spcPts val="1200"/>
+              </a:spcBef>
+              <a:spcAft>
+                <a:spcPts val="0"/>
+              </a:spcAft>
+              <a:buNone/>
+            </a:pPr>
+            <a:r>
+              <a:rPr lang="ja" sz="764"/>
+              <a:t>金融分析のタスクを正式に定義し、金融LLMsの微調整に使用するAlphaFinデータセットを公開。さらに、RAGを統合したStock-Chainフレームワークを提案し、株価トレンド予測だけでなく、リアルタイム市場データとマクロ経済ニュースを統合することで、対話中に正確な株式分析を実施できる状態を整えます。</a:t>
+            </a:r>
+            <a:br>
+              <a:rPr lang="ja" sz="764"/>
+            </a:br>
+            <a:r>
+              <a:rPr lang="ja" sz="764"/>
+              <a:t>AlphaFinデータセット：このデータセットには、過去の研究データ、リアルタイムの金融データ、専門家による分析などが含まれています。これにより、システムがより多くの情報から学ぶことができます。</a:t>
+            </a:r>
+            <a:br>
+              <a:rPr lang="ja" sz="764"/>
+            </a:br>
+            <a:r>
+              <a:rPr lang="ja" sz="764"/>
+              <a:t>Stock-Chainフレームワーク：このフレームワークは、株の動きを予想し、金融に関する質問に答える二つの部分から構成されています。まず、企業やその関連文書をもとに、株価が上がるか下がるかを予想し、それに関連する質問に答えます。</a:t>
+            </a:r>
+            <a:endParaRPr sz="764"/>
+          </a:p>
+          <a:p>
+            <a:pPr indent="0" lvl="0" marL="0" rtl="0" algn="l">
+              <a:lnSpc>
+                <a:spcPct val="100000"/>
+              </a:lnSpc>
+              <a:spcBef>
+                <a:spcPts val="1200"/>
+              </a:spcBef>
+              <a:spcAft>
+                <a:spcPts val="0"/>
+              </a:spcAft>
+              <a:buNone/>
+            </a:pPr>
+            <a:r>
+              <a:rPr lang="ja" sz="764"/>
+              <a:t>ステージ1：株価トレンド予測：まず、企業とそれに関連する文書（例えば、財務報告や市場データなど）を用いて、その企業の株価が将来上がるか下がるかを予測します。</a:t>
+            </a:r>
+            <a:br>
+              <a:rPr lang="ja" sz="764"/>
+            </a:br>
+            <a:r>
+              <a:rPr lang="ja" sz="764"/>
+              <a:t>a. 知識処理： 企業に関連する文書を収集し、分析します。</a:t>
+            </a:r>
+            <a:br>
+              <a:rPr lang="ja" sz="764"/>
+            </a:br>
+            <a:r>
+              <a:rPr lang="ja" sz="764"/>
+              <a:t>b. StockGPTのtuning： AlphaFinデータセットを使用して、株価トレンド予測のための言語モデルを微調整します。</a:t>
+            </a:r>
+            <a:br>
+              <a:rPr lang="ja" sz="764"/>
+            </a:br>
+            <a:r>
+              <a:rPr lang="ja" sz="764"/>
+              <a:t>c. 予測と後処理： 微調整されたモデルを使用して株価の動き（上がるか下がるか）を予測し、その結果を分析します。</a:t>
+            </a:r>
+            <a:endParaRPr sz="764"/>
+          </a:p>
+          <a:p>
+            <a:pPr indent="0" lvl="0" marL="0" rtl="0" algn="l">
+              <a:lnSpc>
+                <a:spcPct val="100000"/>
+              </a:lnSpc>
+              <a:spcBef>
+                <a:spcPts val="1200"/>
+              </a:spcBef>
+              <a:spcAft>
+                <a:spcPts val="0"/>
+              </a:spcAft>
+              <a:buNone/>
+            </a:pPr>
+            <a:r>
+              <a:rPr lang="ja" sz="764"/>
+              <a:t>ステージ2：金融Q&amp;A：株価予測だけでなく、ユーザーからの金融に関する質問に対しても対応します。ここでは、ユーザーの質問に基づいて関連する文書を検索し、それに対する回答を生成します。</a:t>
+            </a:r>
+            <a:br>
+              <a:rPr lang="ja" sz="764"/>
+            </a:br>
+            <a:r>
+              <a:rPr lang="ja" sz="764"/>
+              <a:t>a. ベクトルDBの構築： 効率的な文書検索のために、キーナレッジをベクトル化してデータベースに保存します。</a:t>
+            </a:r>
+            <a:br>
+              <a:rPr lang="ja" sz="764"/>
+            </a:br>
+            <a:r>
+              <a:rPr lang="ja" sz="764"/>
+              <a:t>b. 知識の検索： ユーザーの質問に最も関連する文書をベクトルデータベースから検索します。</a:t>
+            </a:r>
+            <a:br>
+              <a:rPr lang="ja" sz="764"/>
+            </a:br>
+            <a:r>
+              <a:rPr lang="ja" sz="764"/>
+              <a:t>c. LLMsのtuning： 金融ニュースやQAデータを使用して、さらにモデルを微調整し、金融Q&amp;Aの能力を向上させます。</a:t>
+            </a:r>
+            <a:br>
+              <a:rPr lang="ja" sz="764"/>
+            </a:br>
+            <a:r>
+              <a:rPr lang="ja" sz="764"/>
+              <a:t>d. 応答の生成： 検索された文書とユーザーの質問をもとに、適切な回答を生成します。</a:t>
+            </a:r>
+            <a:endParaRPr sz="764"/>
+          </a:p>
+          <a:p>
+            <a:pPr indent="0" lvl="0" marL="0" rtl="0" algn="l">
+              <a:lnSpc>
+                <a:spcPct val="100000"/>
+              </a:lnSpc>
+              <a:spcBef>
+                <a:spcPts val="1200"/>
+              </a:spcBef>
+              <a:spcAft>
+                <a:spcPts val="0"/>
+              </a:spcAft>
+              <a:buNone/>
+            </a:pPr>
+            <a:r>
+              <a:rPr lang="ja" sz="1100" u="sng"/>
+              <a:t>結果</a:t>
+            </a:r>
+            <a:endParaRPr sz="764"/>
+          </a:p>
+          <a:p>
+            <a:pPr indent="0" lvl="0" marL="0" rtl="0" algn="l">
+              <a:lnSpc>
+                <a:spcPct val="100000"/>
+              </a:lnSpc>
+              <a:spcBef>
+                <a:spcPts val="1200"/>
+              </a:spcBef>
+              <a:spcAft>
+                <a:spcPts val="1200"/>
+              </a:spcAft>
+              <a:buNone/>
+            </a:pPr>
+            <a:r>
+              <a:rPr lang="ja" sz="764"/>
+              <a:t> Stock-Chainは、株価トレンド予測タスクにおいて最先端の精度を達成し、年間化リターン率(ARR)で30%以上を実現した。また、金融Q&amp;Aでは、投資家の意思決定に自信を与え、投資選択のための堅固な基盤を提供する包括的な分析を提供することができた。</a:t>
+            </a:r>
+            <a:endParaRPr sz="764"/>
+          </a:p>
+        </p:txBody>
+      </p:sp>
+    </p:spTree>
+  </p:cSld>
+  <p:clrMapOvr>
+    <a:masterClrMapping/>
+  </p:clrMapOvr>
+</p:sld>
+</file>
+
+<file path=ppt/slides/slide58.xml><?xml version="1.0" encoding="utf-8"?>
+<p:sld xmlns:a="http://schemas.openxmlformats.org/drawingml/2006/main" xmlns:r="http://schemas.openxmlformats.org/officeDocument/2006/relationships" xmlns:mc="http://schemas.openxmlformats.org/markup-compatibility/2006" xmlns:mv="urn:schemas-microsoft-com:mac:vml" xmlns:p="http://schemas.openxmlformats.org/presentationml/2006/main" xmlns:c="http://schemas.openxmlformats.org/drawingml/2006/chart" xmlns:dgm="http://schemas.openxmlformats.org/drawingml/2006/diagram" xmlns:o="urn:schemas-microsoft-com:office:office" xmlns:v="urn:schemas-microsoft-com:vml" xmlns:pvml="urn:schemas-microsoft-com:office:powerpoint" xmlns:com="http://schemas.openxmlformats.org/drawingml/2006/compatibility" xmlns:p14="http://schemas.microsoft.com/office/powerpoint/2010/main" xmlns:p15="http://schemas.microsoft.com/office/powerpoint/2012/main" xmlns:ahyp="http://schemas.microsoft.com/office/drawing/2018/hyperlinkcolor">
+  <p:cSld>
+    <p:spTree>
+      <p:nvGrpSpPr>
+        <p:cNvPr id="367" name="Shape 367"/>
+        <p:cNvGrpSpPr/>
+        <p:nvPr/>
+      </p:nvGrpSpPr>
+      <p:grpSpPr>
+        <a:xfrm>
+          <a:off x="0" y="0"/>
+          <a:ext cx="0" cy="0"/>
+          <a:chOff x="0" y="0"/>
+          <a:chExt cx="0" cy="0"/>
+        </a:xfrm>
+      </p:grpSpPr>
+      <p:sp>
+        <p:nvSpPr>
+          <p:cNvPr id="368" name="Google Shape;368;p70"/>
+          <p:cNvSpPr txBox="1"/>
+          <p:nvPr>
+            <p:ph idx="1" type="body"/>
+          </p:nvPr>
+        </p:nvSpPr>
+        <p:spPr>
+          <a:xfrm>
+            <a:off x="0" y="0"/>
+            <a:ext cx="9144000" cy="5049600"/>
+          </a:xfrm>
+          <a:prstGeom prst="rect">
+            <a:avLst/>
+          </a:prstGeom>
+        </p:spPr>
+        <p:txBody>
+          <a:bodyPr anchorCtr="0" anchor="t" bIns="91425" lIns="91425" spcFirstLastPara="1" rIns="91425" wrap="square" tIns="91425">
+            <a:normAutofit/>
+          </a:bodyPr>
+          <a:lstStyle/>
+          <a:p>
+            <a:pPr indent="0" lvl="0" marL="0" rtl="0" algn="l">
+              <a:lnSpc>
+                <a:spcPct val="100000"/>
+              </a:lnSpc>
+              <a:spcBef>
+                <a:spcPts val="0"/>
+              </a:spcBef>
+              <a:spcAft>
+                <a:spcPts val="0"/>
+              </a:spcAft>
+              <a:buNone/>
+            </a:pPr>
+            <a:r>
+              <a:rPr lang="ja" sz="1200" u="sng"/>
+              <a:t>Adaptive Ensembles of Fine-Tuned Transformers for LLM-Generated Text Detection LLM生成テキスト検出のためのファインチューニングトランスフォーマーの適応的アンサンブル</a:t>
+            </a:r>
+            <a:r>
+              <a:rPr lang="ja" sz="1200" u="sng"/>
+              <a:t> 2024</a:t>
+            </a:r>
+            <a:endParaRPr sz="1100"/>
+          </a:p>
+          <a:p>
+            <a:pPr indent="0" lvl="0" marL="0" rtl="0" algn="l">
+              <a:lnSpc>
+                <a:spcPct val="100000"/>
+              </a:lnSpc>
+              <a:spcBef>
+                <a:spcPts val="1200"/>
+              </a:spcBef>
+              <a:spcAft>
+                <a:spcPts val="0"/>
+              </a:spcAft>
+              <a:buNone/>
+            </a:pPr>
+            <a:r>
+              <a:rPr lang="ja" sz="1100" u="sng"/>
+              <a:t>概要</a:t>
+            </a:r>
+            <a:endParaRPr sz="764"/>
+          </a:p>
+          <a:p>
+            <a:pPr indent="0" lvl="0" marL="0" rtl="0" algn="l">
+              <a:lnSpc>
+                <a:spcPct val="100000"/>
+              </a:lnSpc>
+              <a:spcBef>
+                <a:spcPts val="1200"/>
+              </a:spcBef>
+              <a:spcAft>
+                <a:spcPts val="0"/>
+              </a:spcAft>
+              <a:buNone/>
+            </a:pPr>
+            <a:r>
+              <a:rPr lang="ja" sz="764"/>
+              <a:t>LLMか</a:t>
+            </a:r>
+            <a:r>
+              <a:rPr lang="ja" sz="764"/>
+              <a:t>人が書いた文章かを見分ける方法について新しい手法として単一のトランスフォーマーベースの分類器を使用するよりアンサンブルを使用して複数のモデルの推論結果を組み合わせストセットでの平均精度を91.8%から99.2%に、外部分布テストセットでの平均精度を62.9%から72.5%に大幅に改善しました。この結果は、適応的アンサンブルアルゴリズムの効果、優れた一般化能力、およびLLM生成テキスト検出における大きな可能性を示しています。</a:t>
+            </a:r>
+            <a:endParaRPr sz="764"/>
+          </a:p>
+          <a:p>
+            <a:pPr indent="0" lvl="0" marL="0" rtl="0" algn="l">
+              <a:lnSpc>
+                <a:spcPct val="100000"/>
+              </a:lnSpc>
+              <a:spcBef>
+                <a:spcPts val="1200"/>
+              </a:spcBef>
+              <a:spcAft>
+                <a:spcPts val="0"/>
+              </a:spcAft>
+              <a:buNone/>
+            </a:pPr>
+            <a:r>
+              <a:rPr lang="ja" sz="1100" u="sng"/>
+              <a:t>手法</a:t>
+            </a:r>
+            <a:endParaRPr sz="800"/>
+          </a:p>
+          <a:p>
+            <a:pPr indent="0" lvl="0" marL="0" rtl="0" algn="l">
+              <a:lnSpc>
+                <a:spcPct val="100000"/>
+              </a:lnSpc>
+              <a:spcBef>
+                <a:spcPts val="1200"/>
+              </a:spcBef>
+              <a:spcAft>
+                <a:spcPts val="0"/>
+              </a:spcAft>
+              <a:buNone/>
+            </a:pPr>
+            <a:r>
+              <a:rPr lang="ja" sz="764"/>
+              <a:t>非適応アンサンブル: 複数のモデルの出力（予測）を単純に組み合わせる方法です。例えば、5つのモデルがあれば、それぞれのモデルが「このテキストはコンピュータによるもの」と判断したら、その意見に従います。</a:t>
+            </a:r>
+            <a:endParaRPr sz="764"/>
+          </a:p>
+          <a:p>
+            <a:pPr indent="0" lvl="0" marL="0" rtl="0" algn="l">
+              <a:lnSpc>
+                <a:spcPct val="100000"/>
+              </a:lnSpc>
+              <a:spcBef>
+                <a:spcPts val="1200"/>
+              </a:spcBef>
+              <a:spcAft>
+                <a:spcPts val="0"/>
+              </a:spcAft>
+              <a:buNone/>
+            </a:pPr>
+            <a:r>
+              <a:rPr lang="ja" sz="764"/>
+              <a:t>適応アンサンブル: 各モデルの信頼度に応じて、その意見の重みを変えます。つまり、より信頼できるモデルの意見をより重視する方法です。</a:t>
+            </a:r>
+            <a:endParaRPr sz="764"/>
+          </a:p>
+          <a:p>
+            <a:pPr indent="0" lvl="0" marL="0" rtl="0" algn="l">
+              <a:lnSpc>
+                <a:spcPct val="100000"/>
+              </a:lnSpc>
+              <a:spcBef>
+                <a:spcPts val="1200"/>
+              </a:spcBef>
+              <a:spcAft>
+                <a:spcPts val="0"/>
+              </a:spcAft>
+              <a:buNone/>
+            </a:pPr>
+            <a:r>
+              <a:rPr lang="ja" sz="1100" u="sng"/>
+              <a:t>結果</a:t>
+            </a:r>
+            <a:endParaRPr sz="764"/>
+          </a:p>
+          <a:p>
+            <a:pPr indent="0" lvl="0" marL="0" rtl="0" algn="l">
+              <a:lnSpc>
+                <a:spcPct val="100000"/>
+              </a:lnSpc>
+              <a:spcBef>
+                <a:spcPts val="1200"/>
+              </a:spcBef>
+              <a:spcAft>
+                <a:spcPts val="0"/>
+              </a:spcAft>
+              <a:buNone/>
+            </a:pPr>
+            <a:r>
+              <a:rPr lang="ja" sz="764"/>
+              <a:t>単一のモデルを使うよりも、複数のモデルを組み合わせる方が、コンピュータが生成したテキストを見分けるのに効果的でした。</a:t>
+            </a:r>
+            <a:endParaRPr sz="764"/>
+          </a:p>
+          <a:p>
+            <a:pPr indent="0" lvl="0" marL="0" rtl="0" algn="l">
+              <a:lnSpc>
+                <a:spcPct val="100000"/>
+              </a:lnSpc>
+              <a:spcBef>
+                <a:spcPts val="1200"/>
+              </a:spcBef>
+              <a:spcAft>
+                <a:spcPts val="1200"/>
+              </a:spcAft>
+              <a:buNone/>
+            </a:pPr>
+            <a:r>
+              <a:rPr lang="ja" sz="764"/>
+              <a:t>特に「適応アンサンブル」という方法が一番うまく機能し、さまざまな種類のテキストで良い結果を得ることができました。</a:t>
+            </a:r>
+            <a:endParaRPr sz="764"/>
+          </a:p>
+        </p:txBody>
+      </p:sp>
+    </p:spTree>
+  </p:cSld>
+  <p:clrMapOvr>
+    <a:masterClrMapping/>
+  </p:clrMapOvr>
+</p:sld>
+</file>
+
+<file path=ppt/slides/slide59.xml><?xml version="1.0" encoding="utf-8"?>
+<p:sld xmlns:a="http://schemas.openxmlformats.org/drawingml/2006/main" xmlns:r="http://schemas.openxmlformats.org/officeDocument/2006/relationships" xmlns:mc="http://schemas.openxmlformats.org/markup-compatibility/2006" xmlns:mv="urn:schemas-microsoft-com:mac:vml" xmlns:p="http://schemas.openxmlformats.org/presentationml/2006/main" xmlns:c="http://schemas.openxmlformats.org/drawingml/2006/chart" xmlns:dgm="http://schemas.openxmlformats.org/drawingml/2006/diagram" xmlns:o="urn:schemas-microsoft-com:office:office" xmlns:v="urn:schemas-microsoft-com:vml" xmlns:pvml="urn:schemas-microsoft-com:office:powerpoint" xmlns:com="http://schemas.openxmlformats.org/drawingml/2006/compatibility" xmlns:p14="http://schemas.microsoft.com/office/powerpoint/2010/main" xmlns:p15="http://schemas.microsoft.com/office/powerpoint/2012/main" xmlns:ahyp="http://schemas.microsoft.com/office/drawing/2018/hyperlinkcolor">
+  <p:cSld>
+    <p:spTree>
+      <p:nvGrpSpPr>
+        <p:cNvPr id="372" name="Shape 372"/>
+        <p:cNvGrpSpPr/>
+        <p:nvPr/>
+      </p:nvGrpSpPr>
+      <p:grpSpPr>
+        <a:xfrm>
+          <a:off x="0" y="0"/>
+          <a:ext cx="0" cy="0"/>
+          <a:chOff x="0" y="0"/>
+          <a:chExt cx="0" cy="0"/>
+        </a:xfrm>
+      </p:grpSpPr>
+      <p:sp>
+        <p:nvSpPr>
+          <p:cNvPr id="373" name="Google Shape;373;p71"/>
+          <p:cNvSpPr txBox="1"/>
+          <p:nvPr>
+            <p:ph idx="1" type="body"/>
+          </p:nvPr>
+        </p:nvSpPr>
+        <p:spPr>
+          <a:xfrm>
+            <a:off x="0" y="0"/>
+            <a:ext cx="9144000" cy="5049600"/>
+          </a:xfrm>
+          <a:prstGeom prst="rect">
+            <a:avLst/>
+          </a:prstGeom>
+        </p:spPr>
+        <p:txBody>
+          <a:bodyPr anchorCtr="0" anchor="t" bIns="91425" lIns="91425" spcFirstLastPara="1" rIns="91425" wrap="square" tIns="91425">
+            <a:normAutofit lnSpcReduction="10000"/>
+          </a:bodyPr>
+          <a:lstStyle/>
+          <a:p>
+            <a:pPr indent="0" lvl="0" marL="0" rtl="0" algn="l">
+              <a:lnSpc>
+                <a:spcPct val="100000"/>
+              </a:lnSpc>
+              <a:spcBef>
+                <a:spcPts val="0"/>
+              </a:spcBef>
+              <a:spcAft>
+                <a:spcPts val="0"/>
+              </a:spcAft>
+              <a:buNone/>
+            </a:pPr>
+            <a:r>
+              <a:rPr lang="ja" sz="1200" u="sng"/>
+              <a:t>Enhancing Code Generation Performance of Smaller Models by Distilling the Reasoning Ability of LLMs</a:t>
+            </a:r>
+            <a:r>
+              <a:rPr lang="ja" sz="1200" u="sng"/>
+              <a:t> 2024</a:t>
+            </a:r>
+            <a:endParaRPr sz="1100"/>
+          </a:p>
+          <a:p>
+            <a:pPr indent="0" lvl="0" marL="0" rtl="0" algn="l">
+              <a:lnSpc>
+                <a:spcPct val="100000"/>
+              </a:lnSpc>
+              <a:spcBef>
+                <a:spcPts val="1200"/>
+              </a:spcBef>
+              <a:spcAft>
+                <a:spcPts val="0"/>
+              </a:spcAft>
+              <a:buNone/>
+            </a:pPr>
+            <a:r>
+              <a:rPr lang="ja" sz="1100" u="sng"/>
+              <a:t>概要</a:t>
+            </a:r>
+            <a:endParaRPr sz="764"/>
+          </a:p>
+          <a:p>
+            <a:pPr indent="0" lvl="0" marL="0" rtl="0" algn="l">
+              <a:lnSpc>
+                <a:spcPct val="100000"/>
+              </a:lnSpc>
+              <a:spcBef>
+                <a:spcPts val="1200"/>
+              </a:spcBef>
+              <a:spcAft>
+                <a:spcPts val="0"/>
+              </a:spcAft>
+              <a:buNone/>
+            </a:pPr>
+            <a:r>
+              <a:rPr lang="ja" sz="764"/>
+              <a:t>コード生成においてChain-of-Thought（CoT）プロンプティング技術を通じて顕著でLLMsが直面する課題として、小規模モデルがこれらの「解決プラン」を推測する能力に欠け、コード生成能力が低下している状況を指摘しています。この問題に対処するために、LLMsの推論能力を小規模モデルに転移させる「CodePLAN」フレームワークを提案し、マルチタスク学習を用いてコード生成と解決プラン生成の両方を同時に行うことで、小規模モデルのコード生成能力を向上させる手法を開発しました。このアプローチは、APPSベンチマークにおいて、従来のファインチューニング手法と比較して小規模モデルのコード生成パフォーマンスを130%以上向上できるようで</a:t>
+            </a:r>
+            <a:endParaRPr sz="764"/>
+          </a:p>
+          <a:p>
+            <a:pPr indent="0" lvl="0" marL="0" rtl="0" algn="l">
+              <a:lnSpc>
+                <a:spcPct val="100000"/>
+              </a:lnSpc>
+              <a:spcBef>
+                <a:spcPts val="1200"/>
+              </a:spcBef>
+              <a:spcAft>
+                <a:spcPts val="0"/>
+              </a:spcAft>
+              <a:buNone/>
+            </a:pPr>
+            <a:r>
+              <a:rPr lang="ja" sz="1100" u="sng"/>
+              <a:t>手法</a:t>
+            </a:r>
+            <a:endParaRPr sz="800"/>
+          </a:p>
+          <a:p>
+            <a:pPr indent="0" lvl="0" marL="0" rtl="0" algn="l">
+              <a:lnSpc>
+                <a:spcPct val="100000"/>
+              </a:lnSpc>
+              <a:spcBef>
+                <a:spcPts val="1200"/>
+              </a:spcBef>
+              <a:spcAft>
+                <a:spcPts val="0"/>
+              </a:spcAft>
+              <a:buNone/>
+            </a:pPr>
+            <a:r>
+              <a:rPr lang="ja" sz="764"/>
+              <a:t>「CodePLAN」フレームワークは、LLMの推論能力を小規模モデルに転移することを目的としています。手法としては、まず「バックワードリーズニング」と「プランサンプリング」の2つの技術を革新しました。「バックワードリーズニング」では、問題の解答コードから解決プランを逆算することで高品質の解決プランを生成し、「プランサンプリング」では、複数の解決プランをサンプリングして最適なものを選択することで、推論フェーズにおけるコード生成の質を向上させます。また、マルチタスク学習アプローチを採用しており、解決プランの生成とコードの生成を同時に行うことで、小規模モデルがより効率的にLLMsの推論能力を身につけることを可能にしています​​。</a:t>
+            </a:r>
+            <a:endParaRPr sz="764"/>
+          </a:p>
+          <a:p>
+            <a:pPr indent="0" lvl="0" marL="0" rtl="0" algn="l">
+              <a:lnSpc>
+                <a:spcPct val="100000"/>
+              </a:lnSpc>
+              <a:spcBef>
+                <a:spcPts val="1200"/>
+              </a:spcBef>
+              <a:spcAft>
+                <a:spcPts val="0"/>
+              </a:spcAft>
+              <a:buNone/>
+            </a:pPr>
+            <a:r>
+              <a:rPr lang="ja" sz="764"/>
+              <a:t>CodePLANのアルゴリズムは以下の手順に従って実装されます。</a:t>
+            </a:r>
+            <a:br>
+              <a:rPr lang="ja" sz="764"/>
+            </a:br>
+            <a:r>
+              <a:rPr lang="ja" sz="764"/>
+              <a:t>1. 問題とコードのペアの準備: まず、問題記述（xi）とその解決コード（yi）のペアのデータセットDを用意します。</a:t>
+            </a:r>
+            <a:br>
+              <a:rPr lang="ja" sz="764"/>
+            </a:br>
+            <a:r>
+              <a:rPr lang="ja" sz="764"/>
+              <a:t>2. 解決プランの生成:</a:t>
+            </a:r>
+            <a:br>
+              <a:rPr lang="ja" sz="764"/>
+            </a:br>
+            <a:r>
+              <a:rPr lang="ja" sz="764"/>
+              <a:t>    バックワードリーズニング: 各コード（yi）から、LLM（例えばGPT-3.5-turboなど）を用いて解決プラン（si）を生成します。このプロセスは、与えられたコードから解決プランを逆算することにより、高品質のプランを獲得します。</a:t>
+            </a:r>
+            <a:br>
+              <a:rPr lang="ja" sz="764"/>
+            </a:br>
+            <a:r>
+              <a:rPr lang="ja" sz="764"/>
+              <a:t>    生成された解決プラン（si）は、問題記述（xi）と共に訓練データとして利用されます。</a:t>
+            </a:r>
+            <a:br>
+              <a:rPr lang="ja" sz="764"/>
+            </a:br>
+            <a:r>
+              <a:rPr lang="ja" sz="764"/>
+              <a:t>3. マルチタスク学習フレームワークの設計:</a:t>
+            </a:r>
+            <a:br>
+              <a:rPr lang="ja" sz="764"/>
+            </a:br>
+            <a:r>
+              <a:rPr lang="ja" sz="764"/>
+              <a:t>    コード生成タスク（Code Generation）と解決プラン生成タスク（Plan Generation）の二つのタスクを同時に学習します。</a:t>
+            </a:r>
+            <a:br>
+              <a:rPr lang="ja" sz="764"/>
+            </a:br>
+            <a:r>
+              <a:rPr lang="ja" sz="764"/>
+              <a:t>    これらのタスクを区別するために、モデルには[GEN_CODE]と[GEN_PLAN]の2つの異なるプレフィックス（タスク識別子）を用意し、それぞれのタスクで使用します。</a:t>
+            </a:r>
+            <a:br>
+              <a:rPr lang="ja" sz="764"/>
+            </a:br>
+            <a:r>
+              <a:rPr lang="ja" sz="764"/>
+              <a:t>4. 訓練プロセス:</a:t>
+            </a:r>
+            <a:br>
+              <a:rPr lang="ja" sz="764"/>
+            </a:br>
+            <a:r>
+              <a:rPr lang="ja" sz="764"/>
+              <a:t>    解決プラン生成タスクとコード生成タスクに対して、交互に訓練を行います。つまり、一方のタスクで一定のイテレーションを行った後、他方のタスクで訓練を継続するという方法です。</a:t>
+            </a:r>
+            <a:br>
+              <a:rPr lang="ja" sz="764"/>
+            </a:br>
+            <a:r>
+              <a:rPr lang="ja" sz="764"/>
+              <a:t>    この訓練プロセスは、小規模モデルがLLMsの推論能力を効果的に吸収し、自身のコード生成能力を向上させることを目指しています。</a:t>
+            </a:r>
+            <a:br>
+              <a:rPr lang="ja" sz="764"/>
+            </a:br>
+            <a:r>
+              <a:rPr lang="ja" sz="764"/>
+              <a:t>5. ランサンプリング:</a:t>
+            </a:r>
+            <a:br>
+              <a:rPr lang="ja" sz="764"/>
+            </a:br>
+            <a:r>
+              <a:rPr lang="ja" sz="764"/>
+              <a:t>    推論フェーズでは、「プランサンプリング」技術を用いて、複数の解決プランを生成し、その中から最も質の高いプランを選択します。</a:t>
+            </a:r>
+            <a:br>
+              <a:rPr lang="ja" sz="764"/>
+            </a:br>
+            <a:r>
+              <a:rPr lang="ja" sz="764"/>
+              <a:t>    生成された複数の解決プランを用いてコードを生成し、実際のテストケースに基づいてそれぞれのプランの品質を評価します。品質が最も高いプランを選択して最終的なコード生成に利用します。</a:t>
+            </a:r>
+            <a:br>
+              <a:rPr lang="ja" sz="764"/>
+            </a:br>
+            <a:r>
+              <a:rPr lang="ja" sz="764"/>
+              <a:t>6. コード生成:</a:t>
+            </a:r>
+            <a:br>
+              <a:rPr lang="ja" sz="764"/>
+            </a:br>
+            <a:r>
+              <a:rPr lang="ja" sz="764"/>
+              <a:t>    最終的に選択された解決プランを用いて、改めてコード生成を行います。このプロセスでは、選択された解決プランがコード生成のガイダンスとして機能し、より正確なコードの生成を促します。</a:t>
+            </a:r>
+            <a:endParaRPr sz="764"/>
+          </a:p>
+          <a:p>
+            <a:pPr indent="0" lvl="0" marL="0" rtl="0" algn="l">
+              <a:lnSpc>
+                <a:spcPct val="100000"/>
+              </a:lnSpc>
+              <a:spcBef>
+                <a:spcPts val="1200"/>
+              </a:spcBef>
+              <a:spcAft>
+                <a:spcPts val="0"/>
+              </a:spcAft>
+              <a:buNone/>
+            </a:pPr>
+            <a:r>
+              <a:rPr lang="ja" sz="1100" u="sng"/>
+              <a:t>結果</a:t>
+            </a:r>
+            <a:endParaRPr sz="764"/>
+          </a:p>
+          <a:p>
+            <a:pPr indent="0" lvl="0" marL="0" rtl="0" algn="l">
+              <a:lnSpc>
+                <a:spcPct val="100000"/>
+              </a:lnSpc>
+              <a:spcBef>
+                <a:spcPts val="1200"/>
+              </a:spcBef>
+              <a:spcAft>
+                <a:spcPts val="1200"/>
+              </a:spcAft>
+              <a:buNone/>
+            </a:pPr>
+            <a:r>
+              <a:rPr lang="ja" sz="764"/>
+              <a:t>「CodePLAN」フレームワークを用いた実験では、APPSおよびMBPPという2つの主流なコード生成データセットで評価を行いました。その結果、CodePLANは従来のファインチューニング手法と比較して、特にAPPSデータセットにおいてpass@1メトリックで130%以上のパフォーマンス向上を達成しました。これはCodePLANが、小規模モデルのコード生成能力を顕著に向上させることができることを示しています。また、異なるトレーニングアプローチを比較した結果、CodePLAN（プランサンプリングなし）も標準ファインチューニングやCoTファインチューニング手法よりも優れた結果を示し、LLMsの推論能力を小規模モデルに転移させることの有効性を示しました​​。</a:t>
+            </a:r>
+            <a:endParaRPr sz="764"/>
           </a:p>
         </p:txBody>
       </p:sp>
@@ -32791,6 +35840,1271 @@
 </p:sld>
 </file>
 
+<file path=ppt/slides/slide60.xml><?xml version="1.0" encoding="utf-8"?>
+<p:sld xmlns:a="http://schemas.openxmlformats.org/drawingml/2006/main" xmlns:r="http://schemas.openxmlformats.org/officeDocument/2006/relationships" xmlns:mc="http://schemas.openxmlformats.org/markup-compatibility/2006" xmlns:mv="urn:schemas-microsoft-com:mac:vml" xmlns:p="http://schemas.openxmlformats.org/presentationml/2006/main" xmlns:c="http://schemas.openxmlformats.org/drawingml/2006/chart" xmlns:dgm="http://schemas.openxmlformats.org/drawingml/2006/diagram" xmlns:o="urn:schemas-microsoft-com:office:office" xmlns:v="urn:schemas-microsoft-com:vml" xmlns:pvml="urn:schemas-microsoft-com:office:powerpoint" xmlns:com="http://schemas.openxmlformats.org/drawingml/2006/compatibility" xmlns:p14="http://schemas.microsoft.com/office/powerpoint/2010/main" xmlns:p15="http://schemas.microsoft.com/office/powerpoint/2012/main" xmlns:ahyp="http://schemas.microsoft.com/office/drawing/2018/hyperlinkcolor">
+  <p:cSld>
+    <p:spTree>
+      <p:nvGrpSpPr>
+        <p:cNvPr id="377" name="Shape 377"/>
+        <p:cNvGrpSpPr/>
+        <p:nvPr/>
+      </p:nvGrpSpPr>
+      <p:grpSpPr>
+        <a:xfrm>
+          <a:off x="0" y="0"/>
+          <a:ext cx="0" cy="0"/>
+          <a:chOff x="0" y="0"/>
+          <a:chExt cx="0" cy="0"/>
+        </a:xfrm>
+      </p:grpSpPr>
+      <p:sp>
+        <p:nvSpPr>
+          <p:cNvPr id="378" name="Google Shape;378;p72"/>
+          <p:cNvSpPr txBox="1"/>
+          <p:nvPr>
+            <p:ph idx="1" type="body"/>
+          </p:nvPr>
+        </p:nvSpPr>
+        <p:spPr>
+          <a:xfrm>
+            <a:off x="0" y="0"/>
+            <a:ext cx="9144000" cy="5049600"/>
+          </a:xfrm>
+          <a:prstGeom prst="rect">
+            <a:avLst/>
+          </a:prstGeom>
+        </p:spPr>
+        <p:txBody>
+          <a:bodyPr anchorCtr="0" anchor="t" bIns="91425" lIns="91425" spcFirstLastPara="1" rIns="91425" wrap="square" tIns="91425">
+            <a:normAutofit/>
+          </a:bodyPr>
+          <a:lstStyle/>
+          <a:p>
+            <a:pPr indent="0" lvl="0" marL="0" rtl="0" algn="l">
+              <a:lnSpc>
+                <a:spcPct val="100000"/>
+              </a:lnSpc>
+              <a:spcBef>
+                <a:spcPts val="0"/>
+              </a:spcBef>
+              <a:spcAft>
+                <a:spcPts val="0"/>
+              </a:spcAft>
+              <a:buNone/>
+            </a:pPr>
+            <a:r>
+              <a:rPr lang="ja" sz="1200" u="sng"/>
+              <a:t>ReAct Meets ActRe: Autonomous Annotations of Agent Trajectories for Contrastive Self-Training</a:t>
+            </a:r>
+            <a:r>
+              <a:rPr lang="ja" sz="1200" u="sng"/>
+              <a:t> 2024</a:t>
+            </a:r>
+            <a:endParaRPr sz="1100"/>
+          </a:p>
+          <a:p>
+            <a:pPr indent="0" lvl="0" marL="0" rtl="0" algn="l">
+              <a:lnSpc>
+                <a:spcPct val="100000"/>
+              </a:lnSpc>
+              <a:spcBef>
+                <a:spcPts val="1200"/>
+              </a:spcBef>
+              <a:spcAft>
+                <a:spcPts val="0"/>
+              </a:spcAft>
+              <a:buNone/>
+            </a:pPr>
+            <a:r>
+              <a:rPr lang="ja" sz="1100" u="sng"/>
+              <a:t>概要</a:t>
+            </a:r>
+            <a:endParaRPr sz="764"/>
+          </a:p>
+          <a:p>
+            <a:pPr indent="0" lvl="0" marL="0" rtl="0" algn="l">
+              <a:lnSpc>
+                <a:spcPct val="100000"/>
+              </a:lnSpc>
+              <a:spcBef>
+                <a:spcPts val="1200"/>
+              </a:spcBef>
+              <a:spcAft>
+                <a:spcPts val="0"/>
+              </a:spcAft>
+              <a:buNone/>
+            </a:pPr>
+            <a:r>
+              <a:rPr lang="ja" sz="764"/>
+              <a:t>Agentの自己改善に焦点を当て、A3T（Autonomous Annotation of Agent Trajectories）を提案。</a:t>
+            </a:r>
+            <a:br>
+              <a:rPr lang="ja" sz="764"/>
+            </a:br>
+            <a:r>
+              <a:rPr lang="ja" sz="764"/>
+              <a:t>エージェントは行動の背後にある理由を自動で注釈し、それを学習に活用することで、人間の介入なしに自分自身を改善できます。</a:t>
+            </a:r>
+            <a:endParaRPr sz="764"/>
+          </a:p>
+          <a:p>
+            <a:pPr indent="0" lvl="0" marL="0" rtl="0" algn="l">
+              <a:lnSpc>
+                <a:spcPct val="100000"/>
+              </a:lnSpc>
+              <a:spcBef>
+                <a:spcPts val="1200"/>
+              </a:spcBef>
+              <a:spcAft>
+                <a:spcPts val="0"/>
+              </a:spcAft>
+              <a:buNone/>
+            </a:pPr>
+            <a:r>
+              <a:rPr lang="ja" sz="1100" u="sng"/>
+              <a:t>手法</a:t>
+            </a:r>
+            <a:endParaRPr sz="800"/>
+          </a:p>
+          <a:p>
+            <a:pPr indent="0" lvl="0" marL="0" rtl="0" algn="l">
+              <a:lnSpc>
+                <a:spcPct val="100000"/>
+              </a:lnSpc>
+              <a:spcBef>
+                <a:spcPts val="1200"/>
+              </a:spcBef>
+              <a:spcAft>
+                <a:spcPts val="0"/>
+              </a:spcAft>
+              <a:buNone/>
+            </a:pPr>
+            <a:r>
+              <a:rPr lang="ja" sz="764"/>
+              <a:t>A3Tの核となるのは、エージェントが実行した行動に対する理由（注釈）を自動で生成することです。これには2つの主要なステップがあります。</a:t>
+            </a:r>
+            <a:br>
+              <a:rPr lang="ja" sz="764"/>
+            </a:br>
+            <a:r>
+              <a:rPr lang="ja" sz="764"/>
+              <a:t>1. Autonomous Trajectory Annotation with ActRe：エージェントがある行動を選んだとき、その行動を理由づける注釈を自動生成します。これにより、エージェントは自分の行動に対する理解を深め、さらに良い行動を選択することができるようになります。</a:t>
+            </a:r>
+            <a:endParaRPr sz="764"/>
+          </a:p>
+          <a:p>
+            <a:pPr indent="0" lvl="0" marL="0" rtl="0" algn="l">
+              <a:lnSpc>
+                <a:spcPct val="100000"/>
+              </a:lnSpc>
+              <a:spcBef>
+                <a:spcPts val="1200"/>
+              </a:spcBef>
+              <a:spcAft>
+                <a:spcPts val="0"/>
+              </a:spcAft>
+              <a:buNone/>
+            </a:pPr>
+            <a:r>
+              <a:rPr lang="ja" sz="764"/>
+              <a:t>2. Contrastive Self-Training：成功した行動パターンと失敗した行動パターンを比較することで、エージェントはどの行動が良い結果をもたらすかを学びます。この過程では、ポリシー勾配法を使って、エージェントの行動選択基準を最適化します。</a:t>
+            </a:r>
+            <a:endParaRPr sz="764"/>
+          </a:p>
+          <a:p>
+            <a:pPr indent="0" lvl="0" marL="0" rtl="0" algn="l">
+              <a:lnSpc>
+                <a:spcPct val="100000"/>
+              </a:lnSpc>
+              <a:spcBef>
+                <a:spcPts val="1200"/>
+              </a:spcBef>
+              <a:spcAft>
+                <a:spcPts val="0"/>
+              </a:spcAft>
+              <a:buNone/>
+            </a:pPr>
+            <a:r>
+              <a:rPr lang="ja" sz="764"/>
+              <a:t>A3Tの中心となるポリシー勾配法の数式は以下のように記述されます。</a:t>
+            </a:r>
+            <a:br>
+              <a:rPr lang="ja" sz="764"/>
+            </a:br>
+            <a:r>
+              <a:rPr lang="ja" sz="764"/>
+              <a:t>"∆θ J(θ) = (1/M) Σ R(τ_m) ∆θ log p_θ(τ_m)"</a:t>
+            </a:r>
+            <a:br>
+              <a:rPr lang="ja" sz="764"/>
+            </a:br>
+            <a:r>
+              <a:rPr lang="ja" sz="764"/>
+              <a:t>ここで、∆θはパラメータの更新量、J(θ)は目的関数、Mはトレーニングデータの数、R(τ_m)はm番目の行動パターンに対する報酬、log p_θ(τ_m)はそのトラジェクトリの確率の対数を意味します。この式を通じて、エージェントは成功する行動パターンをより高い確率で選択する学習を行います。</a:t>
+            </a:r>
+            <a:endParaRPr sz="764"/>
+          </a:p>
+          <a:p>
+            <a:pPr indent="0" lvl="0" marL="0" rtl="0" algn="l">
+              <a:lnSpc>
+                <a:spcPct val="100000"/>
+              </a:lnSpc>
+              <a:spcBef>
+                <a:spcPts val="1200"/>
+              </a:spcBef>
+              <a:spcAft>
+                <a:spcPts val="0"/>
+              </a:spcAft>
+              <a:buNone/>
+            </a:pPr>
+            <a:r>
+              <a:rPr lang="ja" sz="1100" u="sng"/>
+              <a:t>結果</a:t>
+            </a:r>
+            <a:endParaRPr sz="764"/>
+          </a:p>
+          <a:p>
+            <a:pPr indent="0" lvl="0" marL="0" rtl="0" algn="l">
+              <a:lnSpc>
+                <a:spcPct val="100000"/>
+              </a:lnSpc>
+              <a:spcBef>
+                <a:spcPts val="1200"/>
+              </a:spcBef>
+              <a:spcAft>
+                <a:spcPts val="1200"/>
+              </a:spcAft>
+              <a:buNone/>
+            </a:pPr>
+            <a:r>
+              <a:rPr lang="ja" sz="764"/>
+              <a:t>A3Tを用いたエージェントはAlfWorldとWebShopの2つの環境でテストされ、いずれも既存の技術よりも高い性能を示しました。AlfWorldでは、1回の試行で96%、4回の繰り返しで100%の成功率を達成</a:t>
+            </a:r>
+            <a:endParaRPr sz="764"/>
+          </a:p>
+        </p:txBody>
+      </p:sp>
+    </p:spTree>
+  </p:cSld>
+  <p:clrMapOvr>
+    <a:masterClrMapping/>
+  </p:clrMapOvr>
+</p:sld>
+</file>
+
+<file path=ppt/slides/slide61.xml><?xml version="1.0" encoding="utf-8"?>
+<p:sld xmlns:a="http://schemas.openxmlformats.org/drawingml/2006/main" xmlns:r="http://schemas.openxmlformats.org/officeDocument/2006/relationships" xmlns:mc="http://schemas.openxmlformats.org/markup-compatibility/2006" xmlns:mv="urn:schemas-microsoft-com:mac:vml" xmlns:p="http://schemas.openxmlformats.org/presentationml/2006/main" xmlns:c="http://schemas.openxmlformats.org/drawingml/2006/chart" xmlns:dgm="http://schemas.openxmlformats.org/drawingml/2006/diagram" xmlns:o="urn:schemas-microsoft-com:office:office" xmlns:v="urn:schemas-microsoft-com:vml" xmlns:pvml="urn:schemas-microsoft-com:office:powerpoint" xmlns:com="http://schemas.openxmlformats.org/drawingml/2006/compatibility" xmlns:p14="http://schemas.microsoft.com/office/powerpoint/2010/main" xmlns:p15="http://schemas.microsoft.com/office/powerpoint/2012/main" xmlns:ahyp="http://schemas.microsoft.com/office/drawing/2018/hyperlinkcolor">
+  <p:cSld>
+    <p:spTree>
+      <p:nvGrpSpPr>
+        <p:cNvPr id="382" name="Shape 382"/>
+        <p:cNvGrpSpPr/>
+        <p:nvPr/>
+      </p:nvGrpSpPr>
+      <p:grpSpPr>
+        <a:xfrm>
+          <a:off x="0" y="0"/>
+          <a:ext cx="0" cy="0"/>
+          <a:chOff x="0" y="0"/>
+          <a:chExt cx="0" cy="0"/>
+        </a:xfrm>
+      </p:grpSpPr>
+      <p:sp>
+        <p:nvSpPr>
+          <p:cNvPr id="383" name="Google Shape;383;p73"/>
+          <p:cNvSpPr txBox="1"/>
+          <p:nvPr>
+            <p:ph idx="1" type="body"/>
+          </p:nvPr>
+        </p:nvSpPr>
+        <p:spPr>
+          <a:xfrm>
+            <a:off x="0" y="0"/>
+            <a:ext cx="9144000" cy="5049600"/>
+          </a:xfrm>
+          <a:prstGeom prst="rect">
+            <a:avLst/>
+          </a:prstGeom>
+        </p:spPr>
+        <p:txBody>
+          <a:bodyPr anchorCtr="0" anchor="t" bIns="91425" lIns="91425" spcFirstLastPara="1" rIns="91425" wrap="square" tIns="91425">
+            <a:normAutofit/>
+          </a:bodyPr>
+          <a:lstStyle/>
+          <a:p>
+            <a:pPr indent="0" lvl="0" marL="0" rtl="0" algn="l">
+              <a:lnSpc>
+                <a:spcPct val="100000"/>
+              </a:lnSpc>
+              <a:spcBef>
+                <a:spcPts val="0"/>
+              </a:spcBef>
+              <a:spcAft>
+                <a:spcPts val="0"/>
+              </a:spcAft>
+              <a:buNone/>
+            </a:pPr>
+            <a:r>
+              <a:rPr lang="ja" sz="1200" u="sng"/>
+              <a:t>Detoxifying Large Language Models via Knowledge Editing</a:t>
+            </a:r>
+            <a:r>
+              <a:rPr lang="ja" sz="1200" u="sng"/>
+              <a:t> 2024</a:t>
+            </a:r>
+            <a:endParaRPr sz="1100"/>
+          </a:p>
+          <a:p>
+            <a:pPr indent="0" lvl="0" marL="0" rtl="0" algn="l">
+              <a:lnSpc>
+                <a:spcPct val="100000"/>
+              </a:lnSpc>
+              <a:spcBef>
+                <a:spcPts val="1200"/>
+              </a:spcBef>
+              <a:spcAft>
+                <a:spcPts val="0"/>
+              </a:spcAft>
+              <a:buNone/>
+            </a:pPr>
+            <a:r>
+              <a:rPr lang="ja" sz="1100" u="sng"/>
+              <a:t>概要</a:t>
+            </a:r>
+            <a:endParaRPr sz="764"/>
+          </a:p>
+          <a:p>
+            <a:pPr indent="0" lvl="0" marL="0" rtl="0" algn="l">
+              <a:lnSpc>
+                <a:spcPct val="100000"/>
+              </a:lnSpc>
+              <a:spcBef>
+                <a:spcPts val="1200"/>
+              </a:spcBef>
+              <a:spcAft>
+                <a:spcPts val="0"/>
+              </a:spcAft>
+              <a:buNone/>
+            </a:pPr>
+            <a:r>
+              <a:rPr lang="ja" sz="764"/>
+              <a:t>SafeEditというベンチマークを構築し、9つの危険なカテゴリーをカバーする攻撃プロンプトを含む広範囲な評価指標を作成しました。</a:t>
+            </a:r>
+            <a:br>
+              <a:rPr lang="ja" sz="764"/>
+            </a:br>
+            <a:r>
+              <a:rPr lang="ja" sz="764"/>
+              <a:t>さらに、Detoxifying with Intraoperative Neural Monitoring (DINM) という、数ステップの調整でLLMsの有害性を減少させる新しい手法を提案</a:t>
+            </a:r>
+            <a:br>
+              <a:rPr lang="ja" sz="764"/>
+            </a:br>
+            <a:r>
+              <a:rPr lang="ja" sz="764"/>
+              <a:t>https://www.zjukg.org/project/SafeEdit/</a:t>
+            </a:r>
+            <a:endParaRPr sz="764"/>
+          </a:p>
+          <a:p>
+            <a:pPr indent="0" lvl="0" marL="0" rtl="0" algn="l">
+              <a:lnSpc>
+                <a:spcPct val="100000"/>
+              </a:lnSpc>
+              <a:spcBef>
+                <a:spcPts val="1200"/>
+              </a:spcBef>
+              <a:spcAft>
+                <a:spcPts val="0"/>
+              </a:spcAft>
+              <a:buNone/>
+            </a:pPr>
+            <a:r>
+              <a:rPr lang="ja" sz="1100" u="sng"/>
+              <a:t>手法</a:t>
+            </a:r>
+            <a:endParaRPr sz="800"/>
+          </a:p>
+          <a:p>
+            <a:pPr indent="0" lvl="0" marL="0" rtl="0" algn="l">
+              <a:lnSpc>
+                <a:spcPct val="100000"/>
+              </a:lnSpc>
+              <a:spcBef>
+                <a:spcPts val="1200"/>
+              </a:spcBef>
+              <a:spcAft>
+                <a:spcPts val="0"/>
+              </a:spcAft>
+              <a:buNone/>
+            </a:pPr>
+            <a:r>
+              <a:rPr lang="ja" sz="764"/>
+              <a:t>DINMは、まず有害な領域を文脈のセマンティクスに基づいて特定し、次にその領域内のパラメーターを直接編集して、副作用を最小限に抑えながら有害性を減少させます。</a:t>
+            </a:r>
+            <a:br>
+              <a:rPr lang="ja" sz="764"/>
+            </a:br>
+            <a:r>
+              <a:rPr lang="ja" sz="764"/>
+              <a:t>具体的には、DINMは、安全な応答と有害な応答の間で隠れ状態の最大のセマンティックな違いを見つけ出し、そのレイヤー内の有害なパラメーターを特定します。</a:t>
+            </a:r>
+            <a:br>
+              <a:rPr lang="ja" sz="764"/>
+            </a:br>
+            <a:r>
+              <a:rPr lang="ja" sz="764"/>
+              <a:t>そして、一連の調整ステップを通じて、これらの有害な領域を削除または修正することを目指します。</a:t>
+            </a:r>
+            <a:endParaRPr sz="764"/>
+          </a:p>
+          <a:p>
+            <a:pPr indent="0" lvl="0" marL="0" rtl="0" algn="l">
+              <a:lnSpc>
+                <a:spcPct val="100000"/>
+              </a:lnSpc>
+              <a:spcBef>
+                <a:spcPts val="1200"/>
+              </a:spcBef>
+              <a:spcAft>
+                <a:spcPts val="0"/>
+              </a:spcAft>
+              <a:buNone/>
+            </a:pPr>
+            <a:r>
+              <a:rPr lang="ja" sz="1100" u="sng"/>
+              <a:t>結果</a:t>
+            </a:r>
+            <a:endParaRPr sz="764"/>
+          </a:p>
+          <a:p>
+            <a:pPr indent="0" lvl="0" marL="0" rtl="0" algn="l">
+              <a:lnSpc>
+                <a:spcPct val="100000"/>
+              </a:lnSpc>
+              <a:spcBef>
+                <a:spcPts val="1200"/>
+              </a:spcBef>
+              <a:spcAft>
+                <a:spcPts val="1200"/>
+              </a:spcAft>
+              <a:buNone/>
+            </a:pPr>
+            <a:r>
+              <a:rPr lang="ja" sz="764"/>
+              <a:t>DINMは、LLaMA2-7B-ChatおよびMistral-7B-v0.1といったLLMsに対して、様々なデトックスメソッドと比較して優れた性能を発揮しました。</a:t>
+            </a:r>
+            <a:br>
+              <a:rPr lang="ja" sz="764"/>
+            </a:br>
+            <a:r>
+              <a:rPr lang="ja" sz="764"/>
+              <a:t>具体的には、有害性を減少させる成功率が大幅に向上し、さまざまな悪意のある入力に対しても防御する一般化能力を示しました。</a:t>
+            </a:r>
+            <a:br>
+              <a:rPr lang="ja" sz="764"/>
+            </a:br>
+            <a:r>
+              <a:rPr lang="ja" sz="764"/>
+              <a:t>また、DINMは、他の方法と比較して効率的に実行可能であり、LLMsの一般的な能力に与える影響も比較的小さいことが確認されました。</a:t>
+            </a:r>
+            <a:endParaRPr sz="764"/>
+          </a:p>
+        </p:txBody>
+      </p:sp>
+    </p:spTree>
+  </p:cSld>
+  <p:clrMapOvr>
+    <a:masterClrMapping/>
+  </p:clrMapOvr>
+</p:sld>
+</file>
+
+<file path=ppt/slides/slide62.xml><?xml version="1.0" encoding="utf-8"?>
+<p:sld xmlns:a="http://schemas.openxmlformats.org/drawingml/2006/main" xmlns:r="http://schemas.openxmlformats.org/officeDocument/2006/relationships" xmlns:mc="http://schemas.openxmlformats.org/markup-compatibility/2006" xmlns:mv="urn:schemas-microsoft-com:mac:vml" xmlns:p="http://schemas.openxmlformats.org/presentationml/2006/main" xmlns:c="http://schemas.openxmlformats.org/drawingml/2006/chart" xmlns:dgm="http://schemas.openxmlformats.org/drawingml/2006/diagram" xmlns:o="urn:schemas-microsoft-com:office:office" xmlns:v="urn:schemas-microsoft-com:vml" xmlns:pvml="urn:schemas-microsoft-com:office:powerpoint" xmlns:com="http://schemas.openxmlformats.org/drawingml/2006/compatibility" xmlns:p14="http://schemas.microsoft.com/office/powerpoint/2010/main" xmlns:p15="http://schemas.microsoft.com/office/powerpoint/2012/main" xmlns:ahyp="http://schemas.microsoft.com/office/drawing/2018/hyperlinkcolor">
+  <p:cSld>
+    <p:spTree>
+      <p:nvGrpSpPr>
+        <p:cNvPr id="387" name="Shape 387"/>
+        <p:cNvGrpSpPr/>
+        <p:nvPr/>
+      </p:nvGrpSpPr>
+      <p:grpSpPr>
+        <a:xfrm>
+          <a:off x="0" y="0"/>
+          <a:ext cx="0" cy="0"/>
+          <a:chOff x="0" y="0"/>
+          <a:chExt cx="0" cy="0"/>
+        </a:xfrm>
+      </p:grpSpPr>
+      <p:sp>
+        <p:nvSpPr>
+          <p:cNvPr id="388" name="Google Shape;388;p74"/>
+          <p:cNvSpPr txBox="1"/>
+          <p:nvPr>
+            <p:ph idx="1" type="body"/>
+          </p:nvPr>
+        </p:nvSpPr>
+        <p:spPr>
+          <a:xfrm>
+            <a:off x="0" y="0"/>
+            <a:ext cx="9144000" cy="5049600"/>
+          </a:xfrm>
+          <a:prstGeom prst="rect">
+            <a:avLst/>
+          </a:prstGeom>
+        </p:spPr>
+        <p:txBody>
+          <a:bodyPr anchorCtr="0" anchor="t" bIns="91425" lIns="91425" spcFirstLastPara="1" rIns="91425" wrap="square" tIns="91425">
+            <a:normAutofit/>
+          </a:bodyPr>
+          <a:lstStyle/>
+          <a:p>
+            <a:pPr indent="0" lvl="0" marL="0" rtl="0" algn="l">
+              <a:lnSpc>
+                <a:spcPct val="100000"/>
+              </a:lnSpc>
+              <a:spcBef>
+                <a:spcPts val="0"/>
+              </a:spcBef>
+              <a:spcAft>
+                <a:spcPts val="0"/>
+              </a:spcAft>
+              <a:buNone/>
+            </a:pPr>
+            <a:r>
+              <a:rPr lang="ja" sz="1200" u="sng"/>
+              <a:t>EXPLORING THE POTENTIAL OF LARGE LANGUAGE MODELS IN GRAPH GENERATION</a:t>
+            </a:r>
+            <a:r>
+              <a:rPr lang="ja" sz="1200" u="sng"/>
+              <a:t> 2024</a:t>
+            </a:r>
+            <a:endParaRPr sz="1100"/>
+          </a:p>
+          <a:p>
+            <a:pPr indent="0" lvl="0" marL="0" rtl="0" algn="l">
+              <a:lnSpc>
+                <a:spcPct val="100000"/>
+              </a:lnSpc>
+              <a:spcBef>
+                <a:spcPts val="1200"/>
+              </a:spcBef>
+              <a:spcAft>
+                <a:spcPts val="0"/>
+              </a:spcAft>
+              <a:buNone/>
+            </a:pPr>
+            <a:r>
+              <a:rPr lang="ja" sz="1100" u="sng"/>
+              <a:t>概要</a:t>
+            </a:r>
+            <a:endParaRPr sz="764"/>
+          </a:p>
+          <a:p>
+            <a:pPr indent="0" lvl="0" marL="0" rtl="0" algn="l">
+              <a:lnSpc>
+                <a:spcPct val="100000"/>
+              </a:lnSpc>
+              <a:spcBef>
+                <a:spcPts val="1200"/>
+              </a:spcBef>
+              <a:spcAft>
+                <a:spcPts val="0"/>
+              </a:spcAft>
+              <a:buNone/>
+            </a:pPr>
+            <a:r>
+              <a:rPr lang="ja" sz="764"/>
+              <a:t>異なるグラフ構造のルール、構造タイプの分布を理解し、特定のプロパティを持つグラフ（例えば、分子構造）を生成する能力に焦点を当て、GPT-4がルールベースおよび分布ベースの生成タスクで有望な能力を示しましたが、いくつかのプロンプト方法は一貫して性能を向上させるわけではないことが観察されました。また、特定のプロパティを持つ分子を生成する能力についても初期の能力が示されました。</a:t>
+            </a:r>
+            <a:endParaRPr sz="764"/>
+          </a:p>
+          <a:p>
+            <a:pPr indent="0" lvl="0" marL="0" rtl="0" algn="l">
+              <a:lnSpc>
+                <a:spcPct val="100000"/>
+              </a:lnSpc>
+              <a:spcBef>
+                <a:spcPts val="1200"/>
+              </a:spcBef>
+              <a:spcAft>
+                <a:spcPts val="0"/>
+              </a:spcAft>
+              <a:buNone/>
+            </a:pPr>
+            <a:r>
+              <a:rPr lang="ja" sz="1100" u="sng"/>
+              <a:t>手法</a:t>
+            </a:r>
+            <a:endParaRPr sz="800"/>
+          </a:p>
+          <a:p>
+            <a:pPr indent="0" lvl="0" marL="0" rtl="0" algn="l">
+              <a:lnSpc>
+                <a:spcPct val="100000"/>
+              </a:lnSpc>
+              <a:spcBef>
+                <a:spcPts val="1200"/>
+              </a:spcBef>
+              <a:spcAft>
+                <a:spcPts val="0"/>
+              </a:spcAft>
+              <a:buNone/>
+            </a:pPr>
+            <a:r>
+              <a:rPr lang="ja" sz="764"/>
+              <a:t>採用されている手法は「LLM4GraphGen」と名付けられ、テキストプロンプトとして構成されたグラフ生成タスクをLLMsに解かせることにより、グラフ生成の能力を探るものです。</a:t>
+            </a:r>
+            <a:br>
+              <a:rPr lang="ja" sz="764"/>
+            </a:br>
+            <a:r>
+              <a:rPr lang="ja" sz="764"/>
+              <a:t>以下の3つの主要な手法があります。</a:t>
+            </a:r>
+            <a:endParaRPr sz="764"/>
+          </a:p>
+          <a:p>
+            <a:pPr indent="0" lvl="0" marL="0" rtl="0" algn="l">
+              <a:lnSpc>
+                <a:spcPct val="100000"/>
+              </a:lnSpc>
+              <a:spcBef>
+                <a:spcPts val="1200"/>
+              </a:spcBef>
+              <a:spcAft>
+                <a:spcPts val="0"/>
+              </a:spcAft>
+              <a:buNone/>
+            </a:pPr>
+            <a:r>
+              <a:rPr lang="ja" sz="764"/>
+              <a:t>1. ルールベースのグラフ生成: 自然言語で記述されたルールに従ってグラフを生成します（例: 木、サイクル、平面グラフなど）。</a:t>
+            </a:r>
+            <a:br>
+              <a:rPr lang="ja" sz="764"/>
+            </a:br>
+            <a:r>
+              <a:rPr lang="ja" sz="764"/>
+              <a:t>2. 分布ベースのグラフ生成: 与えられたグラフの分布から新しいグラフを生成する能力を評価します。具体的には、木やサイクルの混合、コンポーネントの組み合わせ、特定のモチーフを持つグラフの生成などが含まれます。</a:t>
+            </a:r>
+            <a:br>
+              <a:rPr lang="ja" sz="764"/>
+            </a:br>
+            <a:r>
+              <a:rPr lang="ja" sz="764"/>
+              <a:t>3. プロパティベースのグラフ生成: 特定のプロパティ（例: HIV阻害能力を持つ分子の生成）を持つグラフを生成する能力を評価します。このタスクでは、SMILES形式で表現された分子構造を生成します。</a:t>
+            </a:r>
+            <a:endParaRPr sz="764"/>
+          </a:p>
+          <a:p>
+            <a:pPr indent="0" lvl="0" marL="0" rtl="0" algn="l">
+              <a:lnSpc>
+                <a:spcPct val="100000"/>
+              </a:lnSpc>
+              <a:spcBef>
+                <a:spcPts val="1200"/>
+              </a:spcBef>
+              <a:spcAft>
+                <a:spcPts val="0"/>
+              </a:spcAft>
+              <a:buNone/>
+            </a:pPr>
+            <a:r>
+              <a:rPr lang="ja" sz="1100" u="sng"/>
+              <a:t>結果</a:t>
+            </a:r>
+            <a:endParaRPr sz="764"/>
+          </a:p>
+          <a:p>
+            <a:pPr indent="0" lvl="0" marL="0" rtl="0" algn="l">
+              <a:lnSpc>
+                <a:spcPct val="100000"/>
+              </a:lnSpc>
+              <a:spcBef>
+                <a:spcPts val="1200"/>
+              </a:spcBef>
+              <a:spcAft>
+                <a:spcPts val="0"/>
+              </a:spcAft>
+              <a:buNone/>
+            </a:pPr>
+            <a:r>
+              <a:rPr lang="ja" sz="764"/>
+              <a:t>分布ベースのグラフ生成: LLMは単純な分布を理解し、生成する能力を示しましたが、より複雑なシナリオでは性能が低下しました。詳細な例とチェイン・オブ・ソート(CoT)プロンプトを使用することで、分布ベースの生成タスクのパフォーマンスが向上しました。</a:t>
+            </a:r>
+            <a:br>
+              <a:rPr lang="ja" sz="764"/>
+            </a:br>
+            <a:r>
+              <a:rPr lang="ja" sz="764"/>
+              <a:t>プロパティベースのグラフ生成: LLMは、特定のプロパティを持つ分子を生成する初期の能力を示しました。さらに、CoTプロンプトを使用することで、生成された分子が所望のプロパティを持つ確率が向上しました。</a:t>
+            </a:r>
+            <a:endParaRPr sz="764"/>
+          </a:p>
+          <a:p>
+            <a:pPr indent="0" lvl="0" marL="0" rtl="0" algn="l">
+              <a:lnSpc>
+                <a:spcPct val="100000"/>
+              </a:lnSpc>
+              <a:spcBef>
+                <a:spcPts val="1200"/>
+              </a:spcBef>
+              <a:spcAft>
+                <a:spcPts val="1200"/>
+              </a:spcAft>
+              <a:buNone/>
+            </a:pPr>
+            <a:r>
+              <a:t/>
+            </a:r>
+            <a:endParaRPr sz="764"/>
+          </a:p>
+        </p:txBody>
+      </p:sp>
+    </p:spTree>
+  </p:cSld>
+  <p:clrMapOvr>
+    <a:masterClrMapping/>
+  </p:clrMapOvr>
+</p:sld>
+</file>
+
+<file path=ppt/slides/slide63.xml><?xml version="1.0" encoding="utf-8"?>
+<p:sld xmlns:a="http://schemas.openxmlformats.org/drawingml/2006/main" xmlns:r="http://schemas.openxmlformats.org/officeDocument/2006/relationships" xmlns:mc="http://schemas.openxmlformats.org/markup-compatibility/2006" xmlns:mv="urn:schemas-microsoft-com:mac:vml" xmlns:p="http://schemas.openxmlformats.org/presentationml/2006/main" xmlns:c="http://schemas.openxmlformats.org/drawingml/2006/chart" xmlns:dgm="http://schemas.openxmlformats.org/drawingml/2006/diagram" xmlns:o="urn:schemas-microsoft-com:office:office" xmlns:v="urn:schemas-microsoft-com:vml" xmlns:pvml="urn:schemas-microsoft-com:office:powerpoint" xmlns:com="http://schemas.openxmlformats.org/drawingml/2006/compatibility" xmlns:p14="http://schemas.microsoft.com/office/powerpoint/2010/main" xmlns:p15="http://schemas.microsoft.com/office/powerpoint/2012/main" xmlns:ahyp="http://schemas.microsoft.com/office/drawing/2018/hyperlinkcolor">
+  <p:cSld>
+    <p:spTree>
+      <p:nvGrpSpPr>
+        <p:cNvPr id="392" name="Shape 392"/>
+        <p:cNvGrpSpPr/>
+        <p:nvPr/>
+      </p:nvGrpSpPr>
+      <p:grpSpPr>
+        <a:xfrm>
+          <a:off x="0" y="0"/>
+          <a:ext cx="0" cy="0"/>
+          <a:chOff x="0" y="0"/>
+          <a:chExt cx="0" cy="0"/>
+        </a:xfrm>
+      </p:grpSpPr>
+      <p:sp>
+        <p:nvSpPr>
+          <p:cNvPr id="393" name="Google Shape;393;p75"/>
+          <p:cNvSpPr txBox="1"/>
+          <p:nvPr>
+            <p:ph idx="1" type="body"/>
+          </p:nvPr>
+        </p:nvSpPr>
+        <p:spPr>
+          <a:xfrm>
+            <a:off x="0" y="0"/>
+            <a:ext cx="9144000" cy="5049600"/>
+          </a:xfrm>
+          <a:prstGeom prst="rect">
+            <a:avLst/>
+          </a:prstGeom>
+        </p:spPr>
+        <p:txBody>
+          <a:bodyPr anchorCtr="0" anchor="t" bIns="91425" lIns="91425" spcFirstLastPara="1" rIns="91425" wrap="square" tIns="91425">
+            <a:normAutofit fontScale="85000" lnSpcReduction="20000"/>
+          </a:bodyPr>
+          <a:lstStyle/>
+          <a:p>
+            <a:pPr indent="0" lvl="0" marL="0" rtl="0" algn="l">
+              <a:lnSpc>
+                <a:spcPct val="100000"/>
+              </a:lnSpc>
+              <a:spcBef>
+                <a:spcPts val="0"/>
+              </a:spcBef>
+              <a:spcAft>
+                <a:spcPts val="0"/>
+              </a:spcAft>
+              <a:buNone/>
+            </a:pPr>
+            <a:r>
+              <a:rPr lang="ja" sz="1200" u="sng"/>
+              <a:t>ChainLM: Empowering Large Language Models with Improved Chain-of-Thought Prompting</a:t>
+            </a:r>
+            <a:r>
+              <a:rPr lang="ja" sz="1200" u="sng"/>
+              <a:t> 2024</a:t>
+            </a:r>
+            <a:endParaRPr sz="1100"/>
+          </a:p>
+          <a:p>
+            <a:pPr indent="0" lvl="0" marL="0" rtl="0" algn="l">
+              <a:lnSpc>
+                <a:spcPct val="100000"/>
+              </a:lnSpc>
+              <a:spcBef>
+                <a:spcPts val="1200"/>
+              </a:spcBef>
+              <a:spcAft>
+                <a:spcPts val="0"/>
+              </a:spcAft>
+              <a:buNone/>
+            </a:pPr>
+            <a:r>
+              <a:rPr lang="ja" sz="1100" u="sng"/>
+              <a:t>概要</a:t>
+            </a:r>
+            <a:endParaRPr sz="764"/>
+          </a:p>
+          <a:p>
+            <a:pPr indent="0" lvl="0" marL="0" rtl="0" algn="l">
+              <a:lnSpc>
+                <a:spcPct val="100000"/>
+              </a:lnSpc>
+              <a:spcBef>
+                <a:spcPts val="1200"/>
+              </a:spcBef>
+              <a:spcAft>
+                <a:spcPts val="0"/>
+              </a:spcAft>
+              <a:buNone/>
+            </a:pPr>
+            <a:r>
+              <a:rPr lang="ja" sz="764"/>
+              <a:t>CoTプロンプトを自動生成する新しいフレームワークCoTGeniusを提案。CoTGeniusは、「複雑化(complicate)」、「多様化(diversify)」、「具体化(specify)」の3つの主要な進化戦略と、2つのフィルタリング機構（進化的成功判定と正確性検証）で作成しています。この手法を使用してCoTデータセットを作成し、Llama 2-Chat 7Bおよび13BモデルをファインチューニングしてChainLMモデルを作成。</a:t>
+            </a:r>
+            <a:br>
+              <a:rPr lang="ja" sz="764"/>
+            </a:br>
+            <a:r>
+              <a:rPr lang="ja" sz="764"/>
+              <a:t>推論ステップの累積エラー問題に対処するため、複数の推論ステップごとに複数のディベーターが正しい答えを導くために議論するステップレベルディベーティング方法を提案しています。</a:t>
+            </a:r>
+            <a:br>
+              <a:rPr lang="ja" sz="764"/>
+            </a:br>
+            <a:r>
+              <a:rPr lang="ja" sz="764"/>
+              <a:t>https://github.com/RUCAIBox/ChainLM</a:t>
+            </a:r>
+            <a:endParaRPr sz="764"/>
+          </a:p>
+          <a:p>
+            <a:pPr indent="0" lvl="0" marL="0" rtl="0" algn="l">
+              <a:lnSpc>
+                <a:spcPct val="100000"/>
+              </a:lnSpc>
+              <a:spcBef>
+                <a:spcPts val="1200"/>
+              </a:spcBef>
+              <a:spcAft>
+                <a:spcPts val="0"/>
+              </a:spcAft>
+              <a:buNone/>
+            </a:pPr>
+            <a:r>
+              <a:rPr lang="ja" sz="1100" u="sng"/>
+              <a:t>手法</a:t>
+            </a:r>
+            <a:endParaRPr sz="800"/>
+          </a:p>
+          <a:p>
+            <a:pPr indent="0" lvl="0" marL="0" rtl="0" algn="l">
+              <a:lnSpc>
+                <a:spcPct val="100000"/>
+              </a:lnSpc>
+              <a:spcBef>
+                <a:spcPts val="1200"/>
+              </a:spcBef>
+              <a:spcAft>
+                <a:spcPts val="0"/>
+              </a:spcAft>
+              <a:buNone/>
+            </a:pPr>
+            <a:r>
+              <a:rPr lang="ja" sz="764"/>
+              <a:t>CoTGeniusフレームワークはプロンプトの改善とその評価の二つのフェーズを提案しています</a:t>
+            </a:r>
+            <a:endParaRPr sz="764"/>
+          </a:p>
+          <a:p>
+            <a:pPr indent="0" lvl="0" marL="0" rtl="0" algn="l">
+              <a:lnSpc>
+                <a:spcPct val="100000"/>
+              </a:lnSpc>
+              <a:spcBef>
+                <a:spcPts val="1200"/>
+              </a:spcBef>
+              <a:spcAft>
+                <a:spcPts val="0"/>
+              </a:spcAft>
+              <a:buNone/>
+            </a:pPr>
+            <a:r>
+              <a:rPr lang="ja" sz="764"/>
+              <a:t>1. CoT Improvement Strategies (CoT改善戦略)</a:t>
+            </a:r>
+            <a:br>
+              <a:rPr lang="ja" sz="764"/>
+            </a:br>
+            <a:r>
+              <a:rPr lang="ja" sz="764"/>
+              <a:t>CoTGeniusフレームワークは、CoT（Chain-of-Thought）プロンプトを改善するための3つの主要な進化戦略を提案しています：複雑化（Complicate）、多様化（Diversify）、具体化（Specify）です。これらの戦略は、CoTプロンプトの質を向上させ、LLMs（大規模言語モデル）の複雑な推論タスクにおける性能を強化することを目的としています。</a:t>
+            </a:r>
+            <a:endParaRPr sz="764"/>
+          </a:p>
+          <a:p>
+            <a:pPr indent="0" lvl="0" marL="0" rtl="0" algn="l">
+              <a:lnSpc>
+                <a:spcPct val="100000"/>
+              </a:lnSpc>
+              <a:spcBef>
+                <a:spcPts val="1200"/>
+              </a:spcBef>
+              <a:spcAft>
+                <a:spcPts val="0"/>
+              </a:spcAft>
+              <a:buNone/>
+            </a:pPr>
+            <a:r>
+              <a:rPr lang="ja" sz="764"/>
+              <a:t>複雑化 (Complicate)</a:t>
+            </a:r>
+            <a:br>
+              <a:rPr lang="ja" sz="764"/>
+            </a:br>
+            <a:r>
+              <a:rPr lang="ja" sz="764"/>
+              <a:t>目的: 問題をより複雑にすることで、</a:t>
+            </a:r>
+            <a:br>
+              <a:rPr lang="ja" sz="764"/>
+            </a:br>
+            <a:r>
+              <a:rPr lang="ja" sz="764"/>
+              <a:t>それを解決するために必要な推論ステップの数を増やします。</a:t>
+            </a:r>
+            <a:br>
+              <a:rPr lang="ja" sz="764"/>
+            </a:br>
+            <a:r>
+              <a:rPr lang="ja" sz="764"/>
+              <a:t>方法: 条件や制約を追加することで問題を複雑化します。</a:t>
+            </a:r>
+            <a:br>
+              <a:rPr lang="ja" sz="764"/>
+            </a:br>
+            <a:r>
+              <a:rPr lang="ja" sz="764"/>
+              <a:t>例えば、単純な数学の問題に「x &gt; 0」という条件を加えることで、</a:t>
+            </a:r>
+            <a:br>
+              <a:rPr lang="ja" sz="764"/>
+            </a:br>
+            <a:r>
+              <a:rPr lang="ja" sz="764"/>
+              <a:t>問題をより複雑にし、より多くの推論ステップが必要になります。</a:t>
+            </a:r>
+            <a:endParaRPr sz="764"/>
+          </a:p>
+          <a:p>
+            <a:pPr indent="0" lvl="0" marL="0" rtl="0" algn="l">
+              <a:lnSpc>
+                <a:spcPct val="100000"/>
+              </a:lnSpc>
+              <a:spcBef>
+                <a:spcPts val="1200"/>
+              </a:spcBef>
+              <a:spcAft>
+                <a:spcPts val="0"/>
+              </a:spcAft>
+              <a:buNone/>
+            </a:pPr>
+            <a:r>
+              <a:rPr lang="ja" sz="764"/>
+              <a:t>多様化 (Diversify)</a:t>
+            </a:r>
+            <a:br>
+              <a:rPr lang="ja" sz="764"/>
+            </a:br>
+            <a:r>
+              <a:rPr lang="ja" sz="764"/>
+              <a:t>目的: 問題の背景やシナリオを変更することで、問題の多様性を高め、</a:t>
+            </a:r>
+            <a:br>
+              <a:rPr lang="ja" sz="764"/>
+            </a:br>
+            <a:r>
+              <a:rPr lang="ja" sz="764"/>
+              <a:t>モデルが一般化する能力を向上させます。</a:t>
+            </a:r>
+            <a:br>
+              <a:rPr lang="ja" sz="764"/>
+            </a:br>
+            <a:r>
+              <a:rPr lang="ja" sz="764"/>
+              <a:t>方法: 問題のシナリオを変更するか、</a:t>
+            </a:r>
+            <a:br>
+              <a:rPr lang="ja" sz="764"/>
+            </a:br>
+            <a:r>
+              <a:rPr lang="ja" sz="764"/>
+              <a:t>与えられた問題から新しい問題を着想して、</a:t>
+            </a:r>
+            <a:br>
+              <a:rPr lang="ja" sz="764"/>
+            </a:br>
+            <a:r>
+              <a:rPr lang="ja" sz="764"/>
+              <a:t>問題のトピックの多様性を増加させます。</a:t>
+            </a:r>
+            <a:endParaRPr sz="764"/>
+          </a:p>
+          <a:p>
+            <a:pPr indent="0" lvl="0" marL="0" rtl="0" algn="l">
+              <a:lnSpc>
+                <a:spcPct val="100000"/>
+              </a:lnSpc>
+              <a:spcBef>
+                <a:spcPts val="1200"/>
+              </a:spcBef>
+              <a:spcAft>
+                <a:spcPts val="0"/>
+              </a:spcAft>
+              <a:buNone/>
+            </a:pPr>
+            <a:r>
+              <a:rPr lang="ja" sz="764"/>
+              <a:t>具体化 (Specify)</a:t>
+            </a:r>
+            <a:br>
+              <a:rPr lang="ja" sz="764"/>
+            </a:br>
+            <a:r>
+              <a:rPr lang="ja" sz="764"/>
+              <a:t>目的: CoTプロンプトにより多くの詳細や推論ステップを追加することで、</a:t>
+            </a:r>
+            <a:br>
+              <a:rPr lang="ja" sz="764"/>
+            </a:br>
+            <a:r>
+              <a:rPr lang="ja" sz="764"/>
+              <a:t>モデルがより詳細で具体的な推論プロセスを経て</a:t>
+            </a:r>
+            <a:br>
+              <a:rPr lang="ja" sz="764"/>
+            </a:br>
+            <a:r>
+              <a:rPr lang="ja" sz="764"/>
+              <a:t>最終的な答えを導き出すのを助けます。</a:t>
+            </a:r>
+            <a:br>
+              <a:rPr lang="ja" sz="764"/>
+            </a:br>
+            <a:r>
+              <a:rPr lang="ja" sz="764"/>
+              <a:t>方法: 既存のCoT推論ステップを改訂してより詳細化するか、</a:t>
+            </a:r>
+            <a:br>
+              <a:rPr lang="ja" sz="764"/>
+            </a:br>
+            <a:r>
+              <a:rPr lang="ja" sz="764"/>
+              <a:t>新しい推論ステップを追加します。</a:t>
+            </a:r>
+            <a:endParaRPr sz="764"/>
+          </a:p>
+          <a:p>
+            <a:pPr indent="0" lvl="0" marL="0" rtl="0" algn="l">
+              <a:lnSpc>
+                <a:spcPct val="100000"/>
+              </a:lnSpc>
+              <a:spcBef>
+                <a:spcPts val="1200"/>
+              </a:spcBef>
+              <a:spcAft>
+                <a:spcPts val="0"/>
+              </a:spcAft>
+              <a:buNone/>
+            </a:pPr>
+            <a:r>
+              <a:rPr lang="ja" sz="764"/>
+              <a:t>2. CoT Filtering (CoTフィルタリング)</a:t>
+            </a:r>
+            <a:br>
+              <a:rPr lang="ja" sz="764"/>
+            </a:br>
+            <a:r>
+              <a:rPr lang="ja" sz="764"/>
+              <a:t>改善されたCoTプロンプトが実際に進化戦略の目的を達成しているかを評価するために、</a:t>
+            </a:r>
+            <a:br>
+              <a:rPr lang="ja" sz="764"/>
+            </a:br>
+            <a:r>
+              <a:rPr lang="ja" sz="764"/>
+              <a:t>2つのフィルタリングメカニズムを導入しています：進化的成功判定と正確性検証です。</a:t>
+            </a:r>
+            <a:endParaRPr sz="764"/>
+          </a:p>
+          <a:p>
+            <a:pPr indent="0" lvl="0" marL="0" rtl="0" algn="l">
+              <a:lnSpc>
+                <a:spcPct val="100000"/>
+              </a:lnSpc>
+              <a:spcBef>
+                <a:spcPts val="1200"/>
+              </a:spcBef>
+              <a:spcAft>
+                <a:spcPts val="0"/>
+              </a:spcAft>
+              <a:buNone/>
+            </a:pPr>
+            <a:r>
+              <a:rPr lang="ja" sz="764"/>
+              <a:t>進化的成功判定: 3つの強力なLLMsを使用して、</a:t>
+            </a:r>
+            <a:br>
+              <a:rPr lang="ja" sz="764"/>
+            </a:br>
+            <a:r>
+              <a:rPr lang="ja" sz="764"/>
+              <a:t>改訂された問題やCoT推論ステップが元のデータと比較して</a:t>
+            </a:r>
+            <a:br>
+              <a:rPr lang="ja" sz="764"/>
+            </a:br>
+            <a:r>
+              <a:rPr lang="ja" sz="764"/>
+              <a:t>進化戦略の目的を達成しているかを評価します。</a:t>
+            </a:r>
+            <a:br>
+              <a:rPr lang="ja" sz="764"/>
+            </a:br>
+            <a:r>
+              <a:rPr lang="ja" sz="764"/>
+              <a:t>またはエラーを含んでいないかを評価します。</a:t>
+            </a:r>
+            <a:endParaRPr sz="764"/>
+          </a:p>
+          <a:p>
+            <a:pPr indent="0" lvl="0" marL="0" rtl="0" algn="l">
+              <a:lnSpc>
+                <a:spcPct val="100000"/>
+              </a:lnSpc>
+              <a:spcBef>
+                <a:spcPts val="1200"/>
+              </a:spcBef>
+              <a:spcAft>
+                <a:spcPts val="1200"/>
+              </a:spcAft>
+              <a:buNone/>
+            </a:pPr>
+            <a:r>
+              <a:t/>
+            </a:r>
+            <a:endParaRPr sz="764"/>
+          </a:p>
+        </p:txBody>
+      </p:sp>
+      <p:pic>
+        <p:nvPicPr>
+          <p:cNvPr id="394" name="Google Shape;394;p75"/>
+          <p:cNvPicPr preferRelativeResize="0"/>
+          <p:nvPr/>
+        </p:nvPicPr>
+        <p:blipFill>
+          <a:blip r:embed="rId3">
+            <a:alphaModFix/>
+          </a:blip>
+          <a:stretch>
+            <a:fillRect/>
+          </a:stretch>
+        </p:blipFill>
+        <p:spPr>
+          <a:xfrm>
+            <a:off x="3424900" y="2145400"/>
+            <a:ext cx="5719101" cy="2340151"/>
+          </a:xfrm>
+          <a:prstGeom prst="rect">
+            <a:avLst/>
+          </a:prstGeom>
+          <a:noFill/>
+          <a:ln>
+            <a:noFill/>
+          </a:ln>
+        </p:spPr>
+      </p:pic>
+    </p:spTree>
+  </p:cSld>
+  <p:clrMapOvr>
+    <a:masterClrMapping/>
+  </p:clrMapOvr>
+</p:sld>
+</file>
+
+<file path=ppt/slides/slide64.xml><?xml version="1.0" encoding="utf-8"?>
+<p:sld xmlns:a="http://schemas.openxmlformats.org/drawingml/2006/main" xmlns:r="http://schemas.openxmlformats.org/officeDocument/2006/relationships" xmlns:mc="http://schemas.openxmlformats.org/markup-compatibility/2006" xmlns:mv="urn:schemas-microsoft-com:mac:vml" xmlns:p="http://schemas.openxmlformats.org/presentationml/2006/main" xmlns:c="http://schemas.openxmlformats.org/drawingml/2006/chart" xmlns:dgm="http://schemas.openxmlformats.org/drawingml/2006/diagram" xmlns:o="urn:schemas-microsoft-com:office:office" xmlns:v="urn:schemas-microsoft-com:vml" xmlns:pvml="urn:schemas-microsoft-com:office:powerpoint" xmlns:com="http://schemas.openxmlformats.org/drawingml/2006/compatibility" xmlns:p14="http://schemas.microsoft.com/office/powerpoint/2010/main" xmlns:p15="http://schemas.microsoft.com/office/powerpoint/2012/main" xmlns:ahyp="http://schemas.microsoft.com/office/drawing/2018/hyperlinkcolor">
+  <p:cSld>
+    <p:spTree>
+      <p:nvGrpSpPr>
+        <p:cNvPr id="398" name="Shape 398"/>
+        <p:cNvGrpSpPr/>
+        <p:nvPr/>
+      </p:nvGrpSpPr>
+      <p:grpSpPr>
+        <a:xfrm>
+          <a:off x="0" y="0"/>
+          <a:ext cx="0" cy="0"/>
+          <a:chOff x="0" y="0"/>
+          <a:chExt cx="0" cy="0"/>
+        </a:xfrm>
+      </p:grpSpPr>
+      <p:sp>
+        <p:nvSpPr>
+          <p:cNvPr id="399" name="Google Shape;399;p76"/>
+          <p:cNvSpPr txBox="1"/>
+          <p:nvPr>
+            <p:ph type="title"/>
+          </p:nvPr>
+        </p:nvSpPr>
+        <p:spPr>
+          <a:xfrm>
+            <a:off x="510450" y="2057400"/>
+            <a:ext cx="8123100" cy="778800"/>
+          </a:xfrm>
+          <a:prstGeom prst="rect">
+            <a:avLst/>
+          </a:prstGeom>
+        </p:spPr>
+        <p:txBody>
+          <a:bodyPr anchorCtr="0" anchor="b" bIns="91425" lIns="91425" spcFirstLastPara="1" rIns="91425" wrap="square" tIns="91425">
+            <a:normAutofit/>
+          </a:bodyPr>
+          <a:lstStyle/>
+          <a:p>
+            <a:pPr indent="0" lvl="0" marL="0" rtl="0" algn="l">
+              <a:spcBef>
+                <a:spcPts val="0"/>
+              </a:spcBef>
+              <a:spcAft>
+                <a:spcPts val="0"/>
+              </a:spcAft>
+              <a:buNone/>
+            </a:pPr>
+            <a:r>
+              <a:rPr lang="ja"/>
+              <a:t>Appendix</a:t>
+            </a:r>
+            <a:endParaRPr/>
+          </a:p>
+        </p:txBody>
+      </p:sp>
+    </p:spTree>
+  </p:cSld>
+  <p:clrMapOvr>
+    <a:masterClrMapping/>
+  </p:clrMapOvr>
+</p:sld>
+</file>
+
 <file path=ppt/slides/slide7.xml><?xml version="1.0" encoding="utf-8"?>
 <p:sld xmlns:a="http://schemas.openxmlformats.org/drawingml/2006/main" xmlns:r="http://schemas.openxmlformats.org/officeDocument/2006/relationships" xmlns:mc="http://schemas.openxmlformats.org/markup-compatibility/2006" xmlns:mv="urn:schemas-microsoft-com:mac:vml" xmlns:p="http://schemas.openxmlformats.org/presentationml/2006/main" xmlns:c="http://schemas.openxmlformats.org/drawingml/2006/chart" xmlns:dgm="http://schemas.openxmlformats.org/drawingml/2006/diagram" xmlns:o="urn:schemas-microsoft-com:office:office" xmlns:v="urn:schemas-microsoft-com:vml" xmlns:pvml="urn:schemas-microsoft-com:office:powerpoint" xmlns:com="http://schemas.openxmlformats.org/drawingml/2006/compatibility" xmlns:p14="http://schemas.microsoft.com/office/powerpoint/2010/main" xmlns:p15="http://schemas.microsoft.com/office/powerpoint/2012/main" xmlns:ahyp="http://schemas.microsoft.com/office/drawing/2018/hyperlinkcolor">
   <p:cSld>
@@ -33532,6 +37846,285 @@
 </file>
 
 <file path=ppt/theme/theme1.xml><?xml version="1.0" encoding="utf-8"?>
+<a:theme xmlns:a="http://schemas.openxmlformats.org/drawingml/2006/main" xmlns:r="http://schemas.openxmlformats.org/officeDocument/2006/relationships" name="Spearmint">
+  <a:themeElements>
+    <a:clrScheme name="Spearmint">
+      <a:dk1>
+        <a:srgbClr val="202729"/>
+      </a:dk1>
+      <a:lt1>
+        <a:srgbClr val="FFFFFF"/>
+      </a:lt1>
+      <a:dk2>
+        <a:srgbClr val="4BA173"/>
+      </a:dk2>
+      <a:lt2>
+        <a:srgbClr val="63D297"/>
+      </a:lt2>
+      <a:accent1>
+        <a:srgbClr val="353744"/>
+      </a:accent1>
+      <a:accent2>
+        <a:srgbClr val="424242"/>
+      </a:accent2>
+      <a:accent3>
+        <a:srgbClr val="616161"/>
+      </a:accent3>
+      <a:accent4>
+        <a:srgbClr val="F0F0F0"/>
+      </a:accent4>
+      <a:accent5>
+        <a:srgbClr val="FF5252"/>
+      </a:accent5>
+      <a:accent6>
+        <a:srgbClr val="FFF176"/>
+      </a:accent6>
+      <a:hlink>
+        <a:srgbClr val="FF5252"/>
+      </a:hlink>
+      <a:folHlink>
+        <a:srgbClr val="FF5252"/>
+      </a:folHlink>
+    </a:clrScheme>
+    <a:fontScheme name="Office">
+      <a:majorFont>
+        <a:latin typeface="Arial"/>
+        <a:ea typeface=""/>
+        <a:cs typeface=""/>
+        <a:font script="Jpan" typeface="ＭＳ Ｐゴシック"/>
+        <a:font script="Hang" typeface="맑은 고딕"/>
+        <a:font script="Hans" typeface="宋体"/>
+        <a:font script="Hant" typeface="新細明體"/>
+        <a:font script="Arab" typeface="Times New Roman"/>
+        <a:font script="Hebr" typeface="Times New Roman"/>
+        <a:font script="Thai" typeface="Angsana New"/>
+        <a:font script="Ethi" typeface="Nyala"/>
+        <a:font script="Beng" typeface="Vrinda"/>
+        <a:font script="Gujr" typeface="Shruti"/>
+        <a:font script="Khmr" typeface="MoolBoran"/>
+        <a:font script="Knda" typeface="Tunga"/>
+        <a:font script="Guru" typeface="Raavi"/>
+        <a:font script="Cans" typeface="Euphemia"/>
+        <a:font script="Cher" typeface="Plantagenet Cherokee"/>
+        <a:font script="Yiii" typeface="Microsoft Yi Baiti"/>
+        <a:font script="Tibt" typeface="Microsoft Himalaya"/>
+        <a:font script="Thaa" typeface="MV Boli"/>
+        <a:font script="Deva" typeface="Mangal"/>
+        <a:font script="Telu" typeface="Gautami"/>
+        <a:font script="Taml" typeface="Latha"/>
+        <a:font script="Syrc" typeface="Estrangelo Edessa"/>
+        <a:font script="Orya" typeface="Kalinga"/>
+        <a:font script="Mlym" typeface="Kartika"/>
+        <a:font script="Laoo" typeface="DokChampa"/>
+        <a:font script="Sinh" typeface="Iskoola Pota"/>
+        <a:font script="Mong" typeface="Mongolian Baiti"/>
+        <a:font script="Viet" typeface="Times New Roman"/>
+        <a:font script="Uigh" typeface="Microsoft Uighur"/>
+        <a:font script="Geor" typeface="Sylfaen"/>
+      </a:majorFont>
+      <a:minorFont>
+        <a:latin typeface="Arial"/>
+        <a:ea typeface=""/>
+        <a:cs typeface=""/>
+        <a:font script="Jpan" typeface="ＭＳ Ｐゴシック"/>
+        <a:font script="Hang" typeface="맑은 고딕"/>
+        <a:font script="Hans" typeface="宋体"/>
+        <a:font script="Hant" typeface="新細明體"/>
+        <a:font script="Arab" typeface="Arial"/>
+        <a:font script="Hebr" typeface="Arial"/>
+        <a:font script="Thai" typeface="Cordia New"/>
+        <a:font script="Ethi" typeface="Nyala"/>
+        <a:font script="Beng" typeface="Vrinda"/>
+        <a:font script="Gujr" typeface="Shruti"/>
+        <a:font script="Khmr" typeface="DaunPenh"/>
+        <a:font script="Knda" typeface="Tunga"/>
+        <a:font script="Guru" typeface="Raavi"/>
+        <a:font script="Cans" typeface="Euphemia"/>
+        <a:font script="Cher" typeface="Plantagenet Cherokee"/>
+        <a:font script="Yiii" typeface="Microsoft Yi Baiti"/>
+        <a:font script="Tibt" typeface="Microsoft Himalaya"/>
+        <a:font script="Thaa" typeface="MV Boli"/>
+        <a:font script="Deva" typeface="Mangal"/>
+        <a:font script="Telu" typeface="Gautami"/>
+        <a:font script="Taml" typeface="Latha"/>
+        <a:font script="Syrc" typeface="Estrangelo Edessa"/>
+        <a:font script="Orya" typeface="Kalinga"/>
+        <a:font script="Mlym" typeface="Kartika"/>
+        <a:font script="Laoo" typeface="DokChampa"/>
+        <a:font script="Sinh" typeface="Iskoola Pota"/>
+        <a:font script="Mong" typeface="Mongolian Baiti"/>
+        <a:font script="Viet" typeface="Arial"/>
+        <a:font script="Uigh" typeface="Microsoft Uighur"/>
+        <a:font script="Geor" typeface="Sylfaen"/>
+      </a:minorFont>
+    </a:fontScheme>
+    <a:fmtScheme name="Office">
+      <a:fillStyleLst>
+        <a:solidFill>
+          <a:schemeClr val="phClr"/>
+        </a:solidFill>
+        <a:gradFill rotWithShape="1">
+          <a:gsLst>
+            <a:gs pos="0">
+              <a:schemeClr val="phClr">
+                <a:tint val="50000"/>
+                <a:satMod val="300000"/>
+              </a:schemeClr>
+            </a:gs>
+            <a:gs pos="35000">
+              <a:schemeClr val="phClr">
+                <a:tint val="37000"/>
+                <a:satMod val="300000"/>
+              </a:schemeClr>
+            </a:gs>
+            <a:gs pos="100000">
+              <a:schemeClr val="phClr">
+                <a:tint val="15000"/>
+                <a:satMod val="350000"/>
+              </a:schemeClr>
+            </a:gs>
+          </a:gsLst>
+          <a:lin ang="16200000" scaled="1"/>
+        </a:gradFill>
+        <a:gradFill rotWithShape="1">
+          <a:gsLst>
+            <a:gs pos="0">
+              <a:schemeClr val="phClr">
+                <a:tint val="100000"/>
+                <a:shade val="100000"/>
+                <a:satMod val="130000"/>
+              </a:schemeClr>
+            </a:gs>
+            <a:gs pos="100000">
+              <a:schemeClr val="phClr">
+                <a:tint val="50000"/>
+                <a:shade val="100000"/>
+                <a:satMod val="350000"/>
+              </a:schemeClr>
+            </a:gs>
+          </a:gsLst>
+          <a:lin ang="16200000" scaled="0"/>
+        </a:gradFill>
+      </a:fillStyleLst>
+      <a:lnStyleLst>
+        <a:ln w="9525" cap="flat" cmpd="sng" algn="ctr">
+          <a:solidFill>
+            <a:schemeClr val="phClr">
+              <a:shade val="95000"/>
+              <a:satMod val="105000"/>
+            </a:schemeClr>
+          </a:solidFill>
+          <a:prstDash val="solid"/>
+        </a:ln>
+        <a:ln w="25400" cap="flat" cmpd="sng" algn="ctr">
+          <a:solidFill>
+            <a:schemeClr val="phClr"/>
+          </a:solidFill>
+          <a:prstDash val="solid"/>
+        </a:ln>
+        <a:ln w="38100" cap="flat" cmpd="sng" algn="ctr">
+          <a:solidFill>
+            <a:schemeClr val="phClr"/>
+          </a:solidFill>
+          <a:prstDash val="solid"/>
+        </a:ln>
+      </a:lnStyleLst>
+      <a:effectStyleLst>
+        <a:effectStyle>
+          <a:effectLst>
+            <a:outerShdw blurRad="40000" dist="20000" dir="5400000" rotWithShape="0">
+              <a:srgbClr val="000000">
+                <a:alpha val="38000"/>
+              </a:srgbClr>
+            </a:outerShdw>
+          </a:effectLst>
+        </a:effectStyle>
+        <a:effectStyle>
+          <a:effectLst>
+            <a:outerShdw blurRad="40000" dist="23000" dir="5400000" rotWithShape="0">
+              <a:srgbClr val="000000">
+                <a:alpha val="35000"/>
+              </a:srgbClr>
+            </a:outerShdw>
+          </a:effectLst>
+        </a:effectStyle>
+        <a:effectStyle>
+          <a:effectLst>
+            <a:outerShdw blurRad="40000" dist="23000" dir="5400000" rotWithShape="0">
+              <a:srgbClr val="000000">
+                <a:alpha val="35000"/>
+              </a:srgbClr>
+            </a:outerShdw>
+          </a:effectLst>
+          <a:scene3d>
+            <a:camera prst="orthographicFront">
+              <a:rot lat="0" lon="0" rev="0"/>
+            </a:camera>
+            <a:lightRig rig="threePt" dir="t">
+              <a:rot lat="0" lon="0" rev="1200000"/>
+            </a:lightRig>
+          </a:scene3d>
+          <a:sp3d>
+            <a:bevelT w="63500" h="25400"/>
+          </a:sp3d>
+        </a:effectStyle>
+      </a:effectStyleLst>
+      <a:bgFillStyleLst>
+        <a:solidFill>
+          <a:schemeClr val="phClr"/>
+        </a:solidFill>
+        <a:gradFill rotWithShape="1">
+          <a:gsLst>
+            <a:gs pos="0">
+              <a:schemeClr val="phClr">
+                <a:tint val="40000"/>
+                <a:satMod val="350000"/>
+              </a:schemeClr>
+            </a:gs>
+            <a:gs pos="40000">
+              <a:schemeClr val="phClr">
+                <a:tint val="45000"/>
+                <a:shade val="99000"/>
+                <a:satMod val="350000"/>
+              </a:schemeClr>
+            </a:gs>
+            <a:gs pos="100000">
+              <a:schemeClr val="phClr">
+                <a:shade val="20000"/>
+                <a:satMod val="255000"/>
+              </a:schemeClr>
+            </a:gs>
+          </a:gsLst>
+          <a:path path="circle">
+            <a:fillToRect l="50000" t="-80000" r="50000" b="180000"/>
+          </a:path>
+        </a:gradFill>
+        <a:gradFill rotWithShape="1">
+          <a:gsLst>
+            <a:gs pos="0">
+              <a:schemeClr val="phClr">
+                <a:tint val="80000"/>
+                <a:satMod val="300000"/>
+              </a:schemeClr>
+            </a:gs>
+            <a:gs pos="100000">
+              <a:schemeClr val="phClr">
+                <a:shade val="30000"/>
+                <a:satMod val="200000"/>
+              </a:schemeClr>
+            </a:gs>
+          </a:gsLst>
+          <a:path path="circle">
+            <a:fillToRect l="50000" t="50000" r="50000" b="50000"/>
+          </a:path>
+        </a:gradFill>
+      </a:bgFillStyleLst>
+    </a:fmtScheme>
+  </a:themeElements>
+</a:theme>
+</file>
+
+<file path=ppt/theme/theme2.xml><?xml version="1.0" encoding="utf-8"?>
 <a:theme xmlns:a="http://schemas.openxmlformats.org/drawingml/2006/main" xmlns:r="http://schemas.openxmlformats.org/officeDocument/2006/relationships">
   <a:themeElements>
     <a:clrScheme name="Default">
@@ -33808,283 +38401,4 @@
     </a:fmtScheme>
   </a:themeElements>
 </a:theme>
-</file>
-
-<file path=ppt/theme/theme2.xml><?xml version="1.0" encoding="utf-8"?>
-<a:theme xmlns:a="http://schemas.openxmlformats.org/drawingml/2006/main" xmlns:r="http://schemas.openxmlformats.org/officeDocument/2006/relationships" name="Spearmint">
-  <a:themeElements>
-    <a:clrScheme name="Spearmint">
-      <a:dk1>
-        <a:srgbClr val="202729"/>
-      </a:dk1>
-      <a:lt1>
-        <a:srgbClr val="FFFFFF"/>
-      </a:lt1>
-      <a:dk2>
-        <a:srgbClr val="4BA173"/>
-      </a:dk2>
-      <a:lt2>
-        <a:srgbClr val="63D297"/>
-      </a:lt2>
-      <a:accent1>
-        <a:srgbClr val="353744"/>
-      </a:accent1>
-      <a:accent2>
-        <a:srgbClr val="424242"/>
-      </a:accent2>
-      <a:accent3>
-        <a:srgbClr val="616161"/>
-      </a:accent3>
-      <a:accent4>
-        <a:srgbClr val="F0F0F0"/>
-      </a:accent4>
-      <a:accent5>
-        <a:srgbClr val="FF5252"/>
-      </a:accent5>
-      <a:accent6>
-        <a:srgbClr val="FFF176"/>
-      </a:accent6>
-      <a:hlink>
-        <a:srgbClr val="FF5252"/>
-      </a:hlink>
-      <a:folHlink>
-        <a:srgbClr val="FF5252"/>
-      </a:folHlink>
-    </a:clrScheme>
-    <a:fontScheme name="Office">
-      <a:majorFont>
-        <a:latin typeface="Arial"/>
-        <a:ea typeface=""/>
-        <a:cs typeface=""/>
-        <a:font script="Jpan" typeface="ＭＳ Ｐゴシック"/>
-        <a:font script="Hang" typeface="맑은 고딕"/>
-        <a:font script="Hans" typeface="宋体"/>
-        <a:font script="Hant" typeface="新細明體"/>
-        <a:font script="Arab" typeface="Times New Roman"/>
-        <a:font script="Hebr" typeface="Times New Roman"/>
-        <a:font script="Thai" typeface="Angsana New"/>
-        <a:font script="Ethi" typeface="Nyala"/>
-        <a:font script="Beng" typeface="Vrinda"/>
-        <a:font script="Gujr" typeface="Shruti"/>
-        <a:font script="Khmr" typeface="MoolBoran"/>
-        <a:font script="Knda" typeface="Tunga"/>
-        <a:font script="Guru" typeface="Raavi"/>
-        <a:font script="Cans" typeface="Euphemia"/>
-        <a:font script="Cher" typeface="Plantagenet Cherokee"/>
-        <a:font script="Yiii" typeface="Microsoft Yi Baiti"/>
-        <a:font script="Tibt" typeface="Microsoft Himalaya"/>
-        <a:font script="Thaa" typeface="MV Boli"/>
-        <a:font script="Deva" typeface="Mangal"/>
-        <a:font script="Telu" typeface="Gautami"/>
-        <a:font script="Taml" typeface="Latha"/>
-        <a:font script="Syrc" typeface="Estrangelo Edessa"/>
-        <a:font script="Orya" typeface="Kalinga"/>
-        <a:font script="Mlym" typeface="Kartika"/>
-        <a:font script="Laoo" typeface="DokChampa"/>
-        <a:font script="Sinh" typeface="Iskoola Pota"/>
-        <a:font script="Mong" typeface="Mongolian Baiti"/>
-        <a:font script="Viet" typeface="Times New Roman"/>
-        <a:font script="Uigh" typeface="Microsoft Uighur"/>
-        <a:font script="Geor" typeface="Sylfaen"/>
-      </a:majorFont>
-      <a:minorFont>
-        <a:latin typeface="Arial"/>
-        <a:ea typeface=""/>
-        <a:cs typeface=""/>
-        <a:font script="Jpan" typeface="ＭＳ Ｐゴシック"/>
-        <a:font script="Hang" typeface="맑은 고딕"/>
-        <a:font script="Hans" typeface="宋体"/>
-        <a:font script="Hant" typeface="新細明體"/>
-        <a:font script="Arab" typeface="Arial"/>
-        <a:font script="Hebr" typeface="Arial"/>
-        <a:font script="Thai" typeface="Cordia New"/>
-        <a:font script="Ethi" typeface="Nyala"/>
-        <a:font script="Beng" typeface="Vrinda"/>
-        <a:font script="Gujr" typeface="Shruti"/>
-        <a:font script="Khmr" typeface="DaunPenh"/>
-        <a:font script="Knda" typeface="Tunga"/>
-        <a:font script="Guru" typeface="Raavi"/>
-        <a:font script="Cans" typeface="Euphemia"/>
-        <a:font script="Cher" typeface="Plantagenet Cherokee"/>
-        <a:font script="Yiii" typeface="Microsoft Yi Baiti"/>
-        <a:font script="Tibt" typeface="Microsoft Himalaya"/>
-        <a:font script="Thaa" typeface="MV Boli"/>
-        <a:font script="Deva" typeface="Mangal"/>
-        <a:font script="Telu" typeface="Gautami"/>
-        <a:font script="Taml" typeface="Latha"/>
-        <a:font script="Syrc" typeface="Estrangelo Edessa"/>
-        <a:font script="Orya" typeface="Kalinga"/>
-        <a:font script="Mlym" typeface="Kartika"/>
-        <a:font script="Laoo" typeface="DokChampa"/>
-        <a:font script="Sinh" typeface="Iskoola Pota"/>
-        <a:font script="Mong" typeface="Mongolian Baiti"/>
-        <a:font script="Viet" typeface="Arial"/>
-        <a:font script="Uigh" typeface="Microsoft Uighur"/>
-        <a:font script="Geor" typeface="Sylfaen"/>
-      </a:minorFont>
-    </a:fontScheme>
-    <a:fmtScheme name="Office">
-      <a:fillStyleLst>
-        <a:solidFill>
-          <a:schemeClr val="phClr"/>
-        </a:solidFill>
-        <a:gradFill rotWithShape="1">
-          <a:gsLst>
-            <a:gs pos="0">
-              <a:schemeClr val="phClr">
-                <a:tint val="50000"/>
-                <a:satMod val="300000"/>
-              </a:schemeClr>
-            </a:gs>
-            <a:gs pos="35000">
-              <a:schemeClr val="phClr">
-                <a:tint val="37000"/>
-                <a:satMod val="300000"/>
-              </a:schemeClr>
-            </a:gs>
-            <a:gs pos="100000">
-              <a:schemeClr val="phClr">
-                <a:tint val="15000"/>
-                <a:satMod val="350000"/>
-              </a:schemeClr>
-            </a:gs>
-          </a:gsLst>
-          <a:lin ang="16200000" scaled="1"/>
-        </a:gradFill>
-        <a:gradFill rotWithShape="1">
-          <a:gsLst>
-            <a:gs pos="0">
-              <a:schemeClr val="phClr">
-                <a:tint val="100000"/>
-                <a:shade val="100000"/>
-                <a:satMod val="130000"/>
-              </a:schemeClr>
-            </a:gs>
-            <a:gs pos="100000">
-              <a:schemeClr val="phClr">
-                <a:tint val="50000"/>
-                <a:shade val="100000"/>
-                <a:satMod val="350000"/>
-              </a:schemeClr>
-            </a:gs>
-          </a:gsLst>
-          <a:lin ang="16200000" scaled="0"/>
-        </a:gradFill>
-      </a:fillStyleLst>
-      <a:lnStyleLst>
-        <a:ln w="9525" cap="flat" cmpd="sng" algn="ctr">
-          <a:solidFill>
-            <a:schemeClr val="phClr">
-              <a:shade val="95000"/>
-              <a:satMod val="105000"/>
-            </a:schemeClr>
-          </a:solidFill>
-          <a:prstDash val="solid"/>
-        </a:ln>
-        <a:ln w="25400" cap="flat" cmpd="sng" algn="ctr">
-          <a:solidFill>
-            <a:schemeClr val="phClr"/>
-          </a:solidFill>
-          <a:prstDash val="solid"/>
-        </a:ln>
-        <a:ln w="38100" cap="flat" cmpd="sng" algn="ctr">
-          <a:solidFill>
-            <a:schemeClr val="phClr"/>
-          </a:solidFill>
-          <a:prstDash val="solid"/>
-        </a:ln>
-      </a:lnStyleLst>
-      <a:effectStyleLst>
-        <a:effectStyle>
-          <a:effectLst>
-            <a:outerShdw blurRad="40000" dist="20000" dir="5400000" rotWithShape="0">
-              <a:srgbClr val="000000">
-                <a:alpha val="38000"/>
-              </a:srgbClr>
-            </a:outerShdw>
-          </a:effectLst>
-        </a:effectStyle>
-        <a:effectStyle>
-          <a:effectLst>
-            <a:outerShdw blurRad="40000" dist="23000" dir="5400000" rotWithShape="0">
-              <a:srgbClr val="000000">
-                <a:alpha val="35000"/>
-              </a:srgbClr>
-            </a:outerShdw>
-          </a:effectLst>
-        </a:effectStyle>
-        <a:effectStyle>
-          <a:effectLst>
-            <a:outerShdw blurRad="40000" dist="23000" dir="5400000" rotWithShape="0">
-              <a:srgbClr val="000000">
-                <a:alpha val="35000"/>
-              </a:srgbClr>
-            </a:outerShdw>
-          </a:effectLst>
-          <a:scene3d>
-            <a:camera prst="orthographicFront">
-              <a:rot lat="0" lon="0" rev="0"/>
-            </a:camera>
-            <a:lightRig rig="threePt" dir="t">
-              <a:rot lat="0" lon="0" rev="1200000"/>
-            </a:lightRig>
-          </a:scene3d>
-          <a:sp3d>
-            <a:bevelT w="63500" h="25400"/>
-          </a:sp3d>
-        </a:effectStyle>
-      </a:effectStyleLst>
-      <a:bgFillStyleLst>
-        <a:solidFill>
-          <a:schemeClr val="phClr"/>
-        </a:solidFill>
-        <a:gradFill rotWithShape="1">
-          <a:gsLst>
-            <a:gs pos="0">
-              <a:schemeClr val="phClr">
-                <a:tint val="40000"/>
-                <a:satMod val="350000"/>
-              </a:schemeClr>
-            </a:gs>
-            <a:gs pos="40000">
-              <a:schemeClr val="phClr">
-                <a:tint val="45000"/>
-                <a:shade val="99000"/>
-                <a:satMod val="350000"/>
-              </a:schemeClr>
-            </a:gs>
-            <a:gs pos="100000">
-              <a:schemeClr val="phClr">
-                <a:shade val="20000"/>
-                <a:satMod val="255000"/>
-              </a:schemeClr>
-            </a:gs>
-          </a:gsLst>
-          <a:path path="circle">
-            <a:fillToRect l="50000" t="-80000" r="50000" b="180000"/>
-          </a:path>
-        </a:gradFill>
-        <a:gradFill rotWithShape="1">
-          <a:gsLst>
-            <a:gs pos="0">
-              <a:schemeClr val="phClr">
-                <a:tint val="80000"/>
-                <a:satMod val="300000"/>
-              </a:schemeClr>
-            </a:gs>
-            <a:gs pos="100000">
-              <a:schemeClr val="phClr">
-                <a:shade val="30000"/>
-                <a:satMod val="200000"/>
-              </a:schemeClr>
-            </a:gs>
-          </a:gsLst>
-          <a:path path="circle">
-            <a:fillToRect l="50000" t="50000" r="50000" b="50000"/>
-          </a:path>
-        </a:gradFill>
-      </a:bgFillStyleLst>
-    </a:fmtScheme>
-  </a:themeElements>
-</a:theme>
 </file>
--- a/2024_LLM論文要約_3.pptx
+++ b/2024_LLM論文要約_3.pptx
@@ -72,16 +72,22 @@
     <p:sldId id="317" r:id="rId67"/>
     <p:sldId id="318" r:id="rId68"/>
     <p:sldId id="319" r:id="rId69"/>
+    <p:sldId id="320" r:id="rId70"/>
+    <p:sldId id="321" r:id="rId71"/>
+    <p:sldId id="322" r:id="rId72"/>
+    <p:sldId id="323" r:id="rId73"/>
+    <p:sldId id="324" r:id="rId74"/>
+    <p:sldId id="325" r:id="rId75"/>
   </p:sldIdLst>
   <p:sldSz cy="5143500" cx="9144000"/>
   <p:notesSz cx="6858000" cy="9144000"/>
   <p:embeddedFontLst>
     <p:embeddedFont>
       <p:font typeface="Proxima Nova"/>
-      <p:regular r:id="rId70"/>
-      <p:bold r:id="rId71"/>
-      <p:italic r:id="rId72"/>
-      <p:boldItalic r:id="rId73"/>
+      <p:regular r:id="rId76"/>
+      <p:bold r:id="rId77"/>
+      <p:italic r:id="rId78"/>
+      <p:boldItalic r:id="rId79"/>
     </p:embeddedFont>
   </p:embeddedFontLst>
   <p:defaultTextStyle>
@@ -6717,7 +6723,7 @@
       </p:grpSpPr>
       <p:sp>
         <p:nvSpPr>
-          <p:cNvPr id="396" name="Google Shape;396;g2b3937a3876_0_15:notes"/>
+          <p:cNvPr id="396" name="Google Shape;396;g2c637490982_0_0:notes"/>
           <p:cNvSpPr/>
           <p:nvPr>
             <p:ph idx="2" type="sldImg"/>
@@ -6752,7 +6758,502 @@
       </p:sp>
       <p:sp>
         <p:nvSpPr>
-          <p:cNvPr id="397" name="Google Shape;397;g2b3937a3876_0_15:notes"/>
+          <p:cNvPr id="397" name="Google Shape;397;g2c637490982_0_0:notes"/>
+          <p:cNvSpPr txBox="1"/>
+          <p:nvPr>
+            <p:ph idx="1" type="body"/>
+          </p:nvPr>
+        </p:nvSpPr>
+        <p:spPr>
+          <a:xfrm>
+            <a:off x="685800" y="4343400"/>
+            <a:ext cx="5486400" cy="4114800"/>
+          </a:xfrm>
+          <a:prstGeom prst="rect">
+            <a:avLst/>
+          </a:prstGeom>
+        </p:spPr>
+        <p:txBody>
+          <a:bodyPr anchorCtr="0" anchor="t" bIns="91425" lIns="91425" spcFirstLastPara="1" rIns="91425" wrap="square" tIns="91425">
+            <a:noAutofit/>
+          </a:bodyPr>
+          <a:lstStyle/>
+          <a:p>
+            <a:pPr indent="0" lvl="0" marL="0" rtl="0" algn="l">
+              <a:spcBef>
+                <a:spcPts val="0"/>
+              </a:spcBef>
+              <a:spcAft>
+                <a:spcPts val="0"/>
+              </a:spcAft>
+              <a:buNone/>
+            </a:pPr>
+            <a:r>
+              <a:t/>
+            </a:r>
+            <a:endParaRPr/>
+          </a:p>
+        </p:txBody>
+      </p:sp>
+    </p:spTree>
+  </p:cSld>
+  <p:clrMapOvr>
+    <a:masterClrMapping/>
+  </p:clrMapOvr>
+</p:notes>
+</file>
+
+<file path=ppt/notesSlides/notesSlide65.xml><?xml version="1.0" encoding="utf-8"?>
+<p:notes xmlns:a="http://schemas.openxmlformats.org/drawingml/2006/main" xmlns:r="http://schemas.openxmlformats.org/officeDocument/2006/relationships" xmlns:mc="http://schemas.openxmlformats.org/markup-compatibility/2006" xmlns:mv="urn:schemas-microsoft-com:mac:vml" xmlns:p="http://schemas.openxmlformats.org/presentationml/2006/main" xmlns:c="http://schemas.openxmlformats.org/drawingml/2006/chart" xmlns:dgm="http://schemas.openxmlformats.org/drawingml/2006/diagram" xmlns:o="urn:schemas-microsoft-com:office:office" xmlns:v="urn:schemas-microsoft-com:vml" xmlns:pvml="urn:schemas-microsoft-com:office:powerpoint" xmlns:com="http://schemas.openxmlformats.org/drawingml/2006/compatibility" xmlns:p14="http://schemas.microsoft.com/office/powerpoint/2010/main" xmlns:p15="http://schemas.microsoft.com/office/powerpoint/2012/main" xmlns:ahyp="http://schemas.microsoft.com/office/drawing/2018/hyperlinkcolor" showMasterPhAnim="0" showMasterSp="0">
+  <p:cSld>
+    <p:spTree>
+      <p:nvGrpSpPr>
+        <p:cNvPr id="400" name="Shape 400"/>
+        <p:cNvGrpSpPr/>
+        <p:nvPr/>
+      </p:nvGrpSpPr>
+      <p:grpSpPr>
+        <a:xfrm>
+          <a:off x="0" y="0"/>
+          <a:ext cx="0" cy="0"/>
+          <a:chOff x="0" y="0"/>
+          <a:chExt cx="0" cy="0"/>
+        </a:xfrm>
+      </p:grpSpPr>
+      <p:sp>
+        <p:nvSpPr>
+          <p:cNvPr id="401" name="Google Shape;401;g2c637490982_0_11:notes"/>
+          <p:cNvSpPr/>
+          <p:nvPr>
+            <p:ph idx="2" type="sldImg"/>
+          </p:nvPr>
+        </p:nvSpPr>
+        <p:spPr>
+          <a:xfrm>
+            <a:off x="381300" y="685800"/>
+            <a:ext cx="6096000" cy="3429000"/>
+          </a:xfrm>
+          <a:custGeom>
+            <a:rect b="b" l="l" r="r" t="t"/>
+            <a:pathLst>
+              <a:path extrusionOk="0" h="120000" w="120000">
+                <a:moveTo>
+                  <a:pt x="0" y="0"/>
+                </a:moveTo>
+                <a:lnTo>
+                  <a:pt x="120000" y="0"/>
+                </a:lnTo>
+                <a:lnTo>
+                  <a:pt x="120000" y="120000"/>
+                </a:lnTo>
+                <a:lnTo>
+                  <a:pt x="0" y="120000"/>
+                </a:lnTo>
+                <a:close/>
+              </a:path>
+            </a:pathLst>
+          </a:custGeom>
+        </p:spPr>
+      </p:sp>
+      <p:sp>
+        <p:nvSpPr>
+          <p:cNvPr id="402" name="Google Shape;402;g2c637490982_0_11:notes"/>
+          <p:cNvSpPr txBox="1"/>
+          <p:nvPr>
+            <p:ph idx="1" type="body"/>
+          </p:nvPr>
+        </p:nvSpPr>
+        <p:spPr>
+          <a:xfrm>
+            <a:off x="685800" y="4343400"/>
+            <a:ext cx="5486400" cy="4114800"/>
+          </a:xfrm>
+          <a:prstGeom prst="rect">
+            <a:avLst/>
+          </a:prstGeom>
+        </p:spPr>
+        <p:txBody>
+          <a:bodyPr anchorCtr="0" anchor="t" bIns="91425" lIns="91425" spcFirstLastPara="1" rIns="91425" wrap="square" tIns="91425">
+            <a:noAutofit/>
+          </a:bodyPr>
+          <a:lstStyle/>
+          <a:p>
+            <a:pPr indent="0" lvl="0" marL="0" rtl="0" algn="l">
+              <a:spcBef>
+                <a:spcPts val="0"/>
+              </a:spcBef>
+              <a:spcAft>
+                <a:spcPts val="0"/>
+              </a:spcAft>
+              <a:buNone/>
+            </a:pPr>
+            <a:r>
+              <a:t/>
+            </a:r>
+            <a:endParaRPr/>
+          </a:p>
+        </p:txBody>
+      </p:sp>
+    </p:spTree>
+  </p:cSld>
+  <p:clrMapOvr>
+    <a:masterClrMapping/>
+  </p:clrMapOvr>
+</p:notes>
+</file>
+
+<file path=ppt/notesSlides/notesSlide66.xml><?xml version="1.0" encoding="utf-8"?>
+<p:notes xmlns:a="http://schemas.openxmlformats.org/drawingml/2006/main" xmlns:r="http://schemas.openxmlformats.org/officeDocument/2006/relationships" xmlns:mc="http://schemas.openxmlformats.org/markup-compatibility/2006" xmlns:mv="urn:schemas-microsoft-com:mac:vml" xmlns:p="http://schemas.openxmlformats.org/presentationml/2006/main" xmlns:c="http://schemas.openxmlformats.org/drawingml/2006/chart" xmlns:dgm="http://schemas.openxmlformats.org/drawingml/2006/diagram" xmlns:o="urn:schemas-microsoft-com:office:office" xmlns:v="urn:schemas-microsoft-com:vml" xmlns:pvml="urn:schemas-microsoft-com:office:powerpoint" xmlns:com="http://schemas.openxmlformats.org/drawingml/2006/compatibility" xmlns:p14="http://schemas.microsoft.com/office/powerpoint/2010/main" xmlns:p15="http://schemas.microsoft.com/office/powerpoint/2012/main" xmlns:ahyp="http://schemas.microsoft.com/office/drawing/2018/hyperlinkcolor" showMasterPhAnim="0" showMasterSp="0">
+  <p:cSld>
+    <p:spTree>
+      <p:nvGrpSpPr>
+        <p:cNvPr id="405" name="Shape 405"/>
+        <p:cNvGrpSpPr/>
+        <p:nvPr/>
+      </p:nvGrpSpPr>
+      <p:grpSpPr>
+        <a:xfrm>
+          <a:off x="0" y="0"/>
+          <a:ext cx="0" cy="0"/>
+          <a:chOff x="0" y="0"/>
+          <a:chExt cx="0" cy="0"/>
+        </a:xfrm>
+      </p:grpSpPr>
+      <p:sp>
+        <p:nvSpPr>
+          <p:cNvPr id="406" name="Google Shape;406;g2c637490982_0_26:notes"/>
+          <p:cNvSpPr/>
+          <p:nvPr>
+            <p:ph idx="2" type="sldImg"/>
+          </p:nvPr>
+        </p:nvSpPr>
+        <p:spPr>
+          <a:xfrm>
+            <a:off x="381300" y="685800"/>
+            <a:ext cx="6096000" cy="3429000"/>
+          </a:xfrm>
+          <a:custGeom>
+            <a:rect b="b" l="l" r="r" t="t"/>
+            <a:pathLst>
+              <a:path extrusionOk="0" h="120000" w="120000">
+                <a:moveTo>
+                  <a:pt x="0" y="0"/>
+                </a:moveTo>
+                <a:lnTo>
+                  <a:pt x="120000" y="0"/>
+                </a:lnTo>
+                <a:lnTo>
+                  <a:pt x="120000" y="120000"/>
+                </a:lnTo>
+                <a:lnTo>
+                  <a:pt x="0" y="120000"/>
+                </a:lnTo>
+                <a:close/>
+              </a:path>
+            </a:pathLst>
+          </a:custGeom>
+        </p:spPr>
+      </p:sp>
+      <p:sp>
+        <p:nvSpPr>
+          <p:cNvPr id="407" name="Google Shape;407;g2c637490982_0_26:notes"/>
+          <p:cNvSpPr txBox="1"/>
+          <p:nvPr>
+            <p:ph idx="1" type="body"/>
+          </p:nvPr>
+        </p:nvSpPr>
+        <p:spPr>
+          <a:xfrm>
+            <a:off x="685800" y="4343400"/>
+            <a:ext cx="5486400" cy="4114800"/>
+          </a:xfrm>
+          <a:prstGeom prst="rect">
+            <a:avLst/>
+          </a:prstGeom>
+        </p:spPr>
+        <p:txBody>
+          <a:bodyPr anchorCtr="0" anchor="t" bIns="91425" lIns="91425" spcFirstLastPara="1" rIns="91425" wrap="square" tIns="91425">
+            <a:noAutofit/>
+          </a:bodyPr>
+          <a:lstStyle/>
+          <a:p>
+            <a:pPr indent="0" lvl="0" marL="0" rtl="0" algn="l">
+              <a:spcBef>
+                <a:spcPts val="0"/>
+              </a:spcBef>
+              <a:spcAft>
+                <a:spcPts val="0"/>
+              </a:spcAft>
+              <a:buNone/>
+            </a:pPr>
+            <a:r>
+              <a:t/>
+            </a:r>
+            <a:endParaRPr/>
+          </a:p>
+        </p:txBody>
+      </p:sp>
+    </p:spTree>
+  </p:cSld>
+  <p:clrMapOvr>
+    <a:masterClrMapping/>
+  </p:clrMapOvr>
+</p:notes>
+</file>
+
+<file path=ppt/notesSlides/notesSlide67.xml><?xml version="1.0" encoding="utf-8"?>
+<p:notes xmlns:a="http://schemas.openxmlformats.org/drawingml/2006/main" xmlns:r="http://schemas.openxmlformats.org/officeDocument/2006/relationships" xmlns:mc="http://schemas.openxmlformats.org/markup-compatibility/2006" xmlns:mv="urn:schemas-microsoft-com:mac:vml" xmlns:p="http://schemas.openxmlformats.org/presentationml/2006/main" xmlns:c="http://schemas.openxmlformats.org/drawingml/2006/chart" xmlns:dgm="http://schemas.openxmlformats.org/drawingml/2006/diagram" xmlns:o="urn:schemas-microsoft-com:office:office" xmlns:v="urn:schemas-microsoft-com:vml" xmlns:pvml="urn:schemas-microsoft-com:office:powerpoint" xmlns:com="http://schemas.openxmlformats.org/drawingml/2006/compatibility" xmlns:p14="http://schemas.microsoft.com/office/powerpoint/2010/main" xmlns:p15="http://schemas.microsoft.com/office/powerpoint/2012/main" xmlns:ahyp="http://schemas.microsoft.com/office/drawing/2018/hyperlinkcolor" showMasterPhAnim="0" showMasterSp="0">
+  <p:cSld>
+    <p:spTree>
+      <p:nvGrpSpPr>
+        <p:cNvPr id="410" name="Shape 410"/>
+        <p:cNvGrpSpPr/>
+        <p:nvPr/>
+      </p:nvGrpSpPr>
+      <p:grpSpPr>
+        <a:xfrm>
+          <a:off x="0" y="0"/>
+          <a:ext cx="0" cy="0"/>
+          <a:chOff x="0" y="0"/>
+          <a:chExt cx="0" cy="0"/>
+        </a:xfrm>
+      </p:grpSpPr>
+      <p:sp>
+        <p:nvSpPr>
+          <p:cNvPr id="411" name="Google Shape;411;g2c697edc4fc_0_0:notes"/>
+          <p:cNvSpPr/>
+          <p:nvPr>
+            <p:ph idx="2" type="sldImg"/>
+          </p:nvPr>
+        </p:nvSpPr>
+        <p:spPr>
+          <a:xfrm>
+            <a:off x="381300" y="685800"/>
+            <a:ext cx="6096000" cy="3429000"/>
+          </a:xfrm>
+          <a:custGeom>
+            <a:rect b="b" l="l" r="r" t="t"/>
+            <a:pathLst>
+              <a:path extrusionOk="0" h="120000" w="120000">
+                <a:moveTo>
+                  <a:pt x="0" y="0"/>
+                </a:moveTo>
+                <a:lnTo>
+                  <a:pt x="120000" y="0"/>
+                </a:lnTo>
+                <a:lnTo>
+                  <a:pt x="120000" y="120000"/>
+                </a:lnTo>
+                <a:lnTo>
+                  <a:pt x="0" y="120000"/>
+                </a:lnTo>
+                <a:close/>
+              </a:path>
+            </a:pathLst>
+          </a:custGeom>
+        </p:spPr>
+      </p:sp>
+      <p:sp>
+        <p:nvSpPr>
+          <p:cNvPr id="412" name="Google Shape;412;g2c697edc4fc_0_0:notes"/>
+          <p:cNvSpPr txBox="1"/>
+          <p:nvPr>
+            <p:ph idx="1" type="body"/>
+          </p:nvPr>
+        </p:nvSpPr>
+        <p:spPr>
+          <a:xfrm>
+            <a:off x="685800" y="4343400"/>
+            <a:ext cx="5486400" cy="4114800"/>
+          </a:xfrm>
+          <a:prstGeom prst="rect">
+            <a:avLst/>
+          </a:prstGeom>
+        </p:spPr>
+        <p:txBody>
+          <a:bodyPr anchorCtr="0" anchor="t" bIns="91425" lIns="91425" spcFirstLastPara="1" rIns="91425" wrap="square" tIns="91425">
+            <a:noAutofit/>
+          </a:bodyPr>
+          <a:lstStyle/>
+          <a:p>
+            <a:pPr indent="0" lvl="0" marL="0" rtl="0" algn="l">
+              <a:spcBef>
+                <a:spcPts val="0"/>
+              </a:spcBef>
+              <a:spcAft>
+                <a:spcPts val="0"/>
+              </a:spcAft>
+              <a:buNone/>
+            </a:pPr>
+            <a:r>
+              <a:t/>
+            </a:r>
+            <a:endParaRPr/>
+          </a:p>
+        </p:txBody>
+      </p:sp>
+    </p:spTree>
+  </p:cSld>
+  <p:clrMapOvr>
+    <a:masterClrMapping/>
+  </p:clrMapOvr>
+</p:notes>
+</file>
+
+<file path=ppt/notesSlides/notesSlide68.xml><?xml version="1.0" encoding="utf-8"?>
+<p:notes xmlns:a="http://schemas.openxmlformats.org/drawingml/2006/main" xmlns:r="http://schemas.openxmlformats.org/officeDocument/2006/relationships" xmlns:mc="http://schemas.openxmlformats.org/markup-compatibility/2006" xmlns:mv="urn:schemas-microsoft-com:mac:vml" xmlns:p="http://schemas.openxmlformats.org/presentationml/2006/main" xmlns:c="http://schemas.openxmlformats.org/drawingml/2006/chart" xmlns:dgm="http://schemas.openxmlformats.org/drawingml/2006/diagram" xmlns:o="urn:schemas-microsoft-com:office:office" xmlns:v="urn:schemas-microsoft-com:vml" xmlns:pvml="urn:schemas-microsoft-com:office:powerpoint" xmlns:com="http://schemas.openxmlformats.org/drawingml/2006/compatibility" xmlns:p14="http://schemas.microsoft.com/office/powerpoint/2010/main" xmlns:p15="http://schemas.microsoft.com/office/powerpoint/2012/main" xmlns:ahyp="http://schemas.microsoft.com/office/drawing/2018/hyperlinkcolor" showMasterPhAnim="0" showMasterSp="0">
+  <p:cSld>
+    <p:spTree>
+      <p:nvGrpSpPr>
+        <p:cNvPr id="415" name="Shape 415"/>
+        <p:cNvGrpSpPr/>
+        <p:nvPr/>
+      </p:nvGrpSpPr>
+      <p:grpSpPr>
+        <a:xfrm>
+          <a:off x="0" y="0"/>
+          <a:ext cx="0" cy="0"/>
+          <a:chOff x="0" y="0"/>
+          <a:chExt cx="0" cy="0"/>
+        </a:xfrm>
+      </p:grpSpPr>
+      <p:sp>
+        <p:nvSpPr>
+          <p:cNvPr id="416" name="Google Shape;416;g2c697edc4fc_0_20:notes"/>
+          <p:cNvSpPr/>
+          <p:nvPr>
+            <p:ph idx="2" type="sldImg"/>
+          </p:nvPr>
+        </p:nvSpPr>
+        <p:spPr>
+          <a:xfrm>
+            <a:off x="381300" y="685800"/>
+            <a:ext cx="6096000" cy="3429000"/>
+          </a:xfrm>
+          <a:custGeom>
+            <a:rect b="b" l="l" r="r" t="t"/>
+            <a:pathLst>
+              <a:path extrusionOk="0" h="120000" w="120000">
+                <a:moveTo>
+                  <a:pt x="0" y="0"/>
+                </a:moveTo>
+                <a:lnTo>
+                  <a:pt x="120000" y="0"/>
+                </a:lnTo>
+                <a:lnTo>
+                  <a:pt x="120000" y="120000"/>
+                </a:lnTo>
+                <a:lnTo>
+                  <a:pt x="0" y="120000"/>
+                </a:lnTo>
+                <a:close/>
+              </a:path>
+            </a:pathLst>
+          </a:custGeom>
+        </p:spPr>
+      </p:sp>
+      <p:sp>
+        <p:nvSpPr>
+          <p:cNvPr id="417" name="Google Shape;417;g2c697edc4fc_0_20:notes"/>
+          <p:cNvSpPr txBox="1"/>
+          <p:nvPr>
+            <p:ph idx="1" type="body"/>
+          </p:nvPr>
+        </p:nvSpPr>
+        <p:spPr>
+          <a:xfrm>
+            <a:off x="685800" y="4343400"/>
+            <a:ext cx="5486400" cy="4114800"/>
+          </a:xfrm>
+          <a:prstGeom prst="rect">
+            <a:avLst/>
+          </a:prstGeom>
+        </p:spPr>
+        <p:txBody>
+          <a:bodyPr anchorCtr="0" anchor="t" bIns="91425" lIns="91425" spcFirstLastPara="1" rIns="91425" wrap="square" tIns="91425">
+            <a:noAutofit/>
+          </a:bodyPr>
+          <a:lstStyle/>
+          <a:p>
+            <a:pPr indent="0" lvl="0" marL="0" rtl="0" algn="l">
+              <a:spcBef>
+                <a:spcPts val="0"/>
+              </a:spcBef>
+              <a:spcAft>
+                <a:spcPts val="0"/>
+              </a:spcAft>
+              <a:buNone/>
+            </a:pPr>
+            <a:r>
+              <a:t/>
+            </a:r>
+            <a:endParaRPr/>
+          </a:p>
+        </p:txBody>
+      </p:sp>
+    </p:spTree>
+  </p:cSld>
+  <p:clrMapOvr>
+    <a:masterClrMapping/>
+  </p:clrMapOvr>
+</p:notes>
+</file>
+
+<file path=ppt/notesSlides/notesSlide69.xml><?xml version="1.0" encoding="utf-8"?>
+<p:notes xmlns:a="http://schemas.openxmlformats.org/drawingml/2006/main" xmlns:r="http://schemas.openxmlformats.org/officeDocument/2006/relationships" xmlns:mc="http://schemas.openxmlformats.org/markup-compatibility/2006" xmlns:mv="urn:schemas-microsoft-com:mac:vml" xmlns:p="http://schemas.openxmlformats.org/presentationml/2006/main" xmlns:c="http://schemas.openxmlformats.org/drawingml/2006/chart" xmlns:dgm="http://schemas.openxmlformats.org/drawingml/2006/diagram" xmlns:o="urn:schemas-microsoft-com:office:office" xmlns:v="urn:schemas-microsoft-com:vml" xmlns:pvml="urn:schemas-microsoft-com:office:powerpoint" xmlns:com="http://schemas.openxmlformats.org/drawingml/2006/compatibility" xmlns:p14="http://schemas.microsoft.com/office/powerpoint/2010/main" xmlns:p15="http://schemas.microsoft.com/office/powerpoint/2012/main" xmlns:ahyp="http://schemas.microsoft.com/office/drawing/2018/hyperlinkcolor" showMasterPhAnim="0" showMasterSp="0">
+  <p:cSld>
+    <p:spTree>
+      <p:nvGrpSpPr>
+        <p:cNvPr id="420" name="Shape 420"/>
+        <p:cNvGrpSpPr/>
+        <p:nvPr/>
+      </p:nvGrpSpPr>
+      <p:grpSpPr>
+        <a:xfrm>
+          <a:off x="0" y="0"/>
+          <a:ext cx="0" cy="0"/>
+          <a:chOff x="0" y="0"/>
+          <a:chExt cx="0" cy="0"/>
+        </a:xfrm>
+      </p:grpSpPr>
+      <p:sp>
+        <p:nvSpPr>
+          <p:cNvPr id="421" name="Google Shape;421;g2c697edc4fc_0_36:notes"/>
+          <p:cNvSpPr/>
+          <p:nvPr>
+            <p:ph idx="2" type="sldImg"/>
+          </p:nvPr>
+        </p:nvSpPr>
+        <p:spPr>
+          <a:xfrm>
+            <a:off x="381300" y="685800"/>
+            <a:ext cx="6096000" cy="3429000"/>
+          </a:xfrm>
+          <a:custGeom>
+            <a:rect b="b" l="l" r="r" t="t"/>
+            <a:pathLst>
+              <a:path extrusionOk="0" h="120000" w="120000">
+                <a:moveTo>
+                  <a:pt x="0" y="0"/>
+                </a:moveTo>
+                <a:lnTo>
+                  <a:pt x="120000" y="0"/>
+                </a:lnTo>
+                <a:lnTo>
+                  <a:pt x="120000" y="120000"/>
+                </a:lnTo>
+                <a:lnTo>
+                  <a:pt x="0" y="120000"/>
+                </a:lnTo>
+                <a:close/>
+              </a:path>
+            </a:pathLst>
+          </a:custGeom>
+        </p:spPr>
+      </p:sp>
+      <p:sp>
+        <p:nvSpPr>
+          <p:cNvPr id="422" name="Google Shape;422;g2c697edc4fc_0_36:notes"/>
           <p:cNvSpPr txBox="1"/>
           <p:nvPr>
             <p:ph idx="1" type="body"/>
@@ -6852,6 +7353,105 @@
       <p:sp>
         <p:nvSpPr>
           <p:cNvPr id="90" name="Google Shape;90;g26ace6b44b5_0_0:notes"/>
+          <p:cNvSpPr txBox="1"/>
+          <p:nvPr>
+            <p:ph idx="1" type="body"/>
+          </p:nvPr>
+        </p:nvSpPr>
+        <p:spPr>
+          <a:xfrm>
+            <a:off x="685800" y="4343400"/>
+            <a:ext cx="5486400" cy="4114800"/>
+          </a:xfrm>
+          <a:prstGeom prst="rect">
+            <a:avLst/>
+          </a:prstGeom>
+        </p:spPr>
+        <p:txBody>
+          <a:bodyPr anchorCtr="0" anchor="t" bIns="91425" lIns="91425" spcFirstLastPara="1" rIns="91425" wrap="square" tIns="91425">
+            <a:noAutofit/>
+          </a:bodyPr>
+          <a:lstStyle/>
+          <a:p>
+            <a:pPr indent="0" lvl="0" marL="0" rtl="0" algn="l">
+              <a:spcBef>
+                <a:spcPts val="0"/>
+              </a:spcBef>
+              <a:spcAft>
+                <a:spcPts val="0"/>
+              </a:spcAft>
+              <a:buNone/>
+            </a:pPr>
+            <a:r>
+              <a:t/>
+            </a:r>
+            <a:endParaRPr/>
+          </a:p>
+        </p:txBody>
+      </p:sp>
+    </p:spTree>
+  </p:cSld>
+  <p:clrMapOvr>
+    <a:masterClrMapping/>
+  </p:clrMapOvr>
+</p:notes>
+</file>
+
+<file path=ppt/notesSlides/notesSlide70.xml><?xml version="1.0" encoding="utf-8"?>
+<p:notes xmlns:a="http://schemas.openxmlformats.org/drawingml/2006/main" xmlns:r="http://schemas.openxmlformats.org/officeDocument/2006/relationships" xmlns:mc="http://schemas.openxmlformats.org/markup-compatibility/2006" xmlns:mv="urn:schemas-microsoft-com:mac:vml" xmlns:p="http://schemas.openxmlformats.org/presentationml/2006/main" xmlns:c="http://schemas.openxmlformats.org/drawingml/2006/chart" xmlns:dgm="http://schemas.openxmlformats.org/drawingml/2006/diagram" xmlns:o="urn:schemas-microsoft-com:office:office" xmlns:v="urn:schemas-microsoft-com:vml" xmlns:pvml="urn:schemas-microsoft-com:office:powerpoint" xmlns:com="http://schemas.openxmlformats.org/drawingml/2006/compatibility" xmlns:p14="http://schemas.microsoft.com/office/powerpoint/2010/main" xmlns:p15="http://schemas.microsoft.com/office/powerpoint/2012/main" xmlns:ahyp="http://schemas.microsoft.com/office/drawing/2018/hyperlinkcolor" showMasterPhAnim="0" showMasterSp="0">
+  <p:cSld>
+    <p:spTree>
+      <p:nvGrpSpPr>
+        <p:cNvPr id="425" name="Shape 425"/>
+        <p:cNvGrpSpPr/>
+        <p:nvPr/>
+      </p:nvGrpSpPr>
+      <p:grpSpPr>
+        <a:xfrm>
+          <a:off x="0" y="0"/>
+          <a:ext cx="0" cy="0"/>
+          <a:chOff x="0" y="0"/>
+          <a:chExt cx="0" cy="0"/>
+        </a:xfrm>
+      </p:grpSpPr>
+      <p:sp>
+        <p:nvSpPr>
+          <p:cNvPr id="426" name="Google Shape;426;g2b3937a3876_0_15:notes"/>
+          <p:cNvSpPr/>
+          <p:nvPr>
+            <p:ph idx="2" type="sldImg"/>
+          </p:nvPr>
+        </p:nvSpPr>
+        <p:spPr>
+          <a:xfrm>
+            <a:off x="381300" y="685800"/>
+            <a:ext cx="6096000" cy="3429000"/>
+          </a:xfrm>
+          <a:custGeom>
+            <a:rect b="b" l="l" r="r" t="t"/>
+            <a:pathLst>
+              <a:path extrusionOk="0" h="120000" w="120000">
+                <a:moveTo>
+                  <a:pt x="0" y="0"/>
+                </a:moveTo>
+                <a:lnTo>
+                  <a:pt x="120000" y="0"/>
+                </a:lnTo>
+                <a:lnTo>
+                  <a:pt x="120000" y="120000"/>
+                </a:lnTo>
+                <a:lnTo>
+                  <a:pt x="0" y="120000"/>
+                </a:lnTo>
+                <a:close/>
+              </a:path>
+            </a:pathLst>
+          </a:custGeom>
+        </p:spPr>
+      </p:sp>
+      <p:sp>
+        <p:nvSpPr>
+          <p:cNvPr id="427" name="Google Shape;427;g2b3937a3876_0_15:notes"/>
           <p:cNvSpPr txBox="1"/>
           <p:nvPr>
             <p:ph idx="1" type="body"/>
@@ -37062,38 +37662,1673 @@
           <p:cNvPr id="399" name="Google Shape;399;p76"/>
           <p:cNvSpPr txBox="1"/>
           <p:nvPr>
-            <p:ph type="title"/>
+            <p:ph idx="1" type="body"/>
           </p:nvPr>
         </p:nvSpPr>
         <p:spPr>
           <a:xfrm>
-            <a:off x="510450" y="2057400"/>
-            <a:ext cx="8123100" cy="778800"/>
+            <a:off x="0" y="0"/>
+            <a:ext cx="9144000" cy="5049600"/>
           </a:xfrm>
           <a:prstGeom prst="rect">
             <a:avLst/>
           </a:prstGeom>
         </p:spPr>
         <p:txBody>
-          <a:bodyPr anchorCtr="0" anchor="b" bIns="91425" lIns="91425" spcFirstLastPara="1" rIns="91425" wrap="square" tIns="91425">
+          <a:bodyPr anchorCtr="0" anchor="t" bIns="91425" lIns="91425" spcFirstLastPara="1" rIns="91425" wrap="square" tIns="91425">
             <a:normAutofit/>
           </a:bodyPr>
           <a:lstStyle/>
           <a:p>
             <a:pPr indent="0" lvl="0" marL="0" rtl="0" algn="l">
-              <a:spcBef>
-                <a:spcPts val="0"/>
-              </a:spcBef>
-              <a:spcAft>
-                <a:spcPts val="0"/>
-              </a:spcAft>
-              <a:buNone/>
-            </a:pPr>
-            <a:r>
-              <a:rPr lang="ja"/>
-              <a:t>Appendix</a:t>
-            </a:r>
-            <a:endParaRPr/>
+              <a:lnSpc>
+                <a:spcPct val="100000"/>
+              </a:lnSpc>
+              <a:spcBef>
+                <a:spcPts val="0"/>
+              </a:spcBef>
+              <a:spcAft>
+                <a:spcPts val="0"/>
+              </a:spcAft>
+              <a:buNone/>
+            </a:pPr>
+            <a:r>
+              <a:rPr lang="ja" sz="1200" u="sng"/>
+              <a:t>Can large language models explore in-context? 大規模言語モデルはコンテキスト内で探索できるか？</a:t>
+            </a:r>
+            <a:r>
+              <a:rPr lang="ja" sz="1200" u="sng"/>
+              <a:t> 2024</a:t>
+            </a:r>
+            <a:endParaRPr sz="1100"/>
+          </a:p>
+          <a:p>
+            <a:pPr indent="0" lvl="0" marL="0" rtl="0" algn="l">
+              <a:lnSpc>
+                <a:spcPct val="100000"/>
+              </a:lnSpc>
+              <a:spcBef>
+                <a:spcPts val="1200"/>
+              </a:spcBef>
+              <a:spcAft>
+                <a:spcPts val="0"/>
+              </a:spcAft>
+              <a:buNone/>
+            </a:pPr>
+            <a:r>
+              <a:rPr lang="ja" sz="1100" u="sng"/>
+              <a:t>概要</a:t>
+            </a:r>
+            <a:endParaRPr sz="764"/>
+          </a:p>
+          <a:p>
+            <a:pPr indent="0" lvl="0" marL="0" rtl="0" algn="l">
+              <a:lnSpc>
+                <a:spcPct val="100000"/>
+              </a:lnSpc>
+              <a:spcBef>
+                <a:spcPts val="1200"/>
+              </a:spcBef>
+              <a:spcAft>
+                <a:spcPts val="0"/>
+              </a:spcAft>
+              <a:buNone/>
+            </a:pPr>
+            <a:r>
+              <a:rPr lang="ja" sz="764"/>
+              <a:t>与えられた情報を元に質問に答えることができますが、自分で新しい情報を見つけ出し、それを使って問題を解決する能力があるかどうかを検証します。</a:t>
+            </a:r>
+            <a:br>
+              <a:rPr lang="ja" sz="764"/>
+            </a:br>
+            <a:r>
+              <a:rPr lang="ja" sz="764"/>
+              <a:t>簡単なゲーム（マルチアームバンディットという名前のゲーム）を使って、このプログラムがどう振る舞うかを見ています。このゲームは、いくつかの選択肢があり、それぞれに異なる報酬が設定されていて、どの選択肢が最も良い報酬を与えるかを見つけ出す必要があります。</a:t>
+            </a:r>
+            <a:endParaRPr sz="764"/>
+          </a:p>
+          <a:p>
+            <a:pPr indent="0" lvl="0" marL="0" rtl="0" algn="l">
+              <a:lnSpc>
+                <a:spcPct val="100000"/>
+              </a:lnSpc>
+              <a:spcBef>
+                <a:spcPts val="1200"/>
+              </a:spcBef>
+              <a:spcAft>
+                <a:spcPts val="0"/>
+              </a:spcAft>
+              <a:buNone/>
+            </a:pPr>
+            <a:r>
+              <a:rPr lang="ja" sz="1100" u="sng"/>
+              <a:t>手法</a:t>
+            </a:r>
+            <a:endParaRPr sz="800"/>
+          </a:p>
+          <a:p>
+            <a:pPr indent="0" lvl="0" marL="0" rtl="0" algn="l">
+              <a:lnSpc>
+                <a:spcPct val="100000"/>
+              </a:lnSpc>
+              <a:spcBef>
+                <a:spcPts val="1200"/>
+              </a:spcBef>
+              <a:spcAft>
+                <a:spcPts val="0"/>
+              </a:spcAft>
+              <a:buNone/>
+            </a:pPr>
+            <a:r>
+              <a:rPr lang="ja" sz="764"/>
+              <a:t>マルチアームバンディットのゲームでは、たとえば5つのボタンがあり、それぞれを押すとランダムに報酬が得られます。どのボタンが一番多くの報酬を与えるかは最初はわかりません。プログラムは、ボタンを押して、どのボタンが良い報酬を与えるかを学習しなければなりません。研究では、プログラムが過去にどのボタンを押したか、どのような報酬が得られたかの情報を使って、次にどのボタンを押すべきかを判断します。この過程で、プログラムが自ら情報を探り（探索）と、良い結果をもたらした選択を繰り返し利用する（利用）のバランスをどのように取るかを見ます。</a:t>
+            </a:r>
+            <a:endParaRPr sz="764"/>
+          </a:p>
+          <a:p>
+            <a:pPr indent="0" lvl="0" marL="0" rtl="0" algn="l">
+              <a:lnSpc>
+                <a:spcPct val="100000"/>
+              </a:lnSpc>
+              <a:spcBef>
+                <a:spcPts val="1200"/>
+              </a:spcBef>
+              <a:spcAft>
+                <a:spcPts val="0"/>
+              </a:spcAft>
+              <a:buNone/>
+            </a:pPr>
+            <a:r>
+              <a:rPr lang="ja" sz="1100" u="sng"/>
+              <a:t>結果</a:t>
+            </a:r>
+            <a:endParaRPr sz="764"/>
+          </a:p>
+          <a:p>
+            <a:pPr indent="0" lvl="0" marL="0" rtl="0" algn="l">
+              <a:lnSpc>
+                <a:spcPct val="100000"/>
+              </a:lnSpc>
+              <a:spcBef>
+                <a:spcPts val="1200"/>
+              </a:spcBef>
+              <a:spcAft>
+                <a:spcPts val="0"/>
+              </a:spcAft>
+              <a:buNone/>
+            </a:pPr>
+            <a:r>
+              <a:rPr lang="ja" sz="764"/>
+              <a:t>結果として、プログラムは新しい情報を探ることが難しいことがわかりました。多くの場合、プログラムは新しいボタンを試すよりも、過去に良い報酬を得たボタンを繰り返し押す傾向にありました。ただし、特定の条件下（例えば、プログラムに過去の情報を要約して与えるなど）では、プログラムが新しいボタンを探索することがあり、その場合には良い結果を得ることができました。しかし、このような特別な介入なしでは、プログラムは新しい情報をうまく探索できないことが多いという結論に至りました。</a:t>
+            </a:r>
+            <a:endParaRPr sz="764"/>
+          </a:p>
+          <a:p>
+            <a:pPr indent="0" lvl="0" marL="0" rtl="0" algn="l">
+              <a:lnSpc>
+                <a:spcPct val="100000"/>
+              </a:lnSpc>
+              <a:spcBef>
+                <a:spcPts val="1200"/>
+              </a:spcBef>
+              <a:spcAft>
+                <a:spcPts val="1200"/>
+              </a:spcAft>
+              <a:buNone/>
+            </a:pPr>
+            <a:r>
+              <a:t/>
+            </a:r>
+            <a:endParaRPr sz="764"/>
+          </a:p>
+        </p:txBody>
+      </p:sp>
+    </p:spTree>
+  </p:cSld>
+  <p:clrMapOvr>
+    <a:masterClrMapping/>
+  </p:clrMapOvr>
+</p:sld>
+</file>
+
+<file path=ppt/slides/slide65.xml><?xml version="1.0" encoding="utf-8"?>
+<p:sld xmlns:a="http://schemas.openxmlformats.org/drawingml/2006/main" xmlns:r="http://schemas.openxmlformats.org/officeDocument/2006/relationships" xmlns:mc="http://schemas.openxmlformats.org/markup-compatibility/2006" xmlns:mv="urn:schemas-microsoft-com:mac:vml" xmlns:p="http://schemas.openxmlformats.org/presentationml/2006/main" xmlns:c="http://schemas.openxmlformats.org/drawingml/2006/chart" xmlns:dgm="http://schemas.openxmlformats.org/drawingml/2006/diagram" xmlns:o="urn:schemas-microsoft-com:office:office" xmlns:v="urn:schemas-microsoft-com:vml" xmlns:pvml="urn:schemas-microsoft-com:office:powerpoint" xmlns:com="http://schemas.openxmlformats.org/drawingml/2006/compatibility" xmlns:p14="http://schemas.microsoft.com/office/powerpoint/2010/main" xmlns:p15="http://schemas.microsoft.com/office/powerpoint/2012/main" xmlns:ahyp="http://schemas.microsoft.com/office/drawing/2018/hyperlinkcolor">
+  <p:cSld>
+    <p:spTree>
+      <p:nvGrpSpPr>
+        <p:cNvPr id="403" name="Shape 403"/>
+        <p:cNvGrpSpPr/>
+        <p:nvPr/>
+      </p:nvGrpSpPr>
+      <p:grpSpPr>
+        <a:xfrm>
+          <a:off x="0" y="0"/>
+          <a:ext cx="0" cy="0"/>
+          <a:chOff x="0" y="0"/>
+          <a:chExt cx="0" cy="0"/>
+        </a:xfrm>
+      </p:grpSpPr>
+      <p:sp>
+        <p:nvSpPr>
+          <p:cNvPr id="404" name="Google Shape;404;p77"/>
+          <p:cNvSpPr txBox="1"/>
+          <p:nvPr>
+            <p:ph idx="1" type="body"/>
+          </p:nvPr>
+        </p:nvSpPr>
+        <p:spPr>
+          <a:xfrm>
+            <a:off x="0" y="0"/>
+            <a:ext cx="9144000" cy="5049600"/>
+          </a:xfrm>
+          <a:prstGeom prst="rect">
+            <a:avLst/>
+          </a:prstGeom>
+        </p:spPr>
+        <p:txBody>
+          <a:bodyPr anchorCtr="0" anchor="t" bIns="91425" lIns="91425" spcFirstLastPara="1" rIns="91425" wrap="square" tIns="91425">
+            <a:normAutofit/>
+          </a:bodyPr>
+          <a:lstStyle/>
+          <a:p>
+            <a:pPr indent="0" lvl="0" marL="0" rtl="0" algn="l">
+              <a:lnSpc>
+                <a:spcPct val="100000"/>
+              </a:lnSpc>
+              <a:spcBef>
+                <a:spcPts val="0"/>
+              </a:spcBef>
+              <a:spcAft>
+                <a:spcPts val="0"/>
+              </a:spcAft>
+              <a:buNone/>
+            </a:pPr>
+            <a:r>
+              <a:rPr lang="ja" sz="1200" u="sng"/>
+              <a:t>FOLLOWIR: Evaluating and Teaching Information Retrieval Models to Follow Instructions FOLLOWIR: 指示に従う情報検索モデルの評価と教育</a:t>
+            </a:r>
+            <a:r>
+              <a:rPr lang="ja" sz="1200" u="sng"/>
+              <a:t> 2024</a:t>
+            </a:r>
+            <a:endParaRPr sz="1100"/>
+          </a:p>
+          <a:p>
+            <a:pPr indent="0" lvl="0" marL="0" rtl="0" algn="l">
+              <a:lnSpc>
+                <a:spcPct val="100000"/>
+              </a:lnSpc>
+              <a:spcBef>
+                <a:spcPts val="1200"/>
+              </a:spcBef>
+              <a:spcAft>
+                <a:spcPts val="0"/>
+              </a:spcAft>
+              <a:buNone/>
+            </a:pPr>
+            <a:r>
+              <a:rPr lang="ja" sz="1100" u="sng"/>
+              <a:t>概要</a:t>
+            </a:r>
+            <a:endParaRPr sz="764"/>
+          </a:p>
+          <a:p>
+            <a:pPr indent="0" lvl="0" marL="0" rtl="0" algn="l">
+              <a:lnSpc>
+                <a:spcPct val="100000"/>
+              </a:lnSpc>
+              <a:spcBef>
+                <a:spcPts val="1200"/>
+              </a:spcBef>
+              <a:spcAft>
+                <a:spcPts val="0"/>
+              </a:spcAft>
+              <a:buNone/>
+            </a:pPr>
+            <a:r>
+              <a:rPr lang="ja" sz="764"/>
+              <a:t>情報を探す時に使うシステム（情報検索モデル）が、人が与えた詳しい指示をどれだけうまく使用し、正確な情報を探すシステムの評価と改善方法について検証。手法として（FOLLOWIR）を提案。</a:t>
+            </a:r>
+            <a:br>
+              <a:rPr lang="ja" sz="764"/>
+            </a:br>
+            <a:r>
+              <a:rPr lang="ja" sz="764"/>
+              <a:t>このシステムが人の指示にどれだけ従えるかを測る試験を作りました。</a:t>
+            </a:r>
+            <a:endParaRPr sz="764"/>
+          </a:p>
+          <a:p>
+            <a:pPr indent="0" lvl="0" marL="0" rtl="0" algn="l">
+              <a:lnSpc>
+                <a:spcPct val="100000"/>
+              </a:lnSpc>
+              <a:spcBef>
+                <a:spcPts val="1200"/>
+              </a:spcBef>
+              <a:spcAft>
+                <a:spcPts val="0"/>
+              </a:spcAft>
+              <a:buNone/>
+            </a:pPr>
+            <a:r>
+              <a:rPr lang="ja" sz="1100" u="sng"/>
+              <a:t>手法</a:t>
+            </a:r>
+            <a:endParaRPr sz="800"/>
+          </a:p>
+          <a:p>
+            <a:pPr indent="0" lvl="0" marL="0" rtl="0" algn="l">
+              <a:lnSpc>
+                <a:spcPct val="100000"/>
+              </a:lnSpc>
+              <a:spcBef>
+                <a:spcPts val="1200"/>
+              </a:spcBef>
+              <a:spcAft>
+                <a:spcPts val="0"/>
+              </a:spcAft>
+              <a:buNone/>
+            </a:pPr>
+            <a:r>
+              <a:rPr lang="ja" sz="764"/>
+              <a:t>具体的なアルゴリズムの説明は論文には詳しく書かれていませんが、基本的には以下の流れです。</a:t>
+            </a:r>
+            <a:endParaRPr sz="764"/>
+          </a:p>
+          <a:p>
+            <a:pPr indent="0" lvl="0" marL="0" rtl="0" algn="l">
+              <a:lnSpc>
+                <a:spcPct val="100000"/>
+              </a:lnSpc>
+              <a:spcBef>
+                <a:spcPts val="1200"/>
+              </a:spcBef>
+              <a:spcAft>
+                <a:spcPts val="0"/>
+              </a:spcAft>
+              <a:buNone/>
+            </a:pPr>
+            <a:r>
+              <a:rPr lang="ja" sz="764"/>
+              <a:t>1. 情報検索のための詳しい指示を用意します。</a:t>
+            </a:r>
+            <a:br>
+              <a:rPr lang="ja" sz="764"/>
+            </a:br>
+            <a:r>
+              <a:rPr lang="ja" sz="764"/>
+              <a:t>2. この指示に基づいて、どの文書が関連するか（relevant）を人が評価します。</a:t>
+            </a:r>
+            <a:br>
+              <a:rPr lang="ja" sz="764"/>
+            </a:br>
+            <a:r>
+              <a:rPr lang="ja" sz="764"/>
+              <a:t>3. 情報検索モデルをこの指示に従って文書を選ばせ、人の評価と比べます。</a:t>
+            </a:r>
+            <a:br>
+              <a:rPr lang="ja" sz="764"/>
+            </a:br>
+            <a:r>
+              <a:rPr lang="ja" sz="764"/>
+              <a:t>4. モデルの選んだ文書と人の評価がどれだけ合っているかで、モデルの性能を測ります。</a:t>
+            </a:r>
+            <a:endParaRPr sz="764"/>
+          </a:p>
+          <a:p>
+            <a:pPr indent="0" lvl="0" marL="0" rtl="0" algn="l">
+              <a:lnSpc>
+                <a:spcPct val="100000"/>
+              </a:lnSpc>
+              <a:spcBef>
+                <a:spcPts val="1200"/>
+              </a:spcBef>
+              <a:spcAft>
+                <a:spcPts val="0"/>
+              </a:spcAft>
+              <a:buNone/>
+            </a:pPr>
+            <a:r>
+              <a:t/>
+            </a:r>
+            <a:endParaRPr sz="764"/>
+          </a:p>
+          <a:p>
+            <a:pPr indent="0" lvl="0" marL="0" rtl="0" algn="l">
+              <a:lnSpc>
+                <a:spcPct val="100000"/>
+              </a:lnSpc>
+              <a:spcBef>
+                <a:spcPts val="1200"/>
+              </a:spcBef>
+              <a:spcAft>
+                <a:spcPts val="0"/>
+              </a:spcAft>
+              <a:buNone/>
+            </a:pPr>
+            <a:r>
+              <a:rPr lang="ja" sz="1100" u="sng"/>
+              <a:t>結果</a:t>
+            </a:r>
+            <a:endParaRPr sz="764"/>
+          </a:p>
+          <a:p>
+            <a:pPr indent="0" lvl="0" marL="0" rtl="0" algn="l">
+              <a:lnSpc>
+                <a:spcPct val="100000"/>
+              </a:lnSpc>
+              <a:spcBef>
+                <a:spcPts val="1200"/>
+              </a:spcBef>
+              <a:spcAft>
+                <a:spcPts val="1200"/>
+              </a:spcAft>
+              <a:buNone/>
+            </a:pPr>
+            <a:r>
+              <a:rPr lang="ja" sz="764"/>
+              <a:t>今使われている多くの検索システムは、人の詳しい指示をうまく使用で着ないことがわかりました。</a:t>
+            </a:r>
+            <a:br>
+              <a:rPr lang="ja" sz="764"/>
+            </a:br>
+            <a:r>
+              <a:rPr lang="ja" sz="764"/>
+              <a:t>しかし、IRモデルが複雑な指示に従うことを学ぶことは可能で、FOLLOWIR-7Bは訓練セットでファインチューニングした後、詳しい支持にも対応できる当たり、何もしなくても上手くいく方法はあると思う</a:t>
+            </a:r>
+            <a:br>
+              <a:rPr lang="ja" sz="764"/>
+            </a:br>
+            <a:r>
+              <a:rPr lang="ja" sz="764"/>
+              <a:t>E Prompts Usedセクションには、研究で使用されたプロンプトの例が記載され、特定のタスクを実行するために与えられる指示の形式を示しています。</a:t>
+            </a:r>
+            <a:endParaRPr sz="764"/>
+          </a:p>
+        </p:txBody>
+      </p:sp>
+    </p:spTree>
+  </p:cSld>
+  <p:clrMapOvr>
+    <a:masterClrMapping/>
+  </p:clrMapOvr>
+</p:sld>
+</file>
+
+<file path=ppt/slides/slide66.xml><?xml version="1.0" encoding="utf-8"?>
+<p:sld xmlns:a="http://schemas.openxmlformats.org/drawingml/2006/main" xmlns:r="http://schemas.openxmlformats.org/officeDocument/2006/relationships" xmlns:mc="http://schemas.openxmlformats.org/markup-compatibility/2006" xmlns:mv="urn:schemas-microsoft-com:mac:vml" xmlns:p="http://schemas.openxmlformats.org/presentationml/2006/main" xmlns:c="http://schemas.openxmlformats.org/drawingml/2006/chart" xmlns:dgm="http://schemas.openxmlformats.org/drawingml/2006/diagram" xmlns:o="urn:schemas-microsoft-com:office:office" xmlns:v="urn:schemas-microsoft-com:vml" xmlns:pvml="urn:schemas-microsoft-com:office:powerpoint" xmlns:com="http://schemas.openxmlformats.org/drawingml/2006/compatibility" xmlns:p14="http://schemas.microsoft.com/office/powerpoint/2010/main" xmlns:p15="http://schemas.microsoft.com/office/powerpoint/2012/main" xmlns:ahyp="http://schemas.microsoft.com/office/drawing/2018/hyperlinkcolor">
+  <p:cSld>
+    <p:spTree>
+      <p:nvGrpSpPr>
+        <p:cNvPr id="408" name="Shape 408"/>
+        <p:cNvGrpSpPr/>
+        <p:nvPr/>
+      </p:nvGrpSpPr>
+      <p:grpSpPr>
+        <a:xfrm>
+          <a:off x="0" y="0"/>
+          <a:ext cx="0" cy="0"/>
+          <a:chOff x="0" y="0"/>
+          <a:chExt cx="0" cy="0"/>
+        </a:xfrm>
+      </p:grpSpPr>
+      <p:sp>
+        <p:nvSpPr>
+          <p:cNvPr id="409" name="Google Shape;409;p78"/>
+          <p:cNvSpPr txBox="1"/>
+          <p:nvPr>
+            <p:ph idx="1" type="body"/>
+          </p:nvPr>
+        </p:nvSpPr>
+        <p:spPr>
+          <a:xfrm>
+            <a:off x="0" y="0"/>
+            <a:ext cx="9144000" cy="5049600"/>
+          </a:xfrm>
+          <a:prstGeom prst="rect">
+            <a:avLst/>
+          </a:prstGeom>
+        </p:spPr>
+        <p:txBody>
+          <a:bodyPr anchorCtr="0" anchor="t" bIns="91425" lIns="91425" spcFirstLastPara="1" rIns="91425" wrap="square" tIns="91425">
+            <a:normAutofit/>
+          </a:bodyPr>
+          <a:lstStyle/>
+          <a:p>
+            <a:pPr indent="0" lvl="0" marL="0" rtl="0" algn="l">
+              <a:lnSpc>
+                <a:spcPct val="100000"/>
+              </a:lnSpc>
+              <a:spcBef>
+                <a:spcPts val="0"/>
+              </a:spcBef>
+              <a:spcAft>
+                <a:spcPts val="0"/>
+              </a:spcAft>
+              <a:buNone/>
+            </a:pPr>
+            <a:r>
+              <a:rPr lang="ja" sz="1200" u="sng"/>
+              <a:t>AI Teaches the Art of Elegant Coding: Timely Fair and Helpful Style Feedback in a Global Course AIが教えるエレガントなコーディングの芸術：タイムリーで公平、そして役立つスタイルフィードバックをグローバルなコースで</a:t>
+            </a:r>
+            <a:r>
+              <a:rPr lang="ja" sz="1200" u="sng"/>
+              <a:t> 2024</a:t>
+            </a:r>
+            <a:endParaRPr sz="1100"/>
+          </a:p>
+          <a:p>
+            <a:pPr indent="0" lvl="0" marL="0" rtl="0" algn="l">
+              <a:lnSpc>
+                <a:spcPct val="100000"/>
+              </a:lnSpc>
+              <a:spcBef>
+                <a:spcPts val="1200"/>
+              </a:spcBef>
+              <a:spcAft>
+                <a:spcPts val="0"/>
+              </a:spcAft>
+              <a:buNone/>
+            </a:pPr>
+            <a:r>
+              <a:rPr lang="ja" sz="1100" u="sng"/>
+              <a:t>概要</a:t>
+            </a:r>
+            <a:endParaRPr sz="764"/>
+          </a:p>
+          <a:p>
+            <a:pPr indent="0" lvl="0" marL="0" rtl="0" algn="l">
+              <a:lnSpc>
+                <a:spcPct val="100000"/>
+              </a:lnSpc>
+              <a:spcBef>
+                <a:spcPts val="1200"/>
+              </a:spcBef>
+              <a:spcAft>
+                <a:spcPts val="0"/>
+              </a:spcAft>
+              <a:buNone/>
+            </a:pPr>
+            <a:r>
+              <a:rPr lang="ja" sz="764"/>
+              <a:t>プログラミングを学ぶ初心者に向けて、「いいスタイル」でコードを書くことの大切さを教えるためのツールを開発しました。</a:t>
+            </a:r>
+            <a:br>
+              <a:rPr lang="ja" sz="764"/>
+            </a:br>
+            <a:r>
+              <a:rPr lang="ja" sz="764"/>
+              <a:t>プログラミングの「スタイル」とは、コードが読みやすく、他の人が理解しやすいように整理する方法です。</a:t>
+            </a:r>
+            <a:br>
+              <a:rPr lang="ja" sz="764"/>
+            </a:br>
+            <a:r>
+              <a:rPr lang="ja" sz="764"/>
+              <a:t>例えば、変数の名前が何を意味しているか明確であることや、コード内でコメントを使って説明を加えることなどが含まれます。</a:t>
+            </a:r>
+            <a:br>
+              <a:rPr lang="ja" sz="764"/>
+            </a:br>
+            <a:r>
+              <a:rPr lang="ja" sz="764"/>
+              <a:t>このツールは、LLMを使って、学生の書いたコードをリアルタイムでチェックし、どう改善できるか具体的なアドバイスを出します。</a:t>
+            </a:r>
+            <a:endParaRPr sz="764"/>
+          </a:p>
+          <a:p>
+            <a:pPr indent="0" lvl="0" marL="0" rtl="0" algn="l">
+              <a:lnSpc>
+                <a:spcPct val="100000"/>
+              </a:lnSpc>
+              <a:spcBef>
+                <a:spcPts val="1200"/>
+              </a:spcBef>
+              <a:spcAft>
+                <a:spcPts val="0"/>
+              </a:spcAft>
+              <a:buNone/>
+            </a:pPr>
+            <a:r>
+              <a:rPr lang="ja" sz="1100" u="sng"/>
+              <a:t>手法</a:t>
+            </a:r>
+            <a:endParaRPr sz="800"/>
+          </a:p>
+          <a:p>
+            <a:pPr indent="0" lvl="0" marL="0" rtl="0" algn="l">
+              <a:lnSpc>
+                <a:spcPct val="100000"/>
+              </a:lnSpc>
+              <a:spcBef>
+                <a:spcPts val="1200"/>
+              </a:spcBef>
+              <a:spcAft>
+                <a:spcPts val="0"/>
+              </a:spcAft>
+              <a:buNone/>
+            </a:pPr>
+            <a:r>
+              <a:rPr lang="ja" sz="764"/>
+              <a:t>LLMを使用したフィードバック生成</a:t>
+            </a:r>
+            <a:br>
+              <a:rPr lang="ja" sz="764"/>
+            </a:br>
+            <a:r>
+              <a:rPr lang="ja" sz="764"/>
+              <a:t>学生がプログラムを完成させると、そのコードはすぐにLLMによって分析されます。LLMは、以下の点に注目してフィードバックを生成します。</a:t>
+            </a:r>
+            <a:br>
+              <a:rPr lang="ja" sz="764"/>
+            </a:br>
+            <a:r>
+              <a:rPr lang="ja" sz="764"/>
+              <a:t>    識別子の名前：変数や関数の名前が、その用途を正確に表しているか。</a:t>
+            </a:r>
+            <a:br>
+              <a:rPr lang="ja" sz="764"/>
+            </a:br>
+            <a:r>
+              <a:rPr lang="ja" sz="764"/>
+              <a:t>    定数とマジックナンバー：コード内の数値が直接書かれている場合、それを定数として定義することで読みやすくする。</a:t>
+            </a:r>
+            <a:br>
+              <a:rPr lang="ja" sz="764"/>
+            </a:br>
+            <a:r>
+              <a:rPr lang="ja" sz="764"/>
+              <a:t>    コメント：コードのどの部分に説明を加えるべきか、どのようなコメントが有効か。</a:t>
+            </a:r>
+            <a:br>
+              <a:rPr lang="ja" sz="764"/>
+            </a:br>
+            <a:r>
+              <a:rPr lang="ja" sz="764"/>
+              <a:t>    分解：大きな問題を小さな部分に分ける（関数を分ける）ことで、コードを管理しやすくする。</a:t>
+            </a:r>
+            <a:br>
+              <a:rPr lang="ja" sz="764"/>
+            </a:br>
+            <a:r>
+              <a:rPr lang="ja" sz="764"/>
+              <a:t>このフィードバックは、学生がコードに関する具体的な改善点を理解しやすいよう、簡潔かつ具体的な形で提供されます。</a:t>
+            </a:r>
+            <a:endParaRPr sz="764"/>
+          </a:p>
+          <a:p>
+            <a:pPr indent="0" lvl="0" marL="0" rtl="0" algn="l">
+              <a:lnSpc>
+                <a:spcPct val="100000"/>
+              </a:lnSpc>
+              <a:spcBef>
+                <a:spcPts val="1200"/>
+              </a:spcBef>
+              <a:spcAft>
+                <a:spcPts val="0"/>
+              </a:spcAft>
+              <a:buNone/>
+            </a:pPr>
+            <a:r>
+              <a:rPr lang="ja" sz="764"/>
+              <a:t>アルゴリズムの概要</a:t>
+            </a:r>
+            <a:br>
+              <a:rPr lang="ja" sz="764"/>
+            </a:br>
+            <a:r>
+              <a:rPr lang="ja" sz="764"/>
+              <a:t>    学生から提出されたコードを入力として受け取ります。</a:t>
+            </a:r>
+            <a:br>
+              <a:rPr lang="ja" sz="764"/>
+            </a:br>
+            <a:r>
+              <a:rPr lang="ja" sz="764"/>
+              <a:t>    コードを解析し、上記の4つのカテゴリに基づいて改善点を特定します。</a:t>
+            </a:r>
+            <a:br>
+              <a:rPr lang="ja" sz="764"/>
+            </a:br>
+            <a:r>
+              <a:rPr lang="ja" sz="764"/>
+              <a:t>    改善点ごとに、どうすればより良く書けるかの具体的な提案を生成します。</a:t>
+            </a:r>
+            <a:br>
+              <a:rPr lang="ja" sz="764"/>
+            </a:br>
+            <a:r>
+              <a:rPr lang="ja" sz="764"/>
+              <a:t>    このプロセス全体を通じて、学生が理解しやすい言葉でフィードバックを出力します。</a:t>
+            </a:r>
+            <a:endParaRPr sz="764"/>
+          </a:p>
+          <a:p>
+            <a:pPr indent="0" lvl="0" marL="0" rtl="0" algn="l">
+              <a:lnSpc>
+                <a:spcPct val="100000"/>
+              </a:lnSpc>
+              <a:spcBef>
+                <a:spcPts val="1200"/>
+              </a:spcBef>
+              <a:spcAft>
+                <a:spcPts val="0"/>
+              </a:spcAft>
+              <a:buNone/>
+            </a:pPr>
+            <a:r>
+              <a:rPr lang="ja" sz="1100" u="sng"/>
+              <a:t>結果</a:t>
+            </a:r>
+            <a:endParaRPr sz="764"/>
+          </a:p>
+          <a:p>
+            <a:pPr indent="0" lvl="0" marL="0" rtl="0" algn="l">
+              <a:lnSpc>
+                <a:spcPct val="100000"/>
+              </a:lnSpc>
+              <a:spcBef>
+                <a:spcPts val="1200"/>
+              </a:spcBef>
+              <a:spcAft>
+                <a:spcPts val="1200"/>
+              </a:spcAft>
+              <a:buNone/>
+            </a:pPr>
+            <a:r>
+              <a:rPr lang="ja" sz="764"/>
+              <a:t>リアルタイムでフィードバックを受けた学生は、遅れてフィードバックを受けた学生と比べて、フィードバックを見る確率が5倍高く、リアルタイムのフィードバックが学生の学習にとって非常に有効であることを示しています。また、学生が自分のコードをよりよく理解し、改善するための具体的な方法を提供することができます</a:t>
+            </a:r>
+            <a:endParaRPr sz="764"/>
+          </a:p>
+        </p:txBody>
+      </p:sp>
+    </p:spTree>
+  </p:cSld>
+  <p:clrMapOvr>
+    <a:masterClrMapping/>
+  </p:clrMapOvr>
+</p:sld>
+</file>
+
+<file path=ppt/slides/slide67.xml><?xml version="1.0" encoding="utf-8"?>
+<p:sld xmlns:a="http://schemas.openxmlformats.org/drawingml/2006/main" xmlns:r="http://schemas.openxmlformats.org/officeDocument/2006/relationships" xmlns:mc="http://schemas.openxmlformats.org/markup-compatibility/2006" xmlns:mv="urn:schemas-microsoft-com:mac:vml" xmlns:p="http://schemas.openxmlformats.org/presentationml/2006/main" xmlns:c="http://schemas.openxmlformats.org/drawingml/2006/chart" xmlns:dgm="http://schemas.openxmlformats.org/drawingml/2006/diagram" xmlns:o="urn:schemas-microsoft-com:office:office" xmlns:v="urn:schemas-microsoft-com:vml" xmlns:pvml="urn:schemas-microsoft-com:office:powerpoint" xmlns:com="http://schemas.openxmlformats.org/drawingml/2006/compatibility" xmlns:p14="http://schemas.microsoft.com/office/powerpoint/2010/main" xmlns:p15="http://schemas.microsoft.com/office/powerpoint/2012/main" xmlns:ahyp="http://schemas.microsoft.com/office/drawing/2018/hyperlinkcolor">
+  <p:cSld>
+    <p:spTree>
+      <p:nvGrpSpPr>
+        <p:cNvPr id="413" name="Shape 413"/>
+        <p:cNvGrpSpPr/>
+        <p:nvPr/>
+      </p:nvGrpSpPr>
+      <p:grpSpPr>
+        <a:xfrm>
+          <a:off x="0" y="0"/>
+          <a:ext cx="0" cy="0"/>
+          <a:chOff x="0" y="0"/>
+          <a:chExt cx="0" cy="0"/>
+        </a:xfrm>
+      </p:grpSpPr>
+      <p:sp>
+        <p:nvSpPr>
+          <p:cNvPr id="414" name="Google Shape;414;p79"/>
+          <p:cNvSpPr txBox="1"/>
+          <p:nvPr>
+            <p:ph idx="1" type="body"/>
+          </p:nvPr>
+        </p:nvSpPr>
+        <p:spPr>
+          <a:xfrm>
+            <a:off x="0" y="0"/>
+            <a:ext cx="9144000" cy="5049600"/>
+          </a:xfrm>
+          <a:prstGeom prst="rect">
+            <a:avLst/>
+          </a:prstGeom>
+        </p:spPr>
+        <p:txBody>
+          <a:bodyPr anchorCtr="0" anchor="t" bIns="91425" lIns="91425" spcFirstLastPara="1" rIns="91425" wrap="square" tIns="91425">
+            <a:normAutofit lnSpcReduction="10000"/>
+          </a:bodyPr>
+          <a:lstStyle/>
+          <a:p>
+            <a:pPr indent="0" lvl="0" marL="0" rtl="0" algn="l">
+              <a:lnSpc>
+                <a:spcPct val="100000"/>
+              </a:lnSpc>
+              <a:spcBef>
+                <a:spcPts val="0"/>
+              </a:spcBef>
+              <a:spcAft>
+                <a:spcPts val="0"/>
+              </a:spcAft>
+              <a:buNone/>
+            </a:pPr>
+            <a:r>
+              <a:rPr lang="ja" sz="1200" u="sng"/>
+              <a:t> Monotonic Paraphrasing Improves Generalization of Language Model Prompting 単調な言い換えが言語モデルのプロンプトの一般化を改善</a:t>
+            </a:r>
+            <a:r>
+              <a:rPr lang="ja" sz="1200" u="sng"/>
+              <a:t> 2024</a:t>
+            </a:r>
+            <a:endParaRPr sz="1100"/>
+          </a:p>
+          <a:p>
+            <a:pPr indent="0" lvl="0" marL="0" rtl="0" algn="l">
+              <a:lnSpc>
+                <a:spcPct val="100000"/>
+              </a:lnSpc>
+              <a:spcBef>
+                <a:spcPts val="1200"/>
+              </a:spcBef>
+              <a:spcAft>
+                <a:spcPts val="0"/>
+              </a:spcAft>
+              <a:buNone/>
+            </a:pPr>
+            <a:r>
+              <a:rPr lang="ja" sz="1100" u="sng"/>
+              <a:t>概要</a:t>
+            </a:r>
+            <a:endParaRPr sz="764"/>
+          </a:p>
+          <a:p>
+            <a:pPr indent="0" lvl="0" marL="0" rtl="0" algn="l">
+              <a:lnSpc>
+                <a:spcPct val="100000"/>
+              </a:lnSpc>
+              <a:spcBef>
+                <a:spcPts val="1200"/>
+              </a:spcBef>
+              <a:spcAft>
+                <a:spcPts val="0"/>
+              </a:spcAft>
+              <a:buNone/>
+            </a:pPr>
+            <a:r>
+              <a:rPr lang="ja" sz="764"/>
+              <a:t>異なるプロンプトや指示でLLMの性能が変動する問題に対処するため、単調な言い換え（MONOPARA）というエンドツーエンドのデコーディング戦略を提案。MONOPARAは、2つの大きなステップを使います。1つ目は、質問の言い換えです。ここで、質問を少し変えても同じ意味を保つようにします。2つ目のステップでは、言い換えた質問がプログラムにとって「わかりやすい」かどうかをチェックします。これは、プログラムがどれだけその質問に慣れているか（困惑度が低いか）によって判断します。この2つのステップを組み合わせることで、プログラムが質問の意味をより正確に理解しやすくなります。この方法を使うと、プログラムが質問に答える能力が向上することがわかりました。質問を自動で少し変えるだけで、プログラムがより正確な答えを出しやすくなるのです。これは、プログラムが新しい質問にも柔軟に対応できるようになるということを意味します。</a:t>
+            </a:r>
+            <a:br>
+              <a:rPr lang="ja" sz="764"/>
+            </a:br>
+            <a:endParaRPr sz="764"/>
+          </a:p>
+          <a:p>
+            <a:pPr indent="0" lvl="0" marL="0" rtl="0" algn="l">
+              <a:lnSpc>
+                <a:spcPct val="100000"/>
+              </a:lnSpc>
+              <a:spcBef>
+                <a:spcPts val="1200"/>
+              </a:spcBef>
+              <a:spcAft>
+                <a:spcPts val="0"/>
+              </a:spcAft>
+              <a:buNone/>
+            </a:pPr>
+            <a:r>
+              <a:rPr lang="ja" sz="1100" u="sng"/>
+              <a:t>手法</a:t>
+            </a:r>
+            <a:endParaRPr sz="800"/>
+          </a:p>
+          <a:p>
+            <a:pPr indent="0" lvl="0" marL="0" rtl="0" algn="l">
+              <a:lnSpc>
+                <a:spcPct val="100000"/>
+              </a:lnSpc>
+              <a:spcBef>
+                <a:spcPts val="1200"/>
+              </a:spcBef>
+              <a:spcAft>
+                <a:spcPts val="0"/>
+              </a:spcAft>
+              <a:buNone/>
+            </a:pPr>
+            <a:r>
+              <a:rPr lang="ja" sz="764"/>
+              <a:t>MONOPARAのアルゴリズムは、大きく分けて2つの主要なステップから成り立っています。</a:t>
+            </a:r>
+            <a:br>
+              <a:rPr lang="ja" sz="764"/>
+            </a:br>
+            <a:r>
+              <a:rPr lang="ja" sz="764"/>
+              <a:t>ステップ1: 質問の言い換え</a:t>
+            </a:r>
+            <a:br>
+              <a:rPr lang="ja" sz="764"/>
+            </a:br>
+            <a:r>
+              <a:rPr lang="ja" sz="764"/>
+              <a:t>1. システムプロンプトの設定: 最初に、「この文を言い換えてください」という指示をシステムプロンプトとして設定します。これは、パラフレーズモデルが質問を言い換えるための指示になります。</a:t>
+            </a:r>
+            <a:br>
+              <a:rPr lang="ja" sz="764"/>
+            </a:br>
+            <a:r>
+              <a:rPr lang="ja" sz="764"/>
+              <a:t>2. パラフレーズモデルの使用: パラフレーズモデルに、元の質問とシステムプロンプトを入力として与えます。このモデルは、入力された質問の言い換えを生成します。</a:t>
+            </a:r>
+            <a:endParaRPr sz="764"/>
+          </a:p>
+          <a:p>
+            <a:pPr indent="0" lvl="0" marL="0" rtl="0" algn="l">
+              <a:lnSpc>
+                <a:spcPct val="100000"/>
+              </a:lnSpc>
+              <a:spcBef>
+                <a:spcPts val="1200"/>
+              </a:spcBef>
+              <a:spcAft>
+                <a:spcPts val="0"/>
+              </a:spcAft>
+              <a:buNone/>
+            </a:pPr>
+            <a:r>
+              <a:rPr lang="ja" sz="764"/>
+              <a:t>ステップ2: 困惑度の低下を目指した最適化</a:t>
+            </a:r>
+            <a:br>
+              <a:rPr lang="ja" sz="764"/>
+            </a:br>
+            <a:r>
+              <a:rPr lang="ja" sz="764"/>
+              <a:t>1. 質問の初期化: 言い換えた質問の最初のトークンを選びます。この選択は、パラフレーズモデルの出力から最も可能性の高いトークンを選ぶことで行います。|</a:t>
+            </a:r>
+            <a:br>
+              <a:rPr lang="ja" sz="764"/>
+            </a:br>
+            <a:r>
+              <a:rPr lang="ja" sz="764"/>
+              <a:t>2. トークンごとの繰り返し処理: 言い換えた質問の各トークンに対して、次のトークンを選択します。このとき、2つのモデルの出力を利用します。</a:t>
+            </a:r>
+            <a:br>
+              <a:rPr lang="ja" sz="764"/>
+            </a:br>
+            <a:r>
+              <a:rPr lang="ja" sz="764"/>
+              <a:t>    パラフレーズモデル: 質問を言い換える際の文の流れを考慮します。</a:t>
+            </a:r>
+            <a:br>
+              <a:rPr lang="ja" sz="764"/>
+            </a:br>
+            <a:r>
+              <a:rPr lang="ja" sz="764"/>
+              <a:t>    目標モデル: 選択されたトークンが目標モデルにとって理解しやすいか（困惑度が低いか）を評価します。</a:t>
+            </a:r>
+            <a:br>
+              <a:rPr lang="ja" sz="764"/>
+            </a:br>
+            <a:r>
+              <a:rPr lang="ja" sz="764"/>
+              <a:t>3. トークン選択のための重み付け: パラフレーズモデルと目標モデルから得られるトークンの確率を、あらかじめ設定した重み（α）に基づいて組み合わせます。この重み付けにより、言い換えの自然さと目標モデルの困惑度の低さのバランスを取ります。</a:t>
+            </a:r>
+            <a:br>
+              <a:rPr lang="ja" sz="764"/>
+            </a:br>
+            <a:r>
+              <a:rPr lang="ja" sz="764"/>
+              <a:t>4. 繰り返し処理の継続: 質問の終わりに達するまで、2-3のステップを繰り返します。これにより、元の質問を言い換えつつ、目標モデルにとって理解しやすい形に最適化していきます。</a:t>
+            </a:r>
+            <a:endParaRPr sz="764"/>
+          </a:p>
+          <a:p>
+            <a:pPr indent="0" lvl="0" marL="0" rtl="0" algn="l">
+              <a:lnSpc>
+                <a:spcPct val="100000"/>
+              </a:lnSpc>
+              <a:spcBef>
+                <a:spcPts val="1200"/>
+              </a:spcBef>
+              <a:spcAft>
+                <a:spcPts val="0"/>
+              </a:spcAft>
+              <a:buNone/>
+            </a:pPr>
+            <a:r>
+              <a:rPr lang="ja" sz="1100" u="sng"/>
+              <a:t>実装</a:t>
+            </a:r>
+            <a:endParaRPr sz="764"/>
+          </a:p>
+          <a:p>
+            <a:pPr indent="0" lvl="0" marL="0" rtl="0" algn="l">
+              <a:lnSpc>
+                <a:spcPct val="100000"/>
+              </a:lnSpc>
+              <a:spcBef>
+                <a:spcPts val="1200"/>
+              </a:spcBef>
+              <a:spcAft>
+                <a:spcPts val="0"/>
+              </a:spcAft>
+              <a:buNone/>
+            </a:pPr>
+            <a:r>
+              <a:rPr lang="ja" sz="764"/>
+              <a:t>- パラフレーズモデルと目標モデル: 実装には、事前に訓練されたパラフレーズモデルと、タスクの目的に合わせた目標モデル（例えば、特定のタスクに最適化された言語モデル）が必要です。</a:t>
+            </a:r>
+            <a:endParaRPr sz="764"/>
+          </a:p>
+          <a:p>
+            <a:pPr indent="0" lvl="0" marL="0" rtl="0" algn="l">
+              <a:lnSpc>
+                <a:spcPct val="100000"/>
+              </a:lnSpc>
+              <a:spcBef>
+                <a:spcPts val="1200"/>
+              </a:spcBef>
+              <a:spcAft>
+                <a:spcPts val="0"/>
+              </a:spcAft>
+              <a:buNone/>
+            </a:pPr>
+            <a:r>
+              <a:rPr lang="ja" sz="764"/>
+              <a:t>- 重みαの調整: 重みαは、パラフレーズモデルの出力と目標モデルの困惑度の間のバランスを調整するための重要なパラメータです。この値を調整することで、言い換えの質と目標モデルの反応の最適化を図ります。</a:t>
+            </a:r>
+            <a:endParaRPr sz="764"/>
+          </a:p>
+          <a:p>
+            <a:pPr indent="0" lvl="0" marL="0" rtl="0" algn="l">
+              <a:lnSpc>
+                <a:spcPct val="100000"/>
+              </a:lnSpc>
+              <a:spcBef>
+                <a:spcPts val="1200"/>
+              </a:spcBef>
+              <a:spcAft>
+                <a:spcPts val="0"/>
+              </a:spcAft>
+              <a:buNone/>
+            </a:pPr>
+            <a:r>
+              <a:rPr lang="ja" sz="764"/>
+              <a:t>- 終了条件: 言い換えた質問の生成時には、適切な終了条件（例えば、最大トークン数に達したとき）を設定することが重要です。</a:t>
+            </a:r>
+            <a:endParaRPr sz="764"/>
+          </a:p>
+          <a:p>
+            <a:pPr indent="0" lvl="0" marL="0" rtl="0" algn="l">
+              <a:lnSpc>
+                <a:spcPct val="100000"/>
+              </a:lnSpc>
+              <a:spcBef>
+                <a:spcPts val="1200"/>
+              </a:spcBef>
+              <a:spcAft>
+                <a:spcPts val="1200"/>
+              </a:spcAft>
+              <a:buNone/>
+            </a:pPr>
+            <a:r>
+              <a:t/>
+            </a:r>
+            <a:endParaRPr sz="764"/>
+          </a:p>
+        </p:txBody>
+      </p:sp>
+    </p:spTree>
+  </p:cSld>
+  <p:clrMapOvr>
+    <a:masterClrMapping/>
+  </p:clrMapOvr>
+</p:sld>
+</file>
+
+<file path=ppt/slides/slide68.xml><?xml version="1.0" encoding="utf-8"?>
+<p:sld xmlns:a="http://schemas.openxmlformats.org/drawingml/2006/main" xmlns:r="http://schemas.openxmlformats.org/officeDocument/2006/relationships" xmlns:mc="http://schemas.openxmlformats.org/markup-compatibility/2006" xmlns:mv="urn:schemas-microsoft-com:mac:vml" xmlns:p="http://schemas.openxmlformats.org/presentationml/2006/main" xmlns:c="http://schemas.openxmlformats.org/drawingml/2006/chart" xmlns:dgm="http://schemas.openxmlformats.org/drawingml/2006/diagram" xmlns:o="urn:schemas-microsoft-com:office:office" xmlns:v="urn:schemas-microsoft-com:vml" xmlns:pvml="urn:schemas-microsoft-com:office:powerpoint" xmlns:com="http://schemas.openxmlformats.org/drawingml/2006/compatibility" xmlns:p14="http://schemas.microsoft.com/office/powerpoint/2010/main" xmlns:p15="http://schemas.microsoft.com/office/powerpoint/2012/main" xmlns:ahyp="http://schemas.microsoft.com/office/drawing/2018/hyperlinkcolor">
+  <p:cSld>
+    <p:spTree>
+      <p:nvGrpSpPr>
+        <p:cNvPr id="418" name="Shape 418"/>
+        <p:cNvGrpSpPr/>
+        <p:nvPr/>
+      </p:nvGrpSpPr>
+      <p:grpSpPr>
+        <a:xfrm>
+          <a:off x="0" y="0"/>
+          <a:ext cx="0" cy="0"/>
+          <a:chOff x="0" y="0"/>
+          <a:chExt cx="0" cy="0"/>
+        </a:xfrm>
+      </p:grpSpPr>
+      <p:sp>
+        <p:nvSpPr>
+          <p:cNvPr id="419" name="Google Shape;419;p80"/>
+          <p:cNvSpPr txBox="1"/>
+          <p:nvPr>
+            <p:ph idx="1" type="body"/>
+          </p:nvPr>
+        </p:nvSpPr>
+        <p:spPr>
+          <a:xfrm>
+            <a:off x="0" y="0"/>
+            <a:ext cx="9144000" cy="5049600"/>
+          </a:xfrm>
+          <a:prstGeom prst="rect">
+            <a:avLst/>
+          </a:prstGeom>
+        </p:spPr>
+        <p:txBody>
+          <a:bodyPr anchorCtr="0" anchor="t" bIns="91425" lIns="91425" spcFirstLastPara="1" rIns="91425" wrap="square" tIns="91425">
+            <a:normAutofit lnSpcReduction="20000"/>
+          </a:bodyPr>
+          <a:lstStyle/>
+          <a:p>
+            <a:pPr indent="0" lvl="0" marL="0" rtl="0" algn="l">
+              <a:lnSpc>
+                <a:spcPct val="100000"/>
+              </a:lnSpc>
+              <a:spcBef>
+                <a:spcPts val="0"/>
+              </a:spcBef>
+              <a:spcAft>
+                <a:spcPts val="0"/>
+              </a:spcAft>
+              <a:buNone/>
+            </a:pPr>
+            <a:r>
+              <a:rPr lang="ja" sz="1200" u="sng"/>
+              <a:t>Towards a RAG based Summarization for Electron Ion Collider 電子イオン衝突器のためのRAGベースの要約に向けて</a:t>
+            </a:r>
+            <a:r>
+              <a:rPr lang="ja" sz="1200" u="sng"/>
+              <a:t> 2024</a:t>
+            </a:r>
+            <a:endParaRPr sz="1100"/>
+          </a:p>
+          <a:p>
+            <a:pPr indent="0" lvl="0" marL="0" rtl="0" algn="l">
+              <a:lnSpc>
+                <a:spcPct val="100000"/>
+              </a:lnSpc>
+              <a:spcBef>
+                <a:spcPts val="1200"/>
+              </a:spcBef>
+              <a:spcAft>
+                <a:spcPts val="0"/>
+              </a:spcAft>
+              <a:buNone/>
+            </a:pPr>
+            <a:r>
+              <a:rPr lang="ja" sz="1100" u="sng"/>
+              <a:t>概要</a:t>
+            </a:r>
+            <a:endParaRPr sz="764"/>
+          </a:p>
+          <a:p>
+            <a:pPr indent="0" lvl="0" marL="0" rtl="0" algn="l">
+              <a:lnSpc>
+                <a:spcPct val="100000"/>
+              </a:lnSpc>
+              <a:spcBef>
+                <a:spcPts val="1200"/>
+              </a:spcBef>
+              <a:spcAft>
+                <a:spcPts val="0"/>
+              </a:spcAft>
+              <a:buNone/>
+            </a:pPr>
+            <a:r>
+              <a:rPr lang="ja" sz="764"/>
+              <a:t>電子イオン衝突器(EIC)のためのRAGを作成しています。大量の情報を簡単に理解できるように要約し、質問に答えることができます。これは、新しい研究者や学生がたくさんの文書やデータを速く理解するのを助けます。</a:t>
+            </a:r>
+            <a:br>
+              <a:rPr lang="ja" sz="764"/>
+            </a:br>
+            <a:r>
+              <a:rPr lang="ja" sz="764"/>
+              <a:t>https://rags4eic-ai4eic.streamlit.app/</a:t>
+            </a:r>
+            <a:br>
+              <a:rPr lang="ja" sz="764"/>
+            </a:br>
+            <a:endParaRPr sz="764"/>
+          </a:p>
+          <a:p>
+            <a:pPr indent="0" lvl="0" marL="0" rtl="0" algn="l">
+              <a:lnSpc>
+                <a:spcPct val="100000"/>
+              </a:lnSpc>
+              <a:spcBef>
+                <a:spcPts val="1200"/>
+              </a:spcBef>
+              <a:spcAft>
+                <a:spcPts val="0"/>
+              </a:spcAft>
+              <a:buNone/>
+            </a:pPr>
+            <a:r>
+              <a:rPr lang="ja" sz="1100" u="sng"/>
+              <a:t>手法</a:t>
+            </a:r>
+            <a:endParaRPr sz="800"/>
+          </a:p>
+          <a:p>
+            <a:pPr indent="0" lvl="0" marL="0" rtl="0" algn="l">
+              <a:lnSpc>
+                <a:spcPct val="100000"/>
+              </a:lnSpc>
+              <a:spcBef>
+                <a:spcPts val="1200"/>
+              </a:spcBef>
+              <a:spcAft>
+                <a:spcPts val="0"/>
+              </a:spcAft>
+              <a:buNone/>
+            </a:pPr>
+            <a:r>
+              <a:rPr lang="ja" sz="764"/>
+              <a:t>1. 知識ベースの作成: 最初に、EICに関する重要な情報を集めて、コンピュータが理解できる形にします。この情報は、文章やデータが数字のような形（ベクトルと呼ばれる）に変換され、コンピュータが素早く探し出せるように保存されます。</a:t>
+            </a:r>
+            <a:br>
+              <a:rPr lang="ja" sz="764"/>
+            </a:br>
+            <a:r>
+              <a:rPr lang="ja" sz="764"/>
+              <a:t>2. 質問への回答の流れ: 誰かが質問すると、AIはまず知識ベースを検索して、質問に関連する情報を見つけます。次に、その情報を基にして、簡潔でわかりやすい答えを作り出します。</a:t>
+            </a:r>
+            <a:endParaRPr sz="764"/>
+          </a:p>
+          <a:p>
+            <a:pPr indent="0" lvl="0" marL="0" rtl="0" algn="l">
+              <a:lnSpc>
+                <a:spcPct val="100000"/>
+              </a:lnSpc>
+              <a:spcBef>
+                <a:spcPts val="1200"/>
+              </a:spcBef>
+              <a:spcAft>
+                <a:spcPts val="0"/>
+              </a:spcAft>
+              <a:buNone/>
+            </a:pPr>
+            <a:r>
+              <a:rPr lang="ja" sz="764"/>
+              <a:t>RAGの3つの主要な段階を使用しています：Ingestion（摂取）、Retrieval（検索）、Content Fusion Generation（内容融合生成）があります。</a:t>
+            </a:r>
+            <a:endParaRPr sz="764"/>
+          </a:p>
+          <a:p>
+            <a:pPr indent="0" lvl="0" marL="0" rtl="0" algn="l">
+              <a:lnSpc>
+                <a:spcPct val="100000"/>
+              </a:lnSpc>
+              <a:spcBef>
+                <a:spcPts val="1200"/>
+              </a:spcBef>
+              <a:spcAft>
+                <a:spcPts val="0"/>
+              </a:spcAft>
+              <a:buNone/>
+            </a:pPr>
+            <a:r>
+              <a:rPr lang="ja" sz="764"/>
+              <a:t>Ingestion（摂取）</a:t>
+            </a:r>
+            <a:br>
+              <a:rPr lang="ja" sz="764"/>
+            </a:br>
+            <a:r>
+              <a:rPr lang="ja" sz="764"/>
+              <a:t>チャンキング：大量のテキストデータを扱いやすいサイズの断片に分割します。</a:t>
+            </a:r>
+            <a:br>
+              <a:rPr lang="ja" sz="764"/>
+            </a:br>
+            <a:r>
+              <a:rPr lang="ja" sz="764"/>
+              <a:t>エンベッディングモデル：分割したテキストをベクトルに変換します。例えば、BERTやWord2Vecなどのモデルが使われ、テキストの意味を捉えたベクトル表現を生成します。</a:t>
+            </a:r>
+            <a:br>
+              <a:rPr lang="ja" sz="764"/>
+            </a:br>
+            <a:r>
+              <a:rPr lang="ja" sz="764"/>
+              <a:t>ベクトルデータベースへの格納：生成されたベクトルをデータベースに保存し、高速にアクセス可能にします。</a:t>
+            </a:r>
+            <a:endParaRPr sz="764"/>
+          </a:p>
+          <a:p>
+            <a:pPr indent="0" lvl="0" marL="0" rtl="0" algn="l">
+              <a:lnSpc>
+                <a:spcPct val="100000"/>
+              </a:lnSpc>
+              <a:spcBef>
+                <a:spcPts val="1200"/>
+              </a:spcBef>
+              <a:spcAft>
+                <a:spcPts val="0"/>
+              </a:spcAft>
+              <a:buNone/>
+            </a:pPr>
+            <a:r>
+              <a:rPr lang="ja" sz="764"/>
+              <a:t>Retrieval（検索）</a:t>
+            </a:r>
+            <a:br>
+              <a:rPr lang="ja" sz="764"/>
+            </a:br>
+            <a:r>
+              <a:rPr lang="ja" sz="764"/>
+              <a:t>ユーザーからのクエリに基づいて、ベクトルデータベースから最も関連する情報を検索し、それを基に回答を生成するプロセスです。この段階では、ユーザーのクエリをベクトルに変換し、データベース内の類似のベクトルを検索します。類似度は、コサイン類似性やユークリッド距離などの距離メトリックを用いて計済されます。</a:t>
+            </a:r>
+            <a:endParaRPr sz="764"/>
+          </a:p>
+          <a:p>
+            <a:pPr indent="0" lvl="0" marL="0" rtl="0" algn="l">
+              <a:lnSpc>
+                <a:spcPct val="100000"/>
+              </a:lnSpc>
+              <a:spcBef>
+                <a:spcPts val="1200"/>
+              </a:spcBef>
+              <a:spcAft>
+                <a:spcPts val="0"/>
+              </a:spcAft>
+              <a:buNone/>
+            </a:pPr>
+            <a:r>
+              <a:rPr lang="ja" sz="764"/>
+              <a:t>Content Fusion Generation（内容融合生成）</a:t>
+            </a:r>
+            <a:br>
+              <a:rPr lang="ja" sz="764"/>
+            </a:br>
+            <a:r>
+              <a:rPr lang="ja" sz="764"/>
+              <a:t>検索された情報とユーザークエリから、最終的な回答を生成するプロセスです。この段階では、回答テンプレートを使用して、LLM（大規模言語モデル）が適切な回答を生成し、Markdownでのレンダリングが評価されます。</a:t>
+            </a:r>
+            <a:endParaRPr sz="764"/>
+          </a:p>
+          <a:p>
+            <a:pPr indent="0" lvl="0" marL="0" rtl="0" algn="l">
+              <a:lnSpc>
+                <a:spcPct val="100000"/>
+              </a:lnSpc>
+              <a:spcBef>
+                <a:spcPts val="1200"/>
+              </a:spcBef>
+              <a:spcAft>
+                <a:spcPts val="0"/>
+              </a:spcAft>
+              <a:buNone/>
+            </a:pPr>
+            <a:r>
+              <a:rPr lang="ja" sz="1100" u="sng"/>
+              <a:t>プロジェクトのマイルストーン</a:t>
+            </a:r>
+            <a:endParaRPr sz="764"/>
+          </a:p>
+          <a:p>
+            <a:pPr indent="0" lvl="0" marL="0" rtl="0" algn="l">
+              <a:lnSpc>
+                <a:spcPct val="100000"/>
+              </a:lnSpc>
+              <a:spcBef>
+                <a:spcPts val="1200"/>
+              </a:spcBef>
+              <a:spcAft>
+                <a:spcPts val="0"/>
+              </a:spcAft>
+              <a:buNone/>
+            </a:pPr>
+            <a:r>
+              <a:rPr lang="ja" sz="764"/>
+              <a:t>1. EIC向けのNaive RAGの構築：200件のarxivの論文を使用し、PyPDFでデータ摂取を行い、単純なWebインターフェイスを介してユーザーがPDFをアップロードし、関連する論文のリストを取得できるようにしました。こ　アーキテクチャに対するRAGASメトリックスを評価し、AI4EIC-2023のプロシーディングで公開しました（✅）。</a:t>
+            </a:r>
+            <a:br>
+              <a:rPr lang="ja" sz="764"/>
+            </a:br>
+            <a:r>
+              <a:rPr lang="ja" sz="764"/>
+              <a:t>2. Naive RAGを超えて：より高度なRAGアーキテクチャの構築と、評価可能なメトリックスを目指します（🧑‍🏭）。</a:t>
+            </a:r>
+            <a:br>
+              <a:rPr lang="ja" sz="764"/>
+            </a:br>
+            <a:r>
+              <a:rPr lang="ja" sz="764"/>
+              <a:t>3. エージェントを使用したマルチモーダル出力の概念実証：表などのメタデータ情報の保存、Langchainのエージェントを使用してLaTeXレポートを構築します（🌜）。</a:t>
+            </a:r>
+            <a:endParaRPr sz="764"/>
+          </a:p>
+          <a:p>
+            <a:pPr indent="0" lvl="0" marL="0" rtl="0" algn="l">
+              <a:lnSpc>
+                <a:spcPct val="100000"/>
+              </a:lnSpc>
+              <a:spcBef>
+                <a:spcPts val="1200"/>
+              </a:spcBef>
+              <a:spcAft>
+                <a:spcPts val="0"/>
+              </a:spcAft>
+              <a:buNone/>
+            </a:pPr>
+            <a:r>
+              <a:t/>
+            </a:r>
+            <a:endParaRPr sz="764"/>
+          </a:p>
+          <a:p>
+            <a:pPr indent="0" lvl="0" marL="0" rtl="0" algn="l">
+              <a:lnSpc>
+                <a:spcPct val="100000"/>
+              </a:lnSpc>
+              <a:spcBef>
+                <a:spcPts val="1200"/>
+              </a:spcBef>
+              <a:spcAft>
+                <a:spcPts val="1200"/>
+              </a:spcAft>
+              <a:buNone/>
+            </a:pPr>
+            <a:r>
+              <a:t/>
+            </a:r>
+            <a:endParaRPr sz="764"/>
+          </a:p>
+        </p:txBody>
+      </p:sp>
+    </p:spTree>
+  </p:cSld>
+  <p:clrMapOvr>
+    <a:masterClrMapping/>
+  </p:clrMapOvr>
+</p:sld>
+</file>
+
+<file path=ppt/slides/slide69.xml><?xml version="1.0" encoding="utf-8"?>
+<p:sld xmlns:a="http://schemas.openxmlformats.org/drawingml/2006/main" xmlns:r="http://schemas.openxmlformats.org/officeDocument/2006/relationships" xmlns:mc="http://schemas.openxmlformats.org/markup-compatibility/2006" xmlns:mv="urn:schemas-microsoft-com:mac:vml" xmlns:p="http://schemas.openxmlformats.org/presentationml/2006/main" xmlns:c="http://schemas.openxmlformats.org/drawingml/2006/chart" xmlns:dgm="http://schemas.openxmlformats.org/drawingml/2006/diagram" xmlns:o="urn:schemas-microsoft-com:office:office" xmlns:v="urn:schemas-microsoft-com:vml" xmlns:pvml="urn:schemas-microsoft-com:office:powerpoint" xmlns:com="http://schemas.openxmlformats.org/drawingml/2006/compatibility" xmlns:p14="http://schemas.microsoft.com/office/powerpoint/2010/main" xmlns:p15="http://schemas.microsoft.com/office/powerpoint/2012/main" xmlns:ahyp="http://schemas.microsoft.com/office/drawing/2018/hyperlinkcolor">
+  <p:cSld>
+    <p:spTree>
+      <p:nvGrpSpPr>
+        <p:cNvPr id="423" name="Shape 423"/>
+        <p:cNvGrpSpPr/>
+        <p:nvPr/>
+      </p:nvGrpSpPr>
+      <p:grpSpPr>
+        <a:xfrm>
+          <a:off x="0" y="0"/>
+          <a:ext cx="0" cy="0"/>
+          <a:chOff x="0" y="0"/>
+          <a:chExt cx="0" cy="0"/>
+        </a:xfrm>
+      </p:grpSpPr>
+      <p:sp>
+        <p:nvSpPr>
+          <p:cNvPr id="424" name="Google Shape;424;p81"/>
+          <p:cNvSpPr txBox="1"/>
+          <p:nvPr>
+            <p:ph idx="1" type="body"/>
+          </p:nvPr>
+        </p:nvSpPr>
+        <p:spPr>
+          <a:xfrm>
+            <a:off x="0" y="0"/>
+            <a:ext cx="9144000" cy="5049600"/>
+          </a:xfrm>
+          <a:prstGeom prst="rect">
+            <a:avLst/>
+          </a:prstGeom>
+        </p:spPr>
+        <p:txBody>
+          <a:bodyPr anchorCtr="0" anchor="t" bIns="91425" lIns="91425" spcFirstLastPara="1" rIns="91425" wrap="square" tIns="91425">
+            <a:normAutofit/>
+          </a:bodyPr>
+          <a:lstStyle/>
+          <a:p>
+            <a:pPr indent="0" lvl="0" marL="0" rtl="0" algn="l">
+              <a:lnSpc>
+                <a:spcPct val="100000"/>
+              </a:lnSpc>
+              <a:spcBef>
+                <a:spcPts val="0"/>
+              </a:spcBef>
+              <a:spcAft>
+                <a:spcPts val="0"/>
+              </a:spcAft>
+              <a:buNone/>
+            </a:pPr>
+            <a:r>
+              <a:rPr lang="ja" sz="1200" u="sng"/>
+              <a:t>MixRED: A Mix-lingual Relation Extraction Dataset MixRED: 混合言語関係抽出データセット</a:t>
+            </a:r>
+            <a:r>
+              <a:rPr lang="ja" sz="1200" u="sng"/>
+              <a:t> 2024</a:t>
+            </a:r>
+            <a:endParaRPr sz="1100"/>
+          </a:p>
+          <a:p>
+            <a:pPr indent="0" lvl="0" marL="0" rtl="0" algn="l">
+              <a:lnSpc>
+                <a:spcPct val="100000"/>
+              </a:lnSpc>
+              <a:spcBef>
+                <a:spcPts val="1200"/>
+              </a:spcBef>
+              <a:spcAft>
+                <a:spcPts val="0"/>
+              </a:spcAft>
+              <a:buNone/>
+            </a:pPr>
+            <a:r>
+              <a:rPr lang="ja" sz="1100" u="sng"/>
+              <a:t>概要</a:t>
+            </a:r>
+            <a:endParaRPr sz="764"/>
+          </a:p>
+          <a:p>
+            <a:pPr indent="0" lvl="0" marL="0" rtl="0" algn="l">
+              <a:lnSpc>
+                <a:spcPct val="100000"/>
+              </a:lnSpc>
+              <a:spcBef>
+                <a:spcPts val="1200"/>
+              </a:spcBef>
+              <a:spcAft>
+                <a:spcPts val="0"/>
+              </a:spcAft>
+              <a:buNone/>
+            </a:pPr>
+            <a:r>
+              <a:rPr lang="ja" sz="764"/>
+              <a:t>関係抽出（RE）は、MixREDという名前の新しいタイプのデータセットを作成。このデータセットは、文章や文書に出てくる人や物の関係（例えば、「田中は東京大学の学生です」のように、田中と東京大学の間の「学生である」という関係）をコンピュータが理解できるようにするためのものです。特に、このデータセットは、英語と中国語が混ざった文章（例えば、「I love 中華料理」のような文章）でも、その中の関係をうまく抽出できるように設計されています。</a:t>
+            </a:r>
+            <a:endParaRPr sz="764"/>
+          </a:p>
+          <a:p>
+            <a:pPr indent="0" lvl="0" marL="0" rtl="0" algn="l">
+              <a:lnSpc>
+                <a:spcPct val="100000"/>
+              </a:lnSpc>
+              <a:spcBef>
+                <a:spcPts val="1200"/>
+              </a:spcBef>
+              <a:spcAft>
+                <a:spcPts val="0"/>
+              </a:spcAft>
+              <a:buNone/>
+            </a:pPr>
+            <a:r>
+              <a:rPr lang="ja" sz="1100" u="sng"/>
+              <a:t>手法</a:t>
+            </a:r>
+            <a:endParaRPr sz="800"/>
+          </a:p>
+          <a:p>
+            <a:pPr indent="0" lvl="0" marL="0" rtl="0" algn="l">
+              <a:lnSpc>
+                <a:spcPct val="100000"/>
+              </a:lnSpc>
+              <a:spcBef>
+                <a:spcPts val="1200"/>
+              </a:spcBef>
+              <a:spcAft>
+                <a:spcPts val="0"/>
+              </a:spcAft>
+              <a:buNone/>
+            </a:pPr>
+            <a:r>
+              <a:rPr lang="ja" sz="764"/>
+              <a:t>1. データ収集: 英語の学習サイトから、英語と中国語のニュース記事を集めました。</a:t>
+            </a:r>
+            <a:br>
+              <a:rPr lang="ja" sz="764"/>
+            </a:br>
+            <a:r>
+              <a:rPr lang="ja" sz="764"/>
+              <a:t>2. 混合: 記事の中の特定の部分を、英語から中国語に、またはその逆に置き換えることで、2つの言語が混ざった文章を作りました。これは、文章の中の重要な文や単語、名前などをターゲットのもう一方の言語に変換することで行います。</a:t>
+            </a:r>
+            <a:br>
+              <a:rPr lang="ja" sz="764"/>
+            </a:br>
+            <a:r>
+              <a:rPr lang="ja" sz="764"/>
+              <a:t>3. 品質チェックと注釈: 作成された混合言語の文章が自然で理解しやすいかどうかを評価し、関係やエンティティ（人や物の名前など）にラベルをつけるために、バイリンガル（二言語を話せる）の大学院生を使いました。</a:t>
+            </a:r>
+            <a:endParaRPr sz="764"/>
+          </a:p>
+          <a:p>
+            <a:pPr indent="0" lvl="0" marL="0" rtl="0" algn="l">
+              <a:lnSpc>
+                <a:spcPct val="100000"/>
+              </a:lnSpc>
+              <a:spcBef>
+                <a:spcPts val="1200"/>
+              </a:spcBef>
+              <a:spcAft>
+                <a:spcPts val="0"/>
+              </a:spcAft>
+              <a:buNone/>
+            </a:pPr>
+            <a:r>
+              <a:rPr lang="ja" sz="1100" u="sng"/>
+              <a:t>結果</a:t>
+            </a:r>
+            <a:endParaRPr sz="764"/>
+          </a:p>
+          <a:p>
+            <a:pPr indent="0" lvl="0" marL="0" rtl="0" algn="l">
+              <a:lnSpc>
+                <a:spcPct val="100000"/>
+              </a:lnSpc>
+              <a:spcBef>
+                <a:spcPts val="1200"/>
+              </a:spcBef>
+              <a:spcAft>
+                <a:spcPts val="0"/>
+              </a:spcAft>
+              <a:buNone/>
+            </a:pPr>
+            <a:r>
+              <a:rPr lang="ja" sz="764"/>
+              <a:t>新しいデータセット「MixRED」を使って、いくつかのコンピュータプログラム（モデル）がどれくらいうまく英語と中国語が混ざった文章から関係を抽出できるかを試しました。結果として、混合言語のデータを使って学習させたプログラムは、そうでないプログラムよりも良い性能を示しました。これは、混合言語の文章に含まれる特有のパターンや情報が、関係抽出の性能を向上させるのに役立つことを意味します。</a:t>
+            </a:r>
+            <a:endParaRPr sz="764"/>
+          </a:p>
+          <a:p>
+            <a:pPr indent="0" lvl="0" marL="0" rtl="0" algn="l">
+              <a:lnSpc>
+                <a:spcPct val="100000"/>
+              </a:lnSpc>
+              <a:spcBef>
+                <a:spcPts val="1200"/>
+              </a:spcBef>
+              <a:spcAft>
+                <a:spcPts val="0"/>
+              </a:spcAft>
+              <a:buNone/>
+            </a:pPr>
+            <a:r>
+              <a:rPr lang="ja" sz="764"/>
+              <a:t>この研究で作成された「MixRED」は、英語と中国語が混ざった文章から人や物の関係を抽出する技術の発展に貢献することが期待されています。</a:t>
+            </a:r>
+            <a:endParaRPr sz="764"/>
+          </a:p>
+          <a:p>
+            <a:pPr indent="0" lvl="0" marL="0" rtl="0" algn="l">
+              <a:lnSpc>
+                <a:spcPct val="100000"/>
+              </a:lnSpc>
+              <a:spcBef>
+                <a:spcPts val="1200"/>
+              </a:spcBef>
+              <a:spcAft>
+                <a:spcPts val="1200"/>
+              </a:spcAft>
+              <a:buNone/>
+            </a:pPr>
+            <a:r>
+              <a:t/>
+            </a:r>
+            <a:endParaRPr sz="764"/>
           </a:p>
         </p:txBody>
       </p:sp>
@@ -37425,6 +39660,71 @@
 </p:sld>
 </file>
 
+<file path=ppt/slides/slide70.xml><?xml version="1.0" encoding="utf-8"?>
+<p:sld xmlns:a="http://schemas.openxmlformats.org/drawingml/2006/main" xmlns:r="http://schemas.openxmlformats.org/officeDocument/2006/relationships" xmlns:mc="http://schemas.openxmlformats.org/markup-compatibility/2006" xmlns:mv="urn:schemas-microsoft-com:mac:vml" xmlns:p="http://schemas.openxmlformats.org/presentationml/2006/main" xmlns:c="http://schemas.openxmlformats.org/drawingml/2006/chart" xmlns:dgm="http://schemas.openxmlformats.org/drawingml/2006/diagram" xmlns:o="urn:schemas-microsoft-com:office:office" xmlns:v="urn:schemas-microsoft-com:vml" xmlns:pvml="urn:schemas-microsoft-com:office:powerpoint" xmlns:com="http://schemas.openxmlformats.org/drawingml/2006/compatibility" xmlns:p14="http://schemas.microsoft.com/office/powerpoint/2010/main" xmlns:p15="http://schemas.microsoft.com/office/powerpoint/2012/main" xmlns:ahyp="http://schemas.microsoft.com/office/drawing/2018/hyperlinkcolor">
+  <p:cSld>
+    <p:spTree>
+      <p:nvGrpSpPr>
+        <p:cNvPr id="428" name="Shape 428"/>
+        <p:cNvGrpSpPr/>
+        <p:nvPr/>
+      </p:nvGrpSpPr>
+      <p:grpSpPr>
+        <a:xfrm>
+          <a:off x="0" y="0"/>
+          <a:ext cx="0" cy="0"/>
+          <a:chOff x="0" y="0"/>
+          <a:chExt cx="0" cy="0"/>
+        </a:xfrm>
+      </p:grpSpPr>
+      <p:sp>
+        <p:nvSpPr>
+          <p:cNvPr id="429" name="Google Shape;429;p82"/>
+          <p:cNvSpPr txBox="1"/>
+          <p:nvPr>
+            <p:ph type="title"/>
+          </p:nvPr>
+        </p:nvSpPr>
+        <p:spPr>
+          <a:xfrm>
+            <a:off x="510450" y="2057400"/>
+            <a:ext cx="8123100" cy="778800"/>
+          </a:xfrm>
+          <a:prstGeom prst="rect">
+            <a:avLst/>
+          </a:prstGeom>
+        </p:spPr>
+        <p:txBody>
+          <a:bodyPr anchorCtr="0" anchor="b" bIns="91425" lIns="91425" spcFirstLastPara="1" rIns="91425" wrap="square" tIns="91425">
+            <a:normAutofit/>
+          </a:bodyPr>
+          <a:lstStyle/>
+          <a:p>
+            <a:pPr indent="0" lvl="0" marL="0" rtl="0" algn="l">
+              <a:spcBef>
+                <a:spcPts val="0"/>
+              </a:spcBef>
+              <a:spcAft>
+                <a:spcPts val="0"/>
+              </a:spcAft>
+              <a:buNone/>
+            </a:pPr>
+            <a:r>
+              <a:rPr lang="ja"/>
+              <a:t>Appendix</a:t>
+            </a:r>
+            <a:endParaRPr/>
+          </a:p>
+        </p:txBody>
+      </p:sp>
+    </p:spTree>
+  </p:cSld>
+  <p:clrMapOvr>
+    <a:masterClrMapping/>
+  </p:clrMapOvr>
+</p:sld>
+</file>
+
 <file path=ppt/slides/slide8.xml><?xml version="1.0" encoding="utf-8"?>
 <p:sld xmlns:a="http://schemas.openxmlformats.org/drawingml/2006/main" xmlns:r="http://schemas.openxmlformats.org/officeDocument/2006/relationships" xmlns:mc="http://schemas.openxmlformats.org/markup-compatibility/2006" xmlns:mv="urn:schemas-microsoft-com:mac:vml" xmlns:p="http://schemas.openxmlformats.org/presentationml/2006/main" xmlns:c="http://schemas.openxmlformats.org/drawingml/2006/chart" xmlns:dgm="http://schemas.openxmlformats.org/drawingml/2006/diagram" xmlns:o="urn:schemas-microsoft-com:office:office" xmlns:v="urn:schemas-microsoft-com:vml" xmlns:pvml="urn:schemas-microsoft-com:office:powerpoint" xmlns:com="http://schemas.openxmlformats.org/drawingml/2006/compatibility" xmlns:p14="http://schemas.microsoft.com/office/powerpoint/2010/main" xmlns:p15="http://schemas.microsoft.com/office/powerpoint/2012/main" xmlns:ahyp="http://schemas.microsoft.com/office/drawing/2018/hyperlinkcolor">
   <p:cSld>
@@ -37846,6 +40146,285 @@
 </file>
 
 <file path=ppt/theme/theme1.xml><?xml version="1.0" encoding="utf-8"?>
+<a:theme xmlns:a="http://schemas.openxmlformats.org/drawingml/2006/main" xmlns:r="http://schemas.openxmlformats.org/officeDocument/2006/relationships">
+  <a:themeElements>
+    <a:clrScheme name="Default">
+      <a:dk1>
+        <a:srgbClr val="000000"/>
+      </a:dk1>
+      <a:lt1>
+        <a:srgbClr val="FFFFFF"/>
+      </a:lt1>
+      <a:dk2>
+        <a:srgbClr val="158158"/>
+      </a:dk2>
+      <a:lt2>
+        <a:srgbClr val="F3F3F3"/>
+      </a:lt2>
+      <a:accent1>
+        <a:srgbClr val="058DC7"/>
+      </a:accent1>
+      <a:accent2>
+        <a:srgbClr val="50B432"/>
+      </a:accent2>
+      <a:accent3>
+        <a:srgbClr val="ED561B"/>
+      </a:accent3>
+      <a:accent4>
+        <a:srgbClr val="EDEF00"/>
+      </a:accent4>
+      <a:accent5>
+        <a:srgbClr val="24CBE5"/>
+      </a:accent5>
+      <a:accent6>
+        <a:srgbClr val="64E572"/>
+      </a:accent6>
+      <a:hlink>
+        <a:srgbClr val="2200CC"/>
+      </a:hlink>
+      <a:folHlink>
+        <a:srgbClr val="551A8B"/>
+      </a:folHlink>
+    </a:clrScheme>
+    <a:fontScheme name="Office">
+      <a:majorFont>
+        <a:latin typeface="Arial"/>
+        <a:ea typeface=""/>
+        <a:cs typeface=""/>
+        <a:font script="Jpan" typeface="ＭＳ Ｐゴシック"/>
+        <a:font script="Hang" typeface="맑은 고딕"/>
+        <a:font script="Hans" typeface="宋体"/>
+        <a:font script="Hant" typeface="新細明體"/>
+        <a:font script="Arab" typeface="Times New Roman"/>
+        <a:font script="Hebr" typeface="Times New Roman"/>
+        <a:font script="Thai" typeface="Angsana New"/>
+        <a:font script="Ethi" typeface="Nyala"/>
+        <a:font script="Beng" typeface="Vrinda"/>
+        <a:font script="Gujr" typeface="Shruti"/>
+        <a:font script="Khmr" typeface="MoolBoran"/>
+        <a:font script="Knda" typeface="Tunga"/>
+        <a:font script="Guru" typeface="Raavi"/>
+        <a:font script="Cans" typeface="Euphemia"/>
+        <a:font script="Cher" typeface="Plantagenet Cherokee"/>
+        <a:font script="Yiii" typeface="Microsoft Yi Baiti"/>
+        <a:font script="Tibt" typeface="Microsoft Himalaya"/>
+        <a:font script="Thaa" typeface="MV Boli"/>
+        <a:font script="Deva" typeface="Mangal"/>
+        <a:font script="Telu" typeface="Gautami"/>
+        <a:font script="Taml" typeface="Latha"/>
+        <a:font script="Syrc" typeface="Estrangelo Edessa"/>
+        <a:font script="Orya" typeface="Kalinga"/>
+        <a:font script="Mlym" typeface="Kartika"/>
+        <a:font script="Laoo" typeface="DokChampa"/>
+        <a:font script="Sinh" typeface="Iskoola Pota"/>
+        <a:font script="Mong" typeface="Mongolian Baiti"/>
+        <a:font script="Viet" typeface="Times New Roman"/>
+        <a:font script="Uigh" typeface="Microsoft Uighur"/>
+        <a:font script="Geor" typeface="Sylfaen"/>
+      </a:majorFont>
+      <a:minorFont>
+        <a:latin typeface="Arial"/>
+        <a:ea typeface=""/>
+        <a:cs typeface=""/>
+        <a:font script="Jpan" typeface="ＭＳ Ｐゴシック"/>
+        <a:font script="Hang" typeface="맑은 고딕"/>
+        <a:font script="Hans" typeface="宋体"/>
+        <a:font script="Hant" typeface="新細明體"/>
+        <a:font script="Arab" typeface="Arial"/>
+        <a:font script="Hebr" typeface="Arial"/>
+        <a:font script="Thai" typeface="Cordia New"/>
+        <a:font script="Ethi" typeface="Nyala"/>
+        <a:font script="Beng" typeface="Vrinda"/>
+        <a:font script="Gujr" typeface="Shruti"/>
+        <a:font script="Khmr" typeface="DaunPenh"/>
+        <a:font script="Knda" typeface="Tunga"/>
+        <a:font script="Guru" typeface="Raavi"/>
+        <a:font script="Cans" typeface="Euphemia"/>
+        <a:font script="Cher" typeface="Plantagenet Cherokee"/>
+        <a:font script="Yiii" typeface="Microsoft Yi Baiti"/>
+        <a:font script="Tibt" typeface="Microsoft Himalaya"/>
+        <a:font script="Thaa" typeface="MV Boli"/>
+        <a:font script="Deva" typeface="Mangal"/>
+        <a:font script="Telu" typeface="Gautami"/>
+        <a:font script="Taml" typeface="Latha"/>
+        <a:font script="Syrc" typeface="Estrangelo Edessa"/>
+        <a:font script="Orya" typeface="Kalinga"/>
+        <a:font script="Mlym" typeface="Kartika"/>
+        <a:font script="Laoo" typeface="DokChampa"/>
+        <a:font script="Sinh" typeface="Iskoola Pota"/>
+        <a:font script="Mong" typeface="Mongolian Baiti"/>
+        <a:font script="Viet" typeface="Arial"/>
+        <a:font script="Uigh" typeface="Microsoft Uighur"/>
+        <a:font script="Geor" typeface="Sylfaen"/>
+      </a:minorFont>
+    </a:fontScheme>
+    <a:fmtScheme name="Office">
+      <a:fillStyleLst>
+        <a:solidFill>
+          <a:schemeClr val="phClr"/>
+        </a:solidFill>
+        <a:gradFill rotWithShape="1">
+          <a:gsLst>
+            <a:gs pos="0">
+              <a:schemeClr val="phClr">
+                <a:tint val="50000"/>
+                <a:satMod val="300000"/>
+              </a:schemeClr>
+            </a:gs>
+            <a:gs pos="35000">
+              <a:schemeClr val="phClr">
+                <a:tint val="37000"/>
+                <a:satMod val="300000"/>
+              </a:schemeClr>
+            </a:gs>
+            <a:gs pos="100000">
+              <a:schemeClr val="phClr">
+                <a:tint val="15000"/>
+                <a:satMod val="350000"/>
+              </a:schemeClr>
+            </a:gs>
+          </a:gsLst>
+          <a:lin ang="16200000" scaled="1"/>
+        </a:gradFill>
+        <a:gradFill rotWithShape="1">
+          <a:gsLst>
+            <a:gs pos="0">
+              <a:schemeClr val="phClr">
+                <a:tint val="100000"/>
+                <a:shade val="100000"/>
+                <a:satMod val="130000"/>
+              </a:schemeClr>
+            </a:gs>
+            <a:gs pos="100000">
+              <a:schemeClr val="phClr">
+                <a:tint val="50000"/>
+                <a:shade val="100000"/>
+                <a:satMod val="350000"/>
+              </a:schemeClr>
+            </a:gs>
+          </a:gsLst>
+          <a:lin ang="16200000" scaled="0"/>
+        </a:gradFill>
+      </a:fillStyleLst>
+      <a:lnStyleLst>
+        <a:ln w="9525" cap="flat" cmpd="sng" algn="ctr">
+          <a:solidFill>
+            <a:schemeClr val="phClr">
+              <a:shade val="95000"/>
+              <a:satMod val="105000"/>
+            </a:schemeClr>
+          </a:solidFill>
+          <a:prstDash val="solid"/>
+        </a:ln>
+        <a:ln w="25400" cap="flat" cmpd="sng" algn="ctr">
+          <a:solidFill>
+            <a:schemeClr val="phClr"/>
+          </a:solidFill>
+          <a:prstDash val="solid"/>
+        </a:ln>
+        <a:ln w="38100" cap="flat" cmpd="sng" algn="ctr">
+          <a:solidFill>
+            <a:schemeClr val="phClr"/>
+          </a:solidFill>
+          <a:prstDash val="solid"/>
+        </a:ln>
+      </a:lnStyleLst>
+      <a:effectStyleLst>
+        <a:effectStyle>
+          <a:effectLst>
+            <a:outerShdw blurRad="40000" dist="20000" dir="5400000" rotWithShape="0">
+              <a:srgbClr val="000000">
+                <a:alpha val="38000"/>
+              </a:srgbClr>
+            </a:outerShdw>
+          </a:effectLst>
+        </a:effectStyle>
+        <a:effectStyle>
+          <a:effectLst>
+            <a:outerShdw blurRad="40000" dist="23000" dir="5400000" rotWithShape="0">
+              <a:srgbClr val="000000">
+                <a:alpha val="35000"/>
+              </a:srgbClr>
+            </a:outerShdw>
+          </a:effectLst>
+        </a:effectStyle>
+        <a:effectStyle>
+          <a:effectLst>
+            <a:outerShdw blurRad="40000" dist="23000" dir="5400000" rotWithShape="0">
+              <a:srgbClr val="000000">
+                <a:alpha val="35000"/>
+              </a:srgbClr>
+            </a:outerShdw>
+          </a:effectLst>
+          <a:scene3d>
+            <a:camera prst="orthographicFront">
+              <a:rot lat="0" lon="0" rev="0"/>
+            </a:camera>
+            <a:lightRig rig="threePt" dir="t">
+              <a:rot lat="0" lon="0" rev="1200000"/>
+            </a:lightRig>
+          </a:scene3d>
+          <a:sp3d>
+            <a:bevelT w="63500" h="25400"/>
+          </a:sp3d>
+        </a:effectStyle>
+      </a:effectStyleLst>
+      <a:bgFillStyleLst>
+        <a:solidFill>
+          <a:schemeClr val="phClr"/>
+        </a:solidFill>
+        <a:gradFill rotWithShape="1">
+          <a:gsLst>
+            <a:gs pos="0">
+              <a:schemeClr val="phClr">
+                <a:tint val="40000"/>
+                <a:satMod val="350000"/>
+              </a:schemeClr>
+            </a:gs>
+            <a:gs pos="40000">
+              <a:schemeClr val="phClr">
+                <a:tint val="45000"/>
+                <a:shade val="99000"/>
+                <a:satMod val="350000"/>
+              </a:schemeClr>
+            </a:gs>
+            <a:gs pos="100000">
+              <a:schemeClr val="phClr">
+                <a:shade val="20000"/>
+                <a:satMod val="255000"/>
+              </a:schemeClr>
+            </a:gs>
+          </a:gsLst>
+          <a:path path="circle">
+            <a:fillToRect l="50000" t="-80000" r="50000" b="180000"/>
+          </a:path>
+        </a:gradFill>
+        <a:gradFill rotWithShape="1">
+          <a:gsLst>
+            <a:gs pos="0">
+              <a:schemeClr val="phClr">
+                <a:tint val="80000"/>
+                <a:satMod val="300000"/>
+              </a:schemeClr>
+            </a:gs>
+            <a:gs pos="100000">
+              <a:schemeClr val="phClr">
+                <a:shade val="30000"/>
+                <a:satMod val="200000"/>
+              </a:schemeClr>
+            </a:gs>
+          </a:gsLst>
+          <a:path path="circle">
+            <a:fillToRect l="50000" t="50000" r="50000" b="50000"/>
+          </a:path>
+        </a:gradFill>
+      </a:bgFillStyleLst>
+    </a:fmtScheme>
+  </a:themeElements>
+</a:theme>
+</file>
+
+<file path=ppt/theme/theme2.xml><?xml version="1.0" encoding="utf-8"?>
 <a:theme xmlns:a="http://schemas.openxmlformats.org/drawingml/2006/main" xmlns:r="http://schemas.openxmlformats.org/officeDocument/2006/relationships" name="Spearmint">
   <a:themeElements>
     <a:clrScheme name="Spearmint">
@@ -38122,283 +40701,4 @@
     </a:fmtScheme>
   </a:themeElements>
 </a:theme>
-</file>
-
-<file path=ppt/theme/theme2.xml><?xml version="1.0" encoding="utf-8"?>
-<a:theme xmlns:a="http://schemas.openxmlformats.org/drawingml/2006/main" xmlns:r="http://schemas.openxmlformats.org/officeDocument/2006/relationships">
-  <a:themeElements>
-    <a:clrScheme name="Default">
-      <a:dk1>
-        <a:srgbClr val="000000"/>
-      </a:dk1>
-      <a:lt1>
-        <a:srgbClr val="FFFFFF"/>
-      </a:lt1>
-      <a:dk2>
-        <a:srgbClr val="158158"/>
-      </a:dk2>
-      <a:lt2>
-        <a:srgbClr val="F3F3F3"/>
-      </a:lt2>
-      <a:accent1>
-        <a:srgbClr val="058DC7"/>
-      </a:accent1>
-      <a:accent2>
-        <a:srgbClr val="50B432"/>
-      </a:accent2>
-      <a:accent3>
-        <a:srgbClr val="ED561B"/>
-      </a:accent3>
-      <a:accent4>
-        <a:srgbClr val="EDEF00"/>
-      </a:accent4>
-      <a:accent5>
-        <a:srgbClr val="24CBE5"/>
-      </a:accent5>
-      <a:accent6>
-        <a:srgbClr val="64E572"/>
-      </a:accent6>
-      <a:hlink>
-        <a:srgbClr val="2200CC"/>
-      </a:hlink>
-      <a:folHlink>
-        <a:srgbClr val="551A8B"/>
-      </a:folHlink>
-    </a:clrScheme>
-    <a:fontScheme name="Office">
-      <a:majorFont>
-        <a:latin typeface="Arial"/>
-        <a:ea typeface=""/>
-        <a:cs typeface=""/>
-        <a:font script="Jpan" typeface="ＭＳ Ｐゴシック"/>
-        <a:font script="Hang" typeface="맑은 고딕"/>
-        <a:font script="Hans" typeface="宋体"/>
-        <a:font script="Hant" typeface="新細明體"/>
-        <a:font script="Arab" typeface="Times New Roman"/>
-        <a:font script="Hebr" typeface="Times New Roman"/>
-        <a:font script="Thai" typeface="Angsana New"/>
-        <a:font script="Ethi" typeface="Nyala"/>
-        <a:font script="Beng" typeface="Vrinda"/>
-        <a:font script="Gujr" typeface="Shruti"/>
-        <a:font script="Khmr" typeface="MoolBoran"/>
-        <a:font script="Knda" typeface="Tunga"/>
-        <a:font script="Guru" typeface="Raavi"/>
-        <a:font script="Cans" typeface="Euphemia"/>
-        <a:font script="Cher" typeface="Plantagenet Cherokee"/>
-        <a:font script="Yiii" typeface="Microsoft Yi Baiti"/>
-        <a:font script="Tibt" typeface="Microsoft Himalaya"/>
-        <a:font script="Thaa" typeface="MV Boli"/>
-        <a:font script="Deva" typeface="Mangal"/>
-        <a:font script="Telu" typeface="Gautami"/>
-        <a:font script="Taml" typeface="Latha"/>
-        <a:font script="Syrc" typeface="Estrangelo Edessa"/>
-        <a:font script="Orya" typeface="Kalinga"/>
-        <a:font script="Mlym" typeface="Kartika"/>
-        <a:font script="Laoo" typeface="DokChampa"/>
-        <a:font script="Sinh" typeface="Iskoola Pota"/>
-        <a:font script="Mong" typeface="Mongolian Baiti"/>
-        <a:font script="Viet" typeface="Times New Roman"/>
-        <a:font script="Uigh" typeface="Microsoft Uighur"/>
-        <a:font script="Geor" typeface="Sylfaen"/>
-      </a:majorFont>
-      <a:minorFont>
-        <a:latin typeface="Arial"/>
-        <a:ea typeface=""/>
-        <a:cs typeface=""/>
-        <a:font script="Jpan" typeface="ＭＳ Ｐゴシック"/>
-        <a:font script="Hang" typeface="맑은 고딕"/>
-        <a:font script="Hans" typeface="宋体"/>
-        <a:font script="Hant" typeface="新細明體"/>
-        <a:font script="Arab" typeface="Arial"/>
-        <a:font script="Hebr" typeface="Arial"/>
-        <a:font script="Thai" typeface="Cordia New"/>
-        <a:font script="Ethi" typeface="Nyala"/>
-        <a:font script="Beng" typeface="Vrinda"/>
-        <a:font script="Gujr" typeface="Shruti"/>
-        <a:font script="Khmr" typeface="DaunPenh"/>
-        <a:font script="Knda" typeface="Tunga"/>
-        <a:font script="Guru" typeface="Raavi"/>
-        <a:font script="Cans" typeface="Euphemia"/>
-        <a:font script="Cher" typeface="Plantagenet Cherokee"/>
-        <a:font script="Yiii" typeface="Microsoft Yi Baiti"/>
-        <a:font script="Tibt" typeface="Microsoft Himalaya"/>
-        <a:font script="Thaa" typeface="MV Boli"/>
-        <a:font script="Deva" typeface="Mangal"/>
-        <a:font script="Telu" typeface="Gautami"/>
-        <a:font script="Taml" typeface="Latha"/>
-        <a:font script="Syrc" typeface="Estrangelo Edessa"/>
-        <a:font script="Orya" typeface="Kalinga"/>
-        <a:font script="Mlym" typeface="Kartika"/>
-        <a:font script="Laoo" typeface="DokChampa"/>
-        <a:font script="Sinh" typeface="Iskoola Pota"/>
-        <a:font script="Mong" typeface="Mongolian Baiti"/>
-        <a:font script="Viet" typeface="Arial"/>
-        <a:font script="Uigh" typeface="Microsoft Uighur"/>
-        <a:font script="Geor" typeface="Sylfaen"/>
-      </a:minorFont>
-    </a:fontScheme>
-    <a:fmtScheme name="Office">
-      <a:fillStyleLst>
-        <a:solidFill>
-          <a:schemeClr val="phClr"/>
-        </a:solidFill>
-        <a:gradFill rotWithShape="1">
-          <a:gsLst>
-            <a:gs pos="0">
-              <a:schemeClr val="phClr">
-                <a:tint val="50000"/>
-                <a:satMod val="300000"/>
-              </a:schemeClr>
-            </a:gs>
-            <a:gs pos="35000">
-              <a:schemeClr val="phClr">
-                <a:tint val="37000"/>
-                <a:satMod val="300000"/>
-              </a:schemeClr>
-            </a:gs>
-            <a:gs pos="100000">
-              <a:schemeClr val="phClr">
-                <a:tint val="15000"/>
-                <a:satMod val="350000"/>
-              </a:schemeClr>
-            </a:gs>
-          </a:gsLst>
-          <a:lin ang="16200000" scaled="1"/>
-        </a:gradFill>
-        <a:gradFill rotWithShape="1">
-          <a:gsLst>
-            <a:gs pos="0">
-              <a:schemeClr val="phClr">
-                <a:tint val="100000"/>
-                <a:shade val="100000"/>
-                <a:satMod val="130000"/>
-              </a:schemeClr>
-            </a:gs>
-            <a:gs pos="100000">
-              <a:schemeClr val="phClr">
-                <a:tint val="50000"/>
-                <a:shade val="100000"/>
-                <a:satMod val="350000"/>
-              </a:schemeClr>
-            </a:gs>
-          </a:gsLst>
-          <a:lin ang="16200000" scaled="0"/>
-        </a:gradFill>
-      </a:fillStyleLst>
-      <a:lnStyleLst>
-        <a:ln w="9525" cap="flat" cmpd="sng" algn="ctr">
-          <a:solidFill>
-            <a:schemeClr val="phClr">
-              <a:shade val="95000"/>
-              <a:satMod val="105000"/>
-            </a:schemeClr>
-          </a:solidFill>
-          <a:prstDash val="solid"/>
-        </a:ln>
-        <a:ln w="25400" cap="flat" cmpd="sng" algn="ctr">
-          <a:solidFill>
-            <a:schemeClr val="phClr"/>
-          </a:solidFill>
-          <a:prstDash val="solid"/>
-        </a:ln>
-        <a:ln w="38100" cap="flat" cmpd="sng" algn="ctr">
-          <a:solidFill>
-            <a:schemeClr val="phClr"/>
-          </a:solidFill>
-          <a:prstDash val="solid"/>
-        </a:ln>
-      </a:lnStyleLst>
-      <a:effectStyleLst>
-        <a:effectStyle>
-          <a:effectLst>
-            <a:outerShdw blurRad="40000" dist="20000" dir="5400000" rotWithShape="0">
-              <a:srgbClr val="000000">
-                <a:alpha val="38000"/>
-              </a:srgbClr>
-            </a:outerShdw>
-          </a:effectLst>
-        </a:effectStyle>
-        <a:effectStyle>
-          <a:effectLst>
-            <a:outerShdw blurRad="40000" dist="23000" dir="5400000" rotWithShape="0">
-              <a:srgbClr val="000000">
-                <a:alpha val="35000"/>
-              </a:srgbClr>
-            </a:outerShdw>
-          </a:effectLst>
-        </a:effectStyle>
-        <a:effectStyle>
-          <a:effectLst>
-            <a:outerShdw blurRad="40000" dist="23000" dir="5400000" rotWithShape="0">
-              <a:srgbClr val="000000">
-                <a:alpha val="35000"/>
-              </a:srgbClr>
-            </a:outerShdw>
-          </a:effectLst>
-          <a:scene3d>
-            <a:camera prst="orthographicFront">
-              <a:rot lat="0" lon="0" rev="0"/>
-            </a:camera>
-            <a:lightRig rig="threePt" dir="t">
-              <a:rot lat="0" lon="0" rev="1200000"/>
-            </a:lightRig>
-          </a:scene3d>
-          <a:sp3d>
-            <a:bevelT w="63500" h="25400"/>
-          </a:sp3d>
-        </a:effectStyle>
-      </a:effectStyleLst>
-      <a:bgFillStyleLst>
-        <a:solidFill>
-          <a:schemeClr val="phClr"/>
-        </a:solidFill>
-        <a:gradFill rotWithShape="1">
-          <a:gsLst>
-            <a:gs pos="0">
-              <a:schemeClr val="phClr">
-                <a:tint val="40000"/>
-                <a:satMod val="350000"/>
-              </a:schemeClr>
-            </a:gs>
-            <a:gs pos="40000">
-              <a:schemeClr val="phClr">
-                <a:tint val="45000"/>
-                <a:shade val="99000"/>
-                <a:satMod val="350000"/>
-              </a:schemeClr>
-            </a:gs>
-            <a:gs pos="100000">
-              <a:schemeClr val="phClr">
-                <a:shade val="20000"/>
-                <a:satMod val="255000"/>
-              </a:schemeClr>
-            </a:gs>
-          </a:gsLst>
-          <a:path path="circle">
-            <a:fillToRect l="50000" t="-80000" r="50000" b="180000"/>
-          </a:path>
-        </a:gradFill>
-        <a:gradFill rotWithShape="1">
-          <a:gsLst>
-            <a:gs pos="0">
-              <a:schemeClr val="phClr">
-                <a:tint val="80000"/>
-                <a:satMod val="300000"/>
-              </a:schemeClr>
-            </a:gs>
-            <a:gs pos="100000">
-              <a:schemeClr val="phClr">
-                <a:shade val="30000"/>
-                <a:satMod val="200000"/>
-              </a:schemeClr>
-            </a:gs>
-          </a:gsLst>
-          <a:path path="circle">
-            <a:fillToRect l="50000" t="50000" r="50000" b="50000"/>
-          </a:path>
-        </a:gradFill>
-      </a:bgFillStyleLst>
-    </a:fmtScheme>
-  </a:themeElements>
-</a:theme>
 </file>
--- a/2024_LLM論文要約_3.pptx
+++ b/2024_LLM論文要約_3.pptx
@@ -78,16 +78,23 @@
     <p:sldId id="323" r:id="rId73"/>
     <p:sldId id="324" r:id="rId74"/>
     <p:sldId id="325" r:id="rId75"/>
+    <p:sldId id="326" r:id="rId76"/>
+    <p:sldId id="327" r:id="rId77"/>
+    <p:sldId id="328" r:id="rId78"/>
+    <p:sldId id="329" r:id="rId79"/>
+    <p:sldId id="330" r:id="rId80"/>
+    <p:sldId id="331" r:id="rId81"/>
+    <p:sldId id="332" r:id="rId82"/>
   </p:sldIdLst>
   <p:sldSz cy="5143500" cx="9144000"/>
   <p:notesSz cx="6858000" cy="9144000"/>
   <p:embeddedFontLst>
     <p:embeddedFont>
       <p:font typeface="Proxima Nova"/>
-      <p:regular r:id="rId76"/>
-      <p:bold r:id="rId77"/>
-      <p:italic r:id="rId78"/>
-      <p:boldItalic r:id="rId79"/>
+      <p:regular r:id="rId83"/>
+      <p:bold r:id="rId84"/>
+      <p:italic r:id="rId85"/>
+      <p:boldItalic r:id="rId86"/>
     </p:embeddedFont>
   </p:embeddedFontLst>
   <p:defaultTextStyle>
@@ -7416,7 +7423,7 @@
       </p:grpSpPr>
       <p:sp>
         <p:nvSpPr>
-          <p:cNvPr id="426" name="Google Shape;426;g2b3937a3876_0_15:notes"/>
+          <p:cNvPr id="426" name="Google Shape;426;g2c6f5548b53_0_0:notes"/>
           <p:cNvSpPr/>
           <p:nvPr>
             <p:ph idx="2" type="sldImg"/>
@@ -7451,7 +7458,700 @@
       </p:sp>
       <p:sp>
         <p:nvSpPr>
-          <p:cNvPr id="427" name="Google Shape;427;g2b3937a3876_0_15:notes"/>
+          <p:cNvPr id="427" name="Google Shape;427;g2c6f5548b53_0_0:notes"/>
+          <p:cNvSpPr txBox="1"/>
+          <p:nvPr>
+            <p:ph idx="1" type="body"/>
+          </p:nvPr>
+        </p:nvSpPr>
+        <p:spPr>
+          <a:xfrm>
+            <a:off x="685800" y="4343400"/>
+            <a:ext cx="5486400" cy="4114800"/>
+          </a:xfrm>
+          <a:prstGeom prst="rect">
+            <a:avLst/>
+          </a:prstGeom>
+        </p:spPr>
+        <p:txBody>
+          <a:bodyPr anchorCtr="0" anchor="t" bIns="91425" lIns="91425" spcFirstLastPara="1" rIns="91425" wrap="square" tIns="91425">
+            <a:noAutofit/>
+          </a:bodyPr>
+          <a:lstStyle/>
+          <a:p>
+            <a:pPr indent="0" lvl="0" marL="0" rtl="0" algn="l">
+              <a:spcBef>
+                <a:spcPts val="0"/>
+              </a:spcBef>
+              <a:spcAft>
+                <a:spcPts val="0"/>
+              </a:spcAft>
+              <a:buNone/>
+            </a:pPr>
+            <a:r>
+              <a:t/>
+            </a:r>
+            <a:endParaRPr/>
+          </a:p>
+        </p:txBody>
+      </p:sp>
+    </p:spTree>
+  </p:cSld>
+  <p:clrMapOvr>
+    <a:masterClrMapping/>
+  </p:clrMapOvr>
+</p:notes>
+</file>
+
+<file path=ppt/notesSlides/notesSlide71.xml><?xml version="1.0" encoding="utf-8"?>
+<p:notes xmlns:a="http://schemas.openxmlformats.org/drawingml/2006/main" xmlns:r="http://schemas.openxmlformats.org/officeDocument/2006/relationships" xmlns:mc="http://schemas.openxmlformats.org/markup-compatibility/2006" xmlns:mv="urn:schemas-microsoft-com:mac:vml" xmlns:p="http://schemas.openxmlformats.org/presentationml/2006/main" xmlns:c="http://schemas.openxmlformats.org/drawingml/2006/chart" xmlns:dgm="http://schemas.openxmlformats.org/drawingml/2006/diagram" xmlns:o="urn:schemas-microsoft-com:office:office" xmlns:v="urn:schemas-microsoft-com:vml" xmlns:pvml="urn:schemas-microsoft-com:office:powerpoint" xmlns:com="http://schemas.openxmlformats.org/drawingml/2006/compatibility" xmlns:p14="http://schemas.microsoft.com/office/powerpoint/2010/main" xmlns:p15="http://schemas.microsoft.com/office/powerpoint/2012/main" xmlns:ahyp="http://schemas.microsoft.com/office/drawing/2018/hyperlinkcolor" showMasterPhAnim="0" showMasterSp="0">
+  <p:cSld>
+    <p:spTree>
+      <p:nvGrpSpPr>
+        <p:cNvPr id="430" name="Shape 430"/>
+        <p:cNvGrpSpPr/>
+        <p:nvPr/>
+      </p:nvGrpSpPr>
+      <p:grpSpPr>
+        <a:xfrm>
+          <a:off x="0" y="0"/>
+          <a:ext cx="0" cy="0"/>
+          <a:chOff x="0" y="0"/>
+          <a:chExt cx="0" cy="0"/>
+        </a:xfrm>
+      </p:grpSpPr>
+      <p:sp>
+        <p:nvSpPr>
+          <p:cNvPr id="431" name="Google Shape;431;g2c6f5548b53_0_10:notes"/>
+          <p:cNvSpPr/>
+          <p:nvPr>
+            <p:ph idx="2" type="sldImg"/>
+          </p:nvPr>
+        </p:nvSpPr>
+        <p:spPr>
+          <a:xfrm>
+            <a:off x="381300" y="685800"/>
+            <a:ext cx="6096000" cy="3429000"/>
+          </a:xfrm>
+          <a:custGeom>
+            <a:rect b="b" l="l" r="r" t="t"/>
+            <a:pathLst>
+              <a:path extrusionOk="0" h="120000" w="120000">
+                <a:moveTo>
+                  <a:pt x="0" y="0"/>
+                </a:moveTo>
+                <a:lnTo>
+                  <a:pt x="120000" y="0"/>
+                </a:lnTo>
+                <a:lnTo>
+                  <a:pt x="120000" y="120000"/>
+                </a:lnTo>
+                <a:lnTo>
+                  <a:pt x="0" y="120000"/>
+                </a:lnTo>
+                <a:close/>
+              </a:path>
+            </a:pathLst>
+          </a:custGeom>
+        </p:spPr>
+      </p:sp>
+      <p:sp>
+        <p:nvSpPr>
+          <p:cNvPr id="432" name="Google Shape;432;g2c6f5548b53_0_10:notes"/>
+          <p:cNvSpPr txBox="1"/>
+          <p:nvPr>
+            <p:ph idx="1" type="body"/>
+          </p:nvPr>
+        </p:nvSpPr>
+        <p:spPr>
+          <a:xfrm>
+            <a:off x="685800" y="4343400"/>
+            <a:ext cx="5486400" cy="4114800"/>
+          </a:xfrm>
+          <a:prstGeom prst="rect">
+            <a:avLst/>
+          </a:prstGeom>
+        </p:spPr>
+        <p:txBody>
+          <a:bodyPr anchorCtr="0" anchor="t" bIns="91425" lIns="91425" spcFirstLastPara="1" rIns="91425" wrap="square" tIns="91425">
+            <a:noAutofit/>
+          </a:bodyPr>
+          <a:lstStyle/>
+          <a:p>
+            <a:pPr indent="0" lvl="0" marL="0" rtl="0" algn="l">
+              <a:spcBef>
+                <a:spcPts val="0"/>
+              </a:spcBef>
+              <a:spcAft>
+                <a:spcPts val="0"/>
+              </a:spcAft>
+              <a:buNone/>
+            </a:pPr>
+            <a:r>
+              <a:t/>
+            </a:r>
+            <a:endParaRPr/>
+          </a:p>
+        </p:txBody>
+      </p:sp>
+    </p:spTree>
+  </p:cSld>
+  <p:clrMapOvr>
+    <a:masterClrMapping/>
+  </p:clrMapOvr>
+</p:notes>
+</file>
+
+<file path=ppt/notesSlides/notesSlide72.xml><?xml version="1.0" encoding="utf-8"?>
+<p:notes xmlns:a="http://schemas.openxmlformats.org/drawingml/2006/main" xmlns:r="http://schemas.openxmlformats.org/officeDocument/2006/relationships" xmlns:mc="http://schemas.openxmlformats.org/markup-compatibility/2006" xmlns:mv="urn:schemas-microsoft-com:mac:vml" xmlns:p="http://schemas.openxmlformats.org/presentationml/2006/main" xmlns:c="http://schemas.openxmlformats.org/drawingml/2006/chart" xmlns:dgm="http://schemas.openxmlformats.org/drawingml/2006/diagram" xmlns:o="urn:schemas-microsoft-com:office:office" xmlns:v="urn:schemas-microsoft-com:vml" xmlns:pvml="urn:schemas-microsoft-com:office:powerpoint" xmlns:com="http://schemas.openxmlformats.org/drawingml/2006/compatibility" xmlns:p14="http://schemas.microsoft.com/office/powerpoint/2010/main" xmlns:p15="http://schemas.microsoft.com/office/powerpoint/2012/main" xmlns:ahyp="http://schemas.microsoft.com/office/drawing/2018/hyperlinkcolor" showMasterPhAnim="0" showMasterSp="0">
+  <p:cSld>
+    <p:spTree>
+      <p:nvGrpSpPr>
+        <p:cNvPr id="435" name="Shape 435"/>
+        <p:cNvGrpSpPr/>
+        <p:nvPr/>
+      </p:nvGrpSpPr>
+      <p:grpSpPr>
+        <a:xfrm>
+          <a:off x="0" y="0"/>
+          <a:ext cx="0" cy="0"/>
+          <a:chOff x="0" y="0"/>
+          <a:chExt cx="0" cy="0"/>
+        </a:xfrm>
+      </p:grpSpPr>
+      <p:sp>
+        <p:nvSpPr>
+          <p:cNvPr id="436" name="Google Shape;436;g2c6f5548b53_0_20:notes"/>
+          <p:cNvSpPr/>
+          <p:nvPr>
+            <p:ph idx="2" type="sldImg"/>
+          </p:nvPr>
+        </p:nvSpPr>
+        <p:spPr>
+          <a:xfrm>
+            <a:off x="381300" y="685800"/>
+            <a:ext cx="6096000" cy="3429000"/>
+          </a:xfrm>
+          <a:custGeom>
+            <a:rect b="b" l="l" r="r" t="t"/>
+            <a:pathLst>
+              <a:path extrusionOk="0" h="120000" w="120000">
+                <a:moveTo>
+                  <a:pt x="0" y="0"/>
+                </a:moveTo>
+                <a:lnTo>
+                  <a:pt x="120000" y="0"/>
+                </a:lnTo>
+                <a:lnTo>
+                  <a:pt x="120000" y="120000"/>
+                </a:lnTo>
+                <a:lnTo>
+                  <a:pt x="0" y="120000"/>
+                </a:lnTo>
+                <a:close/>
+              </a:path>
+            </a:pathLst>
+          </a:custGeom>
+        </p:spPr>
+      </p:sp>
+      <p:sp>
+        <p:nvSpPr>
+          <p:cNvPr id="437" name="Google Shape;437;g2c6f5548b53_0_20:notes"/>
+          <p:cNvSpPr txBox="1"/>
+          <p:nvPr>
+            <p:ph idx="1" type="body"/>
+          </p:nvPr>
+        </p:nvSpPr>
+        <p:spPr>
+          <a:xfrm>
+            <a:off x="685800" y="4343400"/>
+            <a:ext cx="5486400" cy="4114800"/>
+          </a:xfrm>
+          <a:prstGeom prst="rect">
+            <a:avLst/>
+          </a:prstGeom>
+        </p:spPr>
+        <p:txBody>
+          <a:bodyPr anchorCtr="0" anchor="t" bIns="91425" lIns="91425" spcFirstLastPara="1" rIns="91425" wrap="square" tIns="91425">
+            <a:noAutofit/>
+          </a:bodyPr>
+          <a:lstStyle/>
+          <a:p>
+            <a:pPr indent="0" lvl="0" marL="0" rtl="0" algn="l">
+              <a:spcBef>
+                <a:spcPts val="0"/>
+              </a:spcBef>
+              <a:spcAft>
+                <a:spcPts val="0"/>
+              </a:spcAft>
+              <a:buNone/>
+            </a:pPr>
+            <a:r>
+              <a:t/>
+            </a:r>
+            <a:endParaRPr/>
+          </a:p>
+        </p:txBody>
+      </p:sp>
+    </p:spTree>
+  </p:cSld>
+  <p:clrMapOvr>
+    <a:masterClrMapping/>
+  </p:clrMapOvr>
+</p:notes>
+</file>
+
+<file path=ppt/notesSlides/notesSlide73.xml><?xml version="1.0" encoding="utf-8"?>
+<p:notes xmlns:a="http://schemas.openxmlformats.org/drawingml/2006/main" xmlns:r="http://schemas.openxmlformats.org/officeDocument/2006/relationships" xmlns:mc="http://schemas.openxmlformats.org/markup-compatibility/2006" xmlns:mv="urn:schemas-microsoft-com:mac:vml" xmlns:p="http://schemas.openxmlformats.org/presentationml/2006/main" xmlns:c="http://schemas.openxmlformats.org/drawingml/2006/chart" xmlns:dgm="http://schemas.openxmlformats.org/drawingml/2006/diagram" xmlns:o="urn:schemas-microsoft-com:office:office" xmlns:v="urn:schemas-microsoft-com:vml" xmlns:pvml="urn:schemas-microsoft-com:office:powerpoint" xmlns:com="http://schemas.openxmlformats.org/drawingml/2006/compatibility" xmlns:p14="http://schemas.microsoft.com/office/powerpoint/2010/main" xmlns:p15="http://schemas.microsoft.com/office/powerpoint/2012/main" xmlns:ahyp="http://schemas.microsoft.com/office/drawing/2018/hyperlinkcolor" showMasterPhAnim="0" showMasterSp="0">
+  <p:cSld>
+    <p:spTree>
+      <p:nvGrpSpPr>
+        <p:cNvPr id="440" name="Shape 440"/>
+        <p:cNvGrpSpPr/>
+        <p:nvPr/>
+      </p:nvGrpSpPr>
+      <p:grpSpPr>
+        <a:xfrm>
+          <a:off x="0" y="0"/>
+          <a:ext cx="0" cy="0"/>
+          <a:chOff x="0" y="0"/>
+          <a:chExt cx="0" cy="0"/>
+        </a:xfrm>
+      </p:grpSpPr>
+      <p:sp>
+        <p:nvSpPr>
+          <p:cNvPr id="441" name="Google Shape;441;g2c6f5548b53_0_33:notes"/>
+          <p:cNvSpPr/>
+          <p:nvPr>
+            <p:ph idx="2" type="sldImg"/>
+          </p:nvPr>
+        </p:nvSpPr>
+        <p:spPr>
+          <a:xfrm>
+            <a:off x="381300" y="685800"/>
+            <a:ext cx="6096000" cy="3429000"/>
+          </a:xfrm>
+          <a:custGeom>
+            <a:rect b="b" l="l" r="r" t="t"/>
+            <a:pathLst>
+              <a:path extrusionOk="0" h="120000" w="120000">
+                <a:moveTo>
+                  <a:pt x="0" y="0"/>
+                </a:moveTo>
+                <a:lnTo>
+                  <a:pt x="120000" y="0"/>
+                </a:lnTo>
+                <a:lnTo>
+                  <a:pt x="120000" y="120000"/>
+                </a:lnTo>
+                <a:lnTo>
+                  <a:pt x="0" y="120000"/>
+                </a:lnTo>
+                <a:close/>
+              </a:path>
+            </a:pathLst>
+          </a:custGeom>
+        </p:spPr>
+      </p:sp>
+      <p:sp>
+        <p:nvSpPr>
+          <p:cNvPr id="442" name="Google Shape;442;g2c6f5548b53_0_33:notes"/>
+          <p:cNvSpPr txBox="1"/>
+          <p:nvPr>
+            <p:ph idx="1" type="body"/>
+          </p:nvPr>
+        </p:nvSpPr>
+        <p:spPr>
+          <a:xfrm>
+            <a:off x="685800" y="4343400"/>
+            <a:ext cx="5486400" cy="4114800"/>
+          </a:xfrm>
+          <a:prstGeom prst="rect">
+            <a:avLst/>
+          </a:prstGeom>
+        </p:spPr>
+        <p:txBody>
+          <a:bodyPr anchorCtr="0" anchor="t" bIns="91425" lIns="91425" spcFirstLastPara="1" rIns="91425" wrap="square" tIns="91425">
+            <a:noAutofit/>
+          </a:bodyPr>
+          <a:lstStyle/>
+          <a:p>
+            <a:pPr indent="0" lvl="0" marL="0" rtl="0" algn="l">
+              <a:spcBef>
+                <a:spcPts val="0"/>
+              </a:spcBef>
+              <a:spcAft>
+                <a:spcPts val="0"/>
+              </a:spcAft>
+              <a:buNone/>
+            </a:pPr>
+            <a:r>
+              <a:t/>
+            </a:r>
+            <a:endParaRPr/>
+          </a:p>
+        </p:txBody>
+      </p:sp>
+    </p:spTree>
+  </p:cSld>
+  <p:clrMapOvr>
+    <a:masterClrMapping/>
+  </p:clrMapOvr>
+</p:notes>
+</file>
+
+<file path=ppt/notesSlides/notesSlide74.xml><?xml version="1.0" encoding="utf-8"?>
+<p:notes xmlns:a="http://schemas.openxmlformats.org/drawingml/2006/main" xmlns:r="http://schemas.openxmlformats.org/officeDocument/2006/relationships" xmlns:mc="http://schemas.openxmlformats.org/markup-compatibility/2006" xmlns:mv="urn:schemas-microsoft-com:mac:vml" xmlns:p="http://schemas.openxmlformats.org/presentationml/2006/main" xmlns:c="http://schemas.openxmlformats.org/drawingml/2006/chart" xmlns:dgm="http://schemas.openxmlformats.org/drawingml/2006/diagram" xmlns:o="urn:schemas-microsoft-com:office:office" xmlns:v="urn:schemas-microsoft-com:vml" xmlns:pvml="urn:schemas-microsoft-com:office:powerpoint" xmlns:com="http://schemas.openxmlformats.org/drawingml/2006/compatibility" xmlns:p14="http://schemas.microsoft.com/office/powerpoint/2010/main" xmlns:p15="http://schemas.microsoft.com/office/powerpoint/2012/main" xmlns:ahyp="http://schemas.microsoft.com/office/drawing/2018/hyperlinkcolor" showMasterPhAnim="0" showMasterSp="0">
+  <p:cSld>
+    <p:spTree>
+      <p:nvGrpSpPr>
+        <p:cNvPr id="445" name="Shape 445"/>
+        <p:cNvGrpSpPr/>
+        <p:nvPr/>
+      </p:nvGrpSpPr>
+      <p:grpSpPr>
+        <a:xfrm>
+          <a:off x="0" y="0"/>
+          <a:ext cx="0" cy="0"/>
+          <a:chOff x="0" y="0"/>
+          <a:chExt cx="0" cy="0"/>
+        </a:xfrm>
+      </p:grpSpPr>
+      <p:sp>
+        <p:nvSpPr>
+          <p:cNvPr id="446" name="Google Shape;446;g2c6f5548b53_0_45:notes"/>
+          <p:cNvSpPr/>
+          <p:nvPr>
+            <p:ph idx="2" type="sldImg"/>
+          </p:nvPr>
+        </p:nvSpPr>
+        <p:spPr>
+          <a:xfrm>
+            <a:off x="381300" y="685800"/>
+            <a:ext cx="6096000" cy="3429000"/>
+          </a:xfrm>
+          <a:custGeom>
+            <a:rect b="b" l="l" r="r" t="t"/>
+            <a:pathLst>
+              <a:path extrusionOk="0" h="120000" w="120000">
+                <a:moveTo>
+                  <a:pt x="0" y="0"/>
+                </a:moveTo>
+                <a:lnTo>
+                  <a:pt x="120000" y="0"/>
+                </a:lnTo>
+                <a:lnTo>
+                  <a:pt x="120000" y="120000"/>
+                </a:lnTo>
+                <a:lnTo>
+                  <a:pt x="0" y="120000"/>
+                </a:lnTo>
+                <a:close/>
+              </a:path>
+            </a:pathLst>
+          </a:custGeom>
+        </p:spPr>
+      </p:sp>
+      <p:sp>
+        <p:nvSpPr>
+          <p:cNvPr id="447" name="Google Shape;447;g2c6f5548b53_0_45:notes"/>
+          <p:cNvSpPr txBox="1"/>
+          <p:nvPr>
+            <p:ph idx="1" type="body"/>
+          </p:nvPr>
+        </p:nvSpPr>
+        <p:spPr>
+          <a:xfrm>
+            <a:off x="685800" y="4343400"/>
+            <a:ext cx="5486400" cy="4114800"/>
+          </a:xfrm>
+          <a:prstGeom prst="rect">
+            <a:avLst/>
+          </a:prstGeom>
+        </p:spPr>
+        <p:txBody>
+          <a:bodyPr anchorCtr="0" anchor="t" bIns="91425" lIns="91425" spcFirstLastPara="1" rIns="91425" wrap="square" tIns="91425">
+            <a:noAutofit/>
+          </a:bodyPr>
+          <a:lstStyle/>
+          <a:p>
+            <a:pPr indent="0" lvl="0" marL="0" rtl="0" algn="l">
+              <a:spcBef>
+                <a:spcPts val="0"/>
+              </a:spcBef>
+              <a:spcAft>
+                <a:spcPts val="0"/>
+              </a:spcAft>
+              <a:buNone/>
+            </a:pPr>
+            <a:r>
+              <a:t/>
+            </a:r>
+            <a:endParaRPr/>
+          </a:p>
+        </p:txBody>
+      </p:sp>
+    </p:spTree>
+  </p:cSld>
+  <p:clrMapOvr>
+    <a:masterClrMapping/>
+  </p:clrMapOvr>
+</p:notes>
+</file>
+
+<file path=ppt/notesSlides/notesSlide75.xml><?xml version="1.0" encoding="utf-8"?>
+<p:notes xmlns:a="http://schemas.openxmlformats.org/drawingml/2006/main" xmlns:r="http://schemas.openxmlformats.org/officeDocument/2006/relationships" xmlns:mc="http://schemas.openxmlformats.org/markup-compatibility/2006" xmlns:mv="urn:schemas-microsoft-com:mac:vml" xmlns:p="http://schemas.openxmlformats.org/presentationml/2006/main" xmlns:c="http://schemas.openxmlformats.org/drawingml/2006/chart" xmlns:dgm="http://schemas.openxmlformats.org/drawingml/2006/diagram" xmlns:o="urn:schemas-microsoft-com:office:office" xmlns:v="urn:schemas-microsoft-com:vml" xmlns:pvml="urn:schemas-microsoft-com:office:powerpoint" xmlns:com="http://schemas.openxmlformats.org/drawingml/2006/compatibility" xmlns:p14="http://schemas.microsoft.com/office/powerpoint/2010/main" xmlns:p15="http://schemas.microsoft.com/office/powerpoint/2012/main" xmlns:ahyp="http://schemas.microsoft.com/office/drawing/2018/hyperlinkcolor" showMasterPhAnim="0" showMasterSp="0">
+  <p:cSld>
+    <p:spTree>
+      <p:nvGrpSpPr>
+        <p:cNvPr id="450" name="Shape 450"/>
+        <p:cNvGrpSpPr/>
+        <p:nvPr/>
+      </p:nvGrpSpPr>
+      <p:grpSpPr>
+        <a:xfrm>
+          <a:off x="0" y="0"/>
+          <a:ext cx="0" cy="0"/>
+          <a:chOff x="0" y="0"/>
+          <a:chExt cx="0" cy="0"/>
+        </a:xfrm>
+      </p:grpSpPr>
+      <p:sp>
+        <p:nvSpPr>
+          <p:cNvPr id="451" name="Google Shape;451;g2c74f300a7c_0_0:notes"/>
+          <p:cNvSpPr/>
+          <p:nvPr>
+            <p:ph idx="2" type="sldImg"/>
+          </p:nvPr>
+        </p:nvSpPr>
+        <p:spPr>
+          <a:xfrm>
+            <a:off x="381300" y="685800"/>
+            <a:ext cx="6096000" cy="3429000"/>
+          </a:xfrm>
+          <a:custGeom>
+            <a:rect b="b" l="l" r="r" t="t"/>
+            <a:pathLst>
+              <a:path extrusionOk="0" h="120000" w="120000">
+                <a:moveTo>
+                  <a:pt x="0" y="0"/>
+                </a:moveTo>
+                <a:lnTo>
+                  <a:pt x="120000" y="0"/>
+                </a:lnTo>
+                <a:lnTo>
+                  <a:pt x="120000" y="120000"/>
+                </a:lnTo>
+                <a:lnTo>
+                  <a:pt x="0" y="120000"/>
+                </a:lnTo>
+                <a:close/>
+              </a:path>
+            </a:pathLst>
+          </a:custGeom>
+        </p:spPr>
+      </p:sp>
+      <p:sp>
+        <p:nvSpPr>
+          <p:cNvPr id="452" name="Google Shape;452;g2c74f300a7c_0_0:notes"/>
+          <p:cNvSpPr txBox="1"/>
+          <p:nvPr>
+            <p:ph idx="1" type="body"/>
+          </p:nvPr>
+        </p:nvSpPr>
+        <p:spPr>
+          <a:xfrm>
+            <a:off x="685800" y="4343400"/>
+            <a:ext cx="5486400" cy="4114800"/>
+          </a:xfrm>
+          <a:prstGeom prst="rect">
+            <a:avLst/>
+          </a:prstGeom>
+        </p:spPr>
+        <p:txBody>
+          <a:bodyPr anchorCtr="0" anchor="t" bIns="91425" lIns="91425" spcFirstLastPara="1" rIns="91425" wrap="square" tIns="91425">
+            <a:noAutofit/>
+          </a:bodyPr>
+          <a:lstStyle/>
+          <a:p>
+            <a:pPr indent="0" lvl="0" marL="0" rtl="0" algn="l">
+              <a:spcBef>
+                <a:spcPts val="0"/>
+              </a:spcBef>
+              <a:spcAft>
+                <a:spcPts val="0"/>
+              </a:spcAft>
+              <a:buNone/>
+            </a:pPr>
+            <a:r>
+              <a:t/>
+            </a:r>
+            <a:endParaRPr/>
+          </a:p>
+        </p:txBody>
+      </p:sp>
+    </p:spTree>
+  </p:cSld>
+  <p:clrMapOvr>
+    <a:masterClrMapping/>
+  </p:clrMapOvr>
+</p:notes>
+</file>
+
+<file path=ppt/notesSlides/notesSlide76.xml><?xml version="1.0" encoding="utf-8"?>
+<p:notes xmlns:a="http://schemas.openxmlformats.org/drawingml/2006/main" xmlns:r="http://schemas.openxmlformats.org/officeDocument/2006/relationships" xmlns:mc="http://schemas.openxmlformats.org/markup-compatibility/2006" xmlns:mv="urn:schemas-microsoft-com:mac:vml" xmlns:p="http://schemas.openxmlformats.org/presentationml/2006/main" xmlns:c="http://schemas.openxmlformats.org/drawingml/2006/chart" xmlns:dgm="http://schemas.openxmlformats.org/drawingml/2006/diagram" xmlns:o="urn:schemas-microsoft-com:office:office" xmlns:v="urn:schemas-microsoft-com:vml" xmlns:pvml="urn:schemas-microsoft-com:office:powerpoint" xmlns:com="http://schemas.openxmlformats.org/drawingml/2006/compatibility" xmlns:p14="http://schemas.microsoft.com/office/powerpoint/2010/main" xmlns:p15="http://schemas.microsoft.com/office/powerpoint/2012/main" xmlns:ahyp="http://schemas.microsoft.com/office/drawing/2018/hyperlinkcolor" showMasterPhAnim="0" showMasterSp="0">
+  <p:cSld>
+    <p:spTree>
+      <p:nvGrpSpPr>
+        <p:cNvPr id="455" name="Shape 455"/>
+        <p:cNvGrpSpPr/>
+        <p:nvPr/>
+      </p:nvGrpSpPr>
+      <p:grpSpPr>
+        <a:xfrm>
+          <a:off x="0" y="0"/>
+          <a:ext cx="0" cy="0"/>
+          <a:chOff x="0" y="0"/>
+          <a:chExt cx="0" cy="0"/>
+        </a:xfrm>
+      </p:grpSpPr>
+      <p:sp>
+        <p:nvSpPr>
+          <p:cNvPr id="456" name="Google Shape;456;g2c74f300a7c_0_15:notes"/>
+          <p:cNvSpPr/>
+          <p:nvPr>
+            <p:ph idx="2" type="sldImg"/>
+          </p:nvPr>
+        </p:nvSpPr>
+        <p:spPr>
+          <a:xfrm>
+            <a:off x="381300" y="685800"/>
+            <a:ext cx="6096000" cy="3429000"/>
+          </a:xfrm>
+          <a:custGeom>
+            <a:rect b="b" l="l" r="r" t="t"/>
+            <a:pathLst>
+              <a:path extrusionOk="0" h="120000" w="120000">
+                <a:moveTo>
+                  <a:pt x="0" y="0"/>
+                </a:moveTo>
+                <a:lnTo>
+                  <a:pt x="120000" y="0"/>
+                </a:lnTo>
+                <a:lnTo>
+                  <a:pt x="120000" y="120000"/>
+                </a:lnTo>
+                <a:lnTo>
+                  <a:pt x="0" y="120000"/>
+                </a:lnTo>
+                <a:close/>
+              </a:path>
+            </a:pathLst>
+          </a:custGeom>
+        </p:spPr>
+      </p:sp>
+      <p:sp>
+        <p:nvSpPr>
+          <p:cNvPr id="457" name="Google Shape;457;g2c74f300a7c_0_15:notes"/>
+          <p:cNvSpPr txBox="1"/>
+          <p:nvPr>
+            <p:ph idx="1" type="body"/>
+          </p:nvPr>
+        </p:nvSpPr>
+        <p:spPr>
+          <a:xfrm>
+            <a:off x="685800" y="4343400"/>
+            <a:ext cx="5486400" cy="4114800"/>
+          </a:xfrm>
+          <a:prstGeom prst="rect">
+            <a:avLst/>
+          </a:prstGeom>
+        </p:spPr>
+        <p:txBody>
+          <a:bodyPr anchorCtr="0" anchor="t" bIns="91425" lIns="91425" spcFirstLastPara="1" rIns="91425" wrap="square" tIns="91425">
+            <a:noAutofit/>
+          </a:bodyPr>
+          <a:lstStyle/>
+          <a:p>
+            <a:pPr indent="0" lvl="0" marL="0" rtl="0" algn="l">
+              <a:spcBef>
+                <a:spcPts val="0"/>
+              </a:spcBef>
+              <a:spcAft>
+                <a:spcPts val="0"/>
+              </a:spcAft>
+              <a:buNone/>
+            </a:pPr>
+            <a:r>
+              <a:t/>
+            </a:r>
+            <a:endParaRPr/>
+          </a:p>
+        </p:txBody>
+      </p:sp>
+    </p:spTree>
+  </p:cSld>
+  <p:clrMapOvr>
+    <a:masterClrMapping/>
+  </p:clrMapOvr>
+</p:notes>
+</file>
+
+<file path=ppt/notesSlides/notesSlide77.xml><?xml version="1.0" encoding="utf-8"?>
+<p:notes xmlns:a="http://schemas.openxmlformats.org/drawingml/2006/main" xmlns:r="http://schemas.openxmlformats.org/officeDocument/2006/relationships" xmlns:mc="http://schemas.openxmlformats.org/markup-compatibility/2006" xmlns:mv="urn:schemas-microsoft-com:mac:vml" xmlns:p="http://schemas.openxmlformats.org/presentationml/2006/main" xmlns:c="http://schemas.openxmlformats.org/drawingml/2006/chart" xmlns:dgm="http://schemas.openxmlformats.org/drawingml/2006/diagram" xmlns:o="urn:schemas-microsoft-com:office:office" xmlns:v="urn:schemas-microsoft-com:vml" xmlns:pvml="urn:schemas-microsoft-com:office:powerpoint" xmlns:com="http://schemas.openxmlformats.org/drawingml/2006/compatibility" xmlns:p14="http://schemas.microsoft.com/office/powerpoint/2010/main" xmlns:p15="http://schemas.microsoft.com/office/powerpoint/2012/main" xmlns:ahyp="http://schemas.microsoft.com/office/drawing/2018/hyperlinkcolor" showMasterPhAnim="0" showMasterSp="0">
+  <p:cSld>
+    <p:spTree>
+      <p:nvGrpSpPr>
+        <p:cNvPr id="460" name="Shape 460"/>
+        <p:cNvGrpSpPr/>
+        <p:nvPr/>
+      </p:nvGrpSpPr>
+      <p:grpSpPr>
+        <a:xfrm>
+          <a:off x="0" y="0"/>
+          <a:ext cx="0" cy="0"/>
+          <a:chOff x="0" y="0"/>
+          <a:chExt cx="0" cy="0"/>
+        </a:xfrm>
+      </p:grpSpPr>
+      <p:sp>
+        <p:nvSpPr>
+          <p:cNvPr id="461" name="Google Shape;461;g2b3937a3876_0_15:notes"/>
+          <p:cNvSpPr/>
+          <p:nvPr>
+            <p:ph idx="2" type="sldImg"/>
+          </p:nvPr>
+        </p:nvSpPr>
+        <p:spPr>
+          <a:xfrm>
+            <a:off x="381300" y="685800"/>
+            <a:ext cx="6096000" cy="3429000"/>
+          </a:xfrm>
+          <a:custGeom>
+            <a:rect b="b" l="l" r="r" t="t"/>
+            <a:pathLst>
+              <a:path extrusionOk="0" h="120000" w="120000">
+                <a:moveTo>
+                  <a:pt x="0" y="0"/>
+                </a:moveTo>
+                <a:lnTo>
+                  <a:pt x="120000" y="0"/>
+                </a:lnTo>
+                <a:lnTo>
+                  <a:pt x="120000" y="120000"/>
+                </a:lnTo>
+                <a:lnTo>
+                  <a:pt x="0" y="120000"/>
+                </a:lnTo>
+                <a:close/>
+              </a:path>
+            </a:pathLst>
+          </a:custGeom>
+        </p:spPr>
+      </p:sp>
+      <p:sp>
+        <p:nvSpPr>
+          <p:cNvPr id="462" name="Google Shape;462;g2b3937a3876_0_15:notes"/>
           <p:cNvSpPr txBox="1"/>
           <p:nvPr>
             <p:ph idx="1" type="body"/>
@@ -39682,6 +40382,1690 @@
           <p:cNvPr id="429" name="Google Shape;429;p82"/>
           <p:cNvSpPr txBox="1"/>
           <p:nvPr>
+            <p:ph idx="1" type="body"/>
+          </p:nvPr>
+        </p:nvSpPr>
+        <p:spPr>
+          <a:xfrm>
+            <a:off x="0" y="0"/>
+            <a:ext cx="9144000" cy="5049600"/>
+          </a:xfrm>
+          <a:prstGeom prst="rect">
+            <a:avLst/>
+          </a:prstGeom>
+        </p:spPr>
+        <p:txBody>
+          <a:bodyPr anchorCtr="0" anchor="t" bIns="91425" lIns="91425" spcFirstLastPara="1" rIns="91425" wrap="square" tIns="91425">
+            <a:normAutofit/>
+          </a:bodyPr>
+          <a:lstStyle/>
+          <a:p>
+            <a:pPr indent="0" lvl="0" marL="0" rtl="0" algn="l">
+              <a:lnSpc>
+                <a:spcPct val="100000"/>
+              </a:lnSpc>
+              <a:spcBef>
+                <a:spcPts val="0"/>
+              </a:spcBef>
+              <a:spcAft>
+                <a:spcPts val="0"/>
+              </a:spcAft>
+              <a:buNone/>
+            </a:pPr>
+            <a:r>
+              <a:rPr lang="ja" sz="1200" u="sng"/>
+              <a:t> TrustAI at SemEval-2024 Task 8: A Comprehensive Analysis of Multi-domain Machine Generated Text Detection Techniques SemEval-2024 タスク8におけるTrustAI: 多領域機械生成テキスト検出技術の包括的分析</a:t>
+            </a:r>
+            <a:r>
+              <a:rPr lang="ja" sz="1200" u="sng"/>
+              <a:t> 2024</a:t>
+            </a:r>
+            <a:endParaRPr sz="1100"/>
+          </a:p>
+          <a:p>
+            <a:pPr indent="0" lvl="0" marL="0" rtl="0" algn="l">
+              <a:lnSpc>
+                <a:spcPct val="100000"/>
+              </a:lnSpc>
+              <a:spcBef>
+                <a:spcPts val="1200"/>
+              </a:spcBef>
+              <a:spcAft>
+                <a:spcPts val="0"/>
+              </a:spcAft>
+              <a:buNone/>
+            </a:pPr>
+            <a:r>
+              <a:rPr lang="ja" sz="1100" u="sng"/>
+              <a:t>概要</a:t>
+            </a:r>
+            <a:endParaRPr sz="764"/>
+          </a:p>
+          <a:p>
+            <a:pPr indent="0" lvl="0" marL="0" rtl="0" algn="l">
+              <a:lnSpc>
+                <a:spcPct val="100000"/>
+              </a:lnSpc>
+              <a:spcBef>
+                <a:spcPts val="1200"/>
+              </a:spcBef>
+              <a:spcAft>
+                <a:spcPts val="0"/>
+              </a:spcAft>
+              <a:buNone/>
+            </a:pPr>
+            <a:r>
+              <a:rPr lang="ja" sz="764"/>
+              <a:t>LLMが書いた文章と人間が書いた文章を見分ける技術について説明しています。LLMが、ニュース記事や小説のような文章を自動で生成できるが、偽情報や個人情報の漏えいなどの問題を引き起こす可能性もあります。</a:t>
+            </a:r>
+            <a:r>
+              <a:rPr lang="ja" sz="764"/>
+              <a:t>ここではLLMが生成したテキストを検出する手法を開発し、その有効性を検証しています。</a:t>
+            </a:r>
+            <a:endParaRPr sz="764"/>
+          </a:p>
+          <a:p>
+            <a:pPr indent="0" lvl="0" marL="0" rtl="0" algn="l">
+              <a:lnSpc>
+                <a:spcPct val="100000"/>
+              </a:lnSpc>
+              <a:spcBef>
+                <a:spcPts val="1200"/>
+              </a:spcBef>
+              <a:spcAft>
+                <a:spcPts val="0"/>
+              </a:spcAft>
+              <a:buNone/>
+            </a:pPr>
+            <a:r>
+              <a:rPr lang="ja" sz="1100" u="sng"/>
+              <a:t>手法</a:t>
+            </a:r>
+            <a:endParaRPr sz="800"/>
+          </a:p>
+          <a:p>
+            <a:pPr indent="0" lvl="0" marL="0" rtl="0" algn="l">
+              <a:lnSpc>
+                <a:spcPct val="100000"/>
+              </a:lnSpc>
+              <a:spcBef>
+                <a:spcPts val="1200"/>
+              </a:spcBef>
+              <a:spcAft>
+                <a:spcPts val="0"/>
+              </a:spcAft>
+              <a:buNone/>
+            </a:pPr>
+            <a:r>
+              <a:rPr lang="ja" sz="764"/>
+              <a:t>統計的方法、ニューラルネットワーク、事前訓練済みモデルを含む複数のアプローチを用いて、機械生成テキストの検出を試みます。特に、異なる種類の埋め込みを使用した統計モデル、FastText埋め込みを使用したニューラルモデル、BERTやRoBERTaなどの事前訓練済みモデルの実験が含まれます。</a:t>
+            </a:r>
+            <a:endParaRPr sz="764"/>
+          </a:p>
+          <a:p>
+            <a:pPr indent="0" lvl="0" marL="0" rtl="0" algn="l">
+              <a:lnSpc>
+                <a:spcPct val="100000"/>
+              </a:lnSpc>
+              <a:spcBef>
+                <a:spcPts val="1200"/>
+              </a:spcBef>
+              <a:spcAft>
+                <a:spcPts val="0"/>
+              </a:spcAft>
+              <a:buNone/>
+            </a:pPr>
+            <a:r>
+              <a:rPr lang="ja" sz="1100" u="sng"/>
+              <a:t>結果</a:t>
+            </a:r>
+            <a:endParaRPr sz="764"/>
+          </a:p>
+          <a:p>
+            <a:pPr indent="0" lvl="0" marL="0" rtl="0" algn="l">
+              <a:lnSpc>
+                <a:spcPct val="100000"/>
+              </a:lnSpc>
+              <a:spcBef>
+                <a:spcPts val="1200"/>
+              </a:spcBef>
+              <a:spcAft>
+                <a:spcPts val="0"/>
+              </a:spcAft>
+              <a:buNone/>
+            </a:pPr>
+            <a:r>
+              <a:rPr lang="ja" sz="764"/>
+              <a:t>統計モデル、ニューラルモデル、事前訓練済みモデルを使用した実験結果から、様々なテキスト検出手法の有効性を評価しました。特に、統計的アプローチは開発セットでモデストなパフォーマンスを示しましたが、テストセットに対しては効果的に一般化しました。事前訓練済みモデルは開発セットで良好なパフォーマンスを示しましたが、テストセットでは一般化するのに苦労しました。</a:t>
+            </a:r>
+            <a:endParaRPr sz="764"/>
+          </a:p>
+          <a:p>
+            <a:pPr indent="0" lvl="0" marL="0" rtl="0" algn="l">
+              <a:lnSpc>
+                <a:spcPct val="100000"/>
+              </a:lnSpc>
+              <a:spcBef>
+                <a:spcPts val="1200"/>
+              </a:spcBef>
+              <a:spcAft>
+                <a:spcPts val="1200"/>
+              </a:spcAft>
+              <a:buNone/>
+            </a:pPr>
+            <a:r>
+              <a:t/>
+            </a:r>
+            <a:endParaRPr sz="764"/>
+          </a:p>
+        </p:txBody>
+      </p:sp>
+    </p:spTree>
+  </p:cSld>
+  <p:clrMapOvr>
+    <a:masterClrMapping/>
+  </p:clrMapOvr>
+</p:sld>
+</file>
+
+<file path=ppt/slides/slide71.xml><?xml version="1.0" encoding="utf-8"?>
+<p:sld xmlns:a="http://schemas.openxmlformats.org/drawingml/2006/main" xmlns:r="http://schemas.openxmlformats.org/officeDocument/2006/relationships" xmlns:mc="http://schemas.openxmlformats.org/markup-compatibility/2006" xmlns:mv="urn:schemas-microsoft-com:mac:vml" xmlns:p="http://schemas.openxmlformats.org/presentationml/2006/main" xmlns:c="http://schemas.openxmlformats.org/drawingml/2006/chart" xmlns:dgm="http://schemas.openxmlformats.org/drawingml/2006/diagram" xmlns:o="urn:schemas-microsoft-com:office:office" xmlns:v="urn:schemas-microsoft-com:vml" xmlns:pvml="urn:schemas-microsoft-com:office:powerpoint" xmlns:com="http://schemas.openxmlformats.org/drawingml/2006/compatibility" xmlns:p14="http://schemas.microsoft.com/office/powerpoint/2010/main" xmlns:p15="http://schemas.microsoft.com/office/powerpoint/2012/main" xmlns:ahyp="http://schemas.microsoft.com/office/drawing/2018/hyperlinkcolor">
+  <p:cSld>
+    <p:spTree>
+      <p:nvGrpSpPr>
+        <p:cNvPr id="433" name="Shape 433"/>
+        <p:cNvGrpSpPr/>
+        <p:nvPr/>
+      </p:nvGrpSpPr>
+      <p:grpSpPr>
+        <a:xfrm>
+          <a:off x="0" y="0"/>
+          <a:ext cx="0" cy="0"/>
+          <a:chOff x="0" y="0"/>
+          <a:chExt cx="0" cy="0"/>
+        </a:xfrm>
+      </p:grpSpPr>
+      <p:sp>
+        <p:nvSpPr>
+          <p:cNvPr id="434" name="Google Shape;434;p83"/>
+          <p:cNvSpPr txBox="1"/>
+          <p:nvPr>
+            <p:ph idx="1" type="body"/>
+          </p:nvPr>
+        </p:nvSpPr>
+        <p:spPr>
+          <a:xfrm>
+            <a:off x="0" y="0"/>
+            <a:ext cx="9144000" cy="5049600"/>
+          </a:xfrm>
+          <a:prstGeom prst="rect">
+            <a:avLst/>
+          </a:prstGeom>
+        </p:spPr>
+        <p:txBody>
+          <a:bodyPr anchorCtr="0" anchor="t" bIns="91425" lIns="91425" spcFirstLastPara="1" rIns="91425" wrap="square" tIns="91425">
+            <a:normAutofit/>
+          </a:bodyPr>
+          <a:lstStyle/>
+          <a:p>
+            <a:pPr indent="0" lvl="0" marL="0" rtl="0" algn="l">
+              <a:lnSpc>
+                <a:spcPct val="100000"/>
+              </a:lnSpc>
+              <a:spcBef>
+                <a:spcPts val="0"/>
+              </a:spcBef>
+              <a:spcAft>
+                <a:spcPts val="0"/>
+              </a:spcAft>
+              <a:buNone/>
+            </a:pPr>
+            <a:r>
+              <a:rPr lang="ja" sz="1200" u="sng"/>
+              <a:t>Harnessing the power of LLMs for normative reasoning in MASs MASにおける規範推論のためのLLMの力を活用する</a:t>
+            </a:r>
+            <a:r>
+              <a:rPr lang="ja" sz="1200" u="sng"/>
+              <a:t> 2024</a:t>
+            </a:r>
+            <a:endParaRPr sz="1100"/>
+          </a:p>
+          <a:p>
+            <a:pPr indent="0" lvl="0" marL="0" rtl="0" algn="l">
+              <a:lnSpc>
+                <a:spcPct val="100000"/>
+              </a:lnSpc>
+              <a:spcBef>
+                <a:spcPts val="1200"/>
+              </a:spcBef>
+              <a:spcAft>
+                <a:spcPts val="0"/>
+              </a:spcAft>
+              <a:buNone/>
+            </a:pPr>
+            <a:r>
+              <a:rPr lang="ja" sz="1100" u="sng"/>
+              <a:t>概要</a:t>
+            </a:r>
+            <a:endParaRPr sz="764"/>
+          </a:p>
+          <a:p>
+            <a:pPr indent="0" lvl="0" marL="0" rtl="0" algn="l">
+              <a:lnSpc>
+                <a:spcPct val="100000"/>
+              </a:lnSpc>
+              <a:spcBef>
+                <a:spcPts val="1200"/>
+              </a:spcBef>
+              <a:spcAft>
+                <a:spcPts val="0"/>
+              </a:spcAft>
+              <a:buNone/>
+            </a:pPr>
+            <a:r>
+              <a:rPr lang="ja" sz="764"/>
+              <a:t>LLM</a:t>
+            </a:r>
+            <a:r>
+              <a:rPr lang="ja" sz="764"/>
+              <a:t>が人間のように「規則」を理解して、それに従う方法をLLMエージェントアプローチを拡張して、規範LLMエージェントを実装する方法を検討。</a:t>
+            </a:r>
+            <a:br>
+              <a:rPr lang="ja" sz="764"/>
+            </a:br>
+            <a:endParaRPr sz="764"/>
+          </a:p>
+          <a:p>
+            <a:pPr indent="0" lvl="0" marL="0" rtl="0" algn="l">
+              <a:lnSpc>
+                <a:spcPct val="100000"/>
+              </a:lnSpc>
+              <a:spcBef>
+                <a:spcPts val="1200"/>
+              </a:spcBef>
+              <a:spcAft>
+                <a:spcPts val="0"/>
+              </a:spcAft>
+              <a:buNone/>
+            </a:pPr>
+            <a:r>
+              <a:rPr lang="ja" sz="1100" u="sng"/>
+              <a:t>手法</a:t>
+            </a:r>
+            <a:endParaRPr sz="800"/>
+          </a:p>
+          <a:p>
+            <a:pPr indent="0" lvl="0" marL="0" rtl="0" algn="l">
+              <a:lnSpc>
+                <a:spcPct val="100000"/>
+              </a:lnSpc>
+              <a:spcBef>
+                <a:spcPts val="1200"/>
+              </a:spcBef>
+              <a:spcAft>
+                <a:spcPts val="0"/>
+              </a:spcAft>
+              <a:buNone/>
+            </a:pPr>
+            <a:r>
+              <a:rPr lang="ja" sz="764"/>
+              <a:t>規則の学び方:</a:t>
+            </a:r>
+            <a:br>
+              <a:rPr lang="ja" sz="764"/>
+            </a:br>
+            <a:r>
+              <a:rPr lang="ja" sz="764"/>
+              <a:t>規則の発見: LLMに、「この状況ではどんな規則が適用される？」と問いかけて答えを探します。</a:t>
+            </a:r>
+            <a:br>
+              <a:rPr lang="ja" sz="764"/>
+            </a:br>
+            <a:r>
+              <a:rPr lang="ja" sz="764"/>
+              <a:t>規則の推論: 学んだ規則を使って、新しい状況でどのように行動すれば良いかを考えます。</a:t>
+            </a:r>
+            <a:br>
+              <a:rPr lang="ja" sz="764"/>
+            </a:br>
+            <a:r>
+              <a:rPr lang="ja" sz="764"/>
+              <a:t>規則の遵守: 推論した結果をもとに、規則に従った行動を選びます。</a:t>
+            </a:r>
+            <a:endParaRPr sz="764"/>
+          </a:p>
+          <a:p>
+            <a:pPr indent="0" lvl="0" marL="0" rtl="0" algn="l">
+              <a:lnSpc>
+                <a:spcPct val="100000"/>
+              </a:lnSpc>
+              <a:spcBef>
+                <a:spcPts val="1200"/>
+              </a:spcBef>
+              <a:spcAft>
+                <a:spcPts val="0"/>
+              </a:spcAft>
+              <a:buNone/>
+            </a:pPr>
+            <a:r>
+              <a:rPr lang="ja" sz="764"/>
+              <a:t>この研究では具体的な数式やアルゴリズムよりも、LLMがどのように規則を学んで理解し、それを元に判断して行動するかというプロセスに焦点を当てています。このプロセスは、問いかけ（質問）とそれに対する答え（回答）の形で行われます。</a:t>
+            </a:r>
+            <a:endParaRPr sz="764"/>
+          </a:p>
+          <a:p>
+            <a:pPr indent="0" lvl="0" marL="0" rtl="0" algn="l">
+              <a:lnSpc>
+                <a:spcPct val="100000"/>
+              </a:lnSpc>
+              <a:spcBef>
+                <a:spcPts val="1200"/>
+              </a:spcBef>
+              <a:spcAft>
+                <a:spcPts val="0"/>
+              </a:spcAft>
+              <a:buNone/>
+            </a:pPr>
+            <a:r>
+              <a:rPr lang="ja" sz="1100" u="sng"/>
+              <a:t>結果</a:t>
+            </a:r>
+            <a:endParaRPr sz="764"/>
+          </a:p>
+          <a:p>
+            <a:pPr indent="0" lvl="0" marL="0" rtl="0" algn="l">
+              <a:lnSpc>
+                <a:spcPct val="100000"/>
+              </a:lnSpc>
+              <a:spcBef>
+                <a:spcPts val="1200"/>
+              </a:spcBef>
+              <a:spcAft>
+                <a:spcPts val="0"/>
+              </a:spcAft>
+              <a:buNone/>
+            </a:pPr>
+            <a:r>
+              <a:rPr lang="ja" sz="764"/>
+              <a:t>LLMが実際に「規則」を学び、新しい状況に適用することができるかどうかを試しました。例えば、子供が扱うには危険な物を求めたとき、LLMがどのように安全な代替案を提案するかなどです。結果として、LLMは多くの場合で人間のように規則を理解し、適切な行動を推論することができることがわかりました。</a:t>
+            </a:r>
+            <a:endParaRPr sz="764"/>
+          </a:p>
+          <a:p>
+            <a:pPr indent="0" lvl="0" marL="0" rtl="0" algn="l">
+              <a:lnSpc>
+                <a:spcPct val="100000"/>
+              </a:lnSpc>
+              <a:spcBef>
+                <a:spcPts val="1200"/>
+              </a:spcBef>
+              <a:spcAft>
+                <a:spcPts val="1200"/>
+              </a:spcAft>
+              <a:buNone/>
+            </a:pPr>
+            <a:r>
+              <a:t/>
+            </a:r>
+            <a:endParaRPr sz="764"/>
+          </a:p>
+        </p:txBody>
+      </p:sp>
+    </p:spTree>
+  </p:cSld>
+  <p:clrMapOvr>
+    <a:masterClrMapping/>
+  </p:clrMapOvr>
+</p:sld>
+</file>
+
+<file path=ppt/slides/slide72.xml><?xml version="1.0" encoding="utf-8"?>
+<p:sld xmlns:a="http://schemas.openxmlformats.org/drawingml/2006/main" xmlns:r="http://schemas.openxmlformats.org/officeDocument/2006/relationships" xmlns:mc="http://schemas.openxmlformats.org/markup-compatibility/2006" xmlns:mv="urn:schemas-microsoft-com:mac:vml" xmlns:p="http://schemas.openxmlformats.org/presentationml/2006/main" xmlns:c="http://schemas.openxmlformats.org/drawingml/2006/chart" xmlns:dgm="http://schemas.openxmlformats.org/drawingml/2006/diagram" xmlns:o="urn:schemas-microsoft-com:office:office" xmlns:v="urn:schemas-microsoft-com:vml" xmlns:pvml="urn:schemas-microsoft-com:office:powerpoint" xmlns:com="http://schemas.openxmlformats.org/drawingml/2006/compatibility" xmlns:p14="http://schemas.microsoft.com/office/powerpoint/2010/main" xmlns:p15="http://schemas.microsoft.com/office/powerpoint/2012/main" xmlns:ahyp="http://schemas.microsoft.com/office/drawing/2018/hyperlinkcolor">
+  <p:cSld>
+    <p:spTree>
+      <p:nvGrpSpPr>
+        <p:cNvPr id="438" name="Shape 438"/>
+        <p:cNvGrpSpPr/>
+        <p:nvPr/>
+      </p:nvGrpSpPr>
+      <p:grpSpPr>
+        <a:xfrm>
+          <a:off x="0" y="0"/>
+          <a:ext cx="0" cy="0"/>
+          <a:chOff x="0" y="0"/>
+          <a:chExt cx="0" cy="0"/>
+        </a:xfrm>
+      </p:grpSpPr>
+      <p:sp>
+        <p:nvSpPr>
+          <p:cNvPr id="439" name="Google Shape;439;p84"/>
+          <p:cNvSpPr txBox="1"/>
+          <p:nvPr>
+            <p:ph idx="1" type="body"/>
+          </p:nvPr>
+        </p:nvSpPr>
+        <p:spPr>
+          <a:xfrm>
+            <a:off x="0" y="0"/>
+            <a:ext cx="9144000" cy="5049600"/>
+          </a:xfrm>
+          <a:prstGeom prst="rect">
+            <a:avLst/>
+          </a:prstGeom>
+        </p:spPr>
+        <p:txBody>
+          <a:bodyPr anchorCtr="0" anchor="t" bIns="91425" lIns="91425" spcFirstLastPara="1" rIns="91425" wrap="square" tIns="91425">
+            <a:normAutofit/>
+          </a:bodyPr>
+          <a:lstStyle/>
+          <a:p>
+            <a:pPr indent="0" lvl="0" marL="0" rtl="0" algn="l">
+              <a:lnSpc>
+                <a:spcPct val="100000"/>
+              </a:lnSpc>
+              <a:spcBef>
+                <a:spcPts val="0"/>
+              </a:spcBef>
+              <a:spcAft>
+                <a:spcPts val="0"/>
+              </a:spcAft>
+              <a:buNone/>
+            </a:pPr>
+            <a:r>
+              <a:rPr lang="ja" sz="1200" u="sng"/>
+              <a:t>LARA: Linguistic-Adaptive Retrieval-Augmented LLMs for Multi-Turn Intent Classification LARA: 多ターンインテント分類のための言語適応型検索拡張LLM</a:t>
+            </a:r>
+            <a:r>
+              <a:rPr lang="ja" sz="1200" u="sng"/>
+              <a:t> 2024</a:t>
+            </a:r>
+            <a:endParaRPr sz="1100"/>
+          </a:p>
+          <a:p>
+            <a:pPr indent="0" lvl="0" marL="0" rtl="0" algn="l">
+              <a:lnSpc>
+                <a:spcPct val="100000"/>
+              </a:lnSpc>
+              <a:spcBef>
+                <a:spcPts val="1200"/>
+              </a:spcBef>
+              <a:spcAft>
+                <a:spcPts val="0"/>
+              </a:spcAft>
+              <a:buNone/>
+            </a:pPr>
+            <a:r>
+              <a:rPr lang="ja" sz="1100" u="sng"/>
+              <a:t>概要</a:t>
+            </a:r>
+            <a:endParaRPr sz="764"/>
+          </a:p>
+          <a:p>
+            <a:pPr indent="0" lvl="0" marL="0" rtl="0" algn="l">
+              <a:lnSpc>
+                <a:spcPct val="100000"/>
+              </a:lnSpc>
+              <a:spcBef>
+                <a:spcPts val="1200"/>
+              </a:spcBef>
+              <a:spcAft>
+                <a:spcPts val="0"/>
+              </a:spcAft>
+              <a:buNone/>
+            </a:pPr>
+            <a:r>
+              <a:rPr lang="ja" sz="764"/>
+              <a:t>チャットボットのやり取りで多数のインテント＝意図を含む、多言語での多ターン分類タスクにおける精度向上を目的とした、LARA（Linguistic-Adaptive Retrieval-Augmented Language Models）を紹介</a:t>
+            </a:r>
+            <a:br>
+              <a:rPr lang="ja" sz="764"/>
+            </a:br>
+            <a:r>
+              <a:rPr lang="ja" sz="764"/>
+              <a:t>会話が何回も続く「多ターン」の状況と、さまざまな言語での会話を対象にし、従来の方法よりも正確に意図を理解できるようにします。</a:t>
+            </a:r>
+            <a:endParaRPr sz="764"/>
+          </a:p>
+          <a:p>
+            <a:pPr indent="0" lvl="0" marL="0" rtl="0" algn="l">
+              <a:lnSpc>
+                <a:spcPct val="100000"/>
+              </a:lnSpc>
+              <a:spcBef>
+                <a:spcPts val="1200"/>
+              </a:spcBef>
+              <a:spcAft>
+                <a:spcPts val="0"/>
+              </a:spcAft>
+              <a:buNone/>
+            </a:pPr>
+            <a:r>
+              <a:rPr lang="ja" sz="1100" u="sng"/>
+              <a:t>手法</a:t>
+            </a:r>
+            <a:endParaRPr sz="800"/>
+          </a:p>
+          <a:p>
+            <a:pPr indent="0" lvl="0" marL="0" rtl="0" algn="l">
+              <a:lnSpc>
+                <a:spcPct val="100000"/>
+              </a:lnSpc>
+              <a:spcBef>
+                <a:spcPts val="1200"/>
+              </a:spcBef>
+              <a:spcAft>
+                <a:spcPts val="0"/>
+              </a:spcAft>
+              <a:buNone/>
+            </a:pPr>
+            <a:r>
+              <a:rPr lang="ja" sz="764"/>
+              <a:t>LARAのアルゴリズムは主に2つのステップから成り立っています。</a:t>
+            </a:r>
+            <a:endParaRPr sz="764"/>
+          </a:p>
+          <a:p>
+            <a:pPr indent="0" lvl="0" marL="0" rtl="0" algn="l">
+              <a:lnSpc>
+                <a:spcPct val="100000"/>
+              </a:lnSpc>
+              <a:spcBef>
+                <a:spcPts val="1200"/>
+              </a:spcBef>
+              <a:spcAft>
+                <a:spcPts val="0"/>
+              </a:spcAft>
+              <a:buNone/>
+            </a:pPr>
+            <a:r>
+              <a:rPr lang="ja" sz="764"/>
+              <a:t>1. 候補インテントの選択: まず、今までの会話（歴史的な発言）を見て、次にユーザーがどのような意図を持っているのか予測します。これを「候補インテント」と呼びます。この予測には、「XLM」という言語モデルを使用します。これにより、たくさんある意図（インテント）の中から、最も可能性の高いものを選び出します。</a:t>
+            </a:r>
+            <a:endParaRPr sz="764"/>
+          </a:p>
+          <a:p>
+            <a:pPr indent="0" lvl="0" marL="0" rtl="0" algn="l">
+              <a:lnSpc>
+                <a:spcPct val="100000"/>
+              </a:lnSpc>
+              <a:spcBef>
+                <a:spcPts val="1200"/>
+              </a:spcBef>
+              <a:spcAft>
+                <a:spcPts val="0"/>
+              </a:spcAft>
+              <a:buNone/>
+            </a:pPr>
+            <a:r>
+              <a:rPr lang="ja" sz="764"/>
+              <a:t>2. 検索拡張: 次に、選ばれた候補インテントに基づき、似たような過去の会話例をデータベースから探し出します。これにより、コンピュータは過去の似たような会話から学び、現在の会話の意図をより正確に理解することができます。</a:t>
+            </a:r>
+            <a:endParaRPr sz="764"/>
+          </a:p>
+          <a:p>
+            <a:pPr indent="0" lvl="0" marL="0" rtl="0" algn="l">
+              <a:lnSpc>
+                <a:spcPct val="100000"/>
+              </a:lnSpc>
+              <a:spcBef>
+                <a:spcPts val="1200"/>
+              </a:spcBef>
+              <a:spcAft>
+                <a:spcPts val="0"/>
+              </a:spcAft>
+              <a:buNone/>
+            </a:pPr>
+            <a:r>
+              <a:rPr lang="ja" sz="1100" u="sng"/>
+              <a:t>結果</a:t>
+            </a:r>
+            <a:endParaRPr sz="764"/>
+          </a:p>
+          <a:p>
+            <a:pPr indent="0" lvl="0" marL="0" rtl="0" algn="l">
+              <a:lnSpc>
+                <a:spcPct val="100000"/>
+              </a:lnSpc>
+              <a:spcBef>
+                <a:spcPts val="1200"/>
+              </a:spcBef>
+              <a:spcAft>
+                <a:spcPts val="1200"/>
+              </a:spcAft>
+              <a:buNone/>
+            </a:pPr>
+            <a:r>
+              <a:rPr lang="ja" sz="764"/>
+              <a:t>LARAを実際のeコマースのデータセットに適用し、6つの異なる言語でテストしました。結果、LARAは従来の方法よりも、平均で3.67%高い精度で意図を理解できることがわかりました。これは、多言語にわたる多ターンの会話理解において、LARAが有効であることを示しています。</a:t>
+            </a:r>
+            <a:endParaRPr sz="764"/>
+          </a:p>
+        </p:txBody>
+      </p:sp>
+    </p:spTree>
+  </p:cSld>
+  <p:clrMapOvr>
+    <a:masterClrMapping/>
+  </p:clrMapOvr>
+</p:sld>
+</file>
+
+<file path=ppt/slides/slide73.xml><?xml version="1.0" encoding="utf-8"?>
+<p:sld xmlns:a="http://schemas.openxmlformats.org/drawingml/2006/main" xmlns:r="http://schemas.openxmlformats.org/officeDocument/2006/relationships" xmlns:mc="http://schemas.openxmlformats.org/markup-compatibility/2006" xmlns:mv="urn:schemas-microsoft-com:mac:vml" xmlns:p="http://schemas.openxmlformats.org/presentationml/2006/main" xmlns:c="http://schemas.openxmlformats.org/drawingml/2006/chart" xmlns:dgm="http://schemas.openxmlformats.org/drawingml/2006/diagram" xmlns:o="urn:schemas-microsoft-com:office:office" xmlns:v="urn:schemas-microsoft-com:vml" xmlns:pvml="urn:schemas-microsoft-com:office:powerpoint" xmlns:com="http://schemas.openxmlformats.org/drawingml/2006/compatibility" xmlns:p14="http://schemas.microsoft.com/office/powerpoint/2010/main" xmlns:p15="http://schemas.microsoft.com/office/powerpoint/2012/main" xmlns:ahyp="http://schemas.microsoft.com/office/drawing/2018/hyperlinkcolor">
+  <p:cSld>
+    <p:spTree>
+      <p:nvGrpSpPr>
+        <p:cNvPr id="443" name="Shape 443"/>
+        <p:cNvGrpSpPr/>
+        <p:nvPr/>
+      </p:nvGrpSpPr>
+      <p:grpSpPr>
+        <a:xfrm>
+          <a:off x="0" y="0"/>
+          <a:ext cx="0" cy="0"/>
+          <a:chOff x="0" y="0"/>
+          <a:chExt cx="0" cy="0"/>
+        </a:xfrm>
+      </p:grpSpPr>
+      <p:sp>
+        <p:nvSpPr>
+          <p:cNvPr id="444" name="Google Shape;444;p85"/>
+          <p:cNvSpPr txBox="1"/>
+          <p:nvPr>
+            <p:ph idx="1" type="body"/>
+          </p:nvPr>
+        </p:nvSpPr>
+        <p:spPr>
+          <a:xfrm>
+            <a:off x="0" y="0"/>
+            <a:ext cx="9144000" cy="5049600"/>
+          </a:xfrm>
+          <a:prstGeom prst="rect">
+            <a:avLst/>
+          </a:prstGeom>
+        </p:spPr>
+        <p:txBody>
+          <a:bodyPr anchorCtr="0" anchor="t" bIns="91425" lIns="91425" spcFirstLastPara="1" rIns="91425" wrap="square" tIns="91425">
+            <a:normAutofit/>
+          </a:bodyPr>
+          <a:lstStyle/>
+          <a:p>
+            <a:pPr indent="0" lvl="0" marL="0" rtl="0" algn="l">
+              <a:lnSpc>
+                <a:spcPct val="100000"/>
+              </a:lnSpc>
+              <a:spcBef>
+                <a:spcPts val="0"/>
+              </a:spcBef>
+              <a:spcAft>
+                <a:spcPts val="0"/>
+              </a:spcAft>
+              <a:buNone/>
+            </a:pPr>
+            <a:r>
+              <a:rPr lang="ja" sz="1200" u="sng"/>
+              <a:t>CODES: Natural Language to Code Repository via Multi-Layer Sketch CODES: 多層スケッチを用いた自然言語からのコードリポジトリ生成</a:t>
+            </a:r>
+            <a:r>
+              <a:rPr lang="ja" sz="1200" u="sng"/>
+              <a:t> 2024</a:t>
+            </a:r>
+            <a:endParaRPr sz="1100"/>
+          </a:p>
+          <a:p>
+            <a:pPr indent="0" lvl="0" marL="0" rtl="0" algn="l">
+              <a:lnSpc>
+                <a:spcPct val="100000"/>
+              </a:lnSpc>
+              <a:spcBef>
+                <a:spcPts val="1200"/>
+              </a:spcBef>
+              <a:spcAft>
+                <a:spcPts val="0"/>
+              </a:spcAft>
+              <a:buNone/>
+            </a:pPr>
+            <a:r>
+              <a:rPr lang="ja" sz="1100" u="sng"/>
+              <a:t>概要</a:t>
+            </a:r>
+            <a:endParaRPr sz="764"/>
+          </a:p>
+          <a:p>
+            <a:pPr indent="0" lvl="0" marL="0" rtl="0" algn="l">
+              <a:lnSpc>
+                <a:spcPct val="100000"/>
+              </a:lnSpc>
+              <a:spcBef>
+                <a:spcPts val="1200"/>
+              </a:spcBef>
+              <a:spcAft>
+                <a:spcPts val="0"/>
+              </a:spcAft>
+              <a:buNone/>
+            </a:pPr>
+            <a:r>
+              <a:rPr lang="ja" sz="764"/>
+              <a:t>LLM</a:t>
+            </a:r>
+            <a:r>
+              <a:rPr lang="ja" sz="764"/>
+              <a:t>による完全自動化されたソフトウェア開発について、自然言語要件からコードリポジトリ全体を生成する新しいソフトウェアエンジニアリングタスク、Natural Language to Code Repository（NL2Repo）を提案。</a:t>
+            </a:r>
+            <a:br>
+              <a:rPr lang="ja" sz="764"/>
+            </a:br>
+            <a:r>
+              <a:rPr lang="ja" sz="764"/>
+              <a:t>このタスクに対処するために、複数のサブタスクにNL2Repoを分解するシンプルかつ効果的なフレームワークCODESを提案。</a:t>
+            </a:r>
+            <a:br>
+              <a:rPr lang="ja" sz="764"/>
+            </a:br>
+            <a:r>
+              <a:rPr lang="ja" sz="764"/>
+              <a:t>CODESは3つのモジュールを含む: RepoSketcher、FileSketcher、SketchFiller。RepoSketcherはまず、与えられた要件のリポジトリのディレクトリ構造を生成し、FileSketcherは生成された構造内の各ファイルに対してファイルスケッチを生成し、SketchEvalベンチマークとSketchBLEU評価メトリックを使用し、VSCodeプラグインを開発して30人の参加者による実証研究を行なった。</a:t>
+            </a:r>
+            <a:endParaRPr sz="764"/>
+          </a:p>
+          <a:p>
+            <a:pPr indent="0" lvl="0" marL="0" rtl="0" algn="l">
+              <a:lnSpc>
+                <a:spcPct val="100000"/>
+              </a:lnSpc>
+              <a:spcBef>
+                <a:spcPts val="1200"/>
+              </a:spcBef>
+              <a:spcAft>
+                <a:spcPts val="0"/>
+              </a:spcAft>
+              <a:buNone/>
+            </a:pPr>
+            <a:r>
+              <a:rPr lang="ja" sz="1100" u="sng"/>
+              <a:t>手法</a:t>
+            </a:r>
+            <a:endParaRPr sz="800"/>
+          </a:p>
+          <a:p>
+            <a:pPr indent="0" lvl="0" marL="0" rtl="0" algn="l">
+              <a:lnSpc>
+                <a:spcPct val="100000"/>
+              </a:lnSpc>
+              <a:spcBef>
+                <a:spcPts val="1200"/>
+              </a:spcBef>
+              <a:spcAft>
+                <a:spcPts val="0"/>
+              </a:spcAft>
+              <a:buNone/>
+            </a:pPr>
+            <a:r>
+              <a:rPr lang="ja" sz="764"/>
+              <a:t>CODESの仕組みは、大きなプログラム作りの仕事を3つのステップに分けます。</a:t>
+            </a:r>
+            <a:endParaRPr sz="764"/>
+          </a:p>
+          <a:p>
+            <a:pPr indent="0" lvl="0" marL="0" rtl="0" algn="l">
+              <a:lnSpc>
+                <a:spcPct val="100000"/>
+              </a:lnSpc>
+              <a:spcBef>
+                <a:spcPts val="1200"/>
+              </a:spcBef>
+              <a:spcAft>
+                <a:spcPts val="0"/>
+              </a:spcAft>
+              <a:buNone/>
+            </a:pPr>
+            <a:r>
+              <a:rPr lang="ja" sz="764"/>
+              <a:t>1. RepoSketcher（リポスケッチャー）: まず、プログラムの全体像を作ります。どんなフォルダやファイルが必要か、どんな順番で作るかを決めます。</a:t>
+            </a:r>
+            <a:br>
+              <a:rPr lang="ja" sz="764"/>
+            </a:br>
+            <a:r>
+              <a:rPr lang="ja" sz="764"/>
+              <a:t>2. FileSketcher（ファイルスケッチャー）: 次に、各ファイルがどんな役割を持つか、大まかな内容を決めます。</a:t>
+            </a:r>
+            <a:br>
+              <a:rPr lang="ja" sz="764"/>
+            </a:br>
+            <a:r>
+              <a:rPr lang="ja" sz="764"/>
+              <a:t>3. SketchFiller（スケッチフィラー）: 最後に、それぞれのファイルに具体的なコードを書き加えて、プログラムを完成させます。</a:t>
+            </a:r>
+            <a:endParaRPr sz="764"/>
+          </a:p>
+          <a:p>
+            <a:pPr indent="0" lvl="0" marL="0" rtl="0" algn="l">
+              <a:lnSpc>
+                <a:spcPct val="100000"/>
+              </a:lnSpc>
+              <a:spcBef>
+                <a:spcPts val="1200"/>
+              </a:spcBef>
+              <a:spcAft>
+                <a:spcPts val="0"/>
+              </a:spcAft>
+              <a:buNone/>
+            </a:pPr>
+            <a:r>
+              <a:t/>
+            </a:r>
+            <a:endParaRPr sz="764"/>
+          </a:p>
+          <a:p>
+            <a:pPr indent="0" lvl="0" marL="0" rtl="0" algn="l">
+              <a:lnSpc>
+                <a:spcPct val="100000"/>
+              </a:lnSpc>
+              <a:spcBef>
+                <a:spcPts val="1200"/>
+              </a:spcBef>
+              <a:spcAft>
+                <a:spcPts val="0"/>
+              </a:spcAft>
+              <a:buNone/>
+            </a:pPr>
+            <a:r>
+              <a:rPr lang="ja" sz="1100" u="sng"/>
+              <a:t>結果</a:t>
+            </a:r>
+            <a:endParaRPr sz="764"/>
+          </a:p>
+          <a:p>
+            <a:pPr indent="0" lvl="0" marL="0" rtl="0" algn="l">
+              <a:lnSpc>
+                <a:spcPct val="100000"/>
+              </a:lnSpc>
+              <a:spcBef>
+                <a:spcPts val="1200"/>
+              </a:spcBef>
+              <a:spcAft>
+                <a:spcPts val="1200"/>
+              </a:spcAft>
+              <a:buNone/>
+            </a:pPr>
+            <a:r>
+              <a:rPr lang="ja" sz="764"/>
+              <a:t>CODESを使っていろいろなプログラムを自動で作ってみた結果、人が書いたプログラムと比べても遜色ない質のプログラムを自動生成できることがわかりました。特に、小さなプログラムだけでなく、大きなプログラム（リポジトリ）全体を作ることにも成功しました。</a:t>
+            </a:r>
+            <a:endParaRPr sz="764"/>
+          </a:p>
+        </p:txBody>
+      </p:sp>
+    </p:spTree>
+  </p:cSld>
+  <p:clrMapOvr>
+    <a:masterClrMapping/>
+  </p:clrMapOvr>
+</p:sld>
+</file>
+
+<file path=ppt/slides/slide74.xml><?xml version="1.0" encoding="utf-8"?>
+<p:sld xmlns:a="http://schemas.openxmlformats.org/drawingml/2006/main" xmlns:r="http://schemas.openxmlformats.org/officeDocument/2006/relationships" xmlns:mc="http://schemas.openxmlformats.org/markup-compatibility/2006" xmlns:mv="urn:schemas-microsoft-com:mac:vml" xmlns:p="http://schemas.openxmlformats.org/presentationml/2006/main" xmlns:c="http://schemas.openxmlformats.org/drawingml/2006/chart" xmlns:dgm="http://schemas.openxmlformats.org/drawingml/2006/diagram" xmlns:o="urn:schemas-microsoft-com:office:office" xmlns:v="urn:schemas-microsoft-com:vml" xmlns:pvml="urn:schemas-microsoft-com:office:powerpoint" xmlns:com="http://schemas.openxmlformats.org/drawingml/2006/compatibility" xmlns:p14="http://schemas.microsoft.com/office/powerpoint/2010/main" xmlns:p15="http://schemas.microsoft.com/office/powerpoint/2012/main" xmlns:ahyp="http://schemas.microsoft.com/office/drawing/2018/hyperlinkcolor">
+  <p:cSld>
+    <p:spTree>
+      <p:nvGrpSpPr>
+        <p:cNvPr id="448" name="Shape 448"/>
+        <p:cNvGrpSpPr/>
+        <p:nvPr/>
+      </p:nvGrpSpPr>
+      <p:grpSpPr>
+        <a:xfrm>
+          <a:off x="0" y="0"/>
+          <a:ext cx="0" cy="0"/>
+          <a:chOff x="0" y="0"/>
+          <a:chExt cx="0" cy="0"/>
+        </a:xfrm>
+      </p:grpSpPr>
+      <p:sp>
+        <p:nvSpPr>
+          <p:cNvPr id="449" name="Google Shape;449;p86"/>
+          <p:cNvSpPr txBox="1"/>
+          <p:nvPr>
+            <p:ph idx="1" type="body"/>
+          </p:nvPr>
+        </p:nvSpPr>
+        <p:spPr>
+          <a:xfrm>
+            <a:off x="0" y="0"/>
+            <a:ext cx="9144000" cy="5049600"/>
+          </a:xfrm>
+          <a:prstGeom prst="rect">
+            <a:avLst/>
+          </a:prstGeom>
+        </p:spPr>
+        <p:txBody>
+          <a:bodyPr anchorCtr="0" anchor="t" bIns="91425" lIns="91425" spcFirstLastPara="1" rIns="91425" wrap="square" tIns="91425">
+            <a:normAutofit/>
+          </a:bodyPr>
+          <a:lstStyle/>
+          <a:p>
+            <a:pPr indent="0" lvl="0" marL="0" rtl="0" algn="l">
+              <a:lnSpc>
+                <a:spcPct val="100000"/>
+              </a:lnSpc>
+              <a:spcBef>
+                <a:spcPts val="0"/>
+              </a:spcBef>
+              <a:spcAft>
+                <a:spcPts val="0"/>
+              </a:spcAft>
+              <a:buNone/>
+            </a:pPr>
+            <a:r>
+              <a:rPr lang="ja" sz="1200" u="sng"/>
+              <a:t>Evaluating Large Language Models with Runtime Behavior of Program Execution プログラム実行のランタイム動作で大規模言語モデルを評価する</a:t>
+            </a:r>
+            <a:r>
+              <a:rPr lang="ja" sz="1200" u="sng"/>
+              <a:t> 2024</a:t>
+            </a:r>
+            <a:endParaRPr sz="1100"/>
+          </a:p>
+          <a:p>
+            <a:pPr indent="0" lvl="0" marL="0" rtl="0" algn="l">
+              <a:lnSpc>
+                <a:spcPct val="100000"/>
+              </a:lnSpc>
+              <a:spcBef>
+                <a:spcPts val="1200"/>
+              </a:spcBef>
+              <a:spcAft>
+                <a:spcPts val="0"/>
+              </a:spcAft>
+              <a:buNone/>
+            </a:pPr>
+            <a:r>
+              <a:rPr lang="ja" sz="1100" u="sng"/>
+              <a:t>概要</a:t>
+            </a:r>
+            <a:endParaRPr sz="764"/>
+          </a:p>
+          <a:p>
+            <a:pPr indent="0" lvl="0" marL="0" rtl="0" algn="l">
+              <a:lnSpc>
+                <a:spcPct val="100000"/>
+              </a:lnSpc>
+              <a:spcBef>
+                <a:spcPts val="1200"/>
+              </a:spcBef>
+              <a:spcAft>
+                <a:spcPts val="0"/>
+              </a:spcAft>
+              <a:buNone/>
+            </a:pPr>
+            <a:r>
+              <a:rPr lang="ja" sz="764"/>
+              <a:t>コードLLMsの理解能力と生成能力を評価するために、コード推論の能力とコードLLMsの一貫性を評価するためのフレームワークであるREvalが提案。特に、プログラムがどの行を実行するか、変数（プログラムが使用するデータ）の値がどう変わるか、プログラムの出力は何かを予測することに焦点を当てる。</a:t>
+            </a:r>
+            <a:br>
+              <a:rPr lang="ja" sz="764"/>
+            </a:br>
+            <a:r>
+              <a:rPr lang="ja" sz="764"/>
+              <a:t>LLMは、ランタイム動作推論（平均精度44.4％）および増分一貫性評価（平均ICスコア10.3）の両方で不十分なパフォーマンスを示した。</a:t>
+            </a:r>
+            <a:endParaRPr sz="764"/>
+          </a:p>
+          <a:p>
+            <a:pPr indent="0" lvl="0" marL="0" rtl="0" algn="l">
+              <a:lnSpc>
+                <a:spcPct val="100000"/>
+              </a:lnSpc>
+              <a:spcBef>
+                <a:spcPts val="1200"/>
+              </a:spcBef>
+              <a:spcAft>
+                <a:spcPts val="0"/>
+              </a:spcAft>
+              <a:buNone/>
+            </a:pPr>
+            <a:r>
+              <a:rPr lang="ja" sz="1100" u="sng"/>
+              <a:t>手法</a:t>
+            </a:r>
+            <a:endParaRPr sz="800"/>
+          </a:p>
+          <a:p>
+            <a:pPr indent="0" lvl="0" marL="0" rtl="0" algn="l">
+              <a:lnSpc>
+                <a:spcPct val="100000"/>
+              </a:lnSpc>
+              <a:spcBef>
+                <a:spcPts val="1200"/>
+              </a:spcBef>
+              <a:spcAft>
+                <a:spcPts val="0"/>
+              </a:spcAft>
+              <a:buNone/>
+            </a:pPr>
+            <a:r>
+              <a:rPr lang="ja" sz="764"/>
+              <a:t>コードカバレッジ予測（CCP）:「この行は実行されますか？」と問う。プログラムの特定の行が、与えられた入力で実行されるかどうかを予測する。</a:t>
+            </a:r>
+            <a:endParaRPr sz="764"/>
+          </a:p>
+          <a:p>
+            <a:pPr indent="0" lvl="0" marL="0" rtl="0" algn="l">
+              <a:lnSpc>
+                <a:spcPct val="100000"/>
+              </a:lnSpc>
+              <a:spcBef>
+                <a:spcPts val="1200"/>
+              </a:spcBef>
+              <a:spcAft>
+                <a:spcPts val="0"/>
+              </a:spcAft>
+              <a:buNone/>
+            </a:pPr>
+            <a:r>
+              <a:rPr lang="ja" sz="764"/>
+              <a:t>プログラム状態予測（PSP）:「変数の値は何ですか？」と問う。プログラムがある行を実行した後、特定の変数の値と型を予測する。</a:t>
+            </a:r>
+            <a:endParaRPr sz="764"/>
+          </a:p>
+          <a:p>
+            <a:pPr indent="0" lvl="0" marL="0" rtl="0" algn="l">
+              <a:lnSpc>
+                <a:spcPct val="100000"/>
+              </a:lnSpc>
+              <a:spcBef>
+                <a:spcPts val="1200"/>
+              </a:spcBef>
+              <a:spcAft>
+                <a:spcPts val="0"/>
+              </a:spcAft>
+              <a:buNone/>
+            </a:pPr>
+            <a:r>
+              <a:rPr lang="ja" sz="764"/>
+              <a:t>実行パス予測（EPP）:「次に実行される行はどれですか？」と問う。プログラムのどの行が次に実行されるかを予測する。</a:t>
+            </a:r>
+            <a:endParaRPr sz="764"/>
+          </a:p>
+          <a:p>
+            <a:pPr indent="0" lvl="0" marL="0" rtl="0" algn="l">
+              <a:lnSpc>
+                <a:spcPct val="100000"/>
+              </a:lnSpc>
+              <a:spcBef>
+                <a:spcPts val="1200"/>
+              </a:spcBef>
+              <a:spcAft>
+                <a:spcPts val="0"/>
+              </a:spcAft>
+              <a:buNone/>
+            </a:pPr>
+            <a:r>
+              <a:rPr lang="ja" sz="764"/>
+              <a:t>出力予測（OP）:「プログラムの出力は何ですか？」と問う。与えられた入力に対するプログラムの出力を予測する。</a:t>
+            </a:r>
+            <a:endParaRPr sz="764"/>
+          </a:p>
+          <a:p>
+            <a:pPr indent="0" lvl="0" marL="0" rtl="0" algn="l">
+              <a:lnSpc>
+                <a:spcPct val="100000"/>
+              </a:lnSpc>
+              <a:spcBef>
+                <a:spcPts val="1200"/>
+              </a:spcBef>
+              <a:spcAft>
+                <a:spcPts val="0"/>
+              </a:spcAft>
+              <a:buNone/>
+            </a:pPr>
+            <a:r>
+              <a:rPr lang="ja" sz="1100" u="sng"/>
+              <a:t>結果</a:t>
+            </a:r>
+            <a:endParaRPr sz="764"/>
+          </a:p>
+          <a:p>
+            <a:pPr indent="0" lvl="0" marL="0" rtl="0" algn="l">
+              <a:lnSpc>
+                <a:spcPct val="100000"/>
+              </a:lnSpc>
+              <a:spcBef>
+                <a:spcPts val="1200"/>
+              </a:spcBef>
+              <a:spcAft>
+                <a:spcPts val="1200"/>
+              </a:spcAft>
+              <a:buNone/>
+            </a:pPr>
+            <a:r>
+              <a:rPr lang="ja" sz="764"/>
+              <a:t>これらの問いに答えるために様々な大規模言語モデルを評価しました。</a:t>
+            </a:r>
+            <a:br>
+              <a:rPr lang="ja" sz="764"/>
+            </a:br>
+            <a:r>
+              <a:rPr lang="ja" sz="764"/>
+              <a:t>その結果、多くのモデルがこれらのタスクで期待されるほどうまく動作しないことがわかりました。</a:t>
+            </a:r>
+            <a:br>
+              <a:rPr lang="ja" sz="764"/>
+            </a:br>
+            <a:r>
+              <a:rPr lang="ja" sz="764"/>
+              <a:t>特に、プログラムのどの行が次に実行されるか（EPP）を予測するタスクが最も難しいとされ、プログラムの出力を予測するタスク（OP）が比較的簡単であることが示されました。</a:t>
+            </a:r>
+            <a:endParaRPr sz="764"/>
+          </a:p>
+        </p:txBody>
+      </p:sp>
+    </p:spTree>
+  </p:cSld>
+  <p:clrMapOvr>
+    <a:masterClrMapping/>
+  </p:clrMapOvr>
+</p:sld>
+</file>
+
+<file path=ppt/slides/slide75.xml><?xml version="1.0" encoding="utf-8"?>
+<p:sld xmlns:a="http://schemas.openxmlformats.org/drawingml/2006/main" xmlns:r="http://schemas.openxmlformats.org/officeDocument/2006/relationships" xmlns:mc="http://schemas.openxmlformats.org/markup-compatibility/2006" xmlns:mv="urn:schemas-microsoft-com:mac:vml" xmlns:p="http://schemas.openxmlformats.org/presentationml/2006/main" xmlns:c="http://schemas.openxmlformats.org/drawingml/2006/chart" xmlns:dgm="http://schemas.openxmlformats.org/drawingml/2006/diagram" xmlns:o="urn:schemas-microsoft-com:office:office" xmlns:v="urn:schemas-microsoft-com:vml" xmlns:pvml="urn:schemas-microsoft-com:office:powerpoint" xmlns:com="http://schemas.openxmlformats.org/drawingml/2006/compatibility" xmlns:p14="http://schemas.microsoft.com/office/powerpoint/2010/main" xmlns:p15="http://schemas.microsoft.com/office/powerpoint/2012/main" xmlns:ahyp="http://schemas.microsoft.com/office/drawing/2018/hyperlinkcolor">
+  <p:cSld>
+    <p:spTree>
+      <p:nvGrpSpPr>
+        <p:cNvPr id="453" name="Shape 453"/>
+        <p:cNvGrpSpPr/>
+        <p:nvPr/>
+      </p:nvGrpSpPr>
+      <p:grpSpPr>
+        <a:xfrm>
+          <a:off x="0" y="0"/>
+          <a:ext cx="0" cy="0"/>
+          <a:chOff x="0" y="0"/>
+          <a:chExt cx="0" cy="0"/>
+        </a:xfrm>
+      </p:grpSpPr>
+      <p:sp>
+        <p:nvSpPr>
+          <p:cNvPr id="454" name="Google Shape;454;p87"/>
+          <p:cNvSpPr txBox="1"/>
+          <p:nvPr>
+            <p:ph idx="1" type="body"/>
+          </p:nvPr>
+        </p:nvSpPr>
+        <p:spPr>
+          <a:xfrm>
+            <a:off x="0" y="0"/>
+            <a:ext cx="9144000" cy="5049600"/>
+          </a:xfrm>
+          <a:prstGeom prst="rect">
+            <a:avLst/>
+          </a:prstGeom>
+        </p:spPr>
+        <p:txBody>
+          <a:bodyPr anchorCtr="0" anchor="t" bIns="91425" lIns="91425" spcFirstLastPara="1" rIns="91425" wrap="square" tIns="91425">
+            <a:normAutofit/>
+          </a:bodyPr>
+          <a:lstStyle/>
+          <a:p>
+            <a:pPr indent="0" lvl="0" marL="0" rtl="0" algn="l">
+              <a:lnSpc>
+                <a:spcPct val="100000"/>
+              </a:lnSpc>
+              <a:spcBef>
+                <a:spcPts val="0"/>
+              </a:spcBef>
+              <a:spcAft>
+                <a:spcPts val="0"/>
+              </a:spcAft>
+              <a:buNone/>
+            </a:pPr>
+            <a:r>
+              <a:rPr lang="ja" sz="1200" u="sng"/>
+              <a:t>AIOS: LLM Agent Operating System AIOS: LLMエージェントオペレーティングシステム</a:t>
+            </a:r>
+            <a:r>
+              <a:rPr lang="ja" sz="1200" u="sng"/>
+              <a:t> 2024</a:t>
+            </a:r>
+            <a:endParaRPr sz="1100"/>
+          </a:p>
+          <a:p>
+            <a:pPr indent="0" lvl="0" marL="0" rtl="0" algn="l">
+              <a:lnSpc>
+                <a:spcPct val="100000"/>
+              </a:lnSpc>
+              <a:spcBef>
+                <a:spcPts val="1200"/>
+              </a:spcBef>
+              <a:spcAft>
+                <a:spcPts val="0"/>
+              </a:spcAft>
+              <a:buNone/>
+            </a:pPr>
+            <a:r>
+              <a:rPr lang="ja" sz="1100" u="sng"/>
+              <a:t>概要</a:t>
+            </a:r>
+            <a:endParaRPr sz="764"/>
+          </a:p>
+          <a:p>
+            <a:pPr indent="0" lvl="0" marL="0" rtl="0" algn="l">
+              <a:lnSpc>
+                <a:spcPct val="100000"/>
+              </a:lnSpc>
+              <a:spcBef>
+                <a:spcPts val="1200"/>
+              </a:spcBef>
+              <a:spcAft>
+                <a:spcPts val="0"/>
+              </a:spcAft>
+              <a:buNone/>
+            </a:pPr>
+            <a:r>
+              <a:rPr lang="ja" sz="764"/>
+              <a:t>LLMを使用して作られたエージェント同士を管理するAIOSというシステムを提案。AIOSを使用することで、たとえば旅行の計画を立てるエージェントがいるとき、</a:t>
+            </a:r>
+            <a:br>
+              <a:rPr lang="ja" sz="764"/>
+            </a:br>
+            <a:r>
+              <a:rPr lang="ja" sz="764"/>
+              <a:t>このエージェントは、フライトを予約したり、ホテルを見つけたり、支払いを処理したりするために、LLMとOS（オペレーティングシステム）の両方の力を使用することでエージェントのパフォーマンスと効率を向上させることができます。</a:t>
+            </a:r>
+            <a:br>
+              <a:rPr lang="ja" sz="764"/>
+            </a:br>
+            <a:r>
+              <a:rPr lang="ja" sz="764"/>
+              <a:t>https://github.com/agiresearch/AIOS </a:t>
+            </a:r>
+            <a:endParaRPr sz="764"/>
+          </a:p>
+          <a:p>
+            <a:pPr indent="0" lvl="0" marL="0" rtl="0" algn="l">
+              <a:lnSpc>
+                <a:spcPct val="100000"/>
+              </a:lnSpc>
+              <a:spcBef>
+                <a:spcPts val="1200"/>
+              </a:spcBef>
+              <a:spcAft>
+                <a:spcPts val="0"/>
+              </a:spcAft>
+              <a:buNone/>
+            </a:pPr>
+            <a:r>
+              <a:rPr lang="ja" sz="1100" u="sng"/>
+              <a:t>手法</a:t>
+            </a:r>
+            <a:endParaRPr sz="800"/>
+          </a:p>
+          <a:p>
+            <a:pPr indent="0" lvl="0" marL="0" rtl="0" algn="l">
+              <a:lnSpc>
+                <a:spcPct val="100000"/>
+              </a:lnSpc>
+              <a:spcBef>
+                <a:spcPts val="1200"/>
+              </a:spcBef>
+              <a:spcAft>
+                <a:spcPts val="0"/>
+              </a:spcAft>
+              <a:buNone/>
+            </a:pPr>
+            <a:r>
+              <a:rPr lang="ja" sz="764"/>
+              <a:t>AIOSはいくつかの部分で構成されています。主なものを説明します。</a:t>
+            </a:r>
+            <a:br>
+              <a:rPr lang="ja" sz="764"/>
+            </a:br>
+            <a:r>
+              <a:rPr lang="ja" sz="764"/>
+              <a:t>1. エージェントスケジューラー: エージェントが仕事をする順番を決めます。同時に複数のエージェントが働けるようにして、待ち時間を減らします。</a:t>
+            </a:r>
+            <a:br>
+              <a:rPr lang="ja" sz="764"/>
+            </a:br>
+            <a:r>
+              <a:rPr lang="ja" sz="764"/>
+              <a:t>2. コンテキストマネージャー: エージェントが中断されたとき、どこまで仕事を進めたかを記録して、再開したときに同じ場所から続けられるようにします。</a:t>
+            </a:r>
+            <a:br>
+              <a:rPr lang="ja" sz="764"/>
+            </a:br>
+            <a:r>
+              <a:rPr lang="ja" sz="764"/>
+              <a:t>3. メモリマネージャー: エージェントが使う一時的な情報を保管します。エージェントが動いている間だけ情報を保存します。</a:t>
+            </a:r>
+            <a:br>
+              <a:rPr lang="ja" sz="764"/>
+            </a:br>
+            <a:r>
+              <a:rPr lang="ja" sz="764"/>
+              <a:t>4. ストレージマネージャー: 長期間保管する情報を管理します。例えば、ユーザーの好みなどです。</a:t>
+            </a:r>
+            <a:br>
+              <a:rPr lang="ja" sz="764"/>
+            </a:br>
+            <a:r>
+              <a:rPr lang="ja" sz="764"/>
+              <a:t>5. ツールマネージャー: エージェントが外部のツールやサービスを使えるようにします。</a:t>
+            </a:r>
+            <a:br>
+              <a:rPr lang="ja" sz="764"/>
+            </a:br>
+            <a:r>
+              <a:rPr lang="ja" sz="764"/>
+              <a:t>6. アクセスマネージャー: エージェント間の安全な情報のやり取りを保証します。</a:t>
+            </a:r>
+            <a:endParaRPr sz="764"/>
+          </a:p>
+          <a:p>
+            <a:pPr indent="0" lvl="0" marL="0" rtl="0" algn="l">
+              <a:lnSpc>
+                <a:spcPct val="100000"/>
+              </a:lnSpc>
+              <a:spcBef>
+                <a:spcPts val="1200"/>
+              </a:spcBef>
+              <a:spcAft>
+                <a:spcPts val="0"/>
+              </a:spcAft>
+              <a:buNone/>
+            </a:pPr>
+            <a:r>
+              <a:rPr lang="ja" sz="1100" u="sng"/>
+              <a:t>結果</a:t>
+            </a:r>
+            <a:endParaRPr sz="764"/>
+          </a:p>
+          <a:p>
+            <a:pPr indent="0" lvl="0" marL="0" rtl="0" algn="l">
+              <a:lnSpc>
+                <a:spcPct val="100000"/>
+              </a:lnSpc>
+              <a:spcBef>
+                <a:spcPts val="1200"/>
+              </a:spcBef>
+              <a:spcAft>
+                <a:spcPts val="0"/>
+              </a:spcAft>
+              <a:buNone/>
+            </a:pPr>
+            <a:r>
+              <a:rPr lang="ja" sz="764"/>
+              <a:t>AIOSの性能をテストするために、数学の問題を解くエージェント、物語を作るエージェント、レストランを推薦するエージェントを使った実験を行いました。これらのエージェントをAIOSなしで動かすと、後に動くエージェントほど待ち時間が長くなります。しかし、AIOSを使うと、どのエージェントも公平に、効率的にタスクをこなせるようになりました。</a:t>
+            </a:r>
+            <a:endParaRPr sz="764"/>
+          </a:p>
+          <a:p>
+            <a:pPr indent="0" lvl="0" marL="0" rtl="0" algn="l">
+              <a:lnSpc>
+                <a:spcPct val="100000"/>
+              </a:lnSpc>
+              <a:spcBef>
+                <a:spcPts val="1200"/>
+              </a:spcBef>
+              <a:spcAft>
+                <a:spcPts val="1200"/>
+              </a:spcAft>
+              <a:buNone/>
+            </a:pPr>
+            <a:r>
+              <a:rPr lang="ja" sz="764"/>
+              <a:t>AIOSがあると、多くのエージェントが同時に働いても、すべてのエージェントがスムーズにタスクを完了できるらしい</a:t>
+            </a:r>
+            <a:endParaRPr sz="764"/>
+          </a:p>
+        </p:txBody>
+      </p:sp>
+    </p:spTree>
+  </p:cSld>
+  <p:clrMapOvr>
+    <a:masterClrMapping/>
+  </p:clrMapOvr>
+</p:sld>
+</file>
+
+<file path=ppt/slides/slide76.xml><?xml version="1.0" encoding="utf-8"?>
+<p:sld xmlns:a="http://schemas.openxmlformats.org/drawingml/2006/main" xmlns:r="http://schemas.openxmlformats.org/officeDocument/2006/relationships" xmlns:mc="http://schemas.openxmlformats.org/markup-compatibility/2006" xmlns:mv="urn:schemas-microsoft-com:mac:vml" xmlns:p="http://schemas.openxmlformats.org/presentationml/2006/main" xmlns:c="http://schemas.openxmlformats.org/drawingml/2006/chart" xmlns:dgm="http://schemas.openxmlformats.org/drawingml/2006/diagram" xmlns:o="urn:schemas-microsoft-com:office:office" xmlns:v="urn:schemas-microsoft-com:vml" xmlns:pvml="urn:schemas-microsoft-com:office:powerpoint" xmlns:com="http://schemas.openxmlformats.org/drawingml/2006/compatibility" xmlns:p14="http://schemas.microsoft.com/office/powerpoint/2010/main" xmlns:p15="http://schemas.microsoft.com/office/powerpoint/2012/main" xmlns:ahyp="http://schemas.microsoft.com/office/drawing/2018/hyperlinkcolor">
+  <p:cSld>
+    <p:spTree>
+      <p:nvGrpSpPr>
+        <p:cNvPr id="458" name="Shape 458"/>
+        <p:cNvGrpSpPr/>
+        <p:nvPr/>
+      </p:nvGrpSpPr>
+      <p:grpSpPr>
+        <a:xfrm>
+          <a:off x="0" y="0"/>
+          <a:ext cx="0" cy="0"/>
+          <a:chOff x="0" y="0"/>
+          <a:chExt cx="0" cy="0"/>
+        </a:xfrm>
+      </p:grpSpPr>
+      <p:sp>
+        <p:nvSpPr>
+          <p:cNvPr id="459" name="Google Shape;459;p88"/>
+          <p:cNvSpPr txBox="1"/>
+          <p:nvPr>
+            <p:ph idx="1" type="body"/>
+          </p:nvPr>
+        </p:nvSpPr>
+        <p:spPr>
+          <a:xfrm>
+            <a:off x="0" y="0"/>
+            <a:ext cx="9144000" cy="5049600"/>
+          </a:xfrm>
+          <a:prstGeom prst="rect">
+            <a:avLst/>
+          </a:prstGeom>
+        </p:spPr>
+        <p:txBody>
+          <a:bodyPr anchorCtr="0" anchor="t" bIns="91425" lIns="91425" spcFirstLastPara="1" rIns="91425" wrap="square" tIns="91425">
+            <a:normAutofit/>
+          </a:bodyPr>
+          <a:lstStyle/>
+          <a:p>
+            <a:pPr indent="0" lvl="0" marL="0" rtl="0" algn="l">
+              <a:lnSpc>
+                <a:spcPct val="100000"/>
+              </a:lnSpc>
+              <a:spcBef>
+                <a:spcPts val="0"/>
+              </a:spcBef>
+              <a:spcAft>
+                <a:spcPts val="0"/>
+              </a:spcAft>
+              <a:buNone/>
+            </a:pPr>
+            <a:r>
+              <a:rPr lang="ja" sz="1200" u="sng"/>
+              <a:t>Naive Bayes-based Context Extension for Large Language Models</a:t>
+            </a:r>
+            <a:r>
+              <a:rPr lang="ja" sz="1200" u="sng"/>
+              <a:t> 2024</a:t>
+            </a:r>
+            <a:endParaRPr sz="1100"/>
+          </a:p>
+          <a:p>
+            <a:pPr indent="0" lvl="0" marL="0" rtl="0" algn="l">
+              <a:lnSpc>
+                <a:spcPct val="100000"/>
+              </a:lnSpc>
+              <a:spcBef>
+                <a:spcPts val="1200"/>
+              </a:spcBef>
+              <a:spcAft>
+                <a:spcPts val="0"/>
+              </a:spcAft>
+              <a:buNone/>
+            </a:pPr>
+            <a:r>
+              <a:rPr lang="ja" sz="1100" u="sng"/>
+              <a:t>概要</a:t>
+            </a:r>
+            <a:endParaRPr sz="764"/>
+          </a:p>
+          <a:p>
+            <a:pPr indent="0" lvl="0" marL="0" rtl="0" algn="l">
+              <a:lnSpc>
+                <a:spcPct val="100000"/>
+              </a:lnSpc>
+              <a:spcBef>
+                <a:spcPts val="1200"/>
+              </a:spcBef>
+              <a:spcAft>
+                <a:spcPts val="0"/>
+              </a:spcAft>
+              <a:buNone/>
+            </a:pPr>
+            <a:r>
+              <a:rPr lang="ja" sz="764"/>
+              <a:t>Naive Bayes-based Context Extension（NBCE）を使用することでたくさんの情報（たくさんの例文）を使用し回答を作成できるようになります。これによりIn-Context Learning（ICL）を拡張できます。</a:t>
+            </a:r>
+            <a:br>
+              <a:rPr lang="ja" sz="764"/>
+            </a:br>
+            <a:r>
+              <a:rPr lang="ja" sz="764"/>
+              <a:t>https://github.com/amurtadha/NBCE-master</a:t>
+            </a:r>
+            <a:endParaRPr sz="764"/>
+          </a:p>
+          <a:p>
+            <a:pPr indent="0" lvl="0" marL="0" rtl="0" algn="l">
+              <a:lnSpc>
+                <a:spcPct val="100000"/>
+              </a:lnSpc>
+              <a:spcBef>
+                <a:spcPts val="1200"/>
+              </a:spcBef>
+              <a:spcAft>
+                <a:spcPts val="0"/>
+              </a:spcAft>
+              <a:buNone/>
+            </a:pPr>
+            <a:r>
+              <a:rPr lang="ja" sz="1100" u="sng"/>
+              <a:t>手法</a:t>
+            </a:r>
+            <a:endParaRPr sz="800"/>
+          </a:p>
+          <a:p>
+            <a:pPr indent="0" lvl="0" marL="0" rtl="0" algn="l">
+              <a:lnSpc>
+                <a:spcPct val="100000"/>
+              </a:lnSpc>
+              <a:spcBef>
+                <a:spcPts val="1200"/>
+              </a:spcBef>
+              <a:spcAft>
+                <a:spcPts val="0"/>
+              </a:spcAft>
+              <a:buNone/>
+            </a:pPr>
+            <a:r>
+              <a:rPr lang="ja" sz="764"/>
+              <a:t>1. </a:t>
+            </a:r>
+            <a:r>
+              <a:rPr lang="ja" sz="764"/>
+              <a:t>文脈を分割する：まず、AIが学習するための情報（文脈）を小さな部分（ウィンドウ）に分けます。</a:t>
+            </a:r>
+            <a:br>
+              <a:rPr lang="ja" sz="764"/>
+            </a:br>
+            <a:r>
+              <a:rPr lang="ja" sz="764"/>
+              <a:t>2. 投票メカニズム：各ウィンドウを個別に学習し、どのウィンドウが最も重要かを「投票」で決めます。</a:t>
+            </a:r>
+            <a:br>
+              <a:rPr lang="ja" sz="764"/>
+            </a:br>
+            <a:r>
+              <a:rPr lang="ja" sz="764"/>
+              <a:t>3. ナイーブベイズの使用：最後に、ナイーブベイズを使って、これらのウィンドウから最も役立つ情報を選び出し、新しいタスクや質問に対する答えを生成します。</a:t>
+            </a:r>
+            <a:br>
+              <a:rPr lang="ja" sz="764"/>
+            </a:br>
+            <a:endParaRPr sz="764"/>
+          </a:p>
+          <a:p>
+            <a:pPr indent="0" lvl="0" marL="0" rtl="0" algn="l">
+              <a:lnSpc>
+                <a:spcPct val="100000"/>
+              </a:lnSpc>
+              <a:spcBef>
+                <a:spcPts val="1200"/>
+              </a:spcBef>
+              <a:spcAft>
+                <a:spcPts val="0"/>
+              </a:spcAft>
+              <a:buNone/>
+            </a:pPr>
+            <a:r>
+              <a:rPr lang="ja" sz="1100" u="sng"/>
+              <a:t>結果</a:t>
+            </a:r>
+            <a:endParaRPr sz="764"/>
+          </a:p>
+          <a:p>
+            <a:pPr indent="0" lvl="0" marL="0" rtl="0" algn="l">
+              <a:lnSpc>
+                <a:spcPct val="100000"/>
+              </a:lnSpc>
+              <a:spcBef>
+                <a:spcPts val="1200"/>
+              </a:spcBef>
+              <a:spcAft>
+                <a:spcPts val="1200"/>
+              </a:spcAft>
+              <a:buNone/>
+            </a:pPr>
+            <a:r>
+              <a:rPr lang="ja" sz="764"/>
+              <a:t>使用する情報を上手く整理し、有効な情報を選び出すことで、多くのことを学べるようします。</a:t>
+            </a:r>
+            <a:endParaRPr sz="764"/>
+          </a:p>
+        </p:txBody>
+      </p:sp>
+    </p:spTree>
+  </p:cSld>
+  <p:clrMapOvr>
+    <a:masterClrMapping/>
+  </p:clrMapOvr>
+</p:sld>
+</file>
+
+<file path=ppt/slides/slide77.xml><?xml version="1.0" encoding="utf-8"?>
+<p:sld xmlns:a="http://schemas.openxmlformats.org/drawingml/2006/main" xmlns:r="http://schemas.openxmlformats.org/officeDocument/2006/relationships" xmlns:mc="http://schemas.openxmlformats.org/markup-compatibility/2006" xmlns:mv="urn:schemas-microsoft-com:mac:vml" xmlns:p="http://schemas.openxmlformats.org/presentationml/2006/main" xmlns:c="http://schemas.openxmlformats.org/drawingml/2006/chart" xmlns:dgm="http://schemas.openxmlformats.org/drawingml/2006/diagram" xmlns:o="urn:schemas-microsoft-com:office:office" xmlns:v="urn:schemas-microsoft-com:vml" xmlns:pvml="urn:schemas-microsoft-com:office:powerpoint" xmlns:com="http://schemas.openxmlformats.org/drawingml/2006/compatibility" xmlns:p14="http://schemas.microsoft.com/office/powerpoint/2010/main" xmlns:p15="http://schemas.microsoft.com/office/powerpoint/2012/main" xmlns:ahyp="http://schemas.microsoft.com/office/drawing/2018/hyperlinkcolor">
+  <p:cSld>
+    <p:spTree>
+      <p:nvGrpSpPr>
+        <p:cNvPr id="463" name="Shape 463"/>
+        <p:cNvGrpSpPr/>
+        <p:nvPr/>
+      </p:nvGrpSpPr>
+      <p:grpSpPr>
+        <a:xfrm>
+          <a:off x="0" y="0"/>
+          <a:ext cx="0" cy="0"/>
+          <a:chOff x="0" y="0"/>
+          <a:chExt cx="0" cy="0"/>
+        </a:xfrm>
+      </p:grpSpPr>
+      <p:sp>
+        <p:nvSpPr>
+          <p:cNvPr id="464" name="Google Shape;464;p89"/>
+          <p:cNvSpPr txBox="1"/>
+          <p:nvPr>
             <p:ph type="title"/>
           </p:nvPr>
         </p:nvSpPr>
@@ -40146,6 +42530,285 @@
 </file>
 
 <file path=ppt/theme/theme1.xml><?xml version="1.0" encoding="utf-8"?>
+<a:theme xmlns:a="http://schemas.openxmlformats.org/drawingml/2006/main" xmlns:r="http://schemas.openxmlformats.org/officeDocument/2006/relationships" name="Spearmint">
+  <a:themeElements>
+    <a:clrScheme name="Spearmint">
+      <a:dk1>
+        <a:srgbClr val="202729"/>
+      </a:dk1>
+      <a:lt1>
+        <a:srgbClr val="FFFFFF"/>
+      </a:lt1>
+      <a:dk2>
+        <a:srgbClr val="4BA173"/>
+      </a:dk2>
+      <a:lt2>
+        <a:srgbClr val="63D297"/>
+      </a:lt2>
+      <a:accent1>
+        <a:srgbClr val="353744"/>
+      </a:accent1>
+      <a:accent2>
+        <a:srgbClr val="424242"/>
+      </a:accent2>
+      <a:accent3>
+        <a:srgbClr val="616161"/>
+      </a:accent3>
+      <a:accent4>
+        <a:srgbClr val="F0F0F0"/>
+      </a:accent4>
+      <a:accent5>
+        <a:srgbClr val="FF5252"/>
+      </a:accent5>
+      <a:accent6>
+        <a:srgbClr val="FFF176"/>
+      </a:accent6>
+      <a:hlink>
+        <a:srgbClr val="FF5252"/>
+      </a:hlink>
+      <a:folHlink>
+        <a:srgbClr val="FF5252"/>
+      </a:folHlink>
+    </a:clrScheme>
+    <a:fontScheme name="Office">
+      <a:majorFont>
+        <a:latin typeface="Arial"/>
+        <a:ea typeface=""/>
+        <a:cs typeface=""/>
+        <a:font script="Jpan" typeface="ＭＳ Ｐゴシック"/>
+        <a:font script="Hang" typeface="맑은 고딕"/>
+        <a:font script="Hans" typeface="宋体"/>
+        <a:font script="Hant" typeface="新細明體"/>
+        <a:font script="Arab" typeface="Times New Roman"/>
+        <a:font script="Hebr" typeface="Times New Roman"/>
+        <a:font script="Thai" typeface="Angsana New"/>
+        <a:font script="Ethi" typeface="Nyala"/>
+        <a:font script="Beng" typeface="Vrinda"/>
+        <a:font script="Gujr" typeface="Shruti"/>
+        <a:font script="Khmr" typeface="MoolBoran"/>
+        <a:font script="Knda" typeface="Tunga"/>
+        <a:font script="Guru" typeface="Raavi"/>
+        <a:font script="Cans" typeface="Euphemia"/>
+        <a:font script="Cher" typeface="Plantagenet Cherokee"/>
+        <a:font script="Yiii" typeface="Microsoft Yi Baiti"/>
+        <a:font script="Tibt" typeface="Microsoft Himalaya"/>
+        <a:font script="Thaa" typeface="MV Boli"/>
+        <a:font script="Deva" typeface="Mangal"/>
+        <a:font script="Telu" typeface="Gautami"/>
+        <a:font script="Taml" typeface="Latha"/>
+        <a:font script="Syrc" typeface="Estrangelo Edessa"/>
+        <a:font script="Orya" typeface="Kalinga"/>
+        <a:font script="Mlym" typeface="Kartika"/>
+        <a:font script="Laoo" typeface="DokChampa"/>
+        <a:font script="Sinh" typeface="Iskoola Pota"/>
+        <a:font script="Mong" typeface="Mongolian Baiti"/>
+        <a:font script="Viet" typeface="Times New Roman"/>
+        <a:font script="Uigh" typeface="Microsoft Uighur"/>
+        <a:font script="Geor" typeface="Sylfaen"/>
+      </a:majorFont>
+      <a:minorFont>
+        <a:latin typeface="Arial"/>
+        <a:ea typeface=""/>
+        <a:cs typeface=""/>
+        <a:font script="Jpan" typeface="ＭＳ Ｐゴシック"/>
+        <a:font script="Hang" typeface="맑은 고딕"/>
+        <a:font script="Hans" typeface="宋体"/>
+        <a:font script="Hant" typeface="新細明體"/>
+        <a:font script="Arab" typeface="Arial"/>
+        <a:font script="Hebr" typeface="Arial"/>
+        <a:font script="Thai" typeface="Cordia New"/>
+        <a:font script="Ethi" typeface="Nyala"/>
+        <a:font script="Beng" typeface="Vrinda"/>
+        <a:font script="Gujr" typeface="Shruti"/>
+        <a:font script="Khmr" typeface="DaunPenh"/>
+        <a:font script="Knda" typeface="Tunga"/>
+        <a:font script="Guru" typeface="Raavi"/>
+        <a:font script="Cans" typeface="Euphemia"/>
+        <a:font script="Cher" typeface="Plantagenet Cherokee"/>
+        <a:font script="Yiii" typeface="Microsoft Yi Baiti"/>
+        <a:font script="Tibt" typeface="Microsoft Himalaya"/>
+        <a:font script="Thaa" typeface="MV Boli"/>
+        <a:font script="Deva" typeface="Mangal"/>
+        <a:font script="Telu" typeface="Gautami"/>
+        <a:font script="Taml" typeface="Latha"/>
+        <a:font script="Syrc" typeface="Estrangelo Edessa"/>
+        <a:font script="Orya" typeface="Kalinga"/>
+        <a:font script="Mlym" typeface="Kartika"/>
+        <a:font script="Laoo" typeface="DokChampa"/>
+        <a:font script="Sinh" typeface="Iskoola Pota"/>
+        <a:font script="Mong" typeface="Mongolian Baiti"/>
+        <a:font script="Viet" typeface="Arial"/>
+        <a:font script="Uigh" typeface="Microsoft Uighur"/>
+        <a:font script="Geor" typeface="Sylfaen"/>
+      </a:minorFont>
+    </a:fontScheme>
+    <a:fmtScheme name="Office">
+      <a:fillStyleLst>
+        <a:solidFill>
+          <a:schemeClr val="phClr"/>
+        </a:solidFill>
+        <a:gradFill rotWithShape="1">
+          <a:gsLst>
+            <a:gs pos="0">
+              <a:schemeClr val="phClr">
+                <a:tint val="50000"/>
+                <a:satMod val="300000"/>
+              </a:schemeClr>
+            </a:gs>
+            <a:gs pos="35000">
+              <a:schemeClr val="phClr">
+                <a:tint val="37000"/>
+                <a:satMod val="300000"/>
+              </a:schemeClr>
+            </a:gs>
+            <a:gs pos="100000">
+              <a:schemeClr val="phClr">
+                <a:tint val="15000"/>
+                <a:satMod val="350000"/>
+              </a:schemeClr>
+            </a:gs>
+          </a:gsLst>
+          <a:lin ang="16200000" scaled="1"/>
+        </a:gradFill>
+        <a:gradFill rotWithShape="1">
+          <a:gsLst>
+            <a:gs pos="0">
+              <a:schemeClr val="phClr">
+                <a:tint val="100000"/>
+                <a:shade val="100000"/>
+                <a:satMod val="130000"/>
+              </a:schemeClr>
+            </a:gs>
+            <a:gs pos="100000">
+              <a:schemeClr val="phClr">
+                <a:tint val="50000"/>
+                <a:shade val="100000"/>
+                <a:satMod val="350000"/>
+              </a:schemeClr>
+            </a:gs>
+          </a:gsLst>
+          <a:lin ang="16200000" scaled="0"/>
+        </a:gradFill>
+      </a:fillStyleLst>
+      <a:lnStyleLst>
+        <a:ln w="9525" cap="flat" cmpd="sng" algn="ctr">
+          <a:solidFill>
+            <a:schemeClr val="phClr">
+              <a:shade val="95000"/>
+              <a:satMod val="105000"/>
+            </a:schemeClr>
+          </a:solidFill>
+          <a:prstDash val="solid"/>
+        </a:ln>
+        <a:ln w="25400" cap="flat" cmpd="sng" algn="ctr">
+          <a:solidFill>
+            <a:schemeClr val="phClr"/>
+          </a:solidFill>
+          <a:prstDash val="solid"/>
+        </a:ln>
+        <a:ln w="38100" cap="flat" cmpd="sng" algn="ctr">
+          <a:solidFill>
+            <a:schemeClr val="phClr"/>
+          </a:solidFill>
+          <a:prstDash val="solid"/>
+        </a:ln>
+      </a:lnStyleLst>
+      <a:effectStyleLst>
+        <a:effectStyle>
+          <a:effectLst>
+            <a:outerShdw blurRad="40000" dist="20000" dir="5400000" rotWithShape="0">
+              <a:srgbClr val="000000">
+                <a:alpha val="38000"/>
+              </a:srgbClr>
+            </a:outerShdw>
+          </a:effectLst>
+        </a:effectStyle>
+        <a:effectStyle>
+          <a:effectLst>
+            <a:outerShdw blurRad="40000" dist="23000" dir="5400000" rotWithShape="0">
+              <a:srgbClr val="000000">
+                <a:alpha val="35000"/>
+              </a:srgbClr>
+            </a:outerShdw>
+          </a:effectLst>
+        </a:effectStyle>
+        <a:effectStyle>
+          <a:effectLst>
+            <a:outerShdw blurRad="40000" dist="23000" dir="5400000" rotWithShape="0">
+              <a:srgbClr val="000000">
+                <a:alpha val="35000"/>
+              </a:srgbClr>
+            </a:outerShdw>
+          </a:effectLst>
+          <a:scene3d>
+            <a:camera prst="orthographicFront">
+              <a:rot lat="0" lon="0" rev="0"/>
+            </a:camera>
+            <a:lightRig rig="threePt" dir="t">
+              <a:rot lat="0" lon="0" rev="1200000"/>
+            </a:lightRig>
+          </a:scene3d>
+          <a:sp3d>
+            <a:bevelT w="63500" h="25400"/>
+          </a:sp3d>
+        </a:effectStyle>
+      </a:effectStyleLst>
+      <a:bgFillStyleLst>
+        <a:solidFill>
+          <a:schemeClr val="phClr"/>
+        </a:solidFill>
+        <a:gradFill rotWithShape="1">
+          <a:gsLst>
+            <a:gs pos="0">
+              <a:schemeClr val="phClr">
+                <a:tint val="40000"/>
+                <a:satMod val="350000"/>
+              </a:schemeClr>
+            </a:gs>
+            <a:gs pos="40000">
+              <a:schemeClr val="phClr">
+                <a:tint val="45000"/>
+                <a:shade val="99000"/>
+                <a:satMod val="350000"/>
+              </a:schemeClr>
+            </a:gs>
+            <a:gs pos="100000">
+              <a:schemeClr val="phClr">
+                <a:shade val="20000"/>
+                <a:satMod val="255000"/>
+              </a:schemeClr>
+            </a:gs>
+          </a:gsLst>
+          <a:path path="circle">
+            <a:fillToRect l="50000" t="-80000" r="50000" b="180000"/>
+          </a:path>
+        </a:gradFill>
+        <a:gradFill rotWithShape="1">
+          <a:gsLst>
+            <a:gs pos="0">
+              <a:schemeClr val="phClr">
+                <a:tint val="80000"/>
+                <a:satMod val="300000"/>
+              </a:schemeClr>
+            </a:gs>
+            <a:gs pos="100000">
+              <a:schemeClr val="phClr">
+                <a:shade val="30000"/>
+                <a:satMod val="200000"/>
+              </a:schemeClr>
+            </a:gs>
+          </a:gsLst>
+          <a:path path="circle">
+            <a:fillToRect l="50000" t="50000" r="50000" b="50000"/>
+          </a:path>
+        </a:gradFill>
+      </a:bgFillStyleLst>
+    </a:fmtScheme>
+  </a:themeElements>
+</a:theme>
+</file>
+
+<file path=ppt/theme/theme2.xml><?xml version="1.0" encoding="utf-8"?>
 <a:theme xmlns:a="http://schemas.openxmlformats.org/drawingml/2006/main" xmlns:r="http://schemas.openxmlformats.org/officeDocument/2006/relationships">
   <a:themeElements>
     <a:clrScheme name="Default">
@@ -40422,283 +43085,4 @@
     </a:fmtScheme>
   </a:themeElements>
 </a:theme>
-</file>
-
-<file path=ppt/theme/theme2.xml><?xml version="1.0" encoding="utf-8"?>
-<a:theme xmlns:a="http://schemas.openxmlformats.org/drawingml/2006/main" xmlns:r="http://schemas.openxmlformats.org/officeDocument/2006/relationships" name="Spearmint">
-  <a:themeElements>
-    <a:clrScheme name="Spearmint">
-      <a:dk1>
-        <a:srgbClr val="202729"/>
-      </a:dk1>
-      <a:lt1>
-        <a:srgbClr val="FFFFFF"/>
-      </a:lt1>
-      <a:dk2>
-        <a:srgbClr val="4BA173"/>
-      </a:dk2>
-      <a:lt2>
-        <a:srgbClr val="63D297"/>
-      </a:lt2>
-      <a:accent1>
-        <a:srgbClr val="353744"/>
-      </a:accent1>
-      <a:accent2>
-        <a:srgbClr val="424242"/>
-      </a:accent2>
-      <a:accent3>
-        <a:srgbClr val="616161"/>
-      </a:accent3>
-      <a:accent4>
-        <a:srgbClr val="F0F0F0"/>
-      </a:accent4>
-      <a:accent5>
-        <a:srgbClr val="FF5252"/>
-      </a:accent5>
-      <a:accent6>
-        <a:srgbClr val="FFF176"/>
-      </a:accent6>
-      <a:hlink>
-        <a:srgbClr val="FF5252"/>
-      </a:hlink>
-      <a:folHlink>
-        <a:srgbClr val="FF5252"/>
-      </a:folHlink>
-    </a:clrScheme>
-    <a:fontScheme name="Office">
-      <a:majorFont>
-        <a:latin typeface="Arial"/>
-        <a:ea typeface=""/>
-        <a:cs typeface=""/>
-        <a:font script="Jpan" typeface="ＭＳ Ｐゴシック"/>
-        <a:font script="Hang" typeface="맑은 고딕"/>
-        <a:font script="Hans" typeface="宋体"/>
-        <a:font script="Hant" typeface="新細明體"/>
-        <a:font script="Arab" typeface="Times New Roman"/>
-        <a:font script="Hebr" typeface="Times New Roman"/>
-        <a:font script="Thai" typeface="Angsana New"/>
-        <a:font script="Ethi" typeface="Nyala"/>
-        <a:font script="Beng" typeface="Vrinda"/>
-        <a:font script="Gujr" typeface="Shruti"/>
-        <a:font script="Khmr" typeface="MoolBoran"/>
-        <a:font script="Knda" typeface="Tunga"/>
-        <a:font script="Guru" typeface="Raavi"/>
-        <a:font script="Cans" typeface="Euphemia"/>
-        <a:font script="Cher" typeface="Plantagenet Cherokee"/>
-        <a:font script="Yiii" typeface="Microsoft Yi Baiti"/>
-        <a:font script="Tibt" typeface="Microsoft Himalaya"/>
-        <a:font script="Thaa" typeface="MV Boli"/>
-        <a:font script="Deva" typeface="Mangal"/>
-        <a:font script="Telu" typeface="Gautami"/>
-        <a:font script="Taml" typeface="Latha"/>
-        <a:font script="Syrc" typeface="Estrangelo Edessa"/>
-        <a:font script="Orya" typeface="Kalinga"/>
-        <a:font script="Mlym" typeface="Kartika"/>
-        <a:font script="Laoo" typeface="DokChampa"/>
-        <a:font script="Sinh" typeface="Iskoola Pota"/>
-        <a:font script="Mong" typeface="Mongolian Baiti"/>
-        <a:font script="Viet" typeface="Times New Roman"/>
-        <a:font script="Uigh" typeface="Microsoft Uighur"/>
-        <a:font script="Geor" typeface="Sylfaen"/>
-      </a:majorFont>
-      <a:minorFont>
-        <a:latin typeface="Arial"/>
-        <a:ea typeface=""/>
-        <a:cs typeface=""/>
-        <a:font script="Jpan" typeface="ＭＳ Ｐゴシック"/>
-        <a:font script="Hang" typeface="맑은 고딕"/>
-        <a:font script="Hans" typeface="宋体"/>
-        <a:font script="Hant" typeface="新細明體"/>
-        <a:font script="Arab" typeface="Arial"/>
-        <a:font script="Hebr" typeface="Arial"/>
-        <a:font script="Thai" typeface="Cordia New"/>
-        <a:font script="Ethi" typeface="Nyala"/>
-        <a:font script="Beng" typeface="Vrinda"/>
-        <a:font script="Gujr" typeface="Shruti"/>
-        <a:font script="Khmr" typeface="DaunPenh"/>
-        <a:font script="Knda" typeface="Tunga"/>
-        <a:font script="Guru" typeface="Raavi"/>
-        <a:font script="Cans" typeface="Euphemia"/>
-        <a:font script="Cher" typeface="Plantagenet Cherokee"/>
-        <a:font script="Yiii" typeface="Microsoft Yi Baiti"/>
-        <a:font script="Tibt" typeface="Microsoft Himalaya"/>
-        <a:font script="Thaa" typeface="MV Boli"/>
-        <a:font script="Deva" typeface="Mangal"/>
-        <a:font script="Telu" typeface="Gautami"/>
-        <a:font script="Taml" typeface="Latha"/>
-        <a:font script="Syrc" typeface="Estrangelo Edessa"/>
-        <a:font script="Orya" typeface="Kalinga"/>
-        <a:font script="Mlym" typeface="Kartika"/>
-        <a:font script="Laoo" typeface="DokChampa"/>
-        <a:font script="Sinh" typeface="Iskoola Pota"/>
-        <a:font script="Mong" typeface="Mongolian Baiti"/>
-        <a:font script="Viet" typeface="Arial"/>
-        <a:font script="Uigh" typeface="Microsoft Uighur"/>
-        <a:font script="Geor" typeface="Sylfaen"/>
-      </a:minorFont>
-    </a:fontScheme>
-    <a:fmtScheme name="Office">
-      <a:fillStyleLst>
-        <a:solidFill>
-          <a:schemeClr val="phClr"/>
-        </a:solidFill>
-        <a:gradFill rotWithShape="1">
-          <a:gsLst>
-            <a:gs pos="0">
-              <a:schemeClr val="phClr">
-                <a:tint val="50000"/>
-                <a:satMod val="300000"/>
-              </a:schemeClr>
-            </a:gs>
-            <a:gs pos="35000">
-              <a:schemeClr val="phClr">
-                <a:tint val="37000"/>
-                <a:satMod val="300000"/>
-              </a:schemeClr>
-            </a:gs>
-            <a:gs pos="100000">
-              <a:schemeClr val="phClr">
-                <a:tint val="15000"/>
-                <a:satMod val="350000"/>
-              </a:schemeClr>
-            </a:gs>
-          </a:gsLst>
-          <a:lin ang="16200000" scaled="1"/>
-        </a:gradFill>
-        <a:gradFill rotWithShape="1">
-          <a:gsLst>
-            <a:gs pos="0">
-              <a:schemeClr val="phClr">
-                <a:tint val="100000"/>
-                <a:shade val="100000"/>
-                <a:satMod val="130000"/>
-              </a:schemeClr>
-            </a:gs>
-            <a:gs pos="100000">
-              <a:schemeClr val="phClr">
-                <a:tint val="50000"/>
-                <a:shade val="100000"/>
-                <a:satMod val="350000"/>
-              </a:schemeClr>
-            </a:gs>
-          </a:gsLst>
-          <a:lin ang="16200000" scaled="0"/>
-        </a:gradFill>
-      </a:fillStyleLst>
-      <a:lnStyleLst>
-        <a:ln w="9525" cap="flat" cmpd="sng" algn="ctr">
-          <a:solidFill>
-            <a:schemeClr val="phClr">
-              <a:shade val="95000"/>
-              <a:satMod val="105000"/>
-            </a:schemeClr>
-          </a:solidFill>
-          <a:prstDash val="solid"/>
-        </a:ln>
-        <a:ln w="25400" cap="flat" cmpd="sng" algn="ctr">
-          <a:solidFill>
-            <a:schemeClr val="phClr"/>
-          </a:solidFill>
-          <a:prstDash val="solid"/>
-        </a:ln>
-        <a:ln w="38100" cap="flat" cmpd="sng" algn="ctr">
-          <a:solidFill>
-            <a:schemeClr val="phClr"/>
-          </a:solidFill>
-          <a:prstDash val="solid"/>
-        </a:ln>
-      </a:lnStyleLst>
-      <a:effectStyleLst>
-        <a:effectStyle>
-          <a:effectLst>
-            <a:outerShdw blurRad="40000" dist="20000" dir="5400000" rotWithShape="0">
-              <a:srgbClr val="000000">
-                <a:alpha val="38000"/>
-              </a:srgbClr>
-            </a:outerShdw>
-          </a:effectLst>
-        </a:effectStyle>
-        <a:effectStyle>
-          <a:effectLst>
-            <a:outerShdw blurRad="40000" dist="23000" dir="5400000" rotWithShape="0">
-              <a:srgbClr val="000000">
-                <a:alpha val="35000"/>
-              </a:srgbClr>
-            </a:outerShdw>
-          </a:effectLst>
-        </a:effectStyle>
-        <a:effectStyle>
-          <a:effectLst>
-            <a:outerShdw blurRad="40000" dist="23000" dir="5400000" rotWithShape="0">
-              <a:srgbClr val="000000">
-                <a:alpha val="35000"/>
-              </a:srgbClr>
-            </a:outerShdw>
-          </a:effectLst>
-          <a:scene3d>
-            <a:camera prst="orthographicFront">
-              <a:rot lat="0" lon="0" rev="0"/>
-            </a:camera>
-            <a:lightRig rig="threePt" dir="t">
-              <a:rot lat="0" lon="0" rev="1200000"/>
-            </a:lightRig>
-          </a:scene3d>
-          <a:sp3d>
-            <a:bevelT w="63500" h="25400"/>
-          </a:sp3d>
-        </a:effectStyle>
-      </a:effectStyleLst>
-      <a:bgFillStyleLst>
-        <a:solidFill>
-          <a:schemeClr val="phClr"/>
-        </a:solidFill>
-        <a:gradFill rotWithShape="1">
-          <a:gsLst>
-            <a:gs pos="0">
-              <a:schemeClr val="phClr">
-                <a:tint val="40000"/>
-                <a:satMod val="350000"/>
-              </a:schemeClr>
-            </a:gs>
-            <a:gs pos="40000">
-              <a:schemeClr val="phClr">
-                <a:tint val="45000"/>
-                <a:shade val="99000"/>
-                <a:satMod val="350000"/>
-              </a:schemeClr>
-            </a:gs>
-            <a:gs pos="100000">
-              <a:schemeClr val="phClr">
-                <a:shade val="20000"/>
-                <a:satMod val="255000"/>
-              </a:schemeClr>
-            </a:gs>
-          </a:gsLst>
-          <a:path path="circle">
-            <a:fillToRect l="50000" t="-80000" r="50000" b="180000"/>
-          </a:path>
-        </a:gradFill>
-        <a:gradFill rotWithShape="1">
-          <a:gsLst>
-            <a:gs pos="0">
-              <a:schemeClr val="phClr">
-                <a:tint val="80000"/>
-                <a:satMod val="300000"/>
-              </a:schemeClr>
-            </a:gs>
-            <a:gs pos="100000">
-              <a:schemeClr val="phClr">
-                <a:shade val="30000"/>
-                <a:satMod val="200000"/>
-              </a:schemeClr>
-            </a:gs>
-          </a:gsLst>
-          <a:path path="circle">
-            <a:fillToRect l="50000" t="50000" r="50000" b="50000"/>
-          </a:path>
-        </a:gradFill>
-      </a:bgFillStyleLst>
-    </a:fmtScheme>
-  </a:themeElements>
-</a:theme>
 </file>
--- a/2024_LLM論文要約_3.pptx
+++ b/2024_LLM論文要約_3.pptx
@@ -42530,6 +42530,285 @@
 </file>
 
 <file path=ppt/theme/theme1.xml><?xml version="1.0" encoding="utf-8"?>
+<a:theme xmlns:a="http://schemas.openxmlformats.org/drawingml/2006/main" xmlns:r="http://schemas.openxmlformats.org/officeDocument/2006/relationships">
+  <a:themeElements>
+    <a:clrScheme name="Default">
+      <a:dk1>
+        <a:srgbClr val="000000"/>
+      </a:dk1>
+      <a:lt1>
+        <a:srgbClr val="FFFFFF"/>
+      </a:lt1>
+      <a:dk2>
+        <a:srgbClr val="158158"/>
+      </a:dk2>
+      <a:lt2>
+        <a:srgbClr val="F3F3F3"/>
+      </a:lt2>
+      <a:accent1>
+        <a:srgbClr val="058DC7"/>
+      </a:accent1>
+      <a:accent2>
+        <a:srgbClr val="50B432"/>
+      </a:accent2>
+      <a:accent3>
+        <a:srgbClr val="ED561B"/>
+      </a:accent3>
+      <a:accent4>
+        <a:srgbClr val="EDEF00"/>
+      </a:accent4>
+      <a:accent5>
+        <a:srgbClr val="24CBE5"/>
+      </a:accent5>
+      <a:accent6>
+        <a:srgbClr val="64E572"/>
+      </a:accent6>
+      <a:hlink>
+        <a:srgbClr val="2200CC"/>
+      </a:hlink>
+      <a:folHlink>
+        <a:srgbClr val="551A8B"/>
+      </a:folHlink>
+    </a:clrScheme>
+    <a:fontScheme name="Office">
+      <a:majorFont>
+        <a:latin typeface="Arial"/>
+        <a:ea typeface=""/>
+        <a:cs typeface=""/>
+        <a:font script="Jpan" typeface="ＭＳ Ｐゴシック"/>
+        <a:font script="Hang" typeface="맑은 고딕"/>
+        <a:font script="Hans" typeface="宋体"/>
+        <a:font script="Hant" typeface="新細明體"/>
+        <a:font script="Arab" typeface="Times New Roman"/>
+        <a:font script="Hebr" typeface="Times New Roman"/>
+        <a:font script="Thai" typeface="Angsana New"/>
+        <a:font script="Ethi" typeface="Nyala"/>
+        <a:font script="Beng" typeface="Vrinda"/>
+        <a:font script="Gujr" typeface="Shruti"/>
+        <a:font script="Khmr" typeface="MoolBoran"/>
+        <a:font script="Knda" typeface="Tunga"/>
+        <a:font script="Guru" typeface="Raavi"/>
+        <a:font script="Cans" typeface="Euphemia"/>
+        <a:font script="Cher" typeface="Plantagenet Cherokee"/>
+        <a:font script="Yiii" typeface="Microsoft Yi Baiti"/>
+        <a:font script="Tibt" typeface="Microsoft Himalaya"/>
+        <a:font script="Thaa" typeface="MV Boli"/>
+        <a:font script="Deva" typeface="Mangal"/>
+        <a:font script="Telu" typeface="Gautami"/>
+        <a:font script="Taml" typeface="Latha"/>
+        <a:font script="Syrc" typeface="Estrangelo Edessa"/>
+        <a:font script="Orya" typeface="Kalinga"/>
+        <a:font script="Mlym" typeface="Kartika"/>
+        <a:font script="Laoo" typeface="DokChampa"/>
+        <a:font script="Sinh" typeface="Iskoola Pota"/>
+        <a:font script="Mong" typeface="Mongolian Baiti"/>
+        <a:font script="Viet" typeface="Times New Roman"/>
+        <a:font script="Uigh" typeface="Microsoft Uighur"/>
+        <a:font script="Geor" typeface="Sylfaen"/>
+      </a:majorFont>
+      <a:minorFont>
+        <a:latin typeface="Arial"/>
+        <a:ea typeface=""/>
+        <a:cs typeface=""/>
+        <a:font script="Jpan" typeface="ＭＳ Ｐゴシック"/>
+        <a:font script="Hang" typeface="맑은 고딕"/>
+        <a:font script="Hans" typeface="宋体"/>
+        <a:font script="Hant" typeface="新細明體"/>
+        <a:font script="Arab" typeface="Arial"/>
+        <a:font script="Hebr" typeface="Arial"/>
+        <a:font script="Thai" typeface="Cordia New"/>
+        <a:font script="Ethi" typeface="Nyala"/>
+        <a:font script="Beng" typeface="Vrinda"/>
+        <a:font script="Gujr" typeface="Shruti"/>
+        <a:font script="Khmr" typeface="DaunPenh"/>
+        <a:font script="Knda" typeface="Tunga"/>
+        <a:font script="Guru" typeface="Raavi"/>
+        <a:font script="Cans" typeface="Euphemia"/>
+        <a:font script="Cher" typeface="Plantagenet Cherokee"/>
+        <a:font script="Yiii" typeface="Microsoft Yi Baiti"/>
+        <a:font script="Tibt" typeface="Microsoft Himalaya"/>
+        <a:font script="Thaa" typeface="MV Boli"/>
+        <a:font script="Deva" typeface="Mangal"/>
+        <a:font script="Telu" typeface="Gautami"/>
+        <a:font script="Taml" typeface="Latha"/>
+        <a:font script="Syrc" typeface="Estrangelo Edessa"/>
+        <a:font script="Orya" typeface="Kalinga"/>
+        <a:font script="Mlym" typeface="Kartika"/>
+        <a:font script="Laoo" typeface="DokChampa"/>
+        <a:font script="Sinh" typeface="Iskoola Pota"/>
+        <a:font script="Mong" typeface="Mongolian Baiti"/>
+        <a:font script="Viet" typeface="Arial"/>
+        <a:font script="Uigh" typeface="Microsoft Uighur"/>
+        <a:font script="Geor" typeface="Sylfaen"/>
+      </a:minorFont>
+    </a:fontScheme>
+    <a:fmtScheme name="Office">
+      <a:fillStyleLst>
+        <a:solidFill>
+          <a:schemeClr val="phClr"/>
+        </a:solidFill>
+        <a:gradFill rotWithShape="1">
+          <a:gsLst>
+            <a:gs pos="0">
+              <a:schemeClr val="phClr">
+                <a:tint val="50000"/>
+                <a:satMod val="300000"/>
+              </a:schemeClr>
+            </a:gs>
+            <a:gs pos="35000">
+              <a:schemeClr val="phClr">
+                <a:tint val="37000"/>
+                <a:satMod val="300000"/>
+              </a:schemeClr>
+            </a:gs>
+            <a:gs pos="100000">
+              <a:schemeClr val="phClr">
+                <a:tint val="15000"/>
+                <a:satMod val="350000"/>
+              </a:schemeClr>
+            </a:gs>
+          </a:gsLst>
+          <a:lin ang="16200000" scaled="1"/>
+        </a:gradFill>
+        <a:gradFill rotWithShape="1">
+          <a:gsLst>
+            <a:gs pos="0">
+              <a:schemeClr val="phClr">
+                <a:tint val="100000"/>
+                <a:shade val="100000"/>
+                <a:satMod val="130000"/>
+              </a:schemeClr>
+            </a:gs>
+            <a:gs pos="100000">
+              <a:schemeClr val="phClr">
+                <a:tint val="50000"/>
+                <a:shade val="100000"/>
+                <a:satMod val="350000"/>
+              </a:schemeClr>
+            </a:gs>
+          </a:gsLst>
+          <a:lin ang="16200000" scaled="0"/>
+        </a:gradFill>
+      </a:fillStyleLst>
+      <a:lnStyleLst>
+        <a:ln w="9525" cap="flat" cmpd="sng" algn="ctr">
+          <a:solidFill>
+            <a:schemeClr val="phClr">
+              <a:shade val="95000"/>
+              <a:satMod val="105000"/>
+            </a:schemeClr>
+          </a:solidFill>
+          <a:prstDash val="solid"/>
+        </a:ln>
+        <a:ln w="25400" cap="flat" cmpd="sng" algn="ctr">
+          <a:solidFill>
+            <a:schemeClr val="phClr"/>
+          </a:solidFill>
+          <a:prstDash val="solid"/>
+        </a:ln>
+        <a:ln w="38100" cap="flat" cmpd="sng" algn="ctr">
+          <a:solidFill>
+            <a:schemeClr val="phClr"/>
+          </a:solidFill>
+          <a:prstDash val="solid"/>
+        </a:ln>
+      </a:lnStyleLst>
+      <a:effectStyleLst>
+        <a:effectStyle>
+          <a:effectLst>
+            <a:outerShdw blurRad="40000" dist="20000" dir="5400000" rotWithShape="0">
+              <a:srgbClr val="000000">
+                <a:alpha val="38000"/>
+              </a:srgbClr>
+            </a:outerShdw>
+          </a:effectLst>
+        </a:effectStyle>
+        <a:effectStyle>
+          <a:effectLst>
+            <a:outerShdw blurRad="40000" dist="23000" dir="5400000" rotWithShape="0">
+              <a:srgbClr val="000000">
+                <a:alpha val="35000"/>
+              </a:srgbClr>
+            </a:outerShdw>
+          </a:effectLst>
+        </a:effectStyle>
+        <a:effectStyle>
+          <a:effectLst>
+            <a:outerShdw blurRad="40000" dist="23000" dir="5400000" rotWithShape="0">
+              <a:srgbClr val="000000">
+                <a:alpha val="35000"/>
+              </a:srgbClr>
+            </a:outerShdw>
+          </a:effectLst>
+          <a:scene3d>
+            <a:camera prst="orthographicFront">
+              <a:rot lat="0" lon="0" rev="0"/>
+            </a:camera>
+            <a:lightRig rig="threePt" dir="t">
+              <a:rot lat="0" lon="0" rev="1200000"/>
+            </a:lightRig>
+          </a:scene3d>
+          <a:sp3d>
+            <a:bevelT w="63500" h="25400"/>
+          </a:sp3d>
+        </a:effectStyle>
+      </a:effectStyleLst>
+      <a:bgFillStyleLst>
+        <a:solidFill>
+          <a:schemeClr val="phClr"/>
+        </a:solidFill>
+        <a:gradFill rotWithShape="1">
+          <a:gsLst>
+            <a:gs pos="0">
+              <a:schemeClr val="phClr">
+                <a:tint val="40000"/>
+                <a:satMod val="350000"/>
+              </a:schemeClr>
+            </a:gs>
+            <a:gs pos="40000">
+              <a:schemeClr val="phClr">
+                <a:tint val="45000"/>
+                <a:shade val="99000"/>
+                <a:satMod val="350000"/>
+              </a:schemeClr>
+            </a:gs>
+            <a:gs pos="100000">
+              <a:schemeClr val="phClr">
+                <a:shade val="20000"/>
+                <a:satMod val="255000"/>
+              </a:schemeClr>
+            </a:gs>
+          </a:gsLst>
+          <a:path path="circle">
+            <a:fillToRect l="50000" t="-80000" r="50000" b="180000"/>
+          </a:path>
+        </a:gradFill>
+        <a:gradFill rotWithShape="1">
+          <a:gsLst>
+            <a:gs pos="0">
+              <a:schemeClr val="phClr">
+                <a:tint val="80000"/>
+                <a:satMod val="300000"/>
+              </a:schemeClr>
+            </a:gs>
+            <a:gs pos="100000">
+              <a:schemeClr val="phClr">
+                <a:shade val="30000"/>
+                <a:satMod val="200000"/>
+              </a:schemeClr>
+            </a:gs>
+          </a:gsLst>
+          <a:path path="circle">
+            <a:fillToRect l="50000" t="50000" r="50000" b="50000"/>
+          </a:path>
+        </a:gradFill>
+      </a:bgFillStyleLst>
+    </a:fmtScheme>
+  </a:themeElements>
+</a:theme>
+</file>
+
+<file path=ppt/theme/theme2.xml><?xml version="1.0" encoding="utf-8"?>
 <a:theme xmlns:a="http://schemas.openxmlformats.org/drawingml/2006/main" xmlns:r="http://schemas.openxmlformats.org/officeDocument/2006/relationships" name="Spearmint">
   <a:themeElements>
     <a:clrScheme name="Spearmint">
@@ -42806,283 +43085,4 @@
     </a:fmtScheme>
   </a:themeElements>
 </a:theme>
-</file>
-
-<file path=ppt/theme/theme2.xml><?xml version="1.0" encoding="utf-8"?>
-<a:theme xmlns:a="http://schemas.openxmlformats.org/drawingml/2006/main" xmlns:r="http://schemas.openxmlformats.org/officeDocument/2006/relationships">
-  <a:themeElements>
-    <a:clrScheme name="Default">
-      <a:dk1>
-        <a:srgbClr val="000000"/>
-      </a:dk1>
-      <a:lt1>
-        <a:srgbClr val="FFFFFF"/>
-      </a:lt1>
-      <a:dk2>
-        <a:srgbClr val="158158"/>
-      </a:dk2>
-      <a:lt2>
-        <a:srgbClr val="F3F3F3"/>
-      </a:lt2>
-      <a:accent1>
-        <a:srgbClr val="058DC7"/>
-      </a:accent1>
-      <a:accent2>
-        <a:srgbClr val="50B432"/>
-      </a:accent2>
-      <a:accent3>
-        <a:srgbClr val="ED561B"/>
-      </a:accent3>
-      <a:accent4>
-        <a:srgbClr val="EDEF00"/>
-      </a:accent4>
-      <a:accent5>
-        <a:srgbClr val="24CBE5"/>
-      </a:accent5>
-      <a:accent6>
-        <a:srgbClr val="64E572"/>
-      </a:accent6>
-      <a:hlink>
-        <a:srgbClr val="2200CC"/>
-      </a:hlink>
-      <a:folHlink>
-        <a:srgbClr val="551A8B"/>
-      </a:folHlink>
-    </a:clrScheme>
-    <a:fontScheme name="Office">
-      <a:majorFont>
-        <a:latin typeface="Arial"/>
-        <a:ea typeface=""/>
-        <a:cs typeface=""/>
-        <a:font script="Jpan" typeface="ＭＳ Ｐゴシック"/>
-        <a:font script="Hang" typeface="맑은 고딕"/>
-        <a:font script="Hans" typeface="宋体"/>
-        <a:font script="Hant" typeface="新細明體"/>
-        <a:font script="Arab" typeface="Times New Roman"/>
-        <a:font script="Hebr" typeface="Times New Roman"/>
-        <a:font script="Thai" typeface="Angsana New"/>
-        <a:font script="Ethi" typeface="Nyala"/>
-        <a:font script="Beng" typeface="Vrinda"/>
-        <a:font script="Gujr" typeface="Shruti"/>
-        <a:font script="Khmr" typeface="MoolBoran"/>
-        <a:font script="Knda" typeface="Tunga"/>
-        <a:font script="Guru" typeface="Raavi"/>
-        <a:font script="Cans" typeface="Euphemia"/>
-        <a:font script="Cher" typeface="Plantagenet Cherokee"/>
-        <a:font script="Yiii" typeface="Microsoft Yi Baiti"/>
-        <a:font script="Tibt" typeface="Microsoft Himalaya"/>
-        <a:font script="Thaa" typeface="MV Boli"/>
-        <a:font script="Deva" typeface="Mangal"/>
-        <a:font script="Telu" typeface="Gautami"/>
-        <a:font script="Taml" typeface="Latha"/>
-        <a:font script="Syrc" typeface="Estrangelo Edessa"/>
-        <a:font script="Orya" typeface="Kalinga"/>
-        <a:font script="Mlym" typeface="Kartika"/>
-        <a:font script="Laoo" typeface="DokChampa"/>
-        <a:font script="Sinh" typeface="Iskoola Pota"/>
-        <a:font script="Mong" typeface="Mongolian Baiti"/>
-        <a:font script="Viet" typeface="Times New Roman"/>
-        <a:font script="Uigh" typeface="Microsoft Uighur"/>
-        <a:font script="Geor" typeface="Sylfaen"/>
-      </a:majorFont>
-      <a:minorFont>
-        <a:latin typeface="Arial"/>
-        <a:ea typeface=""/>
-        <a:cs typeface=""/>
-        <a:font script="Jpan" typeface="ＭＳ Ｐゴシック"/>
-        <a:font script="Hang" typeface="맑은 고딕"/>
-        <a:font script="Hans" typeface="宋体"/>
-        <a:font script="Hant" typeface="新細明體"/>
-        <a:font script="Arab" typeface="Arial"/>
-        <a:font script="Hebr" typeface="Arial"/>
-        <a:font script="Thai" typeface="Cordia New"/>
-        <a:font script="Ethi" typeface="Nyala"/>
-        <a:font script="Beng" typeface="Vrinda"/>
-        <a:font script="Gujr" typeface="Shruti"/>
-        <a:font script="Khmr" typeface="DaunPenh"/>
-        <a:font script="Knda" typeface="Tunga"/>
-        <a:font script="Guru" typeface="Raavi"/>
-        <a:font script="Cans" typeface="Euphemia"/>
-        <a:font script="Cher" typeface="Plantagenet Cherokee"/>
-        <a:font script="Yiii" typeface="Microsoft Yi Baiti"/>
-        <a:font script="Tibt" typeface="Microsoft Himalaya"/>
-        <a:font script="Thaa" typeface="MV Boli"/>
-        <a:font script="Deva" typeface="Mangal"/>
-        <a:font script="Telu" typeface="Gautami"/>
-        <a:font script="Taml" typeface="Latha"/>
-        <a:font script="Syrc" typeface="Estrangelo Edessa"/>
-        <a:font script="Orya" typeface="Kalinga"/>
-        <a:font script="Mlym" typeface="Kartika"/>
-        <a:font script="Laoo" typeface="DokChampa"/>
-        <a:font script="Sinh" typeface="Iskoola Pota"/>
-        <a:font script="Mong" typeface="Mongolian Baiti"/>
-        <a:font script="Viet" typeface="Arial"/>
-        <a:font script="Uigh" typeface="Microsoft Uighur"/>
-        <a:font script="Geor" typeface="Sylfaen"/>
-      </a:minorFont>
-    </a:fontScheme>
-    <a:fmtScheme name="Office">
-      <a:fillStyleLst>
-        <a:solidFill>
-          <a:schemeClr val="phClr"/>
-        </a:solidFill>
-        <a:gradFill rotWithShape="1">
-          <a:gsLst>
-            <a:gs pos="0">
-              <a:schemeClr val="phClr">
-                <a:tint val="50000"/>
-                <a:satMod val="300000"/>
-              </a:schemeClr>
-            </a:gs>
-            <a:gs pos="35000">
-              <a:schemeClr val="phClr">
-                <a:tint val="37000"/>
-                <a:satMod val="300000"/>
-              </a:schemeClr>
-            </a:gs>
-            <a:gs pos="100000">
-              <a:schemeClr val="phClr">
-                <a:tint val="15000"/>
-                <a:satMod val="350000"/>
-              </a:schemeClr>
-            </a:gs>
-          </a:gsLst>
-          <a:lin ang="16200000" scaled="1"/>
-        </a:gradFill>
-        <a:gradFill rotWithShape="1">
-          <a:gsLst>
-            <a:gs pos="0">
-              <a:schemeClr val="phClr">
-                <a:tint val="100000"/>
-                <a:shade val="100000"/>
-                <a:satMod val="130000"/>
-              </a:schemeClr>
-            </a:gs>
-            <a:gs pos="100000">
-              <a:schemeClr val="phClr">
-                <a:tint val="50000"/>
-                <a:shade val="100000"/>
-                <a:satMod val="350000"/>
-              </a:schemeClr>
-            </a:gs>
-          </a:gsLst>
-          <a:lin ang="16200000" scaled="0"/>
-        </a:gradFill>
-      </a:fillStyleLst>
-      <a:lnStyleLst>
-        <a:ln w="9525" cap="flat" cmpd="sng" algn="ctr">
-          <a:solidFill>
-            <a:schemeClr val="phClr">
-              <a:shade val="95000"/>
-              <a:satMod val="105000"/>
-            </a:schemeClr>
-          </a:solidFill>
-          <a:prstDash val="solid"/>
-        </a:ln>
-        <a:ln w="25400" cap="flat" cmpd="sng" algn="ctr">
-          <a:solidFill>
-            <a:schemeClr val="phClr"/>
-          </a:solidFill>
-          <a:prstDash val="solid"/>
-        </a:ln>
-        <a:ln w="38100" cap="flat" cmpd="sng" algn="ctr">
-          <a:solidFill>
-            <a:schemeClr val="phClr"/>
-          </a:solidFill>
-          <a:prstDash val="solid"/>
-        </a:ln>
-      </a:lnStyleLst>
-      <a:effectStyleLst>
-        <a:effectStyle>
-          <a:effectLst>
-            <a:outerShdw blurRad="40000" dist="20000" dir="5400000" rotWithShape="0">
-              <a:srgbClr val="000000">
-                <a:alpha val="38000"/>
-              </a:srgbClr>
-            </a:outerShdw>
-          </a:effectLst>
-        </a:effectStyle>
-        <a:effectStyle>
-          <a:effectLst>
-            <a:outerShdw blurRad="40000" dist="23000" dir="5400000" rotWithShape="0">
-              <a:srgbClr val="000000">
-                <a:alpha val="35000"/>
-              </a:srgbClr>
-            </a:outerShdw>
-          </a:effectLst>
-        </a:effectStyle>
-        <a:effectStyle>
-          <a:effectLst>
-            <a:outerShdw blurRad="40000" dist="23000" dir="5400000" rotWithShape="0">
-              <a:srgbClr val="000000">
-                <a:alpha val="35000"/>
-              </a:srgbClr>
-            </a:outerShdw>
-          </a:effectLst>
-          <a:scene3d>
-            <a:camera prst="orthographicFront">
-              <a:rot lat="0" lon="0" rev="0"/>
-            </a:camera>
-            <a:lightRig rig="threePt" dir="t">
-              <a:rot lat="0" lon="0" rev="1200000"/>
-            </a:lightRig>
-          </a:scene3d>
-          <a:sp3d>
-            <a:bevelT w="63500" h="25400"/>
-          </a:sp3d>
-        </a:effectStyle>
-      </a:effectStyleLst>
-      <a:bgFillStyleLst>
-        <a:solidFill>
-          <a:schemeClr val="phClr"/>
-        </a:solidFill>
-        <a:gradFill rotWithShape="1">
-          <a:gsLst>
-            <a:gs pos="0">
-              <a:schemeClr val="phClr">
-                <a:tint val="40000"/>
-                <a:satMod val="350000"/>
-              </a:schemeClr>
-            </a:gs>
-            <a:gs pos="40000">
-              <a:schemeClr val="phClr">
-                <a:tint val="45000"/>
-                <a:shade val="99000"/>
-                <a:satMod val="350000"/>
-              </a:schemeClr>
-            </a:gs>
-            <a:gs pos="100000">
-              <a:schemeClr val="phClr">
-                <a:shade val="20000"/>
-                <a:satMod val="255000"/>
-              </a:schemeClr>
-            </a:gs>
-          </a:gsLst>
-          <a:path path="circle">
-            <a:fillToRect l="50000" t="-80000" r="50000" b="180000"/>
-          </a:path>
-        </a:gradFill>
-        <a:gradFill rotWithShape="1">
-          <a:gsLst>
-            <a:gs pos="0">
-              <a:schemeClr val="phClr">
-                <a:tint val="80000"/>
-                <a:satMod val="300000"/>
-              </a:schemeClr>
-            </a:gs>
-            <a:gs pos="100000">
-              <a:schemeClr val="phClr">
-                <a:shade val="30000"/>
-                <a:satMod val="200000"/>
-              </a:schemeClr>
-            </a:gs>
-          </a:gsLst>
-          <a:path path="circle">
-            <a:fillToRect l="50000" t="50000" r="50000" b="50000"/>
-          </a:path>
-        </a:gradFill>
-      </a:bgFillStyleLst>
-    </a:fmtScheme>
-  </a:themeElements>
-</a:theme>
 </file>